--- a/Slides/CL_CA_RA_KT.PPTX
+++ b/Slides/CL_CA_RA_KT.PPTX
@@ -5,20 +5,27 @@
     <p:sldMasterId id="2147483737" r:id="rId1"/>
   </p:sldMasterIdLst>
   <p:notesMasterIdLst>
-    <p:notesMasterId r:id="rId10"/>
+    <p:notesMasterId r:id="rId17"/>
   </p:notesMasterIdLst>
   <p:handoutMasterIdLst>
-    <p:handoutMasterId r:id="rId11"/>
+    <p:handoutMasterId r:id="rId18"/>
   </p:handoutMasterIdLst>
   <p:sldIdLst>
     <p:sldId id="353" r:id="rId2"/>
     <p:sldId id="363" r:id="rId3"/>
-    <p:sldId id="284" r:id="rId4"/>
+    <p:sldId id="364" r:id="rId4"/>
     <p:sldId id="325" r:id="rId5"/>
-    <p:sldId id="361" r:id="rId6"/>
-    <p:sldId id="362" r:id="rId7"/>
-    <p:sldId id="265" r:id="rId8"/>
-    <p:sldId id="339" r:id="rId9"/>
+    <p:sldId id="284" r:id="rId6"/>
+    <p:sldId id="367" r:id="rId7"/>
+    <p:sldId id="369" r:id="rId8"/>
+    <p:sldId id="370" r:id="rId9"/>
+    <p:sldId id="365" r:id="rId10"/>
+    <p:sldId id="368" r:id="rId11"/>
+    <p:sldId id="362" r:id="rId12"/>
+    <p:sldId id="366" r:id="rId13"/>
+    <p:sldId id="361" r:id="rId14"/>
+    <p:sldId id="265" r:id="rId15"/>
+    <p:sldId id="339" r:id="rId16"/>
   </p:sldIdLst>
   <p:sldSz cx="9144000" cy="6858000" type="screen4x3"/>
   <p:notesSz cx="6858000" cy="9144000"/>
@@ -614,6 +621,93 @@
 </p:notes>
 </file>
 
+<file path=ppt/notesSlides/notesSlide10.xml><?xml version="1.0" encoding="utf-8"?>
+<p:notes xmlns:a="http://schemas.openxmlformats.org/drawingml/2006/main" xmlns:r="http://schemas.openxmlformats.org/officeDocument/2006/relationships" xmlns:p="http://schemas.openxmlformats.org/presentationml/2006/main">
+  <p:cSld>
+    <p:spTree>
+      <p:nvGrpSpPr>
+        <p:cNvPr id="1" name=""/>
+        <p:cNvGrpSpPr/>
+        <p:nvPr/>
+      </p:nvGrpSpPr>
+      <p:grpSpPr>
+        <a:xfrm>
+          <a:off x="0" y="0"/>
+          <a:ext cx="0" cy="0"/>
+          <a:chOff x="0" y="0"/>
+          <a:chExt cx="0" cy="0"/>
+        </a:xfrm>
+      </p:grpSpPr>
+      <p:sp>
+        <p:nvSpPr>
+          <p:cNvPr id="2" name="Slide Image Placeholder 1"/>
+          <p:cNvSpPr>
+            <a:spLocks noGrp="1" noRot="1" noChangeAspect="1"/>
+          </p:cNvSpPr>
+          <p:nvPr>
+            <p:ph type="sldImg"/>
+          </p:nvPr>
+        </p:nvSpPr>
+        <p:spPr/>
+      </p:sp>
+      <p:sp>
+        <p:nvSpPr>
+          <p:cNvPr id="3" name="Notes Placeholder 2"/>
+          <p:cNvSpPr>
+            <a:spLocks noGrp="1"/>
+          </p:cNvSpPr>
+          <p:nvPr>
+            <p:ph type="body" idx="1"/>
+          </p:nvPr>
+        </p:nvSpPr>
+        <p:spPr/>
+        <p:txBody>
+          <a:bodyPr>
+            <a:normAutofit/>
+          </a:bodyPr>
+          <a:lstStyle/>
+          <a:p>
+            <a:endParaRPr lang="en-US" dirty="0"/>
+          </a:p>
+        </p:txBody>
+      </p:sp>
+      <p:sp>
+        <p:nvSpPr>
+          <p:cNvPr id="4" name="Slide Number Placeholder 3"/>
+          <p:cNvSpPr>
+            <a:spLocks noGrp="1"/>
+          </p:cNvSpPr>
+          <p:nvPr>
+            <p:ph type="sldNum" sz="quarter" idx="10"/>
+          </p:nvPr>
+        </p:nvSpPr>
+        <p:spPr/>
+        <p:txBody>
+          <a:bodyPr/>
+          <a:lstStyle/>
+          <a:p>
+            <a:fld id="{7D8C2C35-2B8A-446E-BEC0-FD36716C29AC}" type="slidenum">
+              <a:rPr lang="en-US" smtClean="0"/>
+              <a:pPr/>
+              <a:t>15</a:t>
+            </a:fld>
+            <a:endParaRPr lang="en-US" dirty="0"/>
+          </a:p>
+        </p:txBody>
+      </p:sp>
+    </p:spTree>
+    <p:extLst>
+      <p:ext uri="{BB962C8B-B14F-4D97-AF65-F5344CB8AC3E}">
+        <p14:creationId xmlns:p14="http://schemas.microsoft.com/office/powerpoint/2010/main" val="2515052728"/>
+      </p:ext>
+    </p:extLst>
+  </p:cSld>
+  <p:clrMapOvr>
+    <a:masterClrMapping/>
+  </p:clrMapOvr>
+</p:notes>
+</file>
+
 <file path=ppt/notesSlides/notesSlide2.xml><?xml version="1.0" encoding="utf-8"?>
 <p:notes xmlns:a="http://schemas.openxmlformats.org/drawingml/2006/main" xmlns:r="http://schemas.openxmlformats.org/officeDocument/2006/relationships" xmlns:p="http://schemas.openxmlformats.org/presentationml/2006/main">
   <p:cSld>
@@ -691,7 +785,7 @@
     </p:spTree>
     <p:extLst>
       <p:ext uri="{BB962C8B-B14F-4D97-AF65-F5344CB8AC3E}">
-        <p14:creationId xmlns:p14="http://schemas.microsoft.com/office/powerpoint/2010/main" val="2185045406"/>
+        <p14:creationId xmlns:p14="http://schemas.microsoft.com/office/powerpoint/2010/main" val="3972071831"/>
       </p:ext>
     </p:extLst>
   </p:cSld>
@@ -807,31 +901,7 @@
       </p:grpSpPr>
       <p:sp>
         <p:nvSpPr>
-          <p:cNvPr id="4" name="Slide Number Placeholder 3"/>
-          <p:cNvSpPr>
-            <a:spLocks noGrp="1"/>
-          </p:cNvSpPr>
-          <p:nvPr>
-            <p:ph type="sldNum" sz="quarter" idx="10"/>
-          </p:nvPr>
-        </p:nvSpPr>
-        <p:spPr/>
-        <p:txBody>
-          <a:bodyPr/>
-          <a:lstStyle/>
-          <a:p>
-            <a:fld id="{7D8C2C35-2B8A-446E-BEC0-FD36716C29AC}" type="slidenum">
-              <a:rPr lang="en-US" smtClean="0"/>
-              <a:pPr/>
-              <a:t>7</a:t>
-            </a:fld>
-            <a:endParaRPr lang="en-US" dirty="0"/>
-          </a:p>
-        </p:txBody>
-      </p:sp>
-      <p:sp>
-        <p:nvSpPr>
-          <p:cNvPr id="15" name="Slide Image Placeholder 14"/>
+          <p:cNvPr id="2" name="Slide Image Placeholder 1"/>
           <p:cNvSpPr>
             <a:spLocks noGrp="1" noRot="1" noChangeAspect="1"/>
           </p:cNvSpPr>
@@ -843,7 +913,7 @@
       </p:sp>
       <p:sp>
         <p:nvSpPr>
-          <p:cNvPr id="16" name="Notes Placeholder 15"/>
+          <p:cNvPr id="3" name="Notes Placeholder 2"/>
           <p:cNvSpPr>
             <a:spLocks noGrp="1"/>
           </p:cNvSpPr>
@@ -862,10 +932,34 @@
           </a:p>
         </p:txBody>
       </p:sp>
+      <p:sp>
+        <p:nvSpPr>
+          <p:cNvPr id="4" name="Slide Number Placeholder 3"/>
+          <p:cNvSpPr>
+            <a:spLocks noGrp="1"/>
+          </p:cNvSpPr>
+          <p:nvPr>
+            <p:ph type="sldNum" sz="quarter" idx="10"/>
+          </p:nvPr>
+        </p:nvSpPr>
+        <p:spPr/>
+        <p:txBody>
+          <a:bodyPr/>
+          <a:lstStyle/>
+          <a:p>
+            <a:fld id="{7D8C2C35-2B8A-446E-BEC0-FD36716C29AC}" type="slidenum">
+              <a:rPr lang="en-US" smtClean="0"/>
+              <a:pPr/>
+              <a:t>5</a:t>
+            </a:fld>
+            <a:endParaRPr lang="en-US" dirty="0"/>
+          </a:p>
+        </p:txBody>
+      </p:sp>
     </p:spTree>
     <p:extLst>
       <p:ext uri="{BB962C8B-B14F-4D97-AF65-F5344CB8AC3E}">
-        <p14:creationId xmlns:p14="http://schemas.microsoft.com/office/powerpoint/2010/main" val="1624681528"/>
+        <p14:creationId xmlns:p14="http://schemas.microsoft.com/office/powerpoint/2010/main" val="2185045406"/>
       </p:ext>
     </p:extLst>
   </p:cSld>
@@ -943,7 +1037,7 @@
             <a:fld id="{7D8C2C35-2B8A-446E-BEC0-FD36716C29AC}" type="slidenum">
               <a:rPr lang="en-US" smtClean="0"/>
               <a:pPr/>
-              <a:t>8</a:t>
+              <a:t>6</a:t>
             </a:fld>
             <a:endParaRPr lang="en-US" dirty="0"/>
           </a:p>
@@ -952,7 +1046,355 @@
     </p:spTree>
     <p:extLst>
       <p:ext uri="{BB962C8B-B14F-4D97-AF65-F5344CB8AC3E}">
-        <p14:creationId xmlns:p14="http://schemas.microsoft.com/office/powerpoint/2010/main" val="2515052728"/>
+        <p14:creationId xmlns:p14="http://schemas.microsoft.com/office/powerpoint/2010/main" val="3342343646"/>
+      </p:ext>
+    </p:extLst>
+  </p:cSld>
+  <p:clrMapOvr>
+    <a:masterClrMapping/>
+  </p:clrMapOvr>
+</p:notes>
+</file>
+
+<file path=ppt/notesSlides/notesSlide6.xml><?xml version="1.0" encoding="utf-8"?>
+<p:notes xmlns:a="http://schemas.openxmlformats.org/drawingml/2006/main" xmlns:r="http://schemas.openxmlformats.org/officeDocument/2006/relationships" xmlns:p="http://schemas.openxmlformats.org/presentationml/2006/main">
+  <p:cSld>
+    <p:spTree>
+      <p:nvGrpSpPr>
+        <p:cNvPr id="1" name=""/>
+        <p:cNvGrpSpPr/>
+        <p:nvPr/>
+      </p:nvGrpSpPr>
+      <p:grpSpPr>
+        <a:xfrm>
+          <a:off x="0" y="0"/>
+          <a:ext cx="0" cy="0"/>
+          <a:chOff x="0" y="0"/>
+          <a:chExt cx="0" cy="0"/>
+        </a:xfrm>
+      </p:grpSpPr>
+      <p:sp>
+        <p:nvSpPr>
+          <p:cNvPr id="2" name="Slide Image Placeholder 1"/>
+          <p:cNvSpPr>
+            <a:spLocks noGrp="1" noRot="1" noChangeAspect="1"/>
+          </p:cNvSpPr>
+          <p:nvPr>
+            <p:ph type="sldImg"/>
+          </p:nvPr>
+        </p:nvSpPr>
+        <p:spPr/>
+      </p:sp>
+      <p:sp>
+        <p:nvSpPr>
+          <p:cNvPr id="3" name="Notes Placeholder 2"/>
+          <p:cNvSpPr>
+            <a:spLocks noGrp="1"/>
+          </p:cNvSpPr>
+          <p:nvPr>
+            <p:ph type="body" idx="1"/>
+          </p:nvPr>
+        </p:nvSpPr>
+        <p:spPr/>
+        <p:txBody>
+          <a:bodyPr>
+            <a:normAutofit/>
+          </a:bodyPr>
+          <a:lstStyle/>
+          <a:p>
+            <a:endParaRPr lang="en-US" dirty="0"/>
+          </a:p>
+        </p:txBody>
+      </p:sp>
+      <p:sp>
+        <p:nvSpPr>
+          <p:cNvPr id="4" name="Slide Number Placeholder 3"/>
+          <p:cNvSpPr>
+            <a:spLocks noGrp="1"/>
+          </p:cNvSpPr>
+          <p:nvPr>
+            <p:ph type="sldNum" sz="quarter" idx="10"/>
+          </p:nvPr>
+        </p:nvSpPr>
+        <p:spPr/>
+        <p:txBody>
+          <a:bodyPr/>
+          <a:lstStyle/>
+          <a:p>
+            <a:fld id="{7D8C2C35-2B8A-446E-BEC0-FD36716C29AC}" type="slidenum">
+              <a:rPr lang="en-US" smtClean="0"/>
+              <a:pPr/>
+              <a:t>7</a:t>
+            </a:fld>
+            <a:endParaRPr lang="en-US" dirty="0"/>
+          </a:p>
+        </p:txBody>
+      </p:sp>
+    </p:spTree>
+    <p:extLst>
+      <p:ext uri="{BB962C8B-B14F-4D97-AF65-F5344CB8AC3E}">
+        <p14:creationId xmlns:p14="http://schemas.microsoft.com/office/powerpoint/2010/main" val="1314576793"/>
+      </p:ext>
+    </p:extLst>
+  </p:cSld>
+  <p:clrMapOvr>
+    <a:masterClrMapping/>
+  </p:clrMapOvr>
+</p:notes>
+</file>
+
+<file path=ppt/notesSlides/notesSlide7.xml><?xml version="1.0" encoding="utf-8"?>
+<p:notes xmlns:a="http://schemas.openxmlformats.org/drawingml/2006/main" xmlns:r="http://schemas.openxmlformats.org/officeDocument/2006/relationships" xmlns:p="http://schemas.openxmlformats.org/presentationml/2006/main">
+  <p:cSld>
+    <p:spTree>
+      <p:nvGrpSpPr>
+        <p:cNvPr id="1" name=""/>
+        <p:cNvGrpSpPr/>
+        <p:nvPr/>
+      </p:nvGrpSpPr>
+      <p:grpSpPr>
+        <a:xfrm>
+          <a:off x="0" y="0"/>
+          <a:ext cx="0" cy="0"/>
+          <a:chOff x="0" y="0"/>
+          <a:chExt cx="0" cy="0"/>
+        </a:xfrm>
+      </p:grpSpPr>
+      <p:sp>
+        <p:nvSpPr>
+          <p:cNvPr id="2" name="Slide Image Placeholder 1"/>
+          <p:cNvSpPr>
+            <a:spLocks noGrp="1" noRot="1" noChangeAspect="1"/>
+          </p:cNvSpPr>
+          <p:nvPr>
+            <p:ph type="sldImg"/>
+          </p:nvPr>
+        </p:nvSpPr>
+        <p:spPr/>
+      </p:sp>
+      <p:sp>
+        <p:nvSpPr>
+          <p:cNvPr id="3" name="Notes Placeholder 2"/>
+          <p:cNvSpPr>
+            <a:spLocks noGrp="1"/>
+          </p:cNvSpPr>
+          <p:nvPr>
+            <p:ph type="body" idx="1"/>
+          </p:nvPr>
+        </p:nvSpPr>
+        <p:spPr/>
+        <p:txBody>
+          <a:bodyPr>
+            <a:normAutofit/>
+          </a:bodyPr>
+          <a:lstStyle/>
+          <a:p>
+            <a:endParaRPr lang="en-US" dirty="0"/>
+          </a:p>
+        </p:txBody>
+      </p:sp>
+      <p:sp>
+        <p:nvSpPr>
+          <p:cNvPr id="4" name="Slide Number Placeholder 3"/>
+          <p:cNvSpPr>
+            <a:spLocks noGrp="1"/>
+          </p:cNvSpPr>
+          <p:nvPr>
+            <p:ph type="sldNum" sz="quarter" idx="10"/>
+          </p:nvPr>
+        </p:nvSpPr>
+        <p:spPr/>
+        <p:txBody>
+          <a:bodyPr/>
+          <a:lstStyle/>
+          <a:p>
+            <a:fld id="{7D8C2C35-2B8A-446E-BEC0-FD36716C29AC}" type="slidenum">
+              <a:rPr lang="en-US" smtClean="0"/>
+              <a:pPr/>
+              <a:t>8</a:t>
+            </a:fld>
+            <a:endParaRPr lang="en-US" dirty="0"/>
+          </a:p>
+        </p:txBody>
+      </p:sp>
+    </p:spTree>
+    <p:extLst>
+      <p:ext uri="{BB962C8B-B14F-4D97-AF65-F5344CB8AC3E}">
+        <p14:creationId xmlns:p14="http://schemas.microsoft.com/office/powerpoint/2010/main" val="3822950319"/>
+      </p:ext>
+    </p:extLst>
+  </p:cSld>
+  <p:clrMapOvr>
+    <a:masterClrMapping/>
+  </p:clrMapOvr>
+</p:notes>
+</file>
+
+<file path=ppt/notesSlides/notesSlide8.xml><?xml version="1.0" encoding="utf-8"?>
+<p:notes xmlns:a="http://schemas.openxmlformats.org/drawingml/2006/main" xmlns:r="http://schemas.openxmlformats.org/officeDocument/2006/relationships" xmlns:p="http://schemas.openxmlformats.org/presentationml/2006/main">
+  <p:cSld>
+    <p:spTree>
+      <p:nvGrpSpPr>
+        <p:cNvPr id="1" name=""/>
+        <p:cNvGrpSpPr/>
+        <p:nvPr/>
+      </p:nvGrpSpPr>
+      <p:grpSpPr>
+        <a:xfrm>
+          <a:off x="0" y="0"/>
+          <a:ext cx="0" cy="0"/>
+          <a:chOff x="0" y="0"/>
+          <a:chExt cx="0" cy="0"/>
+        </a:xfrm>
+      </p:grpSpPr>
+      <p:sp>
+        <p:nvSpPr>
+          <p:cNvPr id="2" name="Slide Image Placeholder 1"/>
+          <p:cNvSpPr>
+            <a:spLocks noGrp="1" noRot="1" noChangeAspect="1"/>
+          </p:cNvSpPr>
+          <p:nvPr>
+            <p:ph type="sldImg"/>
+          </p:nvPr>
+        </p:nvSpPr>
+        <p:spPr/>
+      </p:sp>
+      <p:sp>
+        <p:nvSpPr>
+          <p:cNvPr id="3" name="Notes Placeholder 2"/>
+          <p:cNvSpPr>
+            <a:spLocks noGrp="1"/>
+          </p:cNvSpPr>
+          <p:nvPr>
+            <p:ph type="body" idx="1"/>
+          </p:nvPr>
+        </p:nvSpPr>
+        <p:spPr/>
+        <p:txBody>
+          <a:bodyPr>
+            <a:normAutofit/>
+          </a:bodyPr>
+          <a:lstStyle/>
+          <a:p>
+            <a:endParaRPr lang="en-US" dirty="0"/>
+          </a:p>
+        </p:txBody>
+      </p:sp>
+      <p:sp>
+        <p:nvSpPr>
+          <p:cNvPr id="4" name="Slide Number Placeholder 3"/>
+          <p:cNvSpPr>
+            <a:spLocks noGrp="1"/>
+          </p:cNvSpPr>
+          <p:nvPr>
+            <p:ph type="sldNum" sz="quarter" idx="10"/>
+          </p:nvPr>
+        </p:nvSpPr>
+        <p:spPr/>
+        <p:txBody>
+          <a:bodyPr/>
+          <a:lstStyle/>
+          <a:p>
+            <a:fld id="{7D8C2C35-2B8A-446E-BEC0-FD36716C29AC}" type="slidenum">
+              <a:rPr lang="en-US" smtClean="0"/>
+              <a:pPr/>
+              <a:t>10</a:t>
+            </a:fld>
+            <a:endParaRPr lang="en-US" dirty="0"/>
+          </a:p>
+        </p:txBody>
+      </p:sp>
+    </p:spTree>
+    <p:extLst>
+      <p:ext uri="{BB962C8B-B14F-4D97-AF65-F5344CB8AC3E}">
+        <p14:creationId xmlns:p14="http://schemas.microsoft.com/office/powerpoint/2010/main" val="676967991"/>
+      </p:ext>
+    </p:extLst>
+  </p:cSld>
+  <p:clrMapOvr>
+    <a:masterClrMapping/>
+  </p:clrMapOvr>
+</p:notes>
+</file>
+
+<file path=ppt/notesSlides/notesSlide9.xml><?xml version="1.0" encoding="utf-8"?>
+<p:notes xmlns:a="http://schemas.openxmlformats.org/drawingml/2006/main" xmlns:r="http://schemas.openxmlformats.org/officeDocument/2006/relationships" xmlns:p="http://schemas.openxmlformats.org/presentationml/2006/main">
+  <p:cSld>
+    <p:spTree>
+      <p:nvGrpSpPr>
+        <p:cNvPr id="1" name=""/>
+        <p:cNvGrpSpPr/>
+        <p:nvPr/>
+      </p:nvGrpSpPr>
+      <p:grpSpPr>
+        <a:xfrm>
+          <a:off x="0" y="0"/>
+          <a:ext cx="0" cy="0"/>
+          <a:chOff x="0" y="0"/>
+          <a:chExt cx="0" cy="0"/>
+        </a:xfrm>
+      </p:grpSpPr>
+      <p:sp>
+        <p:nvSpPr>
+          <p:cNvPr id="4" name="Slide Number Placeholder 3"/>
+          <p:cNvSpPr>
+            <a:spLocks noGrp="1"/>
+          </p:cNvSpPr>
+          <p:nvPr>
+            <p:ph type="sldNum" sz="quarter" idx="10"/>
+          </p:nvPr>
+        </p:nvSpPr>
+        <p:spPr/>
+        <p:txBody>
+          <a:bodyPr/>
+          <a:lstStyle/>
+          <a:p>
+            <a:fld id="{7D8C2C35-2B8A-446E-BEC0-FD36716C29AC}" type="slidenum">
+              <a:rPr lang="en-US" smtClean="0"/>
+              <a:pPr/>
+              <a:t>14</a:t>
+            </a:fld>
+            <a:endParaRPr lang="en-US" dirty="0"/>
+          </a:p>
+        </p:txBody>
+      </p:sp>
+      <p:sp>
+        <p:nvSpPr>
+          <p:cNvPr id="15" name="Slide Image Placeholder 14"/>
+          <p:cNvSpPr>
+            <a:spLocks noGrp="1" noRot="1" noChangeAspect="1"/>
+          </p:cNvSpPr>
+          <p:nvPr>
+            <p:ph type="sldImg"/>
+          </p:nvPr>
+        </p:nvSpPr>
+        <p:spPr/>
+      </p:sp>
+      <p:sp>
+        <p:nvSpPr>
+          <p:cNvPr id="16" name="Notes Placeholder 15"/>
+          <p:cNvSpPr>
+            <a:spLocks noGrp="1"/>
+          </p:cNvSpPr>
+          <p:nvPr>
+            <p:ph type="body" idx="1"/>
+          </p:nvPr>
+        </p:nvSpPr>
+        <p:spPr/>
+        <p:txBody>
+          <a:bodyPr>
+            <a:normAutofit/>
+          </a:bodyPr>
+          <a:lstStyle/>
+          <a:p>
+            <a:endParaRPr lang="en-US" dirty="0"/>
+          </a:p>
+        </p:txBody>
+      </p:sp>
+    </p:spTree>
+    <p:extLst>
+      <p:ext uri="{BB962C8B-B14F-4D97-AF65-F5344CB8AC3E}">
+        <p14:creationId xmlns:p14="http://schemas.microsoft.com/office/powerpoint/2010/main" val="1624681528"/>
       </p:ext>
     </p:extLst>
   </p:cSld>
@@ -7112,15 +7554,7 @@
           <a:p>
             <a:r>
               <a:rPr lang="en-US" sz="4000" dirty="0" smtClean="0"/>
-              <a:t>Contract Liability, </a:t>
-            </a:r>
-            <a:r>
-              <a:rPr lang="en-US" sz="4000" dirty="0" smtClean="0"/>
-              <a:t>Contract </a:t>
-            </a:r>
-            <a:r>
-              <a:rPr lang="en-US" sz="4000" dirty="0" smtClean="0"/>
-              <a:t>Asset and Receivable</a:t>
+              <a:t>Contract Liability, Contract Asset and Receivable</a:t>
             </a:r>
             <a:endParaRPr lang="en-US" sz="4000" dirty="0"/>
           </a:p>
@@ -7243,7 +7677,7 @@
 </p:sld>
 </file>
 
-<file path=ppt/slides/slide2.xml><?xml version="1.0" encoding="utf-8"?>
+<file path=ppt/slides/slide10.xml><?xml version="1.0" encoding="utf-8"?>
 <p:sld xmlns:a="http://schemas.openxmlformats.org/drawingml/2006/main" xmlns:r="http://schemas.openxmlformats.org/officeDocument/2006/relationships" xmlns:p="http://schemas.openxmlformats.org/presentationml/2006/main">
   <p:cSld>
     <p:spTree>
@@ -7277,7 +7711,7 @@
           <a:p>
             <a:r>
               <a:rPr lang="en-US" altLang="zh-CN" dirty="0" smtClean="0"/>
-              <a:t>Agenda</a:t>
+              <a:t>Example </a:t>
             </a:r>
             <a:endParaRPr lang="en-US" dirty="0"/>
           </a:p>
@@ -7293,77 +7727,38 @@
             <p:ph type="body" sz="quarter" idx="10"/>
           </p:nvPr>
         </p:nvSpPr>
-        <p:spPr/>
+        <p:spPr>
+          <a:xfrm>
+            <a:off x="324000" y="1408055"/>
+            <a:ext cx="8494713" cy="4391026"/>
+          </a:xfrm>
+        </p:spPr>
         <p:txBody>
           <a:bodyPr/>
           <a:lstStyle/>
           <a:p>
-            <a:r>
-              <a:rPr lang="en-US" dirty="0" smtClean="0"/>
-              <a:t>Contract Liability/Contract Asset/Receivable in IFRS 15</a:t>
-            </a:r>
-          </a:p>
-          <a:p>
-            <a:pPr marL="285750" indent="-285750">
-              <a:buFont typeface="Arial" panose="020B0604020202020204" pitchFamily="34" charset="0"/>
-              <a:buChar char="•"/>
-            </a:pPr>
-            <a:r>
-              <a:rPr lang="en-US" dirty="0" smtClean="0"/>
-              <a:t>Definition and Example of IFRS 15.</a:t>
-            </a:r>
-          </a:p>
-          <a:p>
-            <a:pPr marL="285750" indent="-285750">
-              <a:buFont typeface="Arial" panose="020B0604020202020204" pitchFamily="34" charset="0"/>
-              <a:buChar char="•"/>
-            </a:pPr>
-            <a:r>
-              <a:rPr lang="en-US" altLang="zh-CN" dirty="0" smtClean="0"/>
-              <a:t>Impact </a:t>
-            </a:r>
-            <a:r>
-              <a:rPr lang="en-US" dirty="0" smtClean="0"/>
-              <a:t>Multi-Element</a:t>
-            </a:r>
-            <a:r>
-              <a:rPr lang="en-US" altLang="zh-CN" dirty="0" smtClean="0"/>
-              <a:t>-Arrangement </a:t>
-            </a:r>
-          </a:p>
-          <a:p>
-            <a:pPr marL="285750" indent="-285750">
-              <a:buFont typeface="Arial" panose="020B0604020202020204" pitchFamily="34" charset="0"/>
-              <a:buChar char="•"/>
-            </a:pPr>
-            <a:r>
-              <a:rPr lang="en-US" altLang="zh-CN" dirty="0" smtClean="0"/>
-              <a:t>Impact on Foreign Currency Handling</a:t>
-            </a:r>
-          </a:p>
-          <a:p>
-            <a:r>
-              <a:rPr lang="en-US" dirty="0" smtClean="0"/>
-              <a:t>Contract Liability/Contract Asset/Receivable in RAR</a:t>
-            </a:r>
-          </a:p>
-          <a:p>
-            <a:pPr marL="285750" indent="-285750">
-              <a:buFont typeface="Arial" panose="020B0604020202020204" pitchFamily="34" charset="0"/>
-              <a:buChar char="•"/>
-            </a:pPr>
-            <a:r>
-              <a:rPr lang="en-US" altLang="zh-CN" dirty="0" smtClean="0"/>
-              <a:t>Booking of </a:t>
-            </a:r>
-            <a:r>
-              <a:rPr lang="en-US" altLang="zh-CN" dirty="0" err="1" smtClean="0"/>
-              <a:t>Recevible</a:t>
-            </a:r>
-            <a:r>
-              <a:rPr lang="en-US" altLang="zh-CN" dirty="0" smtClean="0"/>
+            <a:pPr lvl="0"/>
+            <a:r>
+              <a:rPr lang="en-US" dirty="0"/>
+              <a:t/>
+            </a:r>
+            <a:br>
+              <a:rPr lang="en-US" dirty="0"/>
+            </a:br>
+            <a:r>
+              <a:rPr lang="en-US" dirty="0"/>
+              <a:t/>
+            </a:r>
+            <a:br>
+              <a:rPr lang="en-US" dirty="0"/>
+            </a:br>
+            <a:r>
+              <a:rPr lang="en-US" dirty="0"/>
               <a:t> </a:t>
             </a:r>
+            <a:br>
+              <a:rPr lang="en-US" dirty="0"/>
+            </a:br>
             <a:endParaRPr lang="en-US" dirty="0" smtClean="0"/>
           </a:p>
         </p:txBody>
@@ -7371,17 +7766,25 @@
     </p:spTree>
     <p:extLst>
       <p:ext uri="{BB962C8B-B14F-4D97-AF65-F5344CB8AC3E}">
-        <p14:creationId xmlns:p14="http://schemas.microsoft.com/office/powerpoint/2010/main" val="4240825526"/>
+        <p14:creationId xmlns:p14="http://schemas.microsoft.com/office/powerpoint/2010/main" val="3576537944"/>
       </p:ext>
     </p:extLst>
   </p:cSld>
   <p:clrMapOvr>
     <a:masterClrMapping/>
   </p:clrMapOvr>
+  <p:transition spd="med"/>
+  <p:timing>
+    <p:tnLst>
+      <p:par>
+        <p:cTn id="1" dur="indefinite" restart="never" nodeType="tmRoot"/>
+      </p:par>
+    </p:tnLst>
+  </p:timing>
 </p:sld>
 </file>
 
-<file path=ppt/slides/slide3.xml><?xml version="1.0" encoding="utf-8"?>
+<file path=ppt/slides/slide11.xml><?xml version="1.0" encoding="utf-8"?>
 <p:sld xmlns:a="http://schemas.openxmlformats.org/drawingml/2006/main" xmlns:r="http://schemas.openxmlformats.org/officeDocument/2006/relationships" xmlns:p="http://schemas.openxmlformats.org/presentationml/2006/main">
   <p:cSld>
     <p:spTree>
@@ -7414,3494 +7817,12 @@
           <a:lstStyle/>
           <a:p>
             <a:r>
-              <a:rPr lang="en-US" altLang="zh-CN" dirty="0" smtClean="0"/>
-              <a:t>Contract Asset</a:t>
-            </a:r>
-            <a:endParaRPr lang="en-US" dirty="0"/>
-          </a:p>
-        </p:txBody>
-      </p:sp>
-      <p:sp>
-        <p:nvSpPr>
-          <p:cNvPr id="3" name="Text Placeholder 2"/>
-          <p:cNvSpPr>
-            <a:spLocks noGrp="1"/>
-          </p:cNvSpPr>
-          <p:nvPr>
-            <p:ph type="body" sz="quarter" idx="10"/>
-          </p:nvPr>
-        </p:nvSpPr>
-        <p:spPr/>
-        <p:txBody>
-          <a:bodyPr/>
-          <a:lstStyle/>
-          <a:p>
-            <a:pPr lvl="0"/>
-            <a:r>
-              <a:rPr lang="en-US" b="0" dirty="0" smtClean="0"/>
-              <a:t>IFRS 15 definition:</a:t>
-            </a:r>
-          </a:p>
-          <a:p>
-            <a:pPr lvl="0"/>
-            <a:r>
-              <a:rPr lang="en-US" b="0" dirty="0" smtClean="0"/>
-              <a:t>If </a:t>
-            </a:r>
-            <a:r>
-              <a:rPr lang="en-US" b="0" dirty="0"/>
-              <a:t>an entity performs by transferring goods or services to a customer before the</a:t>
-            </a:r>
-            <a:br>
-              <a:rPr lang="en-US" b="0" dirty="0"/>
-            </a:br>
-            <a:r>
-              <a:rPr lang="en-US" b="0" dirty="0"/>
-              <a:t>customer </a:t>
-            </a:r>
-            <a:r>
-              <a:rPr lang="en-US" dirty="0"/>
-              <a:t>pays</a:t>
-            </a:r>
-            <a:r>
-              <a:rPr lang="en-US" b="0" dirty="0"/>
-              <a:t> consideration or before </a:t>
-            </a:r>
-            <a:r>
-              <a:rPr lang="en-US" dirty="0"/>
-              <a:t>payment is </a:t>
-            </a:r>
-            <a:r>
-              <a:rPr lang="en-US" dirty="0" smtClean="0"/>
-              <a:t>due</a:t>
-            </a:r>
-            <a:r>
-              <a:rPr lang="en-US" b="0" dirty="0" smtClean="0"/>
-              <a:t>, the </a:t>
-            </a:r>
-            <a:r>
-              <a:rPr lang="en-US" b="0" dirty="0"/>
-              <a:t>entity shall present</a:t>
-            </a:r>
-            <a:br>
-              <a:rPr lang="en-US" b="0" dirty="0"/>
-            </a:br>
-            <a:r>
-              <a:rPr lang="en-US" b="0" dirty="0"/>
-              <a:t>the contract as a contract </a:t>
-            </a:r>
-            <a:r>
-              <a:rPr lang="en-US" b="0" dirty="0" smtClean="0"/>
-              <a:t>asset excluding </a:t>
-            </a:r>
-            <a:r>
-              <a:rPr lang="en-US" dirty="0"/>
-              <a:t>r</a:t>
-            </a:r>
-            <a:r>
-              <a:rPr lang="en-US" dirty="0" smtClean="0"/>
-              <a:t>eceivable</a:t>
-            </a:r>
-            <a:r>
-              <a:rPr lang="en-US" b="0" dirty="0" smtClean="0"/>
-              <a:t>.</a:t>
-            </a:r>
-          </a:p>
-          <a:p>
-            <a:pPr lvl="0"/>
-            <a:r>
-              <a:rPr lang="en-US" b="0" dirty="0" smtClean="0"/>
-              <a:t>RAR calculation:</a:t>
-            </a:r>
-          </a:p>
-          <a:p>
-            <a:r>
-              <a:rPr lang="en-US" dirty="0">
-                <a:solidFill>
-                  <a:srgbClr val="000000"/>
-                </a:solidFill>
-              </a:rPr>
-              <a:t>Contact asset = Max{(fulfilled revenue – </a:t>
-            </a:r>
-            <a:r>
-              <a:rPr lang="en-US" dirty="0" smtClean="0">
-                <a:solidFill>
-                  <a:srgbClr val="000000"/>
-                </a:solidFill>
-              </a:rPr>
-              <a:t>Max(Receivable, </a:t>
-            </a:r>
-            <a:r>
-              <a:rPr lang="en-US" dirty="0">
-                <a:solidFill>
-                  <a:srgbClr val="000000"/>
-                </a:solidFill>
-              </a:rPr>
-              <a:t>invoice due amount), 0}</a:t>
-            </a:r>
-            <a:endParaRPr lang="en-US" sz="2800" dirty="0">
-              <a:solidFill>
-                <a:srgbClr val="000000"/>
-              </a:solidFill>
-            </a:endParaRPr>
-          </a:p>
-          <a:p>
-            <a:pPr lvl="0"/>
-            <a:endParaRPr lang="en-US" b="0" dirty="0" smtClean="0"/>
-          </a:p>
-          <a:p>
-            <a:pPr lvl="0"/>
-            <a:r>
-              <a:rPr lang="en-US" dirty="0" smtClean="0"/>
-              <a:t> </a:t>
-            </a:r>
-            <a:r>
-              <a:rPr lang="en-US" dirty="0"/>
-              <a:t/>
-            </a:r>
-            <a:br>
-              <a:rPr lang="en-US" dirty="0"/>
-            </a:br>
-            <a:r>
-              <a:rPr lang="en-US" dirty="0"/>
-              <a:t/>
-            </a:r>
-            <a:br>
-              <a:rPr lang="en-US" dirty="0"/>
-            </a:br>
-            <a:r>
-              <a:rPr lang="en-US" dirty="0"/>
-              <a:t> </a:t>
-            </a:r>
-            <a:br>
-              <a:rPr lang="en-US" dirty="0"/>
-            </a:br>
-            <a:endParaRPr lang="en-US" dirty="0" smtClean="0"/>
-          </a:p>
-        </p:txBody>
-      </p:sp>
-    </p:spTree>
-  </p:cSld>
-  <p:clrMapOvr>
-    <a:masterClrMapping/>
-  </p:clrMapOvr>
-  <p:transition spd="med"/>
-  <p:timing>
-    <p:tnLst>
-      <p:par>
-        <p:cTn id="1" dur="indefinite" restart="never" nodeType="tmRoot"/>
-      </p:par>
-    </p:tnLst>
-  </p:timing>
-</p:sld>
-</file>
-
-<file path=ppt/slides/slide4.xml><?xml version="1.0" encoding="utf-8"?>
-<p:sld xmlns:a="http://schemas.openxmlformats.org/drawingml/2006/main" xmlns:r="http://schemas.openxmlformats.org/officeDocument/2006/relationships" xmlns:p="http://schemas.openxmlformats.org/presentationml/2006/main">
-  <p:cSld>
-    <p:spTree>
-      <p:nvGrpSpPr>
-        <p:cNvPr id="1" name=""/>
-        <p:cNvGrpSpPr/>
-        <p:nvPr/>
-      </p:nvGrpSpPr>
-      <p:grpSpPr>
-        <a:xfrm>
-          <a:off x="0" y="0"/>
-          <a:ext cx="0" cy="0"/>
-          <a:chOff x="0" y="0"/>
-          <a:chExt cx="0" cy="0"/>
-        </a:xfrm>
-      </p:grpSpPr>
-      <p:sp>
-        <p:nvSpPr>
-          <p:cNvPr id="2" name="Title 1"/>
-          <p:cNvSpPr>
-            <a:spLocks noGrp="1"/>
-          </p:cNvSpPr>
-          <p:nvPr>
-            <p:ph type="title"/>
-          </p:nvPr>
-        </p:nvSpPr>
-        <p:spPr/>
-        <p:txBody>
-          <a:bodyPr/>
-          <a:lstStyle/>
-          <a:p>
-            <a:r>
-              <a:rPr lang="en-US" dirty="0" smtClean="0"/>
-              <a:t>Recognizing Receivable at Invoice Due</a:t>
-            </a:r>
-            <a:endParaRPr lang="en-US" sz="2000" b="0" dirty="0"/>
-          </a:p>
-        </p:txBody>
-      </p:sp>
-      <p:sp>
-        <p:nvSpPr>
-          <p:cNvPr id="3" name="Text Placeholder 2"/>
-          <p:cNvSpPr>
-            <a:spLocks noGrp="1"/>
-          </p:cNvSpPr>
-          <p:nvPr>
-            <p:ph type="body" sz="quarter" idx="10"/>
-          </p:nvPr>
-        </p:nvSpPr>
-        <p:spPr>
-          <a:xfrm>
-            <a:off x="324000" y="1349865"/>
-            <a:ext cx="8494713" cy="4391026"/>
-          </a:xfrm>
-        </p:spPr>
-        <p:txBody>
-          <a:bodyPr/>
-          <a:lstStyle/>
-          <a:p>
-            <a:pPr lvl="0">
-              <a:spcBef>
-                <a:spcPts val="600"/>
-              </a:spcBef>
-            </a:pPr>
-            <a:r>
-              <a:rPr lang="en-US" sz="1600" b="0" dirty="0" smtClean="0"/>
-              <a:t>Timing of Receivable: </a:t>
-            </a:r>
-            <a:r>
-              <a:rPr lang="en-US" sz="1600" dirty="0" smtClean="0"/>
-              <a:t>at invoice due or revenue is recognized in advance</a:t>
-            </a:r>
-          </a:p>
-          <a:p>
-            <a:pPr lvl="0">
-              <a:spcBef>
-                <a:spcPts val="600"/>
-              </a:spcBef>
-            </a:pPr>
-            <a:r>
-              <a:rPr lang="en-US" sz="1600" dirty="0" smtClean="0"/>
-              <a:t>IFRS 15 Illustrative Example 38 C</a:t>
-            </a:r>
-            <a:r>
-              <a:rPr lang="en-US" altLang="zh-CN" sz="1600" dirty="0" smtClean="0"/>
-              <a:t>ase B:</a:t>
-            </a:r>
-          </a:p>
-          <a:p>
-            <a:pPr lvl="0">
-              <a:spcBef>
-                <a:spcPts val="600"/>
-              </a:spcBef>
-            </a:pPr>
-            <a:r>
-              <a:rPr lang="en-US" sz="1400" b="0" dirty="0" smtClean="0"/>
-              <a:t>On </a:t>
-            </a:r>
-            <a:r>
-              <a:rPr lang="en-US" sz="1400" b="0" dirty="0"/>
-              <a:t>1 January 20X9, an entity enters into a </a:t>
-            </a:r>
-            <a:r>
-              <a:rPr lang="en-US" sz="1400" b="0" dirty="0" smtClean="0"/>
-              <a:t>non-cancellable </a:t>
-            </a:r>
-            <a:r>
-              <a:rPr lang="en-US" sz="1400" b="0" dirty="0"/>
-              <a:t>contract to transfer </a:t>
-            </a:r>
-            <a:r>
-              <a:rPr lang="en-US" sz="1400" b="0" dirty="0" smtClean="0"/>
-              <a:t>a product </a:t>
-            </a:r>
-            <a:r>
-              <a:rPr lang="en-US" sz="1400" b="0" dirty="0"/>
-              <a:t>to a customer on 31 March 20X9. The contract requires the customer </a:t>
-            </a:r>
-            <a:r>
-              <a:rPr lang="en-US" sz="1400" b="0" dirty="0" smtClean="0"/>
-              <a:t>to pay </a:t>
-            </a:r>
-            <a:r>
-              <a:rPr lang="en-US" sz="1400" b="0" dirty="0"/>
-              <a:t>consideration of CU1,000 in advance </a:t>
-            </a:r>
-            <a:r>
-              <a:rPr lang="en-US" sz="1400" dirty="0"/>
-              <a:t>on 31 </a:t>
-            </a:r>
-            <a:r>
-              <a:rPr lang="en-US" sz="1400" dirty="0" smtClean="0"/>
-              <a:t>January </a:t>
-            </a:r>
-            <a:r>
-              <a:rPr lang="en-US" sz="1400" dirty="0"/>
-              <a:t>20X9</a:t>
-            </a:r>
-            <a:r>
-              <a:rPr lang="en-US" sz="1400" b="0" dirty="0"/>
-              <a:t>. The </a:t>
-            </a:r>
-            <a:r>
-              <a:rPr lang="en-US" sz="1400" b="0" dirty="0" smtClean="0"/>
-              <a:t>customer pays </a:t>
-            </a:r>
-            <a:r>
-              <a:rPr lang="en-US" sz="1400" b="0" dirty="0"/>
-              <a:t>the consideration on 1 March 20X9. </a:t>
-            </a:r>
-            <a:endParaRPr lang="en-US" sz="1400" b="0" dirty="0" smtClean="0"/>
-          </a:p>
-          <a:p>
-            <a:pPr marL="342900" lvl="0" indent="-342900">
-              <a:spcBef>
-                <a:spcPts val="600"/>
-              </a:spcBef>
-              <a:buAutoNum type="alphaLcParenBoth"/>
-            </a:pPr>
-            <a:r>
-              <a:rPr lang="en-US" sz="1400" b="0" dirty="0" smtClean="0"/>
-              <a:t>The </a:t>
-            </a:r>
-            <a:r>
-              <a:rPr lang="en-US" sz="1400" b="0" dirty="0"/>
-              <a:t>amount of consideration is </a:t>
-            </a:r>
-            <a:r>
-              <a:rPr lang="en-US" sz="1400" dirty="0"/>
-              <a:t>due on 31 January 20X9 </a:t>
-            </a:r>
-            <a:r>
-              <a:rPr lang="en-US" sz="1400" b="0" dirty="0"/>
-              <a:t>(which is </a:t>
-            </a:r>
-            <a:r>
-              <a:rPr lang="en-US" sz="1400" b="0" dirty="0" smtClean="0"/>
-              <a:t>when the </a:t>
-            </a:r>
-            <a:r>
-              <a:rPr lang="en-US" sz="1400" b="0" dirty="0"/>
-              <a:t>entity </a:t>
-            </a:r>
-            <a:r>
-              <a:rPr lang="en-US" sz="1400" dirty="0" smtClean="0"/>
-              <a:t>recognizes a receivable</a:t>
-            </a:r>
-            <a:r>
-              <a:rPr lang="en-US" sz="1400" b="0" dirty="0" smtClean="0"/>
-              <a:t> </a:t>
-            </a:r>
-            <a:r>
-              <a:rPr lang="en-US" sz="1400" b="0" dirty="0"/>
-              <a:t>because it has an unconditional </a:t>
-            </a:r>
-            <a:r>
-              <a:rPr lang="en-US" sz="1400" b="0" dirty="0" smtClean="0"/>
-              <a:t>right to </a:t>
-            </a:r>
-            <a:r>
-              <a:rPr lang="en-US" sz="1400" b="0" dirty="0"/>
-              <a:t>consideration):</a:t>
-            </a:r>
-            <a:br>
-              <a:rPr lang="en-US" sz="1400" b="0" dirty="0"/>
-            </a:br>
-            <a:r>
-              <a:rPr lang="en-US" sz="1400" b="0" dirty="0" smtClean="0"/>
-              <a:t>    Receivable 	 CU1,000</a:t>
-            </a:r>
-            <a:r>
-              <a:rPr lang="en-US" sz="1400" b="0" dirty="0"/>
-              <a:t/>
-            </a:r>
-            <a:br>
-              <a:rPr lang="en-US" sz="1400" b="0" dirty="0"/>
-            </a:br>
-            <a:r>
-              <a:rPr lang="en-US" sz="1400" b="0" dirty="0"/>
-              <a:t>	</a:t>
-            </a:r>
-            <a:r>
-              <a:rPr lang="en-US" sz="1400" b="0" dirty="0" smtClean="0"/>
-              <a:t>Contract </a:t>
-            </a:r>
-            <a:r>
-              <a:rPr lang="en-US" sz="1400" b="0" dirty="0"/>
-              <a:t>liability </a:t>
-            </a:r>
-            <a:r>
-              <a:rPr lang="en-US" sz="1400" b="0" dirty="0" smtClean="0"/>
-              <a:t>CU1,000</a:t>
-            </a:r>
-          </a:p>
-          <a:p>
-            <a:pPr marL="342900" lvl="0" indent="-342900">
-              <a:spcBef>
-                <a:spcPts val="600"/>
-              </a:spcBef>
-              <a:buAutoNum type="alphaLcParenBoth"/>
-            </a:pPr>
-            <a:r>
-              <a:rPr lang="en-US" sz="1400" b="0" dirty="0" smtClean="0"/>
-              <a:t>The </a:t>
-            </a:r>
-            <a:r>
-              <a:rPr lang="en-US" sz="1400" b="0" dirty="0"/>
-              <a:t>entity receives the cash on 1 March 20X9:</a:t>
-            </a:r>
-            <a:br>
-              <a:rPr lang="en-US" sz="1400" b="0" dirty="0"/>
-            </a:br>
-            <a:r>
-              <a:rPr lang="en-US" sz="1400" b="0" dirty="0" smtClean="0"/>
-              <a:t>    Cash                        CU1,000</a:t>
-            </a:r>
-            <a:r>
-              <a:rPr lang="en-US" sz="1400" b="0" dirty="0"/>
-              <a:t/>
-            </a:r>
-            <a:br>
-              <a:rPr lang="en-US" sz="1400" b="0" dirty="0"/>
-            </a:br>
-            <a:r>
-              <a:rPr lang="en-US" sz="1400" b="0" dirty="0" smtClean="0"/>
-              <a:t>           Receivable           CU1,000</a:t>
-            </a:r>
-          </a:p>
-          <a:p>
-            <a:pPr marL="342900" lvl="0" indent="-342900">
-              <a:spcBef>
-                <a:spcPts val="600"/>
-              </a:spcBef>
-              <a:buAutoNum type="alphaLcParenBoth"/>
-            </a:pPr>
-            <a:r>
-              <a:rPr lang="en-US" sz="1400" b="0" dirty="0" smtClean="0"/>
-              <a:t>The </a:t>
-            </a:r>
-            <a:r>
-              <a:rPr lang="en-US" sz="1400" b="0" dirty="0"/>
-              <a:t>entity satisfies the performance obligation on 31 March 20X9:</a:t>
-            </a:r>
-            <a:br>
-              <a:rPr lang="en-US" sz="1400" b="0" dirty="0"/>
-            </a:br>
-            <a:r>
-              <a:rPr lang="en-US" sz="1400" b="0" dirty="0" smtClean="0"/>
-              <a:t>    Contract </a:t>
-            </a:r>
-            <a:r>
-              <a:rPr lang="en-US" sz="1400" b="0" dirty="0"/>
-              <a:t>liability </a:t>
-            </a:r>
-            <a:r>
-              <a:rPr lang="en-US" sz="1400" b="0" dirty="0" smtClean="0"/>
-              <a:t>       CU1,000</a:t>
-            </a:r>
-            <a:r>
-              <a:rPr lang="en-US" sz="1400" b="0" dirty="0"/>
-              <a:t/>
-            </a:r>
-            <a:br>
-              <a:rPr lang="en-US" sz="1400" b="0" dirty="0"/>
-            </a:br>
-            <a:r>
-              <a:rPr lang="en-US" sz="1400" b="0" dirty="0" smtClean="0"/>
-              <a:t>          Revenue                 CU1,000</a:t>
-            </a:r>
-            <a:r>
-              <a:rPr lang="en-US" sz="1400" dirty="0" smtClean="0"/>
-              <a:t> </a:t>
-            </a:r>
-          </a:p>
-          <a:p>
-            <a:pPr lvl="0">
-              <a:spcBef>
-                <a:spcPts val="600"/>
-              </a:spcBef>
-            </a:pPr>
-            <a:r>
-              <a:rPr lang="en-US" dirty="0" smtClean="0"/>
-              <a:t>IE 200: </a:t>
-            </a:r>
-            <a:r>
-              <a:rPr lang="en-US" sz="1400" dirty="0" smtClean="0"/>
-              <a:t>If </a:t>
-            </a:r>
-            <a:r>
-              <a:rPr lang="en-US" sz="1400" dirty="0"/>
-              <a:t>the entity issued the invoice before 31 January 20X9</a:t>
-            </a:r>
-            <a:r>
-              <a:rPr lang="en-US" sz="1400" b="0" dirty="0"/>
-              <a:t> (the due date of </a:t>
-            </a:r>
-            <a:r>
-              <a:rPr lang="en-US" sz="1400" b="0" dirty="0" smtClean="0"/>
-              <a:t>the consideration</a:t>
-            </a:r>
-            <a:r>
-              <a:rPr lang="en-US" sz="1400" dirty="0"/>
-              <a:t>), the </a:t>
-            </a:r>
-            <a:r>
-              <a:rPr lang="en-US" sz="1400" dirty="0" smtClean="0"/>
-              <a:t>entity </a:t>
-            </a:r>
-            <a:r>
-              <a:rPr lang="en-US" sz="1400" dirty="0"/>
-              <a:t>would not present the receivable and the </a:t>
-            </a:r>
-            <a:r>
-              <a:rPr lang="en-US" sz="1400" dirty="0" smtClean="0"/>
-              <a:t>contract liability </a:t>
-            </a:r>
-            <a:r>
-              <a:rPr lang="en-US" sz="1400" dirty="0"/>
-              <a:t>on a gross basis</a:t>
-            </a:r>
-            <a:r>
-              <a:rPr lang="en-US" sz="1400" b="0" dirty="0"/>
-              <a:t> in the statement of financial position because the </a:t>
-            </a:r>
-            <a:r>
-              <a:rPr lang="en-US" sz="1400" b="0" dirty="0" smtClean="0"/>
-              <a:t>entity does </a:t>
-            </a:r>
-            <a:r>
-              <a:rPr lang="en-US" sz="1400" b="0" dirty="0"/>
-              <a:t>not yet have a right to consideration that is unconditional.</a:t>
-            </a:r>
-            <a:r>
-              <a:rPr lang="en-US" sz="1400" dirty="0"/>
-              <a:t> </a:t>
-            </a:r>
-            <a:br>
-              <a:rPr lang="en-US" sz="1400" dirty="0"/>
-            </a:br>
-            <a:endParaRPr lang="en-US" sz="1400" dirty="0" smtClean="0"/>
-          </a:p>
-          <a:p>
-            <a:pPr lvl="0">
-              <a:spcBef>
-                <a:spcPts val="600"/>
-              </a:spcBef>
-            </a:pPr>
-            <a:endParaRPr lang="en-US" dirty="0"/>
-          </a:p>
-        </p:txBody>
-      </p:sp>
-    </p:spTree>
-  </p:cSld>
-  <p:clrMapOvr>
-    <a:masterClrMapping/>
-  </p:clrMapOvr>
-  <p:transition spd="med"/>
-  <p:timing>
-    <p:tnLst>
-      <p:par>
-        <p:cTn id="1" dur="indefinite" restart="never" nodeType="tmRoot"/>
-      </p:par>
-    </p:tnLst>
-  </p:timing>
-</p:sld>
-</file>
-
-<file path=ppt/slides/slide5.xml><?xml version="1.0" encoding="utf-8"?>
-<p:sld xmlns:a="http://schemas.openxmlformats.org/drawingml/2006/main" xmlns:r="http://schemas.openxmlformats.org/officeDocument/2006/relationships" xmlns:p="http://schemas.openxmlformats.org/presentationml/2006/main">
-  <p:cSld>
-    <p:spTree>
-      <p:nvGrpSpPr>
-        <p:cNvPr id="1" name=""/>
-        <p:cNvGrpSpPr/>
-        <p:nvPr/>
-      </p:nvGrpSpPr>
-      <p:grpSpPr>
-        <a:xfrm>
-          <a:off x="0" y="0"/>
-          <a:ext cx="0" cy="0"/>
-          <a:chOff x="0" y="0"/>
-          <a:chExt cx="0" cy="0"/>
-        </a:xfrm>
-      </p:grpSpPr>
-      <p:sp>
-        <p:nvSpPr>
-          <p:cNvPr id="2" name="Title 1"/>
-          <p:cNvSpPr>
-            <a:spLocks noGrp="1"/>
-          </p:cNvSpPr>
-          <p:nvPr>
-            <p:ph type="title"/>
-          </p:nvPr>
-        </p:nvSpPr>
-        <p:spPr/>
-        <p:txBody>
-          <a:bodyPr/>
-          <a:lstStyle/>
-          <a:p>
-            <a:r>
-              <a:rPr lang="en-US" dirty="0" smtClean="0"/>
-              <a:t>Distribute CL/CA</a:t>
-            </a:r>
-            <a:endParaRPr lang="en-US" dirty="0"/>
-          </a:p>
-        </p:txBody>
-      </p:sp>
-      <p:graphicFrame>
-        <p:nvGraphicFramePr>
-          <p:cNvPr id="7" name="Table 6"/>
-          <p:cNvGraphicFramePr>
-            <a:graphicFrameLocks noGrp="1"/>
-          </p:cNvGraphicFramePr>
-          <p:nvPr>
-            <p:extLst>
-              <p:ext uri="{D42A27DB-BD31-4B8C-83A1-F6EECF244321}">
-                <p14:modId xmlns:p14="http://schemas.microsoft.com/office/powerpoint/2010/main" val="2848764142"/>
-              </p:ext>
-            </p:extLst>
-          </p:nvPr>
-        </p:nvGraphicFramePr>
-        <p:xfrm>
-          <a:off x="323850" y="1377732"/>
-          <a:ext cx="8496299" cy="1276208"/>
-        </p:xfrm>
-        <a:graphic>
-          <a:graphicData uri="http://schemas.openxmlformats.org/drawingml/2006/table">
-            <a:tbl>
-              <a:tblPr/>
-              <a:tblGrid>
-                <a:gridCol w="563485"/>
-                <a:gridCol w="765987"/>
-                <a:gridCol w="801206"/>
-                <a:gridCol w="645660"/>
-                <a:gridCol w="810010"/>
-                <a:gridCol w="774792"/>
-                <a:gridCol w="868706"/>
-                <a:gridCol w="695552"/>
-                <a:gridCol w="833489"/>
-                <a:gridCol w="704356"/>
-                <a:gridCol w="1033056"/>
-              </a:tblGrid>
-              <a:tr h="319052">
-                <a:tc>
-                  <a:txBody>
-                    <a:bodyPr/>
-                    <a:lstStyle/>
-                    <a:p>
-                      <a:pPr algn="l" fontAlgn="b"/>
-                      <a:r>
-                        <a:rPr lang="en-US" sz="1000" b="0" i="0" u="none" strike="noStrike">
-                          <a:solidFill>
-                            <a:srgbClr val="000000"/>
-                          </a:solidFill>
-                          <a:effectLst/>
-                          <a:latin typeface="Calibri" panose="020F0502020204030204" pitchFamily="34" charset="0"/>
-                        </a:rPr>
-                        <a:t>Scenario</a:t>
-                      </a:r>
-                    </a:p>
-                  </a:txBody>
-                  <a:tcPr marL="8814" marR="8814" marT="8814" marB="0" anchor="b">
-                    <a:lnL w="6350" cap="flat" cmpd="sng" algn="ctr">
-                      <a:solidFill>
-                        <a:srgbClr val="000000"/>
-                      </a:solidFill>
-                      <a:prstDash val="solid"/>
-                      <a:round/>
-                      <a:headEnd type="none" w="med" len="med"/>
-                      <a:tailEnd type="none" w="med" len="med"/>
-                    </a:lnL>
-                    <a:lnR w="6350" cap="flat" cmpd="sng" algn="ctr">
-                      <a:solidFill>
-                        <a:srgbClr val="000000"/>
-                      </a:solidFill>
-                      <a:prstDash val="solid"/>
-                      <a:round/>
-                      <a:headEnd type="none" w="med" len="med"/>
-                      <a:tailEnd type="none" w="med" len="med"/>
-                    </a:lnR>
-                    <a:lnT w="6350" cap="flat" cmpd="sng" algn="ctr">
-                      <a:solidFill>
-                        <a:srgbClr val="000000"/>
-                      </a:solidFill>
-                      <a:prstDash val="solid"/>
-                      <a:round/>
-                      <a:headEnd type="none" w="med" len="med"/>
-                      <a:tailEnd type="none" w="med" len="med"/>
-                    </a:lnT>
-                    <a:lnB w="6350" cap="flat" cmpd="sng" algn="ctr">
-                      <a:solidFill>
-                        <a:srgbClr val="000000"/>
-                      </a:solidFill>
-                      <a:prstDash val="solid"/>
-                      <a:round/>
-                      <a:headEnd type="none" w="med" len="med"/>
-                      <a:tailEnd type="none" w="med" len="med"/>
-                    </a:lnB>
-                    <a:solidFill>
-                      <a:srgbClr val="DDEBF7"/>
-                    </a:solidFill>
-                  </a:tcPr>
-                </a:tc>
-                <a:tc>
-                  <a:txBody>
-                    <a:bodyPr/>
-                    <a:lstStyle/>
-                    <a:p>
-                      <a:pPr algn="l" fontAlgn="b"/>
-                      <a:r>
-                        <a:rPr lang="en-US" sz="1000" b="0" i="0" u="none" strike="noStrike">
-                          <a:solidFill>
-                            <a:srgbClr val="000000"/>
-                          </a:solidFill>
-                          <a:effectLst/>
-                          <a:latin typeface="Calibri" panose="020F0502020204030204" pitchFamily="34" charset="0"/>
-                        </a:rPr>
-                        <a:t>Cont.price</a:t>
-                      </a:r>
-                    </a:p>
-                  </a:txBody>
-                  <a:tcPr marL="8814" marR="8814" marT="8814" marB="0" anchor="b">
-                    <a:lnL w="6350" cap="flat" cmpd="sng" algn="ctr">
-                      <a:solidFill>
-                        <a:srgbClr val="000000"/>
-                      </a:solidFill>
-                      <a:prstDash val="solid"/>
-                      <a:round/>
-                      <a:headEnd type="none" w="med" len="med"/>
-                      <a:tailEnd type="none" w="med" len="med"/>
-                    </a:lnL>
-                    <a:lnR w="6350" cap="flat" cmpd="sng" algn="ctr">
-                      <a:solidFill>
-                        <a:srgbClr val="000000"/>
-                      </a:solidFill>
-                      <a:prstDash val="solid"/>
-                      <a:round/>
-                      <a:headEnd type="none" w="med" len="med"/>
-                      <a:tailEnd type="none" w="med" len="med"/>
-                    </a:lnR>
-                    <a:lnT w="6350" cap="flat" cmpd="sng" algn="ctr">
-                      <a:solidFill>
-                        <a:srgbClr val="000000"/>
-                      </a:solidFill>
-                      <a:prstDash val="solid"/>
-                      <a:round/>
-                      <a:headEnd type="none" w="med" len="med"/>
-                      <a:tailEnd type="none" w="med" len="med"/>
-                    </a:lnT>
-                    <a:lnB w="6350" cap="flat" cmpd="sng" algn="ctr">
-                      <a:solidFill>
-                        <a:srgbClr val="000000"/>
-                      </a:solidFill>
-                      <a:prstDash val="solid"/>
-                      <a:round/>
-                      <a:headEnd type="none" w="med" len="med"/>
-                      <a:tailEnd type="none" w="med" len="med"/>
-                    </a:lnB>
-                    <a:solidFill>
-                      <a:srgbClr val="DDEBF7"/>
-                    </a:solidFill>
-                  </a:tcPr>
-                </a:tc>
-                <a:tc>
-                  <a:txBody>
-                    <a:bodyPr/>
-                    <a:lstStyle/>
-                    <a:p>
-                      <a:pPr algn="l" fontAlgn="b"/>
-                      <a:r>
-                        <a:rPr lang="en-US" sz="1000" b="0" i="0" u="none" strike="noStrike">
-                          <a:solidFill>
-                            <a:srgbClr val="000000"/>
-                          </a:solidFill>
-                          <a:effectLst/>
-                          <a:latin typeface="Calibri" panose="020F0502020204030204" pitchFamily="34" charset="0"/>
-                        </a:rPr>
-                        <a:t>SSP</a:t>
-                      </a:r>
-                    </a:p>
-                  </a:txBody>
-                  <a:tcPr marL="8814" marR="8814" marT="8814" marB="0" anchor="b">
-                    <a:lnL w="6350" cap="flat" cmpd="sng" algn="ctr">
-                      <a:solidFill>
-                        <a:srgbClr val="000000"/>
-                      </a:solidFill>
-                      <a:prstDash val="solid"/>
-                      <a:round/>
-                      <a:headEnd type="none" w="med" len="med"/>
-                      <a:tailEnd type="none" w="med" len="med"/>
-                    </a:lnL>
-                    <a:lnR w="6350" cap="flat" cmpd="sng" algn="ctr">
-                      <a:solidFill>
-                        <a:srgbClr val="000000"/>
-                      </a:solidFill>
-                      <a:prstDash val="solid"/>
-                      <a:round/>
-                      <a:headEnd type="none" w="med" len="med"/>
-                      <a:tailEnd type="none" w="med" len="med"/>
-                    </a:lnR>
-                    <a:lnT w="6350" cap="flat" cmpd="sng" algn="ctr">
-                      <a:solidFill>
-                        <a:srgbClr val="000000"/>
-                      </a:solidFill>
-                      <a:prstDash val="solid"/>
-                      <a:round/>
-                      <a:headEnd type="none" w="med" len="med"/>
-                      <a:tailEnd type="none" w="med" len="med"/>
-                    </a:lnT>
-                    <a:lnB w="6350" cap="flat" cmpd="sng" algn="ctr">
-                      <a:solidFill>
-                        <a:srgbClr val="000000"/>
-                      </a:solidFill>
-                      <a:prstDash val="solid"/>
-                      <a:round/>
-                      <a:headEnd type="none" w="med" len="med"/>
-                      <a:tailEnd type="none" w="med" len="med"/>
-                    </a:lnB>
-                    <a:solidFill>
-                      <a:srgbClr val="DDEBF7"/>
-                    </a:solidFill>
-                  </a:tcPr>
-                </a:tc>
-                <a:tc>
-                  <a:txBody>
-                    <a:bodyPr/>
-                    <a:lstStyle/>
-                    <a:p>
-                      <a:pPr algn="l" fontAlgn="b"/>
-                      <a:r>
-                        <a:rPr lang="en-US" sz="1000" b="0" i="0" u="none" strike="noStrike">
-                          <a:solidFill>
-                            <a:srgbClr val="000000"/>
-                          </a:solidFill>
-                          <a:effectLst/>
-                          <a:latin typeface="Calibri" panose="020F0502020204030204" pitchFamily="34" charset="0"/>
-                        </a:rPr>
-                        <a:t>Alloc.Price</a:t>
-                      </a:r>
-                    </a:p>
-                  </a:txBody>
-                  <a:tcPr marL="8814" marR="8814" marT="8814" marB="0" anchor="b">
-                    <a:lnL w="6350" cap="flat" cmpd="sng" algn="ctr">
-                      <a:solidFill>
-                        <a:srgbClr val="000000"/>
-                      </a:solidFill>
-                      <a:prstDash val="solid"/>
-                      <a:round/>
-                      <a:headEnd type="none" w="med" len="med"/>
-                      <a:tailEnd type="none" w="med" len="med"/>
-                    </a:lnL>
-                    <a:lnR w="6350" cap="flat" cmpd="sng" algn="ctr">
-                      <a:solidFill>
-                        <a:srgbClr val="000000"/>
-                      </a:solidFill>
-                      <a:prstDash val="solid"/>
-                      <a:round/>
-                      <a:headEnd type="none" w="med" len="med"/>
-                      <a:tailEnd type="none" w="med" len="med"/>
-                    </a:lnR>
-                    <a:lnT w="6350" cap="flat" cmpd="sng" algn="ctr">
-                      <a:solidFill>
-                        <a:srgbClr val="000000"/>
-                      </a:solidFill>
-                      <a:prstDash val="solid"/>
-                      <a:round/>
-                      <a:headEnd type="none" w="med" len="med"/>
-                      <a:tailEnd type="none" w="med" len="med"/>
-                    </a:lnT>
-                    <a:lnB w="6350" cap="flat" cmpd="sng" algn="ctr">
-                      <a:solidFill>
-                        <a:srgbClr val="000000"/>
-                      </a:solidFill>
-                      <a:prstDash val="solid"/>
-                      <a:round/>
-                      <a:headEnd type="none" w="med" len="med"/>
-                      <a:tailEnd type="none" w="med" len="med"/>
-                    </a:lnB>
-                    <a:solidFill>
-                      <a:srgbClr val="DDEBF7"/>
-                    </a:solidFill>
-                  </a:tcPr>
-                </a:tc>
-                <a:tc>
-                  <a:txBody>
-                    <a:bodyPr/>
-                    <a:lstStyle/>
-                    <a:p>
-                      <a:pPr algn="l" fontAlgn="b"/>
-                      <a:r>
-                        <a:rPr lang="en-US" sz="1000" b="0" i="0" u="none" strike="noStrike">
-                          <a:solidFill>
-                            <a:srgbClr val="000000"/>
-                          </a:solidFill>
-                          <a:effectLst/>
-                          <a:latin typeface="Calibri" panose="020F0502020204030204" pitchFamily="34" charset="0"/>
-                        </a:rPr>
-                        <a:t>Alloc.Effect</a:t>
-                      </a:r>
-                    </a:p>
-                  </a:txBody>
-                  <a:tcPr marL="8814" marR="8814" marT="8814" marB="0" anchor="b">
-                    <a:lnL w="6350" cap="flat" cmpd="sng" algn="ctr">
-                      <a:solidFill>
-                        <a:srgbClr val="000000"/>
-                      </a:solidFill>
-                      <a:prstDash val="solid"/>
-                      <a:round/>
-                      <a:headEnd type="none" w="med" len="med"/>
-                      <a:tailEnd type="none" w="med" len="med"/>
-                    </a:lnL>
-                    <a:lnR w="6350" cap="flat" cmpd="sng" algn="ctr">
-                      <a:solidFill>
-                        <a:srgbClr val="000000"/>
-                      </a:solidFill>
-                      <a:prstDash val="solid"/>
-                      <a:round/>
-                      <a:headEnd type="none" w="med" len="med"/>
-                      <a:tailEnd type="none" w="med" len="med"/>
-                    </a:lnR>
-                    <a:lnT w="6350" cap="flat" cmpd="sng" algn="ctr">
-                      <a:solidFill>
-                        <a:srgbClr val="000000"/>
-                      </a:solidFill>
-                      <a:prstDash val="solid"/>
-                      <a:round/>
-                      <a:headEnd type="none" w="med" len="med"/>
-                      <a:tailEnd type="none" w="med" len="med"/>
-                    </a:lnT>
-                    <a:lnB w="6350" cap="flat" cmpd="sng" algn="ctr">
-                      <a:solidFill>
-                        <a:srgbClr val="000000"/>
-                      </a:solidFill>
-                      <a:prstDash val="solid"/>
-                      <a:round/>
-                      <a:headEnd type="none" w="med" len="med"/>
-                      <a:tailEnd type="none" w="med" len="med"/>
-                    </a:lnB>
-                    <a:solidFill>
-                      <a:srgbClr val="DDEBF7"/>
-                    </a:solidFill>
-                  </a:tcPr>
-                </a:tc>
-                <a:tc>
-                  <a:txBody>
-                    <a:bodyPr/>
-                    <a:lstStyle/>
-                    <a:p>
-                      <a:pPr algn="l" fontAlgn="b"/>
-                      <a:r>
-                        <a:rPr lang="en-US" sz="1000" b="0" i="0" u="none" strike="noStrike">
-                          <a:solidFill>
-                            <a:srgbClr val="000000"/>
-                          </a:solidFill>
-                          <a:effectLst/>
-                          <a:latin typeface="Calibri" panose="020F0502020204030204" pitchFamily="34" charset="0"/>
-                        </a:rPr>
-                        <a:t>Fulfillmnt</a:t>
-                      </a:r>
-                    </a:p>
-                  </a:txBody>
-                  <a:tcPr marL="8814" marR="8814" marT="8814" marB="0" anchor="b">
-                    <a:lnL w="6350" cap="flat" cmpd="sng" algn="ctr">
-                      <a:solidFill>
-                        <a:srgbClr val="000000"/>
-                      </a:solidFill>
-                      <a:prstDash val="solid"/>
-                      <a:round/>
-                      <a:headEnd type="none" w="med" len="med"/>
-                      <a:tailEnd type="none" w="med" len="med"/>
-                    </a:lnL>
-                    <a:lnR w="6350" cap="flat" cmpd="sng" algn="ctr">
-                      <a:solidFill>
-                        <a:srgbClr val="000000"/>
-                      </a:solidFill>
-                      <a:prstDash val="solid"/>
-                      <a:round/>
-                      <a:headEnd type="none" w="med" len="med"/>
-                      <a:tailEnd type="none" w="med" len="med"/>
-                    </a:lnR>
-                    <a:lnT w="6350" cap="flat" cmpd="sng" algn="ctr">
-                      <a:solidFill>
-                        <a:srgbClr val="000000"/>
-                      </a:solidFill>
-                      <a:prstDash val="solid"/>
-                      <a:round/>
-                      <a:headEnd type="none" w="med" len="med"/>
-                      <a:tailEnd type="none" w="med" len="med"/>
-                    </a:lnT>
-                    <a:lnB w="6350" cap="flat" cmpd="sng" algn="ctr">
-                      <a:solidFill>
-                        <a:srgbClr val="000000"/>
-                      </a:solidFill>
-                      <a:prstDash val="solid"/>
-                      <a:round/>
-                      <a:headEnd type="none" w="med" len="med"/>
-                      <a:tailEnd type="none" w="med" len="med"/>
-                    </a:lnB>
-                    <a:solidFill>
-                      <a:srgbClr val="DDEBF7"/>
-                    </a:solidFill>
-                  </a:tcPr>
-                </a:tc>
-                <a:tc>
-                  <a:txBody>
-                    <a:bodyPr/>
-                    <a:lstStyle/>
-                    <a:p>
-                      <a:pPr algn="l" fontAlgn="b"/>
-                      <a:r>
-                        <a:rPr lang="en-US" sz="1000" b="0" i="0" u="none" strike="noStrike">
-                          <a:solidFill>
-                            <a:srgbClr val="000000"/>
-                          </a:solidFill>
-                          <a:effectLst/>
-                          <a:latin typeface="Calibri" panose="020F0502020204030204" pitchFamily="34" charset="0"/>
-                        </a:rPr>
-                        <a:t>Revenue Recognized</a:t>
-                      </a:r>
-                    </a:p>
-                  </a:txBody>
-                  <a:tcPr marL="8814" marR="8814" marT="8814" marB="0" anchor="b">
-                    <a:lnL w="6350" cap="flat" cmpd="sng" algn="ctr">
-                      <a:solidFill>
-                        <a:srgbClr val="000000"/>
-                      </a:solidFill>
-                      <a:prstDash val="solid"/>
-                      <a:round/>
-                      <a:headEnd type="none" w="med" len="med"/>
-                      <a:tailEnd type="none" w="med" len="med"/>
-                    </a:lnL>
-                    <a:lnR w="6350" cap="flat" cmpd="sng" algn="ctr">
-                      <a:solidFill>
-                        <a:srgbClr val="000000"/>
-                      </a:solidFill>
-                      <a:prstDash val="solid"/>
-                      <a:round/>
-                      <a:headEnd type="none" w="med" len="med"/>
-                      <a:tailEnd type="none" w="med" len="med"/>
-                    </a:lnR>
-                    <a:lnT w="6350" cap="flat" cmpd="sng" algn="ctr">
-                      <a:solidFill>
-                        <a:srgbClr val="000000"/>
-                      </a:solidFill>
-                      <a:prstDash val="solid"/>
-                      <a:round/>
-                      <a:headEnd type="none" w="med" len="med"/>
-                      <a:tailEnd type="none" w="med" len="med"/>
-                    </a:lnT>
-                    <a:lnB w="6350" cap="flat" cmpd="sng" algn="ctr">
-                      <a:solidFill>
-                        <a:srgbClr val="000000"/>
-                      </a:solidFill>
-                      <a:prstDash val="solid"/>
-                      <a:round/>
-                      <a:headEnd type="none" w="med" len="med"/>
-                      <a:tailEnd type="none" w="med" len="med"/>
-                    </a:lnB>
-                    <a:solidFill>
-                      <a:srgbClr val="DDEBF7"/>
-                    </a:solidFill>
-                  </a:tcPr>
-                </a:tc>
-                <a:tc>
-                  <a:txBody>
-                    <a:bodyPr/>
-                    <a:lstStyle/>
-                    <a:p>
-                      <a:pPr algn="l" fontAlgn="b"/>
-                      <a:r>
-                        <a:rPr lang="en-US" sz="1000" b="0" i="0" u="none" strike="noStrike">
-                          <a:solidFill>
-                            <a:srgbClr val="000000"/>
-                          </a:solidFill>
-                          <a:effectLst/>
-                          <a:latin typeface="Calibri" panose="020F0502020204030204" pitchFamily="34" charset="0"/>
-                        </a:rPr>
-                        <a:t>Invoice</a:t>
-                      </a:r>
-                    </a:p>
-                  </a:txBody>
-                  <a:tcPr marL="8814" marR="8814" marT="8814" marB="0" anchor="b">
-                    <a:lnL w="6350" cap="flat" cmpd="sng" algn="ctr">
-                      <a:solidFill>
-                        <a:srgbClr val="000000"/>
-                      </a:solidFill>
-                      <a:prstDash val="solid"/>
-                      <a:round/>
-                      <a:headEnd type="none" w="med" len="med"/>
-                      <a:tailEnd type="none" w="med" len="med"/>
-                    </a:lnL>
-                    <a:lnR w="6350" cap="flat" cmpd="sng" algn="ctr">
-                      <a:solidFill>
-                        <a:srgbClr val="000000"/>
-                      </a:solidFill>
-                      <a:prstDash val="solid"/>
-                      <a:round/>
-                      <a:headEnd type="none" w="med" len="med"/>
-                      <a:tailEnd type="none" w="med" len="med"/>
-                    </a:lnR>
-                    <a:lnT w="6350" cap="flat" cmpd="sng" algn="ctr">
-                      <a:solidFill>
-                        <a:srgbClr val="000000"/>
-                      </a:solidFill>
-                      <a:prstDash val="solid"/>
-                      <a:round/>
-                      <a:headEnd type="none" w="med" len="med"/>
-                      <a:tailEnd type="none" w="med" len="med"/>
-                    </a:lnT>
-                    <a:lnB w="6350" cap="flat" cmpd="sng" algn="ctr">
-                      <a:solidFill>
-                        <a:srgbClr val="000000"/>
-                      </a:solidFill>
-                      <a:prstDash val="solid"/>
-                      <a:round/>
-                      <a:headEnd type="none" w="med" len="med"/>
-                      <a:tailEnd type="none" w="med" len="med"/>
-                    </a:lnB>
-                    <a:solidFill>
-                      <a:srgbClr val="DDEBF7"/>
-                    </a:solidFill>
-                  </a:tcPr>
-                </a:tc>
-                <a:tc>
-                  <a:txBody>
-                    <a:bodyPr/>
-                    <a:lstStyle/>
-                    <a:p>
-                      <a:pPr algn="l" fontAlgn="b"/>
-                      <a:r>
-                        <a:rPr lang="en-US" sz="1000" b="0" i="0" u="none" strike="noStrike">
-                          <a:solidFill>
-                            <a:srgbClr val="000000"/>
-                          </a:solidFill>
-                          <a:effectLst/>
-                          <a:latin typeface="Calibri" panose="020F0502020204030204" pitchFamily="34" charset="0"/>
-                        </a:rPr>
-                        <a:t>Invoice due</a:t>
-                      </a:r>
-                    </a:p>
-                  </a:txBody>
-                  <a:tcPr marL="8814" marR="8814" marT="8814" marB="0" anchor="b">
-                    <a:lnL w="6350" cap="flat" cmpd="sng" algn="ctr">
-                      <a:solidFill>
-                        <a:srgbClr val="000000"/>
-                      </a:solidFill>
-                      <a:prstDash val="solid"/>
-                      <a:round/>
-                      <a:headEnd type="none" w="med" len="med"/>
-                      <a:tailEnd type="none" w="med" len="med"/>
-                    </a:lnL>
-                    <a:lnR w="6350" cap="flat" cmpd="sng" algn="ctr">
-                      <a:solidFill>
-                        <a:srgbClr val="000000"/>
-                      </a:solidFill>
-                      <a:prstDash val="solid"/>
-                      <a:round/>
-                      <a:headEnd type="none" w="med" len="med"/>
-                      <a:tailEnd type="none" w="med" len="med"/>
-                    </a:lnR>
-                    <a:lnT w="6350" cap="flat" cmpd="sng" algn="ctr">
-                      <a:solidFill>
-                        <a:srgbClr val="000000"/>
-                      </a:solidFill>
-                      <a:prstDash val="solid"/>
-                      <a:round/>
-                      <a:headEnd type="none" w="med" len="med"/>
-                      <a:tailEnd type="none" w="med" len="med"/>
-                    </a:lnT>
-                    <a:lnB w="6350" cap="flat" cmpd="sng" algn="ctr">
-                      <a:solidFill>
-                        <a:srgbClr val="000000"/>
-                      </a:solidFill>
-                      <a:prstDash val="solid"/>
-                      <a:round/>
-                      <a:headEnd type="none" w="med" len="med"/>
-                      <a:tailEnd type="none" w="med" len="med"/>
-                    </a:lnB>
-                    <a:solidFill>
-                      <a:srgbClr val="DDEBF7"/>
-                    </a:solidFill>
-                  </a:tcPr>
-                </a:tc>
-                <a:tc>
-                  <a:txBody>
-                    <a:bodyPr/>
-                    <a:lstStyle/>
-                    <a:p>
-                      <a:pPr algn="l" fontAlgn="b"/>
-                      <a:r>
-                        <a:rPr lang="en-US" sz="1000" b="0" i="0" u="none" strike="noStrike">
-                          <a:solidFill>
-                            <a:srgbClr val="000000"/>
-                          </a:solidFill>
-                          <a:effectLst/>
-                          <a:latin typeface="Calibri" panose="020F0502020204030204" pitchFamily="34" charset="0"/>
-                        </a:rPr>
-                        <a:t>Receivable</a:t>
-                      </a:r>
-                    </a:p>
-                  </a:txBody>
-                  <a:tcPr marL="8814" marR="8814" marT="8814" marB="0" anchor="b">
-                    <a:lnL w="6350" cap="flat" cmpd="sng" algn="ctr">
-                      <a:solidFill>
-                        <a:srgbClr val="000000"/>
-                      </a:solidFill>
-                      <a:prstDash val="solid"/>
-                      <a:round/>
-                      <a:headEnd type="none" w="med" len="med"/>
-                      <a:tailEnd type="none" w="med" len="med"/>
-                    </a:lnL>
-                    <a:lnR w="6350" cap="flat" cmpd="sng" algn="ctr">
-                      <a:solidFill>
-                        <a:srgbClr val="000000"/>
-                      </a:solidFill>
-                      <a:prstDash val="solid"/>
-                      <a:round/>
-                      <a:headEnd type="none" w="med" len="med"/>
-                      <a:tailEnd type="none" w="med" len="med"/>
-                    </a:lnR>
-                    <a:lnT w="6350" cap="flat" cmpd="sng" algn="ctr">
-                      <a:solidFill>
-                        <a:srgbClr val="000000"/>
-                      </a:solidFill>
-                      <a:prstDash val="solid"/>
-                      <a:round/>
-                      <a:headEnd type="none" w="med" len="med"/>
-                      <a:tailEnd type="none" w="med" len="med"/>
-                    </a:lnT>
-                    <a:lnB w="6350" cap="flat" cmpd="sng" algn="ctr">
-                      <a:solidFill>
-                        <a:srgbClr val="000000"/>
-                      </a:solidFill>
-                      <a:prstDash val="solid"/>
-                      <a:round/>
-                      <a:headEnd type="none" w="med" len="med"/>
-                      <a:tailEnd type="none" w="med" len="med"/>
-                    </a:lnB>
-                    <a:solidFill>
-                      <a:srgbClr val="DDEBF7"/>
-                    </a:solidFill>
-                  </a:tcPr>
-                </a:tc>
-                <a:tc>
-                  <a:txBody>
-                    <a:bodyPr/>
-                    <a:lstStyle/>
-                    <a:p>
-                      <a:pPr algn="l" fontAlgn="b"/>
-                      <a:r>
-                        <a:rPr lang="en-US" sz="1000" b="0" i="0" u="none" strike="noStrike">
-                          <a:solidFill>
-                            <a:srgbClr val="000000"/>
-                          </a:solidFill>
-                          <a:effectLst/>
-                          <a:latin typeface="Calibri" panose="020F0502020204030204" pitchFamily="34" charset="0"/>
-                        </a:rPr>
-                        <a:t>Contract Asset</a:t>
-                      </a:r>
-                    </a:p>
-                  </a:txBody>
-                  <a:tcPr marL="8814" marR="8814" marT="8814" marB="0" anchor="b">
-                    <a:lnL w="6350" cap="flat" cmpd="sng" algn="ctr">
-                      <a:solidFill>
-                        <a:srgbClr val="000000"/>
-                      </a:solidFill>
-                      <a:prstDash val="solid"/>
-                      <a:round/>
-                      <a:headEnd type="none" w="med" len="med"/>
-                      <a:tailEnd type="none" w="med" len="med"/>
-                    </a:lnL>
-                    <a:lnR w="6350" cap="flat" cmpd="sng" algn="ctr">
-                      <a:solidFill>
-                        <a:srgbClr val="000000"/>
-                      </a:solidFill>
-                      <a:prstDash val="solid"/>
-                      <a:round/>
-                      <a:headEnd type="none" w="med" len="med"/>
-                      <a:tailEnd type="none" w="med" len="med"/>
-                    </a:lnR>
-                    <a:lnT w="6350" cap="flat" cmpd="sng" algn="ctr">
-                      <a:solidFill>
-                        <a:srgbClr val="000000"/>
-                      </a:solidFill>
-                      <a:prstDash val="solid"/>
-                      <a:round/>
-                      <a:headEnd type="none" w="med" len="med"/>
-                      <a:tailEnd type="none" w="med" len="med"/>
-                    </a:lnT>
-                    <a:lnB w="6350" cap="flat" cmpd="sng" algn="ctr">
-                      <a:solidFill>
-                        <a:srgbClr val="000000"/>
-                      </a:solidFill>
-                      <a:prstDash val="solid"/>
-                      <a:round/>
-                      <a:headEnd type="none" w="med" len="med"/>
-                      <a:tailEnd type="none" w="med" len="med"/>
-                    </a:lnB>
-                    <a:solidFill>
-                      <a:srgbClr val="DDEBF7"/>
-                    </a:solidFill>
-                  </a:tcPr>
-                </a:tc>
-              </a:tr>
-              <a:tr h="319052">
-                <a:tc>
-                  <a:txBody>
-                    <a:bodyPr/>
-                    <a:lstStyle/>
-                    <a:p>
-                      <a:pPr algn="l" fontAlgn="b"/>
-                      <a:r>
-                        <a:rPr lang="en-US" sz="1000" b="0" i="0" u="none" strike="noStrike">
-                          <a:solidFill>
-                            <a:srgbClr val="000000"/>
-                          </a:solidFill>
-                          <a:effectLst/>
-                          <a:latin typeface="Calibri" panose="020F0502020204030204" pitchFamily="34" charset="0"/>
-                        </a:rPr>
-                        <a:t>POB1</a:t>
-                      </a:r>
-                    </a:p>
-                  </a:txBody>
-                  <a:tcPr marL="8814" marR="8814" marT="8814" marB="0" anchor="b">
-                    <a:lnL w="6350" cap="flat" cmpd="sng" algn="ctr">
-                      <a:solidFill>
-                        <a:srgbClr val="000000"/>
-                      </a:solidFill>
-                      <a:prstDash val="solid"/>
-                      <a:round/>
-                      <a:headEnd type="none" w="med" len="med"/>
-                      <a:tailEnd type="none" w="med" len="med"/>
-                    </a:lnL>
-                    <a:lnR w="6350" cap="flat" cmpd="sng" algn="ctr">
-                      <a:solidFill>
-                        <a:srgbClr val="000000"/>
-                      </a:solidFill>
-                      <a:prstDash val="solid"/>
-                      <a:round/>
-                      <a:headEnd type="none" w="med" len="med"/>
-                      <a:tailEnd type="none" w="med" len="med"/>
-                    </a:lnR>
-                    <a:lnT w="6350" cap="flat" cmpd="sng" algn="ctr">
-                      <a:solidFill>
-                        <a:srgbClr val="000000"/>
-                      </a:solidFill>
-                      <a:prstDash val="solid"/>
-                      <a:round/>
-                      <a:headEnd type="none" w="med" len="med"/>
-                      <a:tailEnd type="none" w="med" len="med"/>
-                    </a:lnT>
-                    <a:lnB w="6350" cap="flat" cmpd="sng" algn="ctr">
-                      <a:solidFill>
-                        <a:srgbClr val="000000"/>
-                      </a:solidFill>
-                      <a:prstDash val="solid"/>
-                      <a:round/>
-                      <a:headEnd type="none" w="med" len="med"/>
-                      <a:tailEnd type="none" w="med" len="med"/>
-                    </a:lnB>
-                  </a:tcPr>
-                </a:tc>
-                <a:tc>
-                  <a:txBody>
-                    <a:bodyPr/>
-                    <a:lstStyle/>
-                    <a:p>
-                      <a:pPr algn="l" fontAlgn="b"/>
-                      <a:r>
-                        <a:rPr lang="en-US" sz="1000" b="0" i="0" u="none" strike="noStrike">
-                          <a:solidFill>
-                            <a:srgbClr val="000000"/>
-                          </a:solidFill>
-                          <a:effectLst/>
-                          <a:latin typeface="Calibri" panose="020F0502020204030204" pitchFamily="34" charset="0"/>
-                        </a:rPr>
-                        <a:t> $          178.00 </a:t>
-                      </a:r>
-                    </a:p>
-                  </a:txBody>
-                  <a:tcPr marL="8814" marR="8814" marT="8814" marB="0" anchor="b">
-                    <a:lnL w="6350" cap="flat" cmpd="sng" algn="ctr">
-                      <a:solidFill>
-                        <a:srgbClr val="000000"/>
-                      </a:solidFill>
-                      <a:prstDash val="solid"/>
-                      <a:round/>
-                      <a:headEnd type="none" w="med" len="med"/>
-                      <a:tailEnd type="none" w="med" len="med"/>
-                    </a:lnL>
-                    <a:lnR w="6350" cap="flat" cmpd="sng" algn="ctr">
-                      <a:solidFill>
-                        <a:srgbClr val="000000"/>
-                      </a:solidFill>
-                      <a:prstDash val="solid"/>
-                      <a:round/>
-                      <a:headEnd type="none" w="med" len="med"/>
-                      <a:tailEnd type="none" w="med" len="med"/>
-                    </a:lnR>
-                    <a:lnT w="6350" cap="flat" cmpd="sng" algn="ctr">
-                      <a:solidFill>
-                        <a:srgbClr val="000000"/>
-                      </a:solidFill>
-                      <a:prstDash val="solid"/>
-                      <a:round/>
-                      <a:headEnd type="none" w="med" len="med"/>
-                      <a:tailEnd type="none" w="med" len="med"/>
-                    </a:lnT>
-                    <a:lnB w="6350" cap="flat" cmpd="sng" algn="ctr">
-                      <a:solidFill>
-                        <a:srgbClr val="000000"/>
-                      </a:solidFill>
-                      <a:prstDash val="solid"/>
-                      <a:round/>
-                      <a:headEnd type="none" w="med" len="med"/>
-                      <a:tailEnd type="none" w="med" len="med"/>
-                    </a:lnB>
-                  </a:tcPr>
-                </a:tc>
-                <a:tc>
-                  <a:txBody>
-                    <a:bodyPr/>
-                    <a:lstStyle/>
-                    <a:p>
-                      <a:pPr algn="l" fontAlgn="b"/>
-                      <a:r>
-                        <a:rPr lang="en-US" sz="1000" b="0" i="0" u="none" strike="noStrike">
-                          <a:solidFill>
-                            <a:srgbClr val="000000"/>
-                          </a:solidFill>
-                          <a:effectLst/>
-                          <a:latin typeface="Calibri" panose="020F0502020204030204" pitchFamily="34" charset="0"/>
-                        </a:rPr>
-                        <a:t> $           293.27 </a:t>
-                      </a:r>
-                    </a:p>
-                  </a:txBody>
-                  <a:tcPr marL="8814" marR="8814" marT="8814" marB="0" anchor="b">
-                    <a:lnL w="6350" cap="flat" cmpd="sng" algn="ctr">
-                      <a:solidFill>
-                        <a:srgbClr val="000000"/>
-                      </a:solidFill>
-                      <a:prstDash val="solid"/>
-                      <a:round/>
-                      <a:headEnd type="none" w="med" len="med"/>
-                      <a:tailEnd type="none" w="med" len="med"/>
-                    </a:lnL>
-                    <a:lnR w="6350" cap="flat" cmpd="sng" algn="ctr">
-                      <a:solidFill>
-                        <a:srgbClr val="000000"/>
-                      </a:solidFill>
-                      <a:prstDash val="solid"/>
-                      <a:round/>
-                      <a:headEnd type="none" w="med" len="med"/>
-                      <a:tailEnd type="none" w="med" len="med"/>
-                    </a:lnR>
-                    <a:lnT w="6350" cap="flat" cmpd="sng" algn="ctr">
-                      <a:solidFill>
-                        <a:srgbClr val="000000"/>
-                      </a:solidFill>
-                      <a:prstDash val="solid"/>
-                      <a:round/>
-                      <a:headEnd type="none" w="med" len="med"/>
-                      <a:tailEnd type="none" w="med" len="med"/>
-                    </a:lnT>
-                    <a:lnB w="6350" cap="flat" cmpd="sng" algn="ctr">
-                      <a:solidFill>
-                        <a:srgbClr val="000000"/>
-                      </a:solidFill>
-                      <a:prstDash val="solid"/>
-                      <a:round/>
-                      <a:headEnd type="none" w="med" len="med"/>
-                      <a:tailEnd type="none" w="med" len="med"/>
-                    </a:lnB>
-                  </a:tcPr>
-                </a:tc>
-                <a:tc>
-                  <a:txBody>
-                    <a:bodyPr/>
-                    <a:lstStyle/>
-                    <a:p>
-                      <a:pPr algn="l" fontAlgn="b"/>
-                      <a:r>
-                        <a:rPr lang="en-US" sz="1000" b="0" i="0" u="none" strike="noStrike">
-                          <a:solidFill>
-                            <a:srgbClr val="000000"/>
-                          </a:solidFill>
-                          <a:effectLst/>
-                          <a:latin typeface="Calibri" panose="020F0502020204030204" pitchFamily="34" charset="0"/>
-                        </a:rPr>
-                        <a:t> $     175.37 </a:t>
-                      </a:r>
-                    </a:p>
-                  </a:txBody>
-                  <a:tcPr marL="8814" marR="8814" marT="8814" marB="0" anchor="b">
-                    <a:lnL w="6350" cap="flat" cmpd="sng" algn="ctr">
-                      <a:solidFill>
-                        <a:srgbClr val="000000"/>
-                      </a:solidFill>
-                      <a:prstDash val="solid"/>
-                      <a:round/>
-                      <a:headEnd type="none" w="med" len="med"/>
-                      <a:tailEnd type="none" w="med" len="med"/>
-                    </a:lnL>
-                    <a:lnR w="6350" cap="flat" cmpd="sng" algn="ctr">
-                      <a:solidFill>
-                        <a:srgbClr val="000000"/>
-                      </a:solidFill>
-                      <a:prstDash val="solid"/>
-                      <a:round/>
-                      <a:headEnd type="none" w="med" len="med"/>
-                      <a:tailEnd type="none" w="med" len="med"/>
-                    </a:lnR>
-                    <a:lnT w="6350" cap="flat" cmpd="sng" algn="ctr">
-                      <a:solidFill>
-                        <a:srgbClr val="000000"/>
-                      </a:solidFill>
-                      <a:prstDash val="solid"/>
-                      <a:round/>
-                      <a:headEnd type="none" w="med" len="med"/>
-                      <a:tailEnd type="none" w="med" len="med"/>
-                    </a:lnT>
-                    <a:lnB w="6350" cap="flat" cmpd="sng" algn="ctr">
-                      <a:solidFill>
-                        <a:srgbClr val="000000"/>
-                      </a:solidFill>
-                      <a:prstDash val="solid"/>
-                      <a:round/>
-                      <a:headEnd type="none" w="med" len="med"/>
-                      <a:tailEnd type="none" w="med" len="med"/>
-                    </a:lnB>
-                  </a:tcPr>
-                </a:tc>
-                <a:tc>
-                  <a:txBody>
-                    <a:bodyPr/>
-                    <a:lstStyle/>
-                    <a:p>
-                      <a:pPr algn="l" fontAlgn="b"/>
-                      <a:r>
-                        <a:rPr lang="en-US" sz="1000" b="0" i="0" u="none" strike="noStrike">
-                          <a:solidFill>
-                            <a:srgbClr val="000000"/>
-                          </a:solidFill>
-                          <a:effectLst/>
-                          <a:latin typeface="Calibri" panose="020F0502020204030204" pitchFamily="34" charset="0"/>
-                        </a:rPr>
-                        <a:t> $                2.63 </a:t>
-                      </a:r>
-                    </a:p>
-                  </a:txBody>
-                  <a:tcPr marL="8814" marR="8814" marT="8814" marB="0" anchor="b">
-                    <a:lnL w="6350" cap="flat" cmpd="sng" algn="ctr">
-                      <a:solidFill>
-                        <a:srgbClr val="000000"/>
-                      </a:solidFill>
-                      <a:prstDash val="solid"/>
-                      <a:round/>
-                      <a:headEnd type="none" w="med" len="med"/>
-                      <a:tailEnd type="none" w="med" len="med"/>
-                    </a:lnL>
-                    <a:lnR w="6350" cap="flat" cmpd="sng" algn="ctr">
-                      <a:solidFill>
-                        <a:srgbClr val="000000"/>
-                      </a:solidFill>
-                      <a:prstDash val="solid"/>
-                      <a:round/>
-                      <a:headEnd type="none" w="med" len="med"/>
-                      <a:tailEnd type="none" w="med" len="med"/>
-                    </a:lnR>
-                    <a:lnT w="6350" cap="flat" cmpd="sng" algn="ctr">
-                      <a:solidFill>
-                        <a:srgbClr val="000000"/>
-                      </a:solidFill>
-                      <a:prstDash val="solid"/>
-                      <a:round/>
-                      <a:headEnd type="none" w="med" len="med"/>
-                      <a:tailEnd type="none" w="med" len="med"/>
-                    </a:lnT>
-                    <a:lnB w="6350" cap="flat" cmpd="sng" algn="ctr">
-                      <a:solidFill>
-                        <a:srgbClr val="000000"/>
-                      </a:solidFill>
-                      <a:prstDash val="solid"/>
-                      <a:round/>
-                      <a:headEnd type="none" w="med" len="med"/>
-                      <a:tailEnd type="none" w="med" len="med"/>
-                    </a:lnB>
-                  </a:tcPr>
-                </a:tc>
-                <a:tc>
-                  <a:txBody>
-                    <a:bodyPr/>
-                    <a:lstStyle/>
-                    <a:p>
-                      <a:pPr algn="r" fontAlgn="b"/>
-                      <a:r>
-                        <a:rPr lang="en-US" sz="1000" b="0" i="0" u="none" strike="noStrike">
-                          <a:solidFill>
-                            <a:srgbClr val="000000"/>
-                          </a:solidFill>
-                          <a:effectLst/>
-                          <a:latin typeface="Calibri" panose="020F0502020204030204" pitchFamily="34" charset="0"/>
-                        </a:rPr>
-                        <a:t>100%</a:t>
-                      </a:r>
-                    </a:p>
-                  </a:txBody>
-                  <a:tcPr marL="8814" marR="8814" marT="8814" marB="0" anchor="b">
-                    <a:lnL w="6350" cap="flat" cmpd="sng" algn="ctr">
-                      <a:solidFill>
-                        <a:srgbClr val="000000"/>
-                      </a:solidFill>
-                      <a:prstDash val="solid"/>
-                      <a:round/>
-                      <a:headEnd type="none" w="med" len="med"/>
-                      <a:tailEnd type="none" w="med" len="med"/>
-                    </a:lnL>
-                    <a:lnR w="6350" cap="flat" cmpd="sng" algn="ctr">
-                      <a:solidFill>
-                        <a:srgbClr val="000000"/>
-                      </a:solidFill>
-                      <a:prstDash val="solid"/>
-                      <a:round/>
-                      <a:headEnd type="none" w="med" len="med"/>
-                      <a:tailEnd type="none" w="med" len="med"/>
-                    </a:lnR>
-                    <a:lnT w="6350" cap="flat" cmpd="sng" algn="ctr">
-                      <a:solidFill>
-                        <a:srgbClr val="000000"/>
-                      </a:solidFill>
-                      <a:prstDash val="solid"/>
-                      <a:round/>
-                      <a:headEnd type="none" w="med" len="med"/>
-                      <a:tailEnd type="none" w="med" len="med"/>
-                    </a:lnT>
-                    <a:lnB w="6350" cap="flat" cmpd="sng" algn="ctr">
-                      <a:solidFill>
-                        <a:srgbClr val="000000"/>
-                      </a:solidFill>
-                      <a:prstDash val="solid"/>
-                      <a:round/>
-                      <a:headEnd type="none" w="med" len="med"/>
-                      <a:tailEnd type="none" w="med" len="med"/>
-                    </a:lnB>
-                  </a:tcPr>
-                </a:tc>
-                <a:tc>
-                  <a:txBody>
-                    <a:bodyPr/>
-                    <a:lstStyle/>
-                    <a:p>
-                      <a:pPr algn="l" fontAlgn="b"/>
-                      <a:r>
-                        <a:rPr lang="en-US" sz="1000" b="0" i="0" u="none" strike="noStrike">
-                          <a:solidFill>
-                            <a:srgbClr val="000000"/>
-                          </a:solidFill>
-                          <a:effectLst/>
-                          <a:latin typeface="Calibri" panose="020F0502020204030204" pitchFamily="34" charset="0"/>
-                        </a:rPr>
-                        <a:t> $             175.37 </a:t>
-                      </a:r>
-                    </a:p>
-                  </a:txBody>
-                  <a:tcPr marL="8814" marR="8814" marT="8814" marB="0" anchor="b">
-                    <a:lnL w="6350" cap="flat" cmpd="sng" algn="ctr">
-                      <a:solidFill>
-                        <a:srgbClr val="000000"/>
-                      </a:solidFill>
-                      <a:prstDash val="solid"/>
-                      <a:round/>
-                      <a:headEnd type="none" w="med" len="med"/>
-                      <a:tailEnd type="none" w="med" len="med"/>
-                    </a:lnL>
-                    <a:lnR w="6350" cap="flat" cmpd="sng" algn="ctr">
-                      <a:solidFill>
-                        <a:srgbClr val="000000"/>
-                      </a:solidFill>
-                      <a:prstDash val="solid"/>
-                      <a:round/>
-                      <a:headEnd type="none" w="med" len="med"/>
-                      <a:tailEnd type="none" w="med" len="med"/>
-                    </a:lnR>
-                    <a:lnT w="6350" cap="flat" cmpd="sng" algn="ctr">
-                      <a:solidFill>
-                        <a:srgbClr val="000000"/>
-                      </a:solidFill>
-                      <a:prstDash val="solid"/>
-                      <a:round/>
-                      <a:headEnd type="none" w="med" len="med"/>
-                      <a:tailEnd type="none" w="med" len="med"/>
-                    </a:lnT>
-                    <a:lnB w="6350" cap="flat" cmpd="sng" algn="ctr">
-                      <a:solidFill>
-                        <a:srgbClr val="000000"/>
-                      </a:solidFill>
-                      <a:prstDash val="solid"/>
-                      <a:round/>
-                      <a:headEnd type="none" w="med" len="med"/>
-                      <a:tailEnd type="none" w="med" len="med"/>
-                    </a:lnB>
-                  </a:tcPr>
-                </a:tc>
-                <a:tc>
-                  <a:txBody>
-                    <a:bodyPr/>
-                    <a:lstStyle/>
-                    <a:p>
-                      <a:pPr algn="l" fontAlgn="b"/>
-                      <a:r>
-                        <a:rPr lang="en-US" sz="1000" b="0" i="0" u="none" strike="noStrike">
-                          <a:solidFill>
-                            <a:srgbClr val="000000"/>
-                          </a:solidFill>
-                          <a:effectLst/>
-                          <a:latin typeface="Calibri" panose="020F0502020204030204" pitchFamily="34" charset="0"/>
-                        </a:rPr>
-                        <a:t> $       178.00 </a:t>
-                      </a:r>
-                    </a:p>
-                  </a:txBody>
-                  <a:tcPr marL="8814" marR="8814" marT="8814" marB="0" anchor="b">
-                    <a:lnL w="6350" cap="flat" cmpd="sng" algn="ctr">
-                      <a:solidFill>
-                        <a:srgbClr val="000000"/>
-                      </a:solidFill>
-                      <a:prstDash val="solid"/>
-                      <a:round/>
-                      <a:headEnd type="none" w="med" len="med"/>
-                      <a:tailEnd type="none" w="med" len="med"/>
-                    </a:lnL>
-                    <a:lnR w="6350" cap="flat" cmpd="sng" algn="ctr">
-                      <a:solidFill>
-                        <a:srgbClr val="000000"/>
-                      </a:solidFill>
-                      <a:prstDash val="solid"/>
-                      <a:round/>
-                      <a:headEnd type="none" w="med" len="med"/>
-                      <a:tailEnd type="none" w="med" len="med"/>
-                    </a:lnR>
-                    <a:lnT w="6350" cap="flat" cmpd="sng" algn="ctr">
-                      <a:solidFill>
-                        <a:srgbClr val="000000"/>
-                      </a:solidFill>
-                      <a:prstDash val="solid"/>
-                      <a:round/>
-                      <a:headEnd type="none" w="med" len="med"/>
-                      <a:tailEnd type="none" w="med" len="med"/>
-                    </a:lnT>
-                    <a:lnB w="6350" cap="flat" cmpd="sng" algn="ctr">
-                      <a:solidFill>
-                        <a:srgbClr val="000000"/>
-                      </a:solidFill>
-                      <a:prstDash val="solid"/>
-                      <a:round/>
-                      <a:headEnd type="none" w="med" len="med"/>
-                      <a:tailEnd type="none" w="med" len="med"/>
-                    </a:lnB>
-                  </a:tcPr>
-                </a:tc>
-                <a:tc>
-                  <a:txBody>
-                    <a:bodyPr/>
-                    <a:lstStyle/>
-                    <a:p>
-                      <a:pPr algn="l" fontAlgn="b"/>
-                      <a:r>
-                        <a:rPr lang="en-US" sz="1000" b="0" i="0" u="none" strike="noStrike">
-                          <a:solidFill>
-                            <a:srgbClr val="000000"/>
-                          </a:solidFill>
-                          <a:effectLst/>
-                          <a:latin typeface="Calibri" panose="020F0502020204030204" pitchFamily="34" charset="0"/>
-                        </a:rPr>
-                        <a:t> $                     -   </a:t>
-                      </a:r>
-                    </a:p>
-                  </a:txBody>
-                  <a:tcPr marL="8814" marR="8814" marT="8814" marB="0" anchor="b">
-                    <a:lnL w="6350" cap="flat" cmpd="sng" algn="ctr">
-                      <a:solidFill>
-                        <a:srgbClr val="000000"/>
-                      </a:solidFill>
-                      <a:prstDash val="solid"/>
-                      <a:round/>
-                      <a:headEnd type="none" w="med" len="med"/>
-                      <a:tailEnd type="none" w="med" len="med"/>
-                    </a:lnL>
-                    <a:lnR w="6350" cap="flat" cmpd="sng" algn="ctr">
-                      <a:solidFill>
-                        <a:srgbClr val="000000"/>
-                      </a:solidFill>
-                      <a:prstDash val="solid"/>
-                      <a:round/>
-                      <a:headEnd type="none" w="med" len="med"/>
-                      <a:tailEnd type="none" w="med" len="med"/>
-                    </a:lnR>
-                    <a:lnT w="6350" cap="flat" cmpd="sng" algn="ctr">
-                      <a:solidFill>
-                        <a:srgbClr val="000000"/>
-                      </a:solidFill>
-                      <a:prstDash val="solid"/>
-                      <a:round/>
-                      <a:headEnd type="none" w="med" len="med"/>
-                      <a:tailEnd type="none" w="med" len="med"/>
-                    </a:lnT>
-                    <a:lnB w="6350" cap="flat" cmpd="sng" algn="ctr">
-                      <a:solidFill>
-                        <a:srgbClr val="000000"/>
-                      </a:solidFill>
-                      <a:prstDash val="solid"/>
-                      <a:round/>
-                      <a:headEnd type="none" w="med" len="med"/>
-                      <a:tailEnd type="none" w="med" len="med"/>
-                    </a:lnB>
-                  </a:tcPr>
-                </a:tc>
-                <a:tc>
-                  <a:txBody>
-                    <a:bodyPr/>
-                    <a:lstStyle/>
-                    <a:p>
-                      <a:pPr algn="l" fontAlgn="b"/>
-                      <a:r>
-                        <a:rPr lang="en-US" sz="1000" b="0" i="0" u="none" strike="noStrike">
-                          <a:solidFill>
-                            <a:srgbClr val="000000"/>
-                          </a:solidFill>
-                          <a:effectLst/>
-                          <a:latin typeface="Calibri" panose="020F0502020204030204" pitchFamily="34" charset="0"/>
-                        </a:rPr>
-                        <a:t> $       175.37 </a:t>
-                      </a:r>
-                    </a:p>
-                  </a:txBody>
-                  <a:tcPr marL="8814" marR="8814" marT="8814" marB="0" anchor="b">
-                    <a:lnL w="6350" cap="flat" cmpd="sng" algn="ctr">
-                      <a:solidFill>
-                        <a:srgbClr val="000000"/>
-                      </a:solidFill>
-                      <a:prstDash val="solid"/>
-                      <a:round/>
-                      <a:headEnd type="none" w="med" len="med"/>
-                      <a:tailEnd type="none" w="med" len="med"/>
-                    </a:lnL>
-                    <a:lnR w="6350" cap="flat" cmpd="sng" algn="ctr">
-                      <a:solidFill>
-                        <a:srgbClr val="000000"/>
-                      </a:solidFill>
-                      <a:prstDash val="solid"/>
-                      <a:round/>
-                      <a:headEnd type="none" w="med" len="med"/>
-                      <a:tailEnd type="none" w="med" len="med"/>
-                    </a:lnR>
-                    <a:lnT w="6350" cap="flat" cmpd="sng" algn="ctr">
-                      <a:solidFill>
-                        <a:srgbClr val="000000"/>
-                      </a:solidFill>
-                      <a:prstDash val="solid"/>
-                      <a:round/>
-                      <a:headEnd type="none" w="med" len="med"/>
-                      <a:tailEnd type="none" w="med" len="med"/>
-                    </a:lnT>
-                    <a:lnB w="6350" cap="flat" cmpd="sng" algn="ctr">
-                      <a:solidFill>
-                        <a:srgbClr val="000000"/>
-                      </a:solidFill>
-                      <a:prstDash val="solid"/>
-                      <a:round/>
-                      <a:headEnd type="none" w="med" len="med"/>
-                      <a:tailEnd type="none" w="med" len="med"/>
-                    </a:lnB>
-                  </a:tcPr>
-                </a:tc>
-                <a:tc>
-                  <a:txBody>
-                    <a:bodyPr/>
-                    <a:lstStyle/>
-                    <a:p>
-                      <a:pPr algn="l" fontAlgn="b"/>
-                      <a:r>
-                        <a:rPr lang="en-US" sz="1000" b="0" i="0" u="none" strike="noStrike">
-                          <a:solidFill>
-                            <a:srgbClr val="000000"/>
-                          </a:solidFill>
-                          <a:effectLst/>
-                          <a:latin typeface="Calibri" panose="020F0502020204030204" pitchFamily="34" charset="0"/>
-                        </a:rPr>
-                        <a:t> </a:t>
-                      </a:r>
-                    </a:p>
-                  </a:txBody>
-                  <a:tcPr marL="8814" marR="8814" marT="8814" marB="0" anchor="b">
-                    <a:lnL w="6350" cap="flat" cmpd="sng" algn="ctr">
-                      <a:solidFill>
-                        <a:srgbClr val="000000"/>
-                      </a:solidFill>
-                      <a:prstDash val="solid"/>
-                      <a:round/>
-                      <a:headEnd type="none" w="med" len="med"/>
-                      <a:tailEnd type="none" w="med" len="med"/>
-                    </a:lnL>
-                    <a:lnR w="6350" cap="flat" cmpd="sng" algn="ctr">
-                      <a:solidFill>
-                        <a:srgbClr val="000000"/>
-                      </a:solidFill>
-                      <a:prstDash val="solid"/>
-                      <a:round/>
-                      <a:headEnd type="none" w="med" len="med"/>
-                      <a:tailEnd type="none" w="med" len="med"/>
-                    </a:lnR>
-                    <a:lnT w="6350" cap="flat" cmpd="sng" algn="ctr">
-                      <a:solidFill>
-                        <a:srgbClr val="000000"/>
-                      </a:solidFill>
-                      <a:prstDash val="solid"/>
-                      <a:round/>
-                      <a:headEnd type="none" w="med" len="med"/>
-                      <a:tailEnd type="none" w="med" len="med"/>
-                    </a:lnT>
-                    <a:lnB w="6350" cap="flat" cmpd="sng" algn="ctr">
-                      <a:solidFill>
-                        <a:srgbClr val="000000"/>
-                      </a:solidFill>
-                      <a:prstDash val="solid"/>
-                      <a:round/>
-                      <a:headEnd type="none" w="med" len="med"/>
-                      <a:tailEnd type="none" w="med" len="med"/>
-                    </a:lnB>
-                  </a:tcPr>
-                </a:tc>
-              </a:tr>
-              <a:tr h="319052">
-                <a:tc>
-                  <a:txBody>
-                    <a:bodyPr/>
-                    <a:lstStyle/>
-                    <a:p>
-                      <a:pPr algn="l" fontAlgn="b"/>
-                      <a:r>
-                        <a:rPr lang="en-US" sz="1000" b="0" i="0" u="none" strike="noStrike">
-                          <a:solidFill>
-                            <a:srgbClr val="000000"/>
-                          </a:solidFill>
-                          <a:effectLst/>
-                          <a:latin typeface="Calibri" panose="020F0502020204030204" pitchFamily="34" charset="0"/>
-                        </a:rPr>
-                        <a:t>POB2</a:t>
-                      </a:r>
-                    </a:p>
-                  </a:txBody>
-                  <a:tcPr marL="8814" marR="8814" marT="8814" marB="0" anchor="b">
-                    <a:lnL w="6350" cap="flat" cmpd="sng" algn="ctr">
-                      <a:solidFill>
-                        <a:srgbClr val="000000"/>
-                      </a:solidFill>
-                      <a:prstDash val="solid"/>
-                      <a:round/>
-                      <a:headEnd type="none" w="med" len="med"/>
-                      <a:tailEnd type="none" w="med" len="med"/>
-                    </a:lnL>
-                    <a:lnR w="6350" cap="flat" cmpd="sng" algn="ctr">
-                      <a:solidFill>
-                        <a:srgbClr val="000000"/>
-                      </a:solidFill>
-                      <a:prstDash val="solid"/>
-                      <a:round/>
-                      <a:headEnd type="none" w="med" len="med"/>
-                      <a:tailEnd type="none" w="med" len="med"/>
-                    </a:lnR>
-                    <a:lnT w="6350" cap="flat" cmpd="sng" algn="ctr">
-                      <a:solidFill>
-                        <a:srgbClr val="000000"/>
-                      </a:solidFill>
-                      <a:prstDash val="solid"/>
-                      <a:round/>
-                      <a:headEnd type="none" w="med" len="med"/>
-                      <a:tailEnd type="none" w="med" len="med"/>
-                    </a:lnT>
-                    <a:lnB w="6350" cap="flat" cmpd="sng" algn="ctr">
-                      <a:solidFill>
-                        <a:srgbClr val="000000"/>
-                      </a:solidFill>
-                      <a:prstDash val="solid"/>
-                      <a:round/>
-                      <a:headEnd type="none" w="med" len="med"/>
-                      <a:tailEnd type="none" w="med" len="med"/>
-                    </a:lnB>
-                  </a:tcPr>
-                </a:tc>
-                <a:tc>
-                  <a:txBody>
-                    <a:bodyPr/>
-                    <a:lstStyle/>
-                    <a:p>
-                      <a:pPr algn="l" fontAlgn="b"/>
-                      <a:r>
-                        <a:rPr lang="en-US" sz="1000" b="0" i="0" u="none" strike="noStrike">
-                          <a:solidFill>
-                            <a:srgbClr val="000000"/>
-                          </a:solidFill>
-                          <a:effectLst/>
-                          <a:latin typeface="Calibri" panose="020F0502020204030204" pitchFamily="34" charset="0"/>
-                        </a:rPr>
-                        <a:t> $          269.00 </a:t>
-                      </a:r>
-                    </a:p>
-                  </a:txBody>
-                  <a:tcPr marL="8814" marR="8814" marT="8814" marB="0" anchor="b">
-                    <a:lnL w="6350" cap="flat" cmpd="sng" algn="ctr">
-                      <a:solidFill>
-                        <a:srgbClr val="000000"/>
-                      </a:solidFill>
-                      <a:prstDash val="solid"/>
-                      <a:round/>
-                      <a:headEnd type="none" w="med" len="med"/>
-                      <a:tailEnd type="none" w="med" len="med"/>
-                    </a:lnL>
-                    <a:lnR w="6350" cap="flat" cmpd="sng" algn="ctr">
-                      <a:solidFill>
-                        <a:srgbClr val="000000"/>
-                      </a:solidFill>
-                      <a:prstDash val="solid"/>
-                      <a:round/>
-                      <a:headEnd type="none" w="med" len="med"/>
-                      <a:tailEnd type="none" w="med" len="med"/>
-                    </a:lnR>
-                    <a:lnT w="6350" cap="flat" cmpd="sng" algn="ctr">
-                      <a:solidFill>
-                        <a:srgbClr val="000000"/>
-                      </a:solidFill>
-                      <a:prstDash val="solid"/>
-                      <a:round/>
-                      <a:headEnd type="none" w="med" len="med"/>
-                      <a:tailEnd type="none" w="med" len="med"/>
-                    </a:lnT>
-                    <a:lnB w="6350" cap="flat" cmpd="sng" algn="ctr">
-                      <a:solidFill>
-                        <a:srgbClr val="000000"/>
-                      </a:solidFill>
-                      <a:prstDash val="solid"/>
-                      <a:round/>
-                      <a:headEnd type="none" w="med" len="med"/>
-                      <a:tailEnd type="none" w="med" len="med"/>
-                    </a:lnB>
-                  </a:tcPr>
-                </a:tc>
-                <a:tc>
-                  <a:txBody>
-                    <a:bodyPr/>
-                    <a:lstStyle/>
-                    <a:p>
-                      <a:pPr algn="l" fontAlgn="b"/>
-                      <a:r>
-                        <a:rPr lang="en-US" sz="1000" b="0" i="0" u="none" strike="noStrike">
-                          <a:solidFill>
-                            <a:srgbClr val="000000"/>
-                          </a:solidFill>
-                          <a:effectLst/>
-                          <a:latin typeface="Calibri" panose="020F0502020204030204" pitchFamily="34" charset="0"/>
-                        </a:rPr>
-                        <a:t> $           454.23 </a:t>
-                      </a:r>
-                    </a:p>
-                  </a:txBody>
-                  <a:tcPr marL="8814" marR="8814" marT="8814" marB="0" anchor="b">
-                    <a:lnL w="6350" cap="flat" cmpd="sng" algn="ctr">
-                      <a:solidFill>
-                        <a:srgbClr val="000000"/>
-                      </a:solidFill>
-                      <a:prstDash val="solid"/>
-                      <a:round/>
-                      <a:headEnd type="none" w="med" len="med"/>
-                      <a:tailEnd type="none" w="med" len="med"/>
-                    </a:lnL>
-                    <a:lnR w="6350" cap="flat" cmpd="sng" algn="ctr">
-                      <a:solidFill>
-                        <a:srgbClr val="000000"/>
-                      </a:solidFill>
-                      <a:prstDash val="solid"/>
-                      <a:round/>
-                      <a:headEnd type="none" w="med" len="med"/>
-                      <a:tailEnd type="none" w="med" len="med"/>
-                    </a:lnR>
-                    <a:lnT w="6350" cap="flat" cmpd="sng" algn="ctr">
-                      <a:solidFill>
-                        <a:srgbClr val="000000"/>
-                      </a:solidFill>
-                      <a:prstDash val="solid"/>
-                      <a:round/>
-                      <a:headEnd type="none" w="med" len="med"/>
-                      <a:tailEnd type="none" w="med" len="med"/>
-                    </a:lnT>
-                    <a:lnB w="6350" cap="flat" cmpd="sng" algn="ctr">
-                      <a:solidFill>
-                        <a:srgbClr val="000000"/>
-                      </a:solidFill>
-                      <a:prstDash val="solid"/>
-                      <a:round/>
-                      <a:headEnd type="none" w="med" len="med"/>
-                      <a:tailEnd type="none" w="med" len="med"/>
-                    </a:lnB>
-                  </a:tcPr>
-                </a:tc>
-                <a:tc>
-                  <a:txBody>
-                    <a:bodyPr/>
-                    <a:lstStyle/>
-                    <a:p>
-                      <a:pPr algn="l" fontAlgn="b"/>
-                      <a:r>
-                        <a:rPr lang="en-US" sz="1000" b="0" i="0" u="none" strike="noStrike">
-                          <a:solidFill>
-                            <a:srgbClr val="000000"/>
-                          </a:solidFill>
-                          <a:effectLst/>
-                          <a:latin typeface="Calibri" panose="020F0502020204030204" pitchFamily="34" charset="0"/>
-                        </a:rPr>
-                        <a:t> $     271.63 </a:t>
-                      </a:r>
-                    </a:p>
-                  </a:txBody>
-                  <a:tcPr marL="8814" marR="8814" marT="8814" marB="0" anchor="b">
-                    <a:lnL w="6350" cap="flat" cmpd="sng" algn="ctr">
-                      <a:solidFill>
-                        <a:srgbClr val="000000"/>
-                      </a:solidFill>
-                      <a:prstDash val="solid"/>
-                      <a:round/>
-                      <a:headEnd type="none" w="med" len="med"/>
-                      <a:tailEnd type="none" w="med" len="med"/>
-                    </a:lnL>
-                    <a:lnR w="6350" cap="flat" cmpd="sng" algn="ctr">
-                      <a:solidFill>
-                        <a:srgbClr val="000000"/>
-                      </a:solidFill>
-                      <a:prstDash val="solid"/>
-                      <a:round/>
-                      <a:headEnd type="none" w="med" len="med"/>
-                      <a:tailEnd type="none" w="med" len="med"/>
-                    </a:lnR>
-                    <a:lnT w="6350" cap="flat" cmpd="sng" algn="ctr">
-                      <a:solidFill>
-                        <a:srgbClr val="000000"/>
-                      </a:solidFill>
-                      <a:prstDash val="solid"/>
-                      <a:round/>
-                      <a:headEnd type="none" w="med" len="med"/>
-                      <a:tailEnd type="none" w="med" len="med"/>
-                    </a:lnT>
-                    <a:lnB w="6350" cap="flat" cmpd="sng" algn="ctr">
-                      <a:solidFill>
-                        <a:srgbClr val="000000"/>
-                      </a:solidFill>
-                      <a:prstDash val="solid"/>
-                      <a:round/>
-                      <a:headEnd type="none" w="med" len="med"/>
-                      <a:tailEnd type="none" w="med" len="med"/>
-                    </a:lnB>
-                  </a:tcPr>
-                </a:tc>
-                <a:tc>
-                  <a:txBody>
-                    <a:bodyPr/>
-                    <a:lstStyle/>
-                    <a:p>
-                      <a:pPr algn="l" fontAlgn="b"/>
-                      <a:r>
-                        <a:rPr lang="en-US" sz="1000" b="0" i="0" u="none" strike="noStrike">
-                          <a:solidFill>
-                            <a:srgbClr val="000000"/>
-                          </a:solidFill>
-                          <a:effectLst/>
-                          <a:latin typeface="Calibri" panose="020F0502020204030204" pitchFamily="34" charset="0"/>
-                        </a:rPr>
-                        <a:t> $              (2.63)</a:t>
-                      </a:r>
-                    </a:p>
-                  </a:txBody>
-                  <a:tcPr marL="8814" marR="8814" marT="8814" marB="0" anchor="b">
-                    <a:lnL w="6350" cap="flat" cmpd="sng" algn="ctr">
-                      <a:solidFill>
-                        <a:srgbClr val="000000"/>
-                      </a:solidFill>
-                      <a:prstDash val="solid"/>
-                      <a:round/>
-                      <a:headEnd type="none" w="med" len="med"/>
-                      <a:tailEnd type="none" w="med" len="med"/>
-                    </a:lnL>
-                    <a:lnR w="6350" cap="flat" cmpd="sng" algn="ctr">
-                      <a:solidFill>
-                        <a:srgbClr val="000000"/>
-                      </a:solidFill>
-                      <a:prstDash val="solid"/>
-                      <a:round/>
-                      <a:headEnd type="none" w="med" len="med"/>
-                      <a:tailEnd type="none" w="med" len="med"/>
-                    </a:lnR>
-                    <a:lnT w="6350" cap="flat" cmpd="sng" algn="ctr">
-                      <a:solidFill>
-                        <a:srgbClr val="000000"/>
-                      </a:solidFill>
-                      <a:prstDash val="solid"/>
-                      <a:round/>
-                      <a:headEnd type="none" w="med" len="med"/>
-                      <a:tailEnd type="none" w="med" len="med"/>
-                    </a:lnT>
-                    <a:lnB w="6350" cap="flat" cmpd="sng" algn="ctr">
-                      <a:solidFill>
-                        <a:srgbClr val="000000"/>
-                      </a:solidFill>
-                      <a:prstDash val="solid"/>
-                      <a:round/>
-                      <a:headEnd type="none" w="med" len="med"/>
-                      <a:tailEnd type="none" w="med" len="med"/>
-                    </a:lnB>
-                  </a:tcPr>
-                </a:tc>
-                <a:tc>
-                  <a:txBody>
-                    <a:bodyPr/>
-                    <a:lstStyle/>
-                    <a:p>
-                      <a:pPr algn="r" fontAlgn="b"/>
-                      <a:r>
-                        <a:rPr lang="en-US" sz="1000" b="0" i="0" u="none" strike="noStrike">
-                          <a:solidFill>
-                            <a:srgbClr val="000000"/>
-                          </a:solidFill>
-                          <a:effectLst/>
-                          <a:latin typeface="Calibri" panose="020F0502020204030204" pitchFamily="34" charset="0"/>
-                        </a:rPr>
-                        <a:t>100%</a:t>
-                      </a:r>
-                    </a:p>
-                  </a:txBody>
-                  <a:tcPr marL="8814" marR="8814" marT="8814" marB="0" anchor="b">
-                    <a:lnL w="6350" cap="flat" cmpd="sng" algn="ctr">
-                      <a:solidFill>
-                        <a:srgbClr val="000000"/>
-                      </a:solidFill>
-                      <a:prstDash val="solid"/>
-                      <a:round/>
-                      <a:headEnd type="none" w="med" len="med"/>
-                      <a:tailEnd type="none" w="med" len="med"/>
-                    </a:lnL>
-                    <a:lnR w="6350" cap="flat" cmpd="sng" algn="ctr">
-                      <a:solidFill>
-                        <a:srgbClr val="000000"/>
-                      </a:solidFill>
-                      <a:prstDash val="solid"/>
-                      <a:round/>
-                      <a:headEnd type="none" w="med" len="med"/>
-                      <a:tailEnd type="none" w="med" len="med"/>
-                    </a:lnR>
-                    <a:lnT w="6350" cap="flat" cmpd="sng" algn="ctr">
-                      <a:solidFill>
-                        <a:srgbClr val="000000"/>
-                      </a:solidFill>
-                      <a:prstDash val="solid"/>
-                      <a:round/>
-                      <a:headEnd type="none" w="med" len="med"/>
-                      <a:tailEnd type="none" w="med" len="med"/>
-                    </a:lnT>
-                    <a:lnB w="6350" cap="flat" cmpd="sng" algn="ctr">
-                      <a:solidFill>
-                        <a:srgbClr val="000000"/>
-                      </a:solidFill>
-                      <a:prstDash val="solid"/>
-                      <a:round/>
-                      <a:headEnd type="none" w="med" len="med"/>
-                      <a:tailEnd type="none" w="med" len="med"/>
-                    </a:lnB>
-                  </a:tcPr>
-                </a:tc>
-                <a:tc>
-                  <a:txBody>
-                    <a:bodyPr/>
-                    <a:lstStyle/>
-                    <a:p>
-                      <a:pPr algn="l" fontAlgn="b"/>
-                      <a:r>
-                        <a:rPr lang="en-US" sz="1000" b="0" i="0" u="none" strike="noStrike">
-                          <a:solidFill>
-                            <a:srgbClr val="000000"/>
-                          </a:solidFill>
-                          <a:effectLst/>
-                          <a:latin typeface="Calibri" panose="020F0502020204030204" pitchFamily="34" charset="0"/>
-                        </a:rPr>
-                        <a:t> $             271.63 </a:t>
-                      </a:r>
-                    </a:p>
-                  </a:txBody>
-                  <a:tcPr marL="8814" marR="8814" marT="8814" marB="0" anchor="b">
-                    <a:lnL w="6350" cap="flat" cmpd="sng" algn="ctr">
-                      <a:solidFill>
-                        <a:srgbClr val="000000"/>
-                      </a:solidFill>
-                      <a:prstDash val="solid"/>
-                      <a:round/>
-                      <a:headEnd type="none" w="med" len="med"/>
-                      <a:tailEnd type="none" w="med" len="med"/>
-                    </a:lnL>
-                    <a:lnR w="6350" cap="flat" cmpd="sng" algn="ctr">
-                      <a:solidFill>
-                        <a:srgbClr val="000000"/>
-                      </a:solidFill>
-                      <a:prstDash val="solid"/>
-                      <a:round/>
-                      <a:headEnd type="none" w="med" len="med"/>
-                      <a:tailEnd type="none" w="med" len="med"/>
-                    </a:lnR>
-                    <a:lnT w="6350" cap="flat" cmpd="sng" algn="ctr">
-                      <a:solidFill>
-                        <a:srgbClr val="000000"/>
-                      </a:solidFill>
-                      <a:prstDash val="solid"/>
-                      <a:round/>
-                      <a:headEnd type="none" w="med" len="med"/>
-                      <a:tailEnd type="none" w="med" len="med"/>
-                    </a:lnT>
-                    <a:lnB w="6350" cap="flat" cmpd="sng" algn="ctr">
-                      <a:solidFill>
-                        <a:srgbClr val="000000"/>
-                      </a:solidFill>
-                      <a:prstDash val="solid"/>
-                      <a:round/>
-                      <a:headEnd type="none" w="med" len="med"/>
-                      <a:tailEnd type="none" w="med" len="med"/>
-                    </a:lnB>
-                  </a:tcPr>
-                </a:tc>
-                <a:tc>
-                  <a:txBody>
-                    <a:bodyPr/>
-                    <a:lstStyle/>
-                    <a:p>
-                      <a:pPr algn="l" fontAlgn="b"/>
-                      <a:r>
-                        <a:rPr lang="en-US" sz="1000" b="0" i="0" u="none" strike="noStrike">
-                          <a:solidFill>
-                            <a:srgbClr val="000000"/>
-                          </a:solidFill>
-                          <a:effectLst/>
-                          <a:latin typeface="Calibri" panose="020F0502020204030204" pitchFamily="34" charset="0"/>
-                        </a:rPr>
-                        <a:t> $       269.00 </a:t>
-                      </a:r>
-                    </a:p>
-                  </a:txBody>
-                  <a:tcPr marL="8814" marR="8814" marT="8814" marB="0" anchor="b">
-                    <a:lnL w="6350" cap="flat" cmpd="sng" algn="ctr">
-                      <a:solidFill>
-                        <a:srgbClr val="000000"/>
-                      </a:solidFill>
-                      <a:prstDash val="solid"/>
-                      <a:round/>
-                      <a:headEnd type="none" w="med" len="med"/>
-                      <a:tailEnd type="none" w="med" len="med"/>
-                    </a:lnL>
-                    <a:lnR w="6350" cap="flat" cmpd="sng" algn="ctr">
-                      <a:solidFill>
-                        <a:srgbClr val="000000"/>
-                      </a:solidFill>
-                      <a:prstDash val="solid"/>
-                      <a:round/>
-                      <a:headEnd type="none" w="med" len="med"/>
-                      <a:tailEnd type="none" w="med" len="med"/>
-                    </a:lnR>
-                    <a:lnT w="6350" cap="flat" cmpd="sng" algn="ctr">
-                      <a:solidFill>
-                        <a:srgbClr val="000000"/>
-                      </a:solidFill>
-                      <a:prstDash val="solid"/>
-                      <a:round/>
-                      <a:headEnd type="none" w="med" len="med"/>
-                      <a:tailEnd type="none" w="med" len="med"/>
-                    </a:lnT>
-                    <a:lnB w="6350" cap="flat" cmpd="sng" algn="ctr">
-                      <a:solidFill>
-                        <a:srgbClr val="000000"/>
-                      </a:solidFill>
-                      <a:prstDash val="solid"/>
-                      <a:round/>
-                      <a:headEnd type="none" w="med" len="med"/>
-                      <a:tailEnd type="none" w="med" len="med"/>
-                    </a:lnB>
-                  </a:tcPr>
-                </a:tc>
-                <a:tc>
-                  <a:txBody>
-                    <a:bodyPr/>
-                    <a:lstStyle/>
-                    <a:p>
-                      <a:pPr algn="l" fontAlgn="b"/>
-                      <a:r>
-                        <a:rPr lang="en-US" sz="1000" b="0" i="0" u="none" strike="noStrike">
-                          <a:solidFill>
-                            <a:srgbClr val="000000"/>
-                          </a:solidFill>
-                          <a:effectLst/>
-                          <a:latin typeface="Calibri" panose="020F0502020204030204" pitchFamily="34" charset="0"/>
-                        </a:rPr>
-                        <a:t> $                     -   </a:t>
-                      </a:r>
-                    </a:p>
-                  </a:txBody>
-                  <a:tcPr marL="8814" marR="8814" marT="8814" marB="0" anchor="b">
-                    <a:lnL w="6350" cap="flat" cmpd="sng" algn="ctr">
-                      <a:solidFill>
-                        <a:srgbClr val="000000"/>
-                      </a:solidFill>
-                      <a:prstDash val="solid"/>
-                      <a:round/>
-                      <a:headEnd type="none" w="med" len="med"/>
-                      <a:tailEnd type="none" w="med" len="med"/>
-                    </a:lnL>
-                    <a:lnR w="6350" cap="flat" cmpd="sng" algn="ctr">
-                      <a:solidFill>
-                        <a:srgbClr val="000000"/>
-                      </a:solidFill>
-                      <a:prstDash val="solid"/>
-                      <a:round/>
-                      <a:headEnd type="none" w="med" len="med"/>
-                      <a:tailEnd type="none" w="med" len="med"/>
-                    </a:lnR>
-                    <a:lnT w="6350" cap="flat" cmpd="sng" algn="ctr">
-                      <a:solidFill>
-                        <a:srgbClr val="000000"/>
-                      </a:solidFill>
-                      <a:prstDash val="solid"/>
-                      <a:round/>
-                      <a:headEnd type="none" w="med" len="med"/>
-                      <a:tailEnd type="none" w="med" len="med"/>
-                    </a:lnT>
-                    <a:lnB w="6350" cap="flat" cmpd="sng" algn="ctr">
-                      <a:solidFill>
-                        <a:srgbClr val="000000"/>
-                      </a:solidFill>
-                      <a:prstDash val="solid"/>
-                      <a:round/>
-                      <a:headEnd type="none" w="med" len="med"/>
-                      <a:tailEnd type="none" w="med" len="med"/>
-                    </a:lnB>
-                  </a:tcPr>
-                </a:tc>
-                <a:tc>
-                  <a:txBody>
-                    <a:bodyPr/>
-                    <a:lstStyle/>
-                    <a:p>
-                      <a:pPr algn="l" fontAlgn="b"/>
-                      <a:r>
-                        <a:rPr lang="en-US" sz="1000" b="0" i="0" u="none" strike="noStrike">
-                          <a:solidFill>
-                            <a:srgbClr val="000000"/>
-                          </a:solidFill>
-                          <a:effectLst/>
-                          <a:latin typeface="Calibri" panose="020F0502020204030204" pitchFamily="34" charset="0"/>
-                        </a:rPr>
-                        <a:t> $       269.00 </a:t>
-                      </a:r>
-                    </a:p>
-                  </a:txBody>
-                  <a:tcPr marL="8814" marR="8814" marT="8814" marB="0" anchor="b">
-                    <a:lnL w="6350" cap="flat" cmpd="sng" algn="ctr">
-                      <a:solidFill>
-                        <a:srgbClr val="000000"/>
-                      </a:solidFill>
-                      <a:prstDash val="solid"/>
-                      <a:round/>
-                      <a:headEnd type="none" w="med" len="med"/>
-                      <a:tailEnd type="none" w="med" len="med"/>
-                    </a:lnL>
-                    <a:lnR w="6350" cap="flat" cmpd="sng" algn="ctr">
-                      <a:solidFill>
-                        <a:srgbClr val="000000"/>
-                      </a:solidFill>
-                      <a:prstDash val="solid"/>
-                      <a:round/>
-                      <a:headEnd type="none" w="med" len="med"/>
-                      <a:tailEnd type="none" w="med" len="med"/>
-                    </a:lnR>
-                    <a:lnT w="6350" cap="flat" cmpd="sng" algn="ctr">
-                      <a:solidFill>
-                        <a:srgbClr val="000000"/>
-                      </a:solidFill>
-                      <a:prstDash val="solid"/>
-                      <a:round/>
-                      <a:headEnd type="none" w="med" len="med"/>
-                      <a:tailEnd type="none" w="med" len="med"/>
-                    </a:lnT>
-                    <a:lnB w="6350" cap="flat" cmpd="sng" algn="ctr">
-                      <a:solidFill>
-                        <a:srgbClr val="000000"/>
-                      </a:solidFill>
-                      <a:prstDash val="solid"/>
-                      <a:round/>
-                      <a:headEnd type="none" w="med" len="med"/>
-                      <a:tailEnd type="none" w="med" len="med"/>
-                    </a:lnB>
-                  </a:tcPr>
-                </a:tc>
-                <a:tc>
-                  <a:txBody>
-                    <a:bodyPr/>
-                    <a:lstStyle/>
-                    <a:p>
-                      <a:pPr algn="l" fontAlgn="b"/>
-                      <a:r>
-                        <a:rPr lang="en-US" sz="1000" b="0" i="0" u="none" strike="noStrike">
-                          <a:solidFill>
-                            <a:srgbClr val="000000"/>
-                          </a:solidFill>
-                          <a:effectLst/>
-                          <a:latin typeface="Calibri" panose="020F0502020204030204" pitchFamily="34" charset="0"/>
-                        </a:rPr>
-                        <a:t> $                        2.63 </a:t>
-                      </a:r>
-                    </a:p>
-                  </a:txBody>
-                  <a:tcPr marL="8814" marR="8814" marT="8814" marB="0" anchor="b">
-                    <a:lnL w="6350" cap="flat" cmpd="sng" algn="ctr">
-                      <a:solidFill>
-                        <a:srgbClr val="000000"/>
-                      </a:solidFill>
-                      <a:prstDash val="solid"/>
-                      <a:round/>
-                      <a:headEnd type="none" w="med" len="med"/>
-                      <a:tailEnd type="none" w="med" len="med"/>
-                    </a:lnL>
-                    <a:lnR w="6350" cap="flat" cmpd="sng" algn="ctr">
-                      <a:solidFill>
-                        <a:srgbClr val="000000"/>
-                      </a:solidFill>
-                      <a:prstDash val="solid"/>
-                      <a:round/>
-                      <a:headEnd type="none" w="med" len="med"/>
-                      <a:tailEnd type="none" w="med" len="med"/>
-                    </a:lnR>
-                    <a:lnT w="6350" cap="flat" cmpd="sng" algn="ctr">
-                      <a:solidFill>
-                        <a:srgbClr val="000000"/>
-                      </a:solidFill>
-                      <a:prstDash val="solid"/>
-                      <a:round/>
-                      <a:headEnd type="none" w="med" len="med"/>
-                      <a:tailEnd type="none" w="med" len="med"/>
-                    </a:lnT>
-                    <a:lnB w="6350" cap="flat" cmpd="sng" algn="ctr">
-                      <a:solidFill>
-                        <a:srgbClr val="000000"/>
-                      </a:solidFill>
-                      <a:prstDash val="solid"/>
-                      <a:round/>
-                      <a:headEnd type="none" w="med" len="med"/>
-                      <a:tailEnd type="none" w="med" len="med"/>
-                    </a:lnB>
-                  </a:tcPr>
-                </a:tc>
-              </a:tr>
-              <a:tr h="319052">
-                <a:tc>
-                  <a:txBody>
-                    <a:bodyPr/>
-                    <a:lstStyle/>
-                    <a:p>
-                      <a:pPr algn="l" fontAlgn="b"/>
-                      <a:r>
-                        <a:rPr lang="en-US" sz="1000" b="0" i="0" u="none" strike="noStrike">
-                          <a:solidFill>
-                            <a:srgbClr val="000000"/>
-                          </a:solidFill>
-                          <a:effectLst/>
-                          <a:latin typeface="Calibri" panose="020F0502020204030204" pitchFamily="34" charset="0"/>
-                        </a:rPr>
-                        <a:t>SUM</a:t>
-                      </a:r>
-                    </a:p>
-                  </a:txBody>
-                  <a:tcPr marL="8814" marR="8814" marT="8814" marB="0" anchor="b">
-                    <a:lnL w="6350" cap="flat" cmpd="sng" algn="ctr">
-                      <a:solidFill>
-                        <a:srgbClr val="000000"/>
-                      </a:solidFill>
-                      <a:prstDash val="solid"/>
-                      <a:round/>
-                      <a:headEnd type="none" w="med" len="med"/>
-                      <a:tailEnd type="none" w="med" len="med"/>
-                    </a:lnL>
-                    <a:lnR w="6350" cap="flat" cmpd="sng" algn="ctr">
-                      <a:solidFill>
-                        <a:srgbClr val="000000"/>
-                      </a:solidFill>
-                      <a:prstDash val="solid"/>
-                      <a:round/>
-                      <a:headEnd type="none" w="med" len="med"/>
-                      <a:tailEnd type="none" w="med" len="med"/>
-                    </a:lnR>
-                    <a:lnT w="6350" cap="flat" cmpd="sng" algn="ctr">
-                      <a:solidFill>
-                        <a:srgbClr val="000000"/>
-                      </a:solidFill>
-                      <a:prstDash val="solid"/>
-                      <a:round/>
-                      <a:headEnd type="none" w="med" len="med"/>
-                      <a:tailEnd type="none" w="med" len="med"/>
-                    </a:lnT>
-                    <a:lnB w="6350" cap="flat" cmpd="sng" algn="ctr">
-                      <a:solidFill>
-                        <a:srgbClr val="000000"/>
-                      </a:solidFill>
-                      <a:prstDash val="solid"/>
-                      <a:round/>
-                      <a:headEnd type="none" w="med" len="med"/>
-                      <a:tailEnd type="none" w="med" len="med"/>
-                    </a:lnB>
-                  </a:tcPr>
-                </a:tc>
-                <a:tc>
-                  <a:txBody>
-                    <a:bodyPr/>
-                    <a:lstStyle/>
-                    <a:p>
-                      <a:pPr algn="l" fontAlgn="b"/>
-                      <a:r>
-                        <a:rPr lang="en-US" sz="1000" b="0" i="0" u="none" strike="noStrike">
-                          <a:solidFill>
-                            <a:srgbClr val="000000"/>
-                          </a:solidFill>
-                          <a:effectLst/>
-                          <a:latin typeface="Calibri" panose="020F0502020204030204" pitchFamily="34" charset="0"/>
-                        </a:rPr>
-                        <a:t> $          447.00 </a:t>
-                      </a:r>
-                    </a:p>
-                  </a:txBody>
-                  <a:tcPr marL="8814" marR="8814" marT="8814" marB="0" anchor="b">
-                    <a:lnL w="6350" cap="flat" cmpd="sng" algn="ctr">
-                      <a:solidFill>
-                        <a:srgbClr val="000000"/>
-                      </a:solidFill>
-                      <a:prstDash val="solid"/>
-                      <a:round/>
-                      <a:headEnd type="none" w="med" len="med"/>
-                      <a:tailEnd type="none" w="med" len="med"/>
-                    </a:lnL>
-                    <a:lnR w="6350" cap="flat" cmpd="sng" algn="ctr">
-                      <a:solidFill>
-                        <a:srgbClr val="000000"/>
-                      </a:solidFill>
-                      <a:prstDash val="solid"/>
-                      <a:round/>
-                      <a:headEnd type="none" w="med" len="med"/>
-                      <a:tailEnd type="none" w="med" len="med"/>
-                    </a:lnR>
-                    <a:lnT w="6350" cap="flat" cmpd="sng" algn="ctr">
-                      <a:solidFill>
-                        <a:srgbClr val="000000"/>
-                      </a:solidFill>
-                      <a:prstDash val="solid"/>
-                      <a:round/>
-                      <a:headEnd type="none" w="med" len="med"/>
-                      <a:tailEnd type="none" w="med" len="med"/>
-                    </a:lnT>
-                    <a:lnB w="6350" cap="flat" cmpd="sng" algn="ctr">
-                      <a:solidFill>
-                        <a:srgbClr val="000000"/>
-                      </a:solidFill>
-                      <a:prstDash val="solid"/>
-                      <a:round/>
-                      <a:headEnd type="none" w="med" len="med"/>
-                      <a:tailEnd type="none" w="med" len="med"/>
-                    </a:lnB>
-                  </a:tcPr>
-                </a:tc>
-                <a:tc>
-                  <a:txBody>
-                    <a:bodyPr/>
-                    <a:lstStyle/>
-                    <a:p>
-                      <a:pPr algn="l" fontAlgn="b"/>
-                      <a:r>
-                        <a:rPr lang="en-US" sz="1000" b="0" i="0" u="none" strike="noStrike">
-                          <a:solidFill>
-                            <a:srgbClr val="000000"/>
-                          </a:solidFill>
-                          <a:effectLst/>
-                          <a:latin typeface="Calibri" panose="020F0502020204030204" pitchFamily="34" charset="0"/>
-                        </a:rPr>
-                        <a:t> $           747.50 </a:t>
-                      </a:r>
-                    </a:p>
-                  </a:txBody>
-                  <a:tcPr marL="8814" marR="8814" marT="8814" marB="0" anchor="b">
-                    <a:lnL w="6350" cap="flat" cmpd="sng" algn="ctr">
-                      <a:solidFill>
-                        <a:srgbClr val="000000"/>
-                      </a:solidFill>
-                      <a:prstDash val="solid"/>
-                      <a:round/>
-                      <a:headEnd type="none" w="med" len="med"/>
-                      <a:tailEnd type="none" w="med" len="med"/>
-                    </a:lnL>
-                    <a:lnR w="6350" cap="flat" cmpd="sng" algn="ctr">
-                      <a:solidFill>
-                        <a:srgbClr val="000000"/>
-                      </a:solidFill>
-                      <a:prstDash val="solid"/>
-                      <a:round/>
-                      <a:headEnd type="none" w="med" len="med"/>
-                      <a:tailEnd type="none" w="med" len="med"/>
-                    </a:lnR>
-                    <a:lnT w="6350" cap="flat" cmpd="sng" algn="ctr">
-                      <a:solidFill>
-                        <a:srgbClr val="000000"/>
-                      </a:solidFill>
-                      <a:prstDash val="solid"/>
-                      <a:round/>
-                      <a:headEnd type="none" w="med" len="med"/>
-                      <a:tailEnd type="none" w="med" len="med"/>
-                    </a:lnT>
-                    <a:lnB w="6350" cap="flat" cmpd="sng" algn="ctr">
-                      <a:solidFill>
-                        <a:srgbClr val="000000"/>
-                      </a:solidFill>
-                      <a:prstDash val="solid"/>
-                      <a:round/>
-                      <a:headEnd type="none" w="med" len="med"/>
-                      <a:tailEnd type="none" w="med" len="med"/>
-                    </a:lnB>
-                  </a:tcPr>
-                </a:tc>
-                <a:tc>
-                  <a:txBody>
-                    <a:bodyPr/>
-                    <a:lstStyle/>
-                    <a:p>
-                      <a:pPr algn="l" fontAlgn="b"/>
-                      <a:r>
-                        <a:rPr lang="en-US" sz="1000" b="0" i="0" u="none" strike="noStrike">
-                          <a:solidFill>
-                            <a:srgbClr val="000000"/>
-                          </a:solidFill>
-                          <a:effectLst/>
-                          <a:latin typeface="Calibri" panose="020F0502020204030204" pitchFamily="34" charset="0"/>
-                        </a:rPr>
-                        <a:t> $     447.00 </a:t>
-                      </a:r>
-                    </a:p>
-                  </a:txBody>
-                  <a:tcPr marL="8814" marR="8814" marT="8814" marB="0" anchor="b">
-                    <a:lnL w="6350" cap="flat" cmpd="sng" algn="ctr">
-                      <a:solidFill>
-                        <a:srgbClr val="000000"/>
-                      </a:solidFill>
-                      <a:prstDash val="solid"/>
-                      <a:round/>
-                      <a:headEnd type="none" w="med" len="med"/>
-                      <a:tailEnd type="none" w="med" len="med"/>
-                    </a:lnL>
-                    <a:lnR w="6350" cap="flat" cmpd="sng" algn="ctr">
-                      <a:solidFill>
-                        <a:srgbClr val="000000"/>
-                      </a:solidFill>
-                      <a:prstDash val="solid"/>
-                      <a:round/>
-                      <a:headEnd type="none" w="med" len="med"/>
-                      <a:tailEnd type="none" w="med" len="med"/>
-                    </a:lnR>
-                    <a:lnT w="6350" cap="flat" cmpd="sng" algn="ctr">
-                      <a:solidFill>
-                        <a:srgbClr val="000000"/>
-                      </a:solidFill>
-                      <a:prstDash val="solid"/>
-                      <a:round/>
-                      <a:headEnd type="none" w="med" len="med"/>
-                      <a:tailEnd type="none" w="med" len="med"/>
-                    </a:lnT>
-                    <a:lnB w="6350" cap="flat" cmpd="sng" algn="ctr">
-                      <a:solidFill>
-                        <a:srgbClr val="000000"/>
-                      </a:solidFill>
-                      <a:prstDash val="solid"/>
-                      <a:round/>
-                      <a:headEnd type="none" w="med" len="med"/>
-                      <a:tailEnd type="none" w="med" len="med"/>
-                    </a:lnB>
-                  </a:tcPr>
-                </a:tc>
-                <a:tc>
-                  <a:txBody>
-                    <a:bodyPr/>
-                    <a:lstStyle/>
-                    <a:p>
-                      <a:pPr algn="l" fontAlgn="b"/>
-                      <a:r>
-                        <a:rPr lang="en-US" sz="1000" b="0" i="0" u="none" strike="noStrike">
-                          <a:solidFill>
-                            <a:srgbClr val="000000"/>
-                          </a:solidFill>
-                          <a:effectLst/>
-                          <a:latin typeface="Calibri" panose="020F0502020204030204" pitchFamily="34" charset="0"/>
-                        </a:rPr>
-                        <a:t> $                     -   </a:t>
-                      </a:r>
-                    </a:p>
-                  </a:txBody>
-                  <a:tcPr marL="8814" marR="8814" marT="8814" marB="0" anchor="b">
-                    <a:lnL w="6350" cap="flat" cmpd="sng" algn="ctr">
-                      <a:solidFill>
-                        <a:srgbClr val="000000"/>
-                      </a:solidFill>
-                      <a:prstDash val="solid"/>
-                      <a:round/>
-                      <a:headEnd type="none" w="med" len="med"/>
-                      <a:tailEnd type="none" w="med" len="med"/>
-                    </a:lnL>
-                    <a:lnR w="6350" cap="flat" cmpd="sng" algn="ctr">
-                      <a:solidFill>
-                        <a:srgbClr val="000000"/>
-                      </a:solidFill>
-                      <a:prstDash val="solid"/>
-                      <a:round/>
-                      <a:headEnd type="none" w="med" len="med"/>
-                      <a:tailEnd type="none" w="med" len="med"/>
-                    </a:lnR>
-                    <a:lnT w="6350" cap="flat" cmpd="sng" algn="ctr">
-                      <a:solidFill>
-                        <a:srgbClr val="000000"/>
-                      </a:solidFill>
-                      <a:prstDash val="solid"/>
-                      <a:round/>
-                      <a:headEnd type="none" w="med" len="med"/>
-                      <a:tailEnd type="none" w="med" len="med"/>
-                    </a:lnT>
-                    <a:lnB w="6350" cap="flat" cmpd="sng" algn="ctr">
-                      <a:solidFill>
-                        <a:srgbClr val="000000"/>
-                      </a:solidFill>
-                      <a:prstDash val="solid"/>
-                      <a:round/>
-                      <a:headEnd type="none" w="med" len="med"/>
-                      <a:tailEnd type="none" w="med" len="med"/>
-                    </a:lnB>
-                  </a:tcPr>
-                </a:tc>
-                <a:tc>
-                  <a:txBody>
-                    <a:bodyPr/>
-                    <a:lstStyle/>
-                    <a:p>
-                      <a:pPr algn="l" fontAlgn="b"/>
-                      <a:r>
-                        <a:rPr lang="en-US" sz="1000" b="0" i="0" u="none" strike="noStrike">
-                          <a:solidFill>
-                            <a:srgbClr val="000000"/>
-                          </a:solidFill>
-                          <a:effectLst/>
-                          <a:latin typeface="Calibri" panose="020F0502020204030204" pitchFamily="34" charset="0"/>
-                        </a:rPr>
-                        <a:t> </a:t>
-                      </a:r>
-                    </a:p>
-                  </a:txBody>
-                  <a:tcPr marL="8814" marR="8814" marT="8814" marB="0" anchor="b">
-                    <a:lnL w="6350" cap="flat" cmpd="sng" algn="ctr">
-                      <a:solidFill>
-                        <a:srgbClr val="000000"/>
-                      </a:solidFill>
-                      <a:prstDash val="solid"/>
-                      <a:round/>
-                      <a:headEnd type="none" w="med" len="med"/>
-                      <a:tailEnd type="none" w="med" len="med"/>
-                    </a:lnL>
-                    <a:lnR w="6350" cap="flat" cmpd="sng" algn="ctr">
-                      <a:solidFill>
-                        <a:srgbClr val="000000"/>
-                      </a:solidFill>
-                      <a:prstDash val="solid"/>
-                      <a:round/>
-                      <a:headEnd type="none" w="med" len="med"/>
-                      <a:tailEnd type="none" w="med" len="med"/>
-                    </a:lnR>
-                    <a:lnT w="6350" cap="flat" cmpd="sng" algn="ctr">
-                      <a:solidFill>
-                        <a:srgbClr val="000000"/>
-                      </a:solidFill>
-                      <a:prstDash val="solid"/>
-                      <a:round/>
-                      <a:headEnd type="none" w="med" len="med"/>
-                      <a:tailEnd type="none" w="med" len="med"/>
-                    </a:lnT>
-                    <a:lnB w="6350" cap="flat" cmpd="sng" algn="ctr">
-                      <a:solidFill>
-                        <a:srgbClr val="000000"/>
-                      </a:solidFill>
-                      <a:prstDash val="solid"/>
-                      <a:round/>
-                      <a:headEnd type="none" w="med" len="med"/>
-                      <a:tailEnd type="none" w="med" len="med"/>
-                    </a:lnB>
-                  </a:tcPr>
-                </a:tc>
-                <a:tc>
-                  <a:txBody>
-                    <a:bodyPr/>
-                    <a:lstStyle/>
-                    <a:p>
-                      <a:pPr algn="l" fontAlgn="b"/>
-                      <a:r>
-                        <a:rPr lang="en-US" sz="1000" b="0" i="0" u="none" strike="noStrike">
-                          <a:solidFill>
-                            <a:srgbClr val="000000"/>
-                          </a:solidFill>
-                          <a:effectLst/>
-                          <a:latin typeface="Calibri" panose="020F0502020204030204" pitchFamily="34" charset="0"/>
-                        </a:rPr>
-                        <a:t> $             447.00 </a:t>
-                      </a:r>
-                    </a:p>
-                  </a:txBody>
-                  <a:tcPr marL="8814" marR="8814" marT="8814" marB="0" anchor="b">
-                    <a:lnL w="6350" cap="flat" cmpd="sng" algn="ctr">
-                      <a:solidFill>
-                        <a:srgbClr val="000000"/>
-                      </a:solidFill>
-                      <a:prstDash val="solid"/>
-                      <a:round/>
-                      <a:headEnd type="none" w="med" len="med"/>
-                      <a:tailEnd type="none" w="med" len="med"/>
-                    </a:lnL>
-                    <a:lnR w="6350" cap="flat" cmpd="sng" algn="ctr">
-                      <a:solidFill>
-                        <a:srgbClr val="000000"/>
-                      </a:solidFill>
-                      <a:prstDash val="solid"/>
-                      <a:round/>
-                      <a:headEnd type="none" w="med" len="med"/>
-                      <a:tailEnd type="none" w="med" len="med"/>
-                    </a:lnR>
-                    <a:lnT w="6350" cap="flat" cmpd="sng" algn="ctr">
-                      <a:solidFill>
-                        <a:srgbClr val="000000"/>
-                      </a:solidFill>
-                      <a:prstDash val="solid"/>
-                      <a:round/>
-                      <a:headEnd type="none" w="med" len="med"/>
-                      <a:tailEnd type="none" w="med" len="med"/>
-                    </a:lnT>
-                    <a:lnB w="6350" cap="flat" cmpd="sng" algn="ctr">
-                      <a:solidFill>
-                        <a:srgbClr val="000000"/>
-                      </a:solidFill>
-                      <a:prstDash val="solid"/>
-                      <a:round/>
-                      <a:headEnd type="none" w="med" len="med"/>
-                      <a:tailEnd type="none" w="med" len="med"/>
-                    </a:lnB>
-                  </a:tcPr>
-                </a:tc>
-                <a:tc>
-                  <a:txBody>
-                    <a:bodyPr/>
-                    <a:lstStyle/>
-                    <a:p>
-                      <a:pPr algn="l" fontAlgn="b"/>
-                      <a:r>
-                        <a:rPr lang="en-US" sz="1000" b="0" i="0" u="none" strike="noStrike">
-                          <a:solidFill>
-                            <a:srgbClr val="000000"/>
-                          </a:solidFill>
-                          <a:effectLst/>
-                          <a:latin typeface="Calibri" panose="020F0502020204030204" pitchFamily="34" charset="0"/>
-                        </a:rPr>
-                        <a:t> </a:t>
-                      </a:r>
-                    </a:p>
-                  </a:txBody>
-                  <a:tcPr marL="8814" marR="8814" marT="8814" marB="0" anchor="b">
-                    <a:lnL w="6350" cap="flat" cmpd="sng" algn="ctr">
-                      <a:solidFill>
-                        <a:srgbClr val="000000"/>
-                      </a:solidFill>
-                      <a:prstDash val="solid"/>
-                      <a:round/>
-                      <a:headEnd type="none" w="med" len="med"/>
-                      <a:tailEnd type="none" w="med" len="med"/>
-                    </a:lnL>
-                    <a:lnR w="6350" cap="flat" cmpd="sng" algn="ctr">
-                      <a:solidFill>
-                        <a:srgbClr val="000000"/>
-                      </a:solidFill>
-                      <a:prstDash val="solid"/>
-                      <a:round/>
-                      <a:headEnd type="none" w="med" len="med"/>
-                      <a:tailEnd type="none" w="med" len="med"/>
-                    </a:lnR>
-                    <a:lnT w="6350" cap="flat" cmpd="sng" algn="ctr">
-                      <a:solidFill>
-                        <a:srgbClr val="000000"/>
-                      </a:solidFill>
-                      <a:prstDash val="solid"/>
-                      <a:round/>
-                      <a:headEnd type="none" w="med" len="med"/>
-                      <a:tailEnd type="none" w="med" len="med"/>
-                    </a:lnT>
-                    <a:lnB w="6350" cap="flat" cmpd="sng" algn="ctr">
-                      <a:solidFill>
-                        <a:srgbClr val="000000"/>
-                      </a:solidFill>
-                      <a:prstDash val="solid"/>
-                      <a:round/>
-                      <a:headEnd type="none" w="med" len="med"/>
-                      <a:tailEnd type="none" w="med" len="med"/>
-                    </a:lnB>
-                  </a:tcPr>
-                </a:tc>
-                <a:tc>
-                  <a:txBody>
-                    <a:bodyPr/>
-                    <a:lstStyle/>
-                    <a:p>
-                      <a:pPr algn="l" fontAlgn="b"/>
-                      <a:r>
-                        <a:rPr lang="en-US" sz="1000" b="0" i="0" u="none" strike="noStrike">
-                          <a:solidFill>
-                            <a:srgbClr val="000000"/>
-                          </a:solidFill>
-                          <a:effectLst/>
-                          <a:latin typeface="Calibri" panose="020F0502020204030204" pitchFamily="34" charset="0"/>
-                        </a:rPr>
-                        <a:t> </a:t>
-                      </a:r>
-                    </a:p>
-                  </a:txBody>
-                  <a:tcPr marL="8814" marR="8814" marT="8814" marB="0" anchor="b">
-                    <a:lnL w="6350" cap="flat" cmpd="sng" algn="ctr">
-                      <a:solidFill>
-                        <a:srgbClr val="000000"/>
-                      </a:solidFill>
-                      <a:prstDash val="solid"/>
-                      <a:round/>
-                      <a:headEnd type="none" w="med" len="med"/>
-                      <a:tailEnd type="none" w="med" len="med"/>
-                    </a:lnL>
-                    <a:lnR w="6350" cap="flat" cmpd="sng" algn="ctr">
-                      <a:solidFill>
-                        <a:srgbClr val="000000"/>
-                      </a:solidFill>
-                      <a:prstDash val="solid"/>
-                      <a:round/>
-                      <a:headEnd type="none" w="med" len="med"/>
-                      <a:tailEnd type="none" w="med" len="med"/>
-                    </a:lnR>
-                    <a:lnT w="6350" cap="flat" cmpd="sng" algn="ctr">
-                      <a:solidFill>
-                        <a:srgbClr val="000000"/>
-                      </a:solidFill>
-                      <a:prstDash val="solid"/>
-                      <a:round/>
-                      <a:headEnd type="none" w="med" len="med"/>
-                      <a:tailEnd type="none" w="med" len="med"/>
-                    </a:lnT>
-                    <a:lnB w="6350" cap="flat" cmpd="sng" algn="ctr">
-                      <a:solidFill>
-                        <a:srgbClr val="000000"/>
-                      </a:solidFill>
-                      <a:prstDash val="solid"/>
-                      <a:round/>
-                      <a:headEnd type="none" w="med" len="med"/>
-                      <a:tailEnd type="none" w="med" len="med"/>
-                    </a:lnB>
-                  </a:tcPr>
-                </a:tc>
-                <a:tc>
-                  <a:txBody>
-                    <a:bodyPr/>
-                    <a:lstStyle/>
-                    <a:p>
-                      <a:pPr algn="l" fontAlgn="b"/>
-                      <a:r>
-                        <a:rPr lang="en-US" sz="1000" b="0" i="0" u="none" strike="noStrike">
-                          <a:solidFill>
-                            <a:srgbClr val="000000"/>
-                          </a:solidFill>
-                          <a:effectLst/>
-                          <a:latin typeface="Calibri" panose="020F0502020204030204" pitchFamily="34" charset="0"/>
-                        </a:rPr>
-                        <a:t> $       444.37 </a:t>
-                      </a:r>
-                    </a:p>
-                  </a:txBody>
-                  <a:tcPr marL="8814" marR="8814" marT="8814" marB="0" anchor="b">
-                    <a:lnL w="6350" cap="flat" cmpd="sng" algn="ctr">
-                      <a:solidFill>
-                        <a:srgbClr val="000000"/>
-                      </a:solidFill>
-                      <a:prstDash val="solid"/>
-                      <a:round/>
-                      <a:headEnd type="none" w="med" len="med"/>
-                      <a:tailEnd type="none" w="med" len="med"/>
-                    </a:lnL>
-                    <a:lnR w="6350" cap="flat" cmpd="sng" algn="ctr">
-                      <a:solidFill>
-                        <a:srgbClr val="000000"/>
-                      </a:solidFill>
-                      <a:prstDash val="solid"/>
-                      <a:round/>
-                      <a:headEnd type="none" w="med" len="med"/>
-                      <a:tailEnd type="none" w="med" len="med"/>
-                    </a:lnR>
-                    <a:lnT w="6350" cap="flat" cmpd="sng" algn="ctr">
-                      <a:solidFill>
-                        <a:srgbClr val="000000"/>
-                      </a:solidFill>
-                      <a:prstDash val="solid"/>
-                      <a:round/>
-                      <a:headEnd type="none" w="med" len="med"/>
-                      <a:tailEnd type="none" w="med" len="med"/>
-                    </a:lnT>
-                    <a:lnB w="6350" cap="flat" cmpd="sng" algn="ctr">
-                      <a:solidFill>
-                        <a:srgbClr val="000000"/>
-                      </a:solidFill>
-                      <a:prstDash val="solid"/>
-                      <a:round/>
-                      <a:headEnd type="none" w="med" len="med"/>
-                      <a:tailEnd type="none" w="med" len="med"/>
-                    </a:lnB>
-                  </a:tcPr>
-                </a:tc>
-                <a:tc>
-                  <a:txBody>
-                    <a:bodyPr/>
-                    <a:lstStyle/>
-                    <a:p>
-                      <a:pPr algn="l" fontAlgn="b"/>
-                      <a:r>
-                        <a:rPr lang="en-US" sz="1000" b="0" i="0" u="none" strike="noStrike" dirty="0">
-                          <a:solidFill>
-                            <a:srgbClr val="000000"/>
-                          </a:solidFill>
-                          <a:effectLst/>
-                          <a:latin typeface="Calibri" panose="020F0502020204030204" pitchFamily="34" charset="0"/>
-                        </a:rPr>
-                        <a:t> $                        2.63 </a:t>
-                      </a:r>
-                    </a:p>
-                  </a:txBody>
-                  <a:tcPr marL="8814" marR="8814" marT="8814" marB="0" anchor="b">
-                    <a:lnL w="6350" cap="flat" cmpd="sng" algn="ctr">
-                      <a:solidFill>
-                        <a:srgbClr val="000000"/>
-                      </a:solidFill>
-                      <a:prstDash val="solid"/>
-                      <a:round/>
-                      <a:headEnd type="none" w="med" len="med"/>
-                      <a:tailEnd type="none" w="med" len="med"/>
-                    </a:lnL>
-                    <a:lnR w="6350" cap="flat" cmpd="sng" algn="ctr">
-                      <a:solidFill>
-                        <a:srgbClr val="000000"/>
-                      </a:solidFill>
-                      <a:prstDash val="solid"/>
-                      <a:round/>
-                      <a:headEnd type="none" w="med" len="med"/>
-                      <a:tailEnd type="none" w="med" len="med"/>
-                    </a:lnR>
-                    <a:lnT w="6350" cap="flat" cmpd="sng" algn="ctr">
-                      <a:solidFill>
-                        <a:srgbClr val="000000"/>
-                      </a:solidFill>
-                      <a:prstDash val="solid"/>
-                      <a:round/>
-                      <a:headEnd type="none" w="med" len="med"/>
-                      <a:tailEnd type="none" w="med" len="med"/>
-                    </a:lnT>
-                    <a:lnB w="6350" cap="flat" cmpd="sng" algn="ctr">
-                      <a:solidFill>
-                        <a:srgbClr val="000000"/>
-                      </a:solidFill>
-                      <a:prstDash val="solid"/>
-                      <a:round/>
-                      <a:headEnd type="none" w="med" len="med"/>
-                      <a:tailEnd type="none" w="med" len="med"/>
-                    </a:lnB>
-                  </a:tcPr>
-                </a:tc>
-              </a:tr>
-            </a:tbl>
-          </a:graphicData>
-        </a:graphic>
-      </p:graphicFrame>
-      <p:sp>
-        <p:nvSpPr>
-          <p:cNvPr id="8" name="TextBox 7"/>
-          <p:cNvSpPr txBox="1"/>
-          <p:nvPr/>
-        </p:nvSpPr>
-        <p:spPr>
-          <a:xfrm>
-            <a:off x="323851" y="2960639"/>
-            <a:ext cx="8496150" cy="2323713"/>
-          </a:xfrm>
-          <a:prstGeom prst="rect">
-            <a:avLst/>
-          </a:prstGeom>
-          <a:noFill/>
-        </p:spPr>
-        <p:txBody>
-          <a:bodyPr wrap="square" lIns="0" tIns="0" rIns="0" bIns="0" rtlCol="0">
-            <a:spAutoFit/>
-          </a:bodyPr>
-          <a:lstStyle/>
-          <a:p>
-            <a:pPr marL="285750" indent="-285750" fontAlgn="base">
-              <a:spcBef>
-                <a:spcPts val="600"/>
-              </a:spcBef>
-              <a:spcAft>
-                <a:spcPct val="0"/>
-              </a:spcAft>
-              <a:buClr>
-                <a:srgbClr val="F0AB00"/>
-              </a:buClr>
-              <a:buSzPct val="80000"/>
-              <a:buFont typeface="Arial" panose="020B0604020202020204" pitchFamily="34" charset="0"/>
-              <a:buChar char="•"/>
-            </a:pPr>
-            <a:r>
-              <a:rPr lang="en-US" sz="1400" kern="0" dirty="0" smtClean="0">
-                <a:ea typeface="Arial Unicode MS" pitchFamily="34" charset="-128"/>
-                <a:cs typeface="Arial Unicode MS" pitchFamily="34" charset="-128"/>
-              </a:rPr>
-              <a:t>Contract Asset and </a:t>
-            </a:r>
-            <a:r>
-              <a:rPr lang="en-US" altLang="zh-CN" sz="1400" kern="0" dirty="0" smtClean="0">
-                <a:ea typeface="Arial Unicode MS" pitchFamily="34" charset="-128"/>
-                <a:cs typeface="Arial Unicode MS" pitchFamily="34" charset="-128"/>
-              </a:rPr>
-              <a:t>Liability shall be presented by netting on contract level per Standard</a:t>
-            </a:r>
-          </a:p>
-          <a:p>
-            <a:pPr fontAlgn="base">
-              <a:spcBef>
-                <a:spcPts val="600"/>
-              </a:spcBef>
-              <a:spcAft>
-                <a:spcPct val="0"/>
-              </a:spcAft>
-              <a:buClr>
-                <a:srgbClr val="F0AB00"/>
-              </a:buClr>
-              <a:buSzPct val="80000"/>
-            </a:pPr>
-            <a:r>
-              <a:rPr lang="en-US" sz="1400" b="1" dirty="0" smtClean="0"/>
-              <a:t>IFRS 15 </a:t>
-            </a:r>
-            <a:r>
-              <a:rPr lang="en-US" altLang="zh-CN" sz="1400" b="1" dirty="0" smtClean="0"/>
-              <a:t>paragraph 105</a:t>
-            </a:r>
-            <a:r>
-              <a:rPr lang="zh-CN" altLang="en-US" sz="1400" b="1" dirty="0" smtClean="0"/>
-              <a:t>： </a:t>
-            </a:r>
-            <a:r>
-              <a:rPr lang="en-US" sz="1400" b="1" dirty="0" smtClean="0"/>
-              <a:t>When </a:t>
-            </a:r>
-            <a:r>
-              <a:rPr lang="en-US" sz="1400" b="1" dirty="0"/>
-              <a:t>either party to a contract has performed, an entity shall present the</a:t>
-            </a:r>
-            <a:br>
-              <a:rPr lang="en-US" sz="1400" b="1" dirty="0"/>
-            </a:br>
-            <a:r>
-              <a:rPr lang="en-US" sz="1400" b="1" dirty="0"/>
-              <a:t>contract in the statement of financial position as a contract asset or </a:t>
-            </a:r>
-            <a:r>
-              <a:rPr lang="en-US" sz="1400" b="1" dirty="0" smtClean="0"/>
-              <a:t>a contract </a:t>
-            </a:r>
-            <a:r>
-              <a:rPr lang="en-US" sz="1400" b="1" dirty="0"/>
-              <a:t>liability</a:t>
-            </a:r>
-            <a:r>
-              <a:rPr lang="en-US" sz="1400" dirty="0"/>
-              <a:t> </a:t>
-            </a:r>
-            <a:br>
-              <a:rPr lang="en-US" sz="1400" dirty="0"/>
-            </a:br>
-            <a:r>
-              <a:rPr lang="en-US" altLang="zh-CN" sz="1400" kern="0" dirty="0" smtClean="0">
-                <a:ea typeface="Arial Unicode MS" pitchFamily="34" charset="-128"/>
-                <a:cs typeface="Arial Unicode MS" pitchFamily="34" charset="-128"/>
-              </a:rPr>
-              <a:t> </a:t>
-            </a:r>
-          </a:p>
-          <a:p>
-            <a:pPr marL="285750" indent="-285750" fontAlgn="base">
-              <a:spcBef>
-                <a:spcPts val="600"/>
-              </a:spcBef>
-              <a:spcAft>
-                <a:spcPct val="0"/>
-              </a:spcAft>
-              <a:buClr>
-                <a:srgbClr val="F0AB00"/>
-              </a:buClr>
-              <a:buSzPct val="80000"/>
-              <a:buFont typeface="Arial" panose="020B0604020202020204" pitchFamily="34" charset="0"/>
-              <a:buChar char="•"/>
-            </a:pPr>
-            <a:r>
-              <a:rPr lang="en-US" altLang="zh-CN" sz="1400" kern="0" dirty="0" smtClean="0">
-                <a:ea typeface="Arial Unicode MS" pitchFamily="34" charset="-128"/>
-                <a:cs typeface="Arial Unicode MS" pitchFamily="34" charset="-128"/>
-              </a:rPr>
-              <a:t>RAR provide customer feasibility to present on POB level by active the BADI and provide default implementation</a:t>
-            </a:r>
-          </a:p>
-          <a:p>
-            <a:pPr marL="742950" lvl="1" indent="-285750" fontAlgn="base">
-              <a:spcBef>
-                <a:spcPts val="600"/>
-              </a:spcBef>
-              <a:spcAft>
-                <a:spcPct val="0"/>
-              </a:spcAft>
-              <a:buClr>
-                <a:srgbClr val="F0AB00"/>
-              </a:buClr>
-              <a:buSzPct val="80000"/>
-              <a:buFont typeface="Arial" panose="020B0604020202020204" pitchFamily="34" charset="0"/>
-              <a:buChar char="•"/>
-            </a:pPr>
-            <a:r>
-              <a:rPr lang="en-US" altLang="zh-CN" sz="1400" kern="0" dirty="0" smtClean="0">
-                <a:ea typeface="Arial Unicode MS" pitchFamily="34" charset="-128"/>
-                <a:cs typeface="Arial Unicode MS" pitchFamily="34" charset="-128"/>
-              </a:rPr>
-              <a:t>RAR calculate the netting value on Contract level</a:t>
-            </a:r>
-          </a:p>
-          <a:p>
-            <a:pPr marL="742950" lvl="1" indent="-285750" fontAlgn="base">
-              <a:spcBef>
-                <a:spcPts val="600"/>
-              </a:spcBef>
-              <a:spcAft>
-                <a:spcPct val="0"/>
-              </a:spcAft>
-              <a:buClr>
-                <a:srgbClr val="F0AB00"/>
-              </a:buClr>
-              <a:buSzPct val="80000"/>
-              <a:buFont typeface="Arial" panose="020B0604020202020204" pitchFamily="34" charset="0"/>
-              <a:buChar char="•"/>
-            </a:pPr>
-            <a:r>
-              <a:rPr lang="en-US" altLang="zh-CN" sz="1400" kern="0" dirty="0" smtClean="0">
-                <a:ea typeface="Arial Unicode MS" pitchFamily="34" charset="-128"/>
-                <a:cs typeface="Arial Unicode MS" pitchFamily="34" charset="-128"/>
-              </a:rPr>
-              <a:t>Default implementation is to distribute by SSP.</a:t>
-            </a:r>
-          </a:p>
-          <a:p>
-            <a:pPr marL="742950" lvl="1" indent="-285750" fontAlgn="base">
-              <a:spcBef>
-                <a:spcPts val="600"/>
-              </a:spcBef>
-              <a:spcAft>
-                <a:spcPct val="0"/>
-              </a:spcAft>
-              <a:buClr>
-                <a:srgbClr val="F0AB00"/>
-              </a:buClr>
-              <a:buSzPct val="80000"/>
-              <a:buFont typeface="Arial" panose="020B0604020202020204" pitchFamily="34" charset="0"/>
-              <a:buChar char="•"/>
-            </a:pPr>
-            <a:r>
-              <a:rPr lang="en-US" altLang="zh-CN" sz="1400" kern="0" dirty="0" smtClean="0">
-                <a:ea typeface="Arial Unicode MS" pitchFamily="34" charset="-128"/>
-                <a:cs typeface="Arial Unicode MS" pitchFamily="34" charset="-128"/>
-              </a:rPr>
-              <a:t>Can be overwritten</a:t>
-            </a:r>
-          </a:p>
-        </p:txBody>
-      </p:sp>
-    </p:spTree>
-    <p:extLst>
-      <p:ext uri="{BB962C8B-B14F-4D97-AF65-F5344CB8AC3E}">
-        <p14:creationId xmlns:p14="http://schemas.microsoft.com/office/powerpoint/2010/main" val="2281470788"/>
-      </p:ext>
-    </p:extLst>
-  </p:cSld>
-  <p:clrMapOvr>
-    <a:masterClrMapping/>
-  </p:clrMapOvr>
-  <p:timing>
-    <p:tnLst>
-      <p:par>
-        <p:cTn id="1" dur="indefinite" restart="never" nodeType="tmRoot"/>
-      </p:par>
-    </p:tnLst>
-  </p:timing>
-</p:sld>
-</file>
-
-<file path=ppt/slides/slide6.xml><?xml version="1.0" encoding="utf-8"?>
-<p:sld xmlns:a="http://schemas.openxmlformats.org/drawingml/2006/main" xmlns:r="http://schemas.openxmlformats.org/officeDocument/2006/relationships" xmlns:p="http://schemas.openxmlformats.org/presentationml/2006/main">
-  <p:cSld>
-    <p:spTree>
-      <p:nvGrpSpPr>
-        <p:cNvPr id="1" name=""/>
-        <p:cNvGrpSpPr/>
-        <p:nvPr/>
-      </p:nvGrpSpPr>
-      <p:grpSpPr>
-        <a:xfrm>
-          <a:off x="0" y="0"/>
-          <a:ext cx="0" cy="0"/>
-          <a:chOff x="0" y="0"/>
-          <a:chExt cx="0" cy="0"/>
-        </a:xfrm>
-      </p:grpSpPr>
-      <p:sp>
-        <p:nvSpPr>
-          <p:cNvPr id="2" name="Title 1"/>
-          <p:cNvSpPr>
-            <a:spLocks noGrp="1"/>
-          </p:cNvSpPr>
-          <p:nvPr>
-            <p:ph type="title"/>
-          </p:nvPr>
-        </p:nvSpPr>
-        <p:spPr/>
-        <p:txBody>
-          <a:bodyPr/>
-          <a:lstStyle/>
-          <a:p>
-            <a:r>
               <a:rPr lang="en-US" sz="1800" dirty="0" smtClean="0"/>
-              <a:t>An Example</a:t>
-            </a:r>
-            <a:br>
+              <a:t>Contract Assets and </a:t>
+            </a:r>
+            <a:r>
               <a:rPr lang="en-US" sz="1800" dirty="0" smtClean="0"/>
-            </a:br>
-            <a:r>
-              <a:rPr lang="en-US" sz="1200" dirty="0" smtClean="0"/>
-              <a:t>TRG Discussion of October 2014</a:t>
+              <a:t>Liabilities Calculation in MEA</a:t>
             </a:r>
             <a:endParaRPr lang="en-US" sz="1200" dirty="0"/>
           </a:p>
@@ -10915,7 +7836,7 @@
         </p:nvSpPr>
         <p:spPr>
           <a:xfrm>
-            <a:off x="324000" y="1318022"/>
+            <a:off x="324000" y="3180068"/>
             <a:ext cx="8637120" cy="153888"/>
           </a:xfrm>
           <a:prstGeom prst="rect">
@@ -10941,8 +7862,8 @@
         </p:nvSpPr>
         <p:spPr>
           <a:xfrm>
-            <a:off x="190831" y="1334843"/>
-            <a:ext cx="8770289" cy="5124480"/>
+            <a:off x="190831" y="3196889"/>
+            <a:ext cx="8770289" cy="2769989"/>
           </a:xfrm>
           <a:prstGeom prst="rect">
             <a:avLst/>
@@ -11043,48 +7964,8 @@
           </a:p>
           <a:p>
             <a:r>
-              <a:rPr lang="en-US" sz="900" b="1" dirty="0"/>
-              <a:t>View A – offsetting of contract asset and contract liability within the contract</a:t>
-            </a:r>
-          </a:p>
-          <a:p>
-            <a:r>
-              <a:rPr lang="en-US" sz="900" dirty="0"/>
-              <a:t>Based on this view the entity offsets the contract asset (45 €) and contract liability (-10 €) within the contract and presents a </a:t>
-            </a:r>
-            <a:r>
-              <a:rPr lang="en-US" sz="900" u="sng" dirty="0"/>
-              <a:t>(net) contract asset of 35 €</a:t>
-            </a:r>
-            <a:r>
-              <a:rPr lang="en-US" sz="900" dirty="0"/>
-              <a:t>. The entity argues that IFRS 15 (BC 317) requires a net presentation of the remaining rights and performance obligations in a contract and the offsetting of contract asset positions and contract liability positions within a contract best achieves that requirement. Further, the entity argues that the unit of account is the contract as explained in BC 72: “The boards decided that entering into contracts at or near the same time is a necessary condition for the contracts to be combined. That decision is consistent with the objective of identifying the contract that is to be accounted for as the unit of account because that assessment is also performed at contract inception. “</a:t>
-            </a:r>
-          </a:p>
-          <a:p>
-            <a:r>
               <a:rPr lang="en-US" sz="900" dirty="0"/>
               <a:t> </a:t>
-            </a:r>
-          </a:p>
-          <a:p>
-            <a:r>
-              <a:rPr lang="en-US" sz="900" b="1" dirty="0"/>
-              <a:t>View B – no offsetting within the contract</a:t>
-            </a:r>
-          </a:p>
-          <a:p>
-            <a:r>
-              <a:rPr lang="en-US" sz="900" dirty="0"/>
-              <a:t>Based on this view the entity presents a contract asset of 45 € and a contract liability of 10 € on the balance sheet. The entity argues that when looking at each performance obligation individually, each fulfills the respective definitions: for performance obligations 1 and 2 the entity has a right to consideration in exchange for goods and services that the entity has transferred and that right is conditioned on something other than the passage of time (for example, the entity’s future performance). In the example above, the entity must first fulfill performance obligation 3 for the amount of 45 € to become unconditional, i.e. a receivable. Similarly, performance obligation 3 is in a contract liability position of 10 € and that amount reflects the entity’s obligation to transfer goods or services for which the entity has received consideration. The entity argues that the unit of account is the performance obligation based on the explanation in BC 85: “The boards’ objective in developing the definition of a performance obligation was to ensure that entities appropriately identify the unit of account for the goods and services promised in a contract with a customer. The boards decided that because the revenue recognition model is an allocated transaction price model, identifying a meaningful unit of account that depicts the goods and services in the contract is fundamental for the purpose of </a:t>
-            </a:r>
-            <a:r>
-              <a:rPr lang="en-US" sz="900" dirty="0" err="1"/>
-              <a:t>recognising</a:t>
-            </a:r>
-            <a:r>
-              <a:rPr lang="en-US" sz="900" dirty="0"/>
-              <a:t> revenue on a basis that faithfully depicts the entity’s performance in transferring the promised goods or services to the customer.” </a:t>
             </a:r>
           </a:p>
         </p:txBody>
@@ -11096,11 +7977,15 @@
             <a:graphicFrameLocks noGrp="1"/>
           </p:cNvGraphicFramePr>
           <p:nvPr>
-            <p:extLst/>
+            <p:extLst>
+              <p:ext uri="{D42A27DB-BD31-4B8C-83A1-F6EECF244321}">
+                <p14:modId xmlns:p14="http://schemas.microsoft.com/office/powerpoint/2010/main" val="1758914915"/>
+              </p:ext>
+            </p:extLst>
           </p:nvPr>
         </p:nvGraphicFramePr>
         <p:xfrm>
-          <a:off x="323998" y="2037983"/>
+          <a:off x="323998" y="3900029"/>
           <a:ext cx="8414482" cy="1296924"/>
         </p:xfrm>
         <a:graphic>
@@ -11253,12 +8138,12 @@
                         </a:spcAft>
                       </a:pPr>
                       <a:r>
-                        <a:rPr lang="en-US" sz="800">
+                        <a:rPr lang="en-US" sz="800" dirty="0">
                           <a:effectLst/>
                         </a:rPr>
                         <a:t>Recognized Revenue</a:t>
                       </a:r>
-                      <a:endParaRPr lang="en-US" sz="1100">
+                      <a:endParaRPr lang="en-US" sz="1100" dirty="0">
                         <a:effectLst/>
                         <a:latin typeface="Calibri" panose="020F0502020204030204" pitchFamily="34" charset="0"/>
                         <a:ea typeface="Calibri" panose="020F0502020204030204" pitchFamily="34" charset="0"/>
@@ -13230,288 +10115,6 @@
           </a:p>
         </p:txBody>
       </p:sp>
-      <p:pic>
-        <p:nvPicPr>
-          <p:cNvPr id="14" name="Picture 13"/>
-          <p:cNvPicPr>
-            <a:picLocks noChangeAspect="1"/>
-          </p:cNvPicPr>
-          <p:nvPr/>
-        </p:nvPicPr>
-        <p:blipFill>
-          <a:blip r:embed="rId3" cstate="print">
-            <a:extLst>
-              <a:ext uri="{28A0092B-C50C-407E-A947-70E740481C1C}">
-                <a14:useLocalDpi xmlns:a14="http://schemas.microsoft.com/office/drawing/2010/main" val="0"/>
-              </a:ext>
-            </a:extLst>
-          </a:blip>
-          <a:stretch>
-            <a:fillRect/>
-          </a:stretch>
-        </p:blipFill>
-        <p:spPr>
-          <a:xfrm>
-            <a:off x="4427544" y="3786093"/>
-            <a:ext cx="288911" cy="221980"/>
-          </a:xfrm>
-          <a:prstGeom prst="rect">
-            <a:avLst/>
-          </a:prstGeom>
-        </p:spPr>
-      </p:pic>
-      <p:sp>
-        <p:nvSpPr>
-          <p:cNvPr id="15" name="Rectangle 14"/>
-          <p:cNvSpPr/>
-          <p:nvPr/>
-        </p:nvSpPr>
-        <p:spPr>
-          <a:xfrm>
-            <a:off x="2510794" y="4688867"/>
-            <a:ext cx="223035" cy="461665"/>
-          </a:xfrm>
-          <a:prstGeom prst="rect">
-            <a:avLst/>
-          </a:prstGeom>
-          <a:noFill/>
-        </p:spPr>
-        <p:txBody>
-          <a:bodyPr wrap="square" lIns="91440" tIns="45720" rIns="91440" bIns="45720">
-            <a:spAutoFit/>
-          </a:bodyPr>
-          <a:lstStyle/>
-          <a:p>
-            <a:pPr algn="ctr"/>
-            <a:r>
-              <a:rPr lang="en-US" sz="2400" b="1" cap="none" spc="0" dirty="0" smtClean="0">
-                <a:ln w="9525">
-                  <a:solidFill>
-                    <a:schemeClr val="bg1"/>
-                  </a:solidFill>
-                  <a:prstDash val="solid"/>
-                </a:ln>
-                <a:solidFill>
-                  <a:srgbClr val="FF0000"/>
-                </a:solidFill>
-                <a:effectLst>
-                  <a:outerShdw blurRad="12700" dist="38100" dir="2700000" algn="tl" rotWithShape="0">
-                    <a:schemeClr val="accent5">
-                      <a:lumMod val="60000"/>
-                      <a:lumOff val="40000"/>
-                    </a:schemeClr>
-                  </a:outerShdw>
-                </a:effectLst>
-              </a:rPr>
-              <a:t>X</a:t>
-            </a:r>
-            <a:endParaRPr lang="en-US" sz="2400" b="1" cap="none" spc="0" dirty="0">
-              <a:ln w="9525">
-                <a:solidFill>
-                  <a:schemeClr val="bg1"/>
-                </a:solidFill>
-                <a:prstDash val="solid"/>
-              </a:ln>
-              <a:solidFill>
-                <a:srgbClr val="FF0000"/>
-              </a:solidFill>
-              <a:effectLst>
-                <a:outerShdw blurRad="12700" dist="38100" dir="2700000" algn="tl" rotWithShape="0">
-                  <a:schemeClr val="accent5">
-                    <a:lumMod val="60000"/>
-                    <a:lumOff val="40000"/>
-                  </a:schemeClr>
-                </a:outerShdw>
-              </a:effectLst>
-            </a:endParaRPr>
-          </a:p>
-        </p:txBody>
-      </p:sp>
-      <p:pic>
-        <p:nvPicPr>
-          <p:cNvPr id="12" name="Picture 11"/>
-          <p:cNvPicPr>
-            <a:picLocks noChangeAspect="1"/>
-          </p:cNvPicPr>
-          <p:nvPr/>
-        </p:nvPicPr>
-        <p:blipFill>
-          <a:blip r:embed="rId3" cstate="print">
-            <a:extLst>
-              <a:ext uri="{28A0092B-C50C-407E-A947-70E740481C1C}">
-                <a14:useLocalDpi xmlns:a14="http://schemas.microsoft.com/office/drawing/2010/main" val="0"/>
-              </a:ext>
-            </a:extLst>
-          </a:blip>
-          <a:stretch>
-            <a:fillRect/>
-          </a:stretch>
-        </p:blipFill>
-        <p:spPr>
-          <a:xfrm>
-            <a:off x="4138633" y="296233"/>
-            <a:ext cx="288911" cy="221980"/>
-          </a:xfrm>
-          <a:prstGeom prst="rect">
-            <a:avLst/>
-          </a:prstGeom>
-        </p:spPr>
-      </p:pic>
-      <p:sp>
-        <p:nvSpPr>
-          <p:cNvPr id="13" name="Rectangle 12"/>
-          <p:cNvSpPr/>
-          <p:nvPr/>
-        </p:nvSpPr>
-        <p:spPr>
-          <a:xfrm>
-            <a:off x="4157113" y="669919"/>
-            <a:ext cx="223035" cy="461665"/>
-          </a:xfrm>
-          <a:prstGeom prst="rect">
-            <a:avLst/>
-          </a:prstGeom>
-          <a:noFill/>
-        </p:spPr>
-        <p:txBody>
-          <a:bodyPr wrap="square" lIns="91440" tIns="45720" rIns="91440" bIns="45720">
-            <a:spAutoFit/>
-          </a:bodyPr>
-          <a:lstStyle/>
-          <a:p>
-            <a:pPr algn="ctr"/>
-            <a:r>
-              <a:rPr lang="en-US" sz="2400" b="1" cap="none" spc="0" dirty="0" smtClean="0">
-                <a:ln w="9525">
-                  <a:solidFill>
-                    <a:schemeClr val="bg1"/>
-                  </a:solidFill>
-                  <a:prstDash val="solid"/>
-                </a:ln>
-                <a:solidFill>
-                  <a:srgbClr val="FF0000"/>
-                </a:solidFill>
-                <a:effectLst>
-                  <a:outerShdw blurRad="12700" dist="38100" dir="2700000" algn="tl" rotWithShape="0">
-                    <a:schemeClr val="accent5">
-                      <a:lumMod val="60000"/>
-                      <a:lumOff val="40000"/>
-                    </a:schemeClr>
-                  </a:outerShdw>
-                </a:effectLst>
-              </a:rPr>
-              <a:t>X</a:t>
-            </a:r>
-            <a:endParaRPr lang="en-US" sz="2400" b="1" cap="none" spc="0" dirty="0">
-              <a:ln w="9525">
-                <a:solidFill>
-                  <a:schemeClr val="bg1"/>
-                </a:solidFill>
-                <a:prstDash val="solid"/>
-              </a:ln>
-              <a:solidFill>
-                <a:srgbClr val="FF0000"/>
-              </a:solidFill>
-              <a:effectLst>
-                <a:outerShdw blurRad="12700" dist="38100" dir="2700000" algn="tl" rotWithShape="0">
-                  <a:schemeClr val="accent5">
-                    <a:lumMod val="60000"/>
-                    <a:lumOff val="40000"/>
-                  </a:schemeClr>
-                </a:outerShdw>
-              </a:effectLst>
-            </a:endParaRPr>
-          </a:p>
-        </p:txBody>
-      </p:sp>
-      <p:sp>
-        <p:nvSpPr>
-          <p:cNvPr id="3" name="TextBox 2"/>
-          <p:cNvSpPr txBox="1"/>
-          <p:nvPr/>
-        </p:nvSpPr>
-        <p:spPr>
-          <a:xfrm>
-            <a:off x="4571999" y="314890"/>
-            <a:ext cx="1820848" cy="184666"/>
-          </a:xfrm>
-          <a:prstGeom prst="rect">
-            <a:avLst/>
-          </a:prstGeom>
-          <a:noFill/>
-        </p:spPr>
-        <p:txBody>
-          <a:bodyPr wrap="square" lIns="0" tIns="0" rIns="0" bIns="0" rtlCol="0">
-            <a:spAutoFit/>
-          </a:bodyPr>
-          <a:lstStyle/>
-          <a:p>
-            <a:pPr fontAlgn="base">
-              <a:spcBef>
-                <a:spcPts val="600"/>
-              </a:spcBef>
-              <a:spcAft>
-                <a:spcPct val="0"/>
-              </a:spcAft>
-              <a:buClr>
-                <a:srgbClr val="F0AB00"/>
-              </a:buClr>
-              <a:buSzPct val="80000"/>
-            </a:pPr>
-            <a:r>
-              <a:rPr lang="en-US" sz="1200" kern="0" dirty="0" smtClean="0">
-                <a:ea typeface="Arial Unicode MS" pitchFamily="34" charset="-128"/>
-                <a:cs typeface="Arial Unicode MS" pitchFamily="34" charset="-128"/>
-              </a:rPr>
-              <a:t>= confirmed by the TRG</a:t>
-            </a:r>
-          </a:p>
-        </p:txBody>
-      </p:sp>
-      <p:sp>
-        <p:nvSpPr>
-          <p:cNvPr id="16" name="TextBox 15"/>
-          <p:cNvSpPr txBox="1"/>
-          <p:nvPr/>
-        </p:nvSpPr>
-        <p:spPr>
-          <a:xfrm>
-            <a:off x="4567622" y="808418"/>
-            <a:ext cx="1820848" cy="184666"/>
-          </a:xfrm>
-          <a:prstGeom prst="rect">
-            <a:avLst/>
-          </a:prstGeom>
-          <a:noFill/>
-        </p:spPr>
-        <p:txBody>
-          <a:bodyPr wrap="square" lIns="0" tIns="0" rIns="0" bIns="0" rtlCol="0">
-            <a:spAutoFit/>
-          </a:bodyPr>
-          <a:lstStyle/>
-          <a:p>
-            <a:pPr fontAlgn="base">
-              <a:spcBef>
-                <a:spcPts val="600"/>
-              </a:spcBef>
-              <a:spcAft>
-                <a:spcPct val="0"/>
-              </a:spcAft>
-              <a:buClr>
-                <a:srgbClr val="F0AB00"/>
-              </a:buClr>
-              <a:buSzPct val="80000"/>
-            </a:pPr>
-            <a:r>
-              <a:rPr lang="en-US" sz="1200" kern="0" dirty="0" smtClean="0">
-                <a:ea typeface="Arial Unicode MS" pitchFamily="34" charset="-128"/>
-                <a:cs typeface="Arial Unicode MS" pitchFamily="34" charset="-128"/>
-              </a:rPr>
-              <a:t>= declined by the TRG</a:t>
-            </a:r>
-          </a:p>
-        </p:txBody>
-      </p:sp>
       <p:sp>
         <p:nvSpPr>
           <p:cNvPr id="5" name="Oval 4"/>
@@ -13520,7 +10123,7 @@
         </p:nvSpPr>
         <p:spPr bwMode="gray">
           <a:xfrm>
-            <a:off x="6761233" y="3070265"/>
+            <a:off x="6761233" y="4932311"/>
             <a:ext cx="506028" cy="346229"/>
           </a:xfrm>
           <a:prstGeom prst="ellipse">
@@ -13580,7 +10183,7 @@
         </p:nvSpPr>
         <p:spPr bwMode="gray">
           <a:xfrm>
-            <a:off x="8259078" y="3075650"/>
+            <a:off x="8259078" y="4937696"/>
             <a:ext cx="506028" cy="346229"/>
           </a:xfrm>
           <a:prstGeom prst="ellipse">
@@ -13632,6 +10235,173 @@
           </a:p>
         </p:txBody>
       </p:sp>
+      <p:sp>
+        <p:nvSpPr>
+          <p:cNvPr id="18" name="TextBox 17"/>
+          <p:cNvSpPr txBox="1"/>
+          <p:nvPr/>
+        </p:nvSpPr>
+        <p:spPr>
+          <a:xfrm>
+            <a:off x="190831" y="3025831"/>
+            <a:ext cx="781758" cy="154237"/>
+          </a:xfrm>
+          <a:prstGeom prst="rect">
+            <a:avLst/>
+          </a:prstGeom>
+          <a:noFill/>
+        </p:spPr>
+        <p:txBody>
+          <a:bodyPr wrap="square" lIns="0" tIns="0" rIns="0" bIns="0" rtlCol="0">
+            <a:spAutoFit/>
+          </a:bodyPr>
+          <a:lstStyle/>
+          <a:p>
+            <a:pPr fontAlgn="base">
+              <a:spcBef>
+                <a:spcPts val="600"/>
+              </a:spcBef>
+              <a:spcAft>
+                <a:spcPct val="0"/>
+              </a:spcAft>
+              <a:buClr>
+                <a:srgbClr val="F0AB00"/>
+              </a:buClr>
+              <a:buSzPct val="80000"/>
+            </a:pPr>
+            <a:r>
+              <a:rPr lang="en-US" sz="1000" b="1" kern="0" dirty="0" smtClean="0">
+                <a:ea typeface="Arial Unicode MS" pitchFamily="34" charset="-128"/>
+                <a:cs typeface="Arial Unicode MS" pitchFamily="34" charset="-128"/>
+              </a:rPr>
+              <a:t>Example: </a:t>
+            </a:r>
+            <a:endParaRPr lang="en-US" sz="1000" b="1" kern="0" dirty="0" smtClean="0">
+              <a:ea typeface="Arial Unicode MS" pitchFamily="34" charset="-128"/>
+              <a:cs typeface="Arial Unicode MS" pitchFamily="34" charset="-128"/>
+            </a:endParaRPr>
+          </a:p>
+        </p:txBody>
+      </p:sp>
+      <p:sp>
+        <p:nvSpPr>
+          <p:cNvPr id="6" name="TextBox 5"/>
+          <p:cNvSpPr txBox="1"/>
+          <p:nvPr/>
+        </p:nvSpPr>
+        <p:spPr>
+          <a:xfrm>
+            <a:off x="437191" y="1407933"/>
+            <a:ext cx="8148836" cy="984885"/>
+          </a:xfrm>
+          <a:prstGeom prst="rect">
+            <a:avLst/>
+          </a:prstGeom>
+          <a:noFill/>
+        </p:spPr>
+        <p:txBody>
+          <a:bodyPr wrap="square" lIns="0" tIns="0" rIns="0" bIns="0" rtlCol="0">
+            <a:spAutoFit/>
+          </a:bodyPr>
+          <a:lstStyle/>
+          <a:p>
+            <a:pPr fontAlgn="base">
+              <a:spcBef>
+                <a:spcPts val="600"/>
+              </a:spcBef>
+              <a:spcAft>
+                <a:spcPct val="0"/>
+              </a:spcAft>
+              <a:buClr>
+                <a:srgbClr val="F0AB00"/>
+              </a:buClr>
+              <a:buSzPct val="80000"/>
+            </a:pPr>
+            <a:r>
+              <a:rPr lang="en-US" kern="0" dirty="0" smtClean="0">
+                <a:ea typeface="Arial Unicode MS" pitchFamily="34" charset="-128"/>
+                <a:cs typeface="Arial Unicode MS" pitchFamily="34" charset="-128"/>
+              </a:rPr>
+              <a:t>RAR calculate contract asset and liability</a:t>
+            </a:r>
+            <a:r>
+              <a:rPr lang="zh-CN" altLang="en-US" kern="0" dirty="0" smtClean="0">
+                <a:ea typeface="Arial Unicode MS" pitchFamily="34" charset="-128"/>
+                <a:cs typeface="Arial Unicode MS" pitchFamily="34" charset="-128"/>
+              </a:rPr>
+              <a:t>：</a:t>
+            </a:r>
+            <a:endParaRPr lang="en-US" altLang="zh-CN" kern="0" dirty="0" smtClean="0">
+              <a:ea typeface="Arial Unicode MS" pitchFamily="34" charset="-128"/>
+              <a:cs typeface="Arial Unicode MS" pitchFamily="34" charset="-128"/>
+            </a:endParaRPr>
+          </a:p>
+          <a:p>
+            <a:pPr marL="285750" indent="-285750" fontAlgn="base">
+              <a:spcBef>
+                <a:spcPts val="600"/>
+              </a:spcBef>
+              <a:spcAft>
+                <a:spcPct val="0"/>
+              </a:spcAft>
+              <a:buClr>
+                <a:srgbClr val="F0AB00"/>
+              </a:buClr>
+              <a:buSzPct val="80000"/>
+              <a:buFont typeface="Arial" panose="020B0604020202020204" pitchFamily="34" charset="0"/>
+              <a:buChar char="•"/>
+            </a:pPr>
+            <a:r>
+              <a:rPr lang="en-US" kern="0" dirty="0" smtClean="0">
+                <a:ea typeface="Arial Unicode MS" pitchFamily="34" charset="-128"/>
+                <a:cs typeface="Arial Unicode MS" pitchFamily="34" charset="-128"/>
+              </a:rPr>
+              <a:t>Calculate contract asset and </a:t>
+            </a:r>
+            <a:r>
+              <a:rPr lang="en-US" altLang="zh-CN" kern="0" dirty="0" smtClean="0">
+                <a:ea typeface="Arial Unicode MS" pitchFamily="34" charset="-128"/>
+                <a:cs typeface="Arial Unicode MS" pitchFamily="34" charset="-128"/>
+              </a:rPr>
+              <a:t>liability at each POB.</a:t>
+            </a:r>
+          </a:p>
+          <a:p>
+            <a:pPr marL="285750" indent="-285750" fontAlgn="base">
+              <a:spcBef>
+                <a:spcPts val="600"/>
+              </a:spcBef>
+              <a:spcAft>
+                <a:spcPct val="0"/>
+              </a:spcAft>
+              <a:buClr>
+                <a:srgbClr val="F0AB00"/>
+              </a:buClr>
+              <a:buSzPct val="80000"/>
+              <a:buFont typeface="Arial" panose="020B0604020202020204" pitchFamily="34" charset="0"/>
+              <a:buChar char="•"/>
+            </a:pPr>
+            <a:r>
+              <a:rPr lang="en-US" kern="0" dirty="0" smtClean="0">
+                <a:ea typeface="Arial Unicode MS" pitchFamily="34" charset="-128"/>
+                <a:cs typeface="Arial Unicode MS" pitchFamily="34" charset="-128"/>
+              </a:rPr>
+              <a:t>Aggregate and net contract liability and asset on Contract </a:t>
+            </a:r>
+            <a:r>
+              <a:rPr lang="en-US" altLang="zh-CN" kern="0" dirty="0" smtClean="0">
+                <a:ea typeface="Arial Unicode MS" pitchFamily="34" charset="-128"/>
+                <a:cs typeface="Arial Unicode MS" pitchFamily="34" charset="-128"/>
+              </a:rPr>
+              <a:t>Level</a:t>
+            </a:r>
+            <a:endParaRPr lang="en-US" sz="1800" kern="0" dirty="0" smtClean="0">
+              <a:ea typeface="Arial Unicode MS" pitchFamily="34" charset="-128"/>
+              <a:cs typeface="Arial Unicode MS" pitchFamily="34" charset="-128"/>
+            </a:endParaRPr>
+          </a:p>
+        </p:txBody>
+      </p:sp>
     </p:spTree>
     <p:extLst>
       <p:ext uri="{BB962C8B-B14F-4D97-AF65-F5344CB8AC3E}">
@@ -13652,7 +10422,2923 @@
 </p:sld>
 </file>
 
-<file path=ppt/slides/slide7.xml><?xml version="1.0" encoding="utf-8"?>
+<file path=ppt/slides/slide12.xml><?xml version="1.0" encoding="utf-8"?>
+<p:sld xmlns:a="http://schemas.openxmlformats.org/drawingml/2006/main" xmlns:r="http://schemas.openxmlformats.org/officeDocument/2006/relationships" xmlns:p="http://schemas.openxmlformats.org/presentationml/2006/main">
+  <p:cSld>
+    <p:spTree>
+      <p:nvGrpSpPr>
+        <p:cNvPr id="1" name=""/>
+        <p:cNvGrpSpPr/>
+        <p:nvPr/>
+      </p:nvGrpSpPr>
+      <p:grpSpPr>
+        <a:xfrm>
+          <a:off x="0" y="0"/>
+          <a:ext cx="0" cy="0"/>
+          <a:chOff x="0" y="0"/>
+          <a:chExt cx="0" cy="0"/>
+        </a:xfrm>
+      </p:grpSpPr>
+      <p:sp>
+        <p:nvSpPr>
+          <p:cNvPr id="2" name="Title 1"/>
+          <p:cNvSpPr>
+            <a:spLocks noGrp="1"/>
+          </p:cNvSpPr>
+          <p:nvPr>
+            <p:ph type="title"/>
+          </p:nvPr>
+        </p:nvSpPr>
+        <p:spPr/>
+        <p:txBody>
+          <a:bodyPr/>
+          <a:lstStyle/>
+          <a:p>
+            <a:endParaRPr lang="en-US"/>
+          </a:p>
+        </p:txBody>
+      </p:sp>
+    </p:spTree>
+    <p:extLst>
+      <p:ext uri="{BB962C8B-B14F-4D97-AF65-F5344CB8AC3E}">
+        <p14:creationId xmlns:p14="http://schemas.microsoft.com/office/powerpoint/2010/main" val="1655451377"/>
+      </p:ext>
+    </p:extLst>
+  </p:cSld>
+  <p:clrMapOvr>
+    <a:masterClrMapping/>
+  </p:clrMapOvr>
+  <p:timing>
+    <p:tnLst>
+      <p:par>
+        <p:cTn id="1" dur="indefinite" restart="never" nodeType="tmRoot"/>
+      </p:par>
+    </p:tnLst>
+  </p:timing>
+</p:sld>
+</file>
+
+<file path=ppt/slides/slide13.xml><?xml version="1.0" encoding="utf-8"?>
+<p:sld xmlns:a="http://schemas.openxmlformats.org/drawingml/2006/main" xmlns:r="http://schemas.openxmlformats.org/officeDocument/2006/relationships" xmlns:p="http://schemas.openxmlformats.org/presentationml/2006/main">
+  <p:cSld>
+    <p:spTree>
+      <p:nvGrpSpPr>
+        <p:cNvPr id="1" name=""/>
+        <p:cNvGrpSpPr/>
+        <p:nvPr/>
+      </p:nvGrpSpPr>
+      <p:grpSpPr>
+        <a:xfrm>
+          <a:off x="0" y="0"/>
+          <a:ext cx="0" cy="0"/>
+          <a:chOff x="0" y="0"/>
+          <a:chExt cx="0" cy="0"/>
+        </a:xfrm>
+      </p:grpSpPr>
+      <p:sp>
+        <p:nvSpPr>
+          <p:cNvPr id="2" name="Title 1"/>
+          <p:cNvSpPr>
+            <a:spLocks noGrp="1"/>
+          </p:cNvSpPr>
+          <p:nvPr>
+            <p:ph type="title"/>
+          </p:nvPr>
+        </p:nvSpPr>
+        <p:spPr/>
+        <p:txBody>
+          <a:bodyPr/>
+          <a:lstStyle/>
+          <a:p>
+            <a:r>
+              <a:rPr lang="en-US" altLang="zh-CN" dirty="0" smtClean="0"/>
+              <a:t>Contract Asset And </a:t>
+            </a:r>
+            <a:r>
+              <a:rPr lang="en-US" altLang="zh-CN" dirty="0" err="1" smtClean="0"/>
+              <a:t>Receivbale</a:t>
+            </a:r>
+            <a:endParaRPr lang="en-US" dirty="0"/>
+          </a:p>
+        </p:txBody>
+      </p:sp>
+      <p:graphicFrame>
+        <p:nvGraphicFramePr>
+          <p:cNvPr id="7" name="Table 6"/>
+          <p:cNvGraphicFramePr>
+            <a:graphicFrameLocks noGrp="1"/>
+          </p:cNvGraphicFramePr>
+          <p:nvPr>
+            <p:extLst>
+              <p:ext uri="{D42A27DB-BD31-4B8C-83A1-F6EECF244321}">
+                <p14:modId xmlns:p14="http://schemas.microsoft.com/office/powerpoint/2010/main" val="2848764142"/>
+              </p:ext>
+            </p:extLst>
+          </p:nvPr>
+        </p:nvGraphicFramePr>
+        <p:xfrm>
+          <a:off x="323850" y="1377732"/>
+          <a:ext cx="8496299" cy="1276208"/>
+        </p:xfrm>
+        <a:graphic>
+          <a:graphicData uri="http://schemas.openxmlformats.org/drawingml/2006/table">
+            <a:tbl>
+              <a:tblPr/>
+              <a:tblGrid>
+                <a:gridCol w="563485"/>
+                <a:gridCol w="765987"/>
+                <a:gridCol w="801206"/>
+                <a:gridCol w="645660"/>
+                <a:gridCol w="810010"/>
+                <a:gridCol w="774792"/>
+                <a:gridCol w="868706"/>
+                <a:gridCol w="695552"/>
+                <a:gridCol w="833489"/>
+                <a:gridCol w="704356"/>
+                <a:gridCol w="1033056"/>
+              </a:tblGrid>
+              <a:tr h="319052">
+                <a:tc>
+                  <a:txBody>
+                    <a:bodyPr/>
+                    <a:lstStyle/>
+                    <a:p>
+                      <a:pPr algn="l" fontAlgn="b"/>
+                      <a:r>
+                        <a:rPr lang="en-US" sz="1000" b="0" i="0" u="none" strike="noStrike">
+                          <a:solidFill>
+                            <a:srgbClr val="000000"/>
+                          </a:solidFill>
+                          <a:effectLst/>
+                          <a:latin typeface="Calibri" panose="020F0502020204030204" pitchFamily="34" charset="0"/>
+                        </a:rPr>
+                        <a:t>Scenario</a:t>
+                      </a:r>
+                    </a:p>
+                  </a:txBody>
+                  <a:tcPr marL="8814" marR="8814" marT="8814" marB="0" anchor="b">
+                    <a:lnL w="6350" cap="flat" cmpd="sng" algn="ctr">
+                      <a:solidFill>
+                        <a:srgbClr val="000000"/>
+                      </a:solidFill>
+                      <a:prstDash val="solid"/>
+                      <a:round/>
+                      <a:headEnd type="none" w="med" len="med"/>
+                      <a:tailEnd type="none" w="med" len="med"/>
+                    </a:lnL>
+                    <a:lnR w="6350" cap="flat" cmpd="sng" algn="ctr">
+                      <a:solidFill>
+                        <a:srgbClr val="000000"/>
+                      </a:solidFill>
+                      <a:prstDash val="solid"/>
+                      <a:round/>
+                      <a:headEnd type="none" w="med" len="med"/>
+                      <a:tailEnd type="none" w="med" len="med"/>
+                    </a:lnR>
+                    <a:lnT w="6350" cap="flat" cmpd="sng" algn="ctr">
+                      <a:solidFill>
+                        <a:srgbClr val="000000"/>
+                      </a:solidFill>
+                      <a:prstDash val="solid"/>
+                      <a:round/>
+                      <a:headEnd type="none" w="med" len="med"/>
+                      <a:tailEnd type="none" w="med" len="med"/>
+                    </a:lnT>
+                    <a:lnB w="6350" cap="flat" cmpd="sng" algn="ctr">
+                      <a:solidFill>
+                        <a:srgbClr val="000000"/>
+                      </a:solidFill>
+                      <a:prstDash val="solid"/>
+                      <a:round/>
+                      <a:headEnd type="none" w="med" len="med"/>
+                      <a:tailEnd type="none" w="med" len="med"/>
+                    </a:lnB>
+                    <a:solidFill>
+                      <a:srgbClr val="DDEBF7"/>
+                    </a:solidFill>
+                  </a:tcPr>
+                </a:tc>
+                <a:tc>
+                  <a:txBody>
+                    <a:bodyPr/>
+                    <a:lstStyle/>
+                    <a:p>
+                      <a:pPr algn="l" fontAlgn="b"/>
+                      <a:r>
+                        <a:rPr lang="en-US" sz="1000" b="0" i="0" u="none" strike="noStrike">
+                          <a:solidFill>
+                            <a:srgbClr val="000000"/>
+                          </a:solidFill>
+                          <a:effectLst/>
+                          <a:latin typeface="Calibri" panose="020F0502020204030204" pitchFamily="34" charset="0"/>
+                        </a:rPr>
+                        <a:t>Cont.price</a:t>
+                      </a:r>
+                    </a:p>
+                  </a:txBody>
+                  <a:tcPr marL="8814" marR="8814" marT="8814" marB="0" anchor="b">
+                    <a:lnL w="6350" cap="flat" cmpd="sng" algn="ctr">
+                      <a:solidFill>
+                        <a:srgbClr val="000000"/>
+                      </a:solidFill>
+                      <a:prstDash val="solid"/>
+                      <a:round/>
+                      <a:headEnd type="none" w="med" len="med"/>
+                      <a:tailEnd type="none" w="med" len="med"/>
+                    </a:lnL>
+                    <a:lnR w="6350" cap="flat" cmpd="sng" algn="ctr">
+                      <a:solidFill>
+                        <a:srgbClr val="000000"/>
+                      </a:solidFill>
+                      <a:prstDash val="solid"/>
+                      <a:round/>
+                      <a:headEnd type="none" w="med" len="med"/>
+                      <a:tailEnd type="none" w="med" len="med"/>
+                    </a:lnR>
+                    <a:lnT w="6350" cap="flat" cmpd="sng" algn="ctr">
+                      <a:solidFill>
+                        <a:srgbClr val="000000"/>
+                      </a:solidFill>
+                      <a:prstDash val="solid"/>
+                      <a:round/>
+                      <a:headEnd type="none" w="med" len="med"/>
+                      <a:tailEnd type="none" w="med" len="med"/>
+                    </a:lnT>
+                    <a:lnB w="6350" cap="flat" cmpd="sng" algn="ctr">
+                      <a:solidFill>
+                        <a:srgbClr val="000000"/>
+                      </a:solidFill>
+                      <a:prstDash val="solid"/>
+                      <a:round/>
+                      <a:headEnd type="none" w="med" len="med"/>
+                      <a:tailEnd type="none" w="med" len="med"/>
+                    </a:lnB>
+                    <a:solidFill>
+                      <a:srgbClr val="DDEBF7"/>
+                    </a:solidFill>
+                  </a:tcPr>
+                </a:tc>
+                <a:tc>
+                  <a:txBody>
+                    <a:bodyPr/>
+                    <a:lstStyle/>
+                    <a:p>
+                      <a:pPr algn="l" fontAlgn="b"/>
+                      <a:r>
+                        <a:rPr lang="en-US" sz="1000" b="0" i="0" u="none" strike="noStrike">
+                          <a:solidFill>
+                            <a:srgbClr val="000000"/>
+                          </a:solidFill>
+                          <a:effectLst/>
+                          <a:latin typeface="Calibri" panose="020F0502020204030204" pitchFamily="34" charset="0"/>
+                        </a:rPr>
+                        <a:t>SSP</a:t>
+                      </a:r>
+                    </a:p>
+                  </a:txBody>
+                  <a:tcPr marL="8814" marR="8814" marT="8814" marB="0" anchor="b">
+                    <a:lnL w="6350" cap="flat" cmpd="sng" algn="ctr">
+                      <a:solidFill>
+                        <a:srgbClr val="000000"/>
+                      </a:solidFill>
+                      <a:prstDash val="solid"/>
+                      <a:round/>
+                      <a:headEnd type="none" w="med" len="med"/>
+                      <a:tailEnd type="none" w="med" len="med"/>
+                    </a:lnL>
+                    <a:lnR w="6350" cap="flat" cmpd="sng" algn="ctr">
+                      <a:solidFill>
+                        <a:srgbClr val="000000"/>
+                      </a:solidFill>
+                      <a:prstDash val="solid"/>
+                      <a:round/>
+                      <a:headEnd type="none" w="med" len="med"/>
+                      <a:tailEnd type="none" w="med" len="med"/>
+                    </a:lnR>
+                    <a:lnT w="6350" cap="flat" cmpd="sng" algn="ctr">
+                      <a:solidFill>
+                        <a:srgbClr val="000000"/>
+                      </a:solidFill>
+                      <a:prstDash val="solid"/>
+                      <a:round/>
+                      <a:headEnd type="none" w="med" len="med"/>
+                      <a:tailEnd type="none" w="med" len="med"/>
+                    </a:lnT>
+                    <a:lnB w="6350" cap="flat" cmpd="sng" algn="ctr">
+                      <a:solidFill>
+                        <a:srgbClr val="000000"/>
+                      </a:solidFill>
+                      <a:prstDash val="solid"/>
+                      <a:round/>
+                      <a:headEnd type="none" w="med" len="med"/>
+                      <a:tailEnd type="none" w="med" len="med"/>
+                    </a:lnB>
+                    <a:solidFill>
+                      <a:srgbClr val="DDEBF7"/>
+                    </a:solidFill>
+                  </a:tcPr>
+                </a:tc>
+                <a:tc>
+                  <a:txBody>
+                    <a:bodyPr/>
+                    <a:lstStyle/>
+                    <a:p>
+                      <a:pPr algn="l" fontAlgn="b"/>
+                      <a:r>
+                        <a:rPr lang="en-US" sz="1000" b="0" i="0" u="none" strike="noStrike">
+                          <a:solidFill>
+                            <a:srgbClr val="000000"/>
+                          </a:solidFill>
+                          <a:effectLst/>
+                          <a:latin typeface="Calibri" panose="020F0502020204030204" pitchFamily="34" charset="0"/>
+                        </a:rPr>
+                        <a:t>Alloc.Price</a:t>
+                      </a:r>
+                    </a:p>
+                  </a:txBody>
+                  <a:tcPr marL="8814" marR="8814" marT="8814" marB="0" anchor="b">
+                    <a:lnL w="6350" cap="flat" cmpd="sng" algn="ctr">
+                      <a:solidFill>
+                        <a:srgbClr val="000000"/>
+                      </a:solidFill>
+                      <a:prstDash val="solid"/>
+                      <a:round/>
+                      <a:headEnd type="none" w="med" len="med"/>
+                      <a:tailEnd type="none" w="med" len="med"/>
+                    </a:lnL>
+                    <a:lnR w="6350" cap="flat" cmpd="sng" algn="ctr">
+                      <a:solidFill>
+                        <a:srgbClr val="000000"/>
+                      </a:solidFill>
+                      <a:prstDash val="solid"/>
+                      <a:round/>
+                      <a:headEnd type="none" w="med" len="med"/>
+                      <a:tailEnd type="none" w="med" len="med"/>
+                    </a:lnR>
+                    <a:lnT w="6350" cap="flat" cmpd="sng" algn="ctr">
+                      <a:solidFill>
+                        <a:srgbClr val="000000"/>
+                      </a:solidFill>
+                      <a:prstDash val="solid"/>
+                      <a:round/>
+                      <a:headEnd type="none" w="med" len="med"/>
+                      <a:tailEnd type="none" w="med" len="med"/>
+                    </a:lnT>
+                    <a:lnB w="6350" cap="flat" cmpd="sng" algn="ctr">
+                      <a:solidFill>
+                        <a:srgbClr val="000000"/>
+                      </a:solidFill>
+                      <a:prstDash val="solid"/>
+                      <a:round/>
+                      <a:headEnd type="none" w="med" len="med"/>
+                      <a:tailEnd type="none" w="med" len="med"/>
+                    </a:lnB>
+                    <a:solidFill>
+                      <a:srgbClr val="DDEBF7"/>
+                    </a:solidFill>
+                  </a:tcPr>
+                </a:tc>
+                <a:tc>
+                  <a:txBody>
+                    <a:bodyPr/>
+                    <a:lstStyle/>
+                    <a:p>
+                      <a:pPr algn="l" fontAlgn="b"/>
+                      <a:r>
+                        <a:rPr lang="en-US" sz="1000" b="0" i="0" u="none" strike="noStrike">
+                          <a:solidFill>
+                            <a:srgbClr val="000000"/>
+                          </a:solidFill>
+                          <a:effectLst/>
+                          <a:latin typeface="Calibri" panose="020F0502020204030204" pitchFamily="34" charset="0"/>
+                        </a:rPr>
+                        <a:t>Alloc.Effect</a:t>
+                      </a:r>
+                    </a:p>
+                  </a:txBody>
+                  <a:tcPr marL="8814" marR="8814" marT="8814" marB="0" anchor="b">
+                    <a:lnL w="6350" cap="flat" cmpd="sng" algn="ctr">
+                      <a:solidFill>
+                        <a:srgbClr val="000000"/>
+                      </a:solidFill>
+                      <a:prstDash val="solid"/>
+                      <a:round/>
+                      <a:headEnd type="none" w="med" len="med"/>
+                      <a:tailEnd type="none" w="med" len="med"/>
+                    </a:lnL>
+                    <a:lnR w="6350" cap="flat" cmpd="sng" algn="ctr">
+                      <a:solidFill>
+                        <a:srgbClr val="000000"/>
+                      </a:solidFill>
+                      <a:prstDash val="solid"/>
+                      <a:round/>
+                      <a:headEnd type="none" w="med" len="med"/>
+                      <a:tailEnd type="none" w="med" len="med"/>
+                    </a:lnR>
+                    <a:lnT w="6350" cap="flat" cmpd="sng" algn="ctr">
+                      <a:solidFill>
+                        <a:srgbClr val="000000"/>
+                      </a:solidFill>
+                      <a:prstDash val="solid"/>
+                      <a:round/>
+                      <a:headEnd type="none" w="med" len="med"/>
+                      <a:tailEnd type="none" w="med" len="med"/>
+                    </a:lnT>
+                    <a:lnB w="6350" cap="flat" cmpd="sng" algn="ctr">
+                      <a:solidFill>
+                        <a:srgbClr val="000000"/>
+                      </a:solidFill>
+                      <a:prstDash val="solid"/>
+                      <a:round/>
+                      <a:headEnd type="none" w="med" len="med"/>
+                      <a:tailEnd type="none" w="med" len="med"/>
+                    </a:lnB>
+                    <a:solidFill>
+                      <a:srgbClr val="DDEBF7"/>
+                    </a:solidFill>
+                  </a:tcPr>
+                </a:tc>
+                <a:tc>
+                  <a:txBody>
+                    <a:bodyPr/>
+                    <a:lstStyle/>
+                    <a:p>
+                      <a:pPr algn="l" fontAlgn="b"/>
+                      <a:r>
+                        <a:rPr lang="en-US" sz="1000" b="0" i="0" u="none" strike="noStrike">
+                          <a:solidFill>
+                            <a:srgbClr val="000000"/>
+                          </a:solidFill>
+                          <a:effectLst/>
+                          <a:latin typeface="Calibri" panose="020F0502020204030204" pitchFamily="34" charset="0"/>
+                        </a:rPr>
+                        <a:t>Fulfillmnt</a:t>
+                      </a:r>
+                    </a:p>
+                  </a:txBody>
+                  <a:tcPr marL="8814" marR="8814" marT="8814" marB="0" anchor="b">
+                    <a:lnL w="6350" cap="flat" cmpd="sng" algn="ctr">
+                      <a:solidFill>
+                        <a:srgbClr val="000000"/>
+                      </a:solidFill>
+                      <a:prstDash val="solid"/>
+                      <a:round/>
+                      <a:headEnd type="none" w="med" len="med"/>
+                      <a:tailEnd type="none" w="med" len="med"/>
+                    </a:lnL>
+                    <a:lnR w="6350" cap="flat" cmpd="sng" algn="ctr">
+                      <a:solidFill>
+                        <a:srgbClr val="000000"/>
+                      </a:solidFill>
+                      <a:prstDash val="solid"/>
+                      <a:round/>
+                      <a:headEnd type="none" w="med" len="med"/>
+                      <a:tailEnd type="none" w="med" len="med"/>
+                    </a:lnR>
+                    <a:lnT w="6350" cap="flat" cmpd="sng" algn="ctr">
+                      <a:solidFill>
+                        <a:srgbClr val="000000"/>
+                      </a:solidFill>
+                      <a:prstDash val="solid"/>
+                      <a:round/>
+                      <a:headEnd type="none" w="med" len="med"/>
+                      <a:tailEnd type="none" w="med" len="med"/>
+                    </a:lnT>
+                    <a:lnB w="6350" cap="flat" cmpd="sng" algn="ctr">
+                      <a:solidFill>
+                        <a:srgbClr val="000000"/>
+                      </a:solidFill>
+                      <a:prstDash val="solid"/>
+                      <a:round/>
+                      <a:headEnd type="none" w="med" len="med"/>
+                      <a:tailEnd type="none" w="med" len="med"/>
+                    </a:lnB>
+                    <a:solidFill>
+                      <a:srgbClr val="DDEBF7"/>
+                    </a:solidFill>
+                  </a:tcPr>
+                </a:tc>
+                <a:tc>
+                  <a:txBody>
+                    <a:bodyPr/>
+                    <a:lstStyle/>
+                    <a:p>
+                      <a:pPr algn="l" fontAlgn="b"/>
+                      <a:r>
+                        <a:rPr lang="en-US" sz="1000" b="0" i="0" u="none" strike="noStrike">
+                          <a:solidFill>
+                            <a:srgbClr val="000000"/>
+                          </a:solidFill>
+                          <a:effectLst/>
+                          <a:latin typeface="Calibri" panose="020F0502020204030204" pitchFamily="34" charset="0"/>
+                        </a:rPr>
+                        <a:t>Revenue Recognized</a:t>
+                      </a:r>
+                    </a:p>
+                  </a:txBody>
+                  <a:tcPr marL="8814" marR="8814" marT="8814" marB="0" anchor="b">
+                    <a:lnL w="6350" cap="flat" cmpd="sng" algn="ctr">
+                      <a:solidFill>
+                        <a:srgbClr val="000000"/>
+                      </a:solidFill>
+                      <a:prstDash val="solid"/>
+                      <a:round/>
+                      <a:headEnd type="none" w="med" len="med"/>
+                      <a:tailEnd type="none" w="med" len="med"/>
+                    </a:lnL>
+                    <a:lnR w="6350" cap="flat" cmpd="sng" algn="ctr">
+                      <a:solidFill>
+                        <a:srgbClr val="000000"/>
+                      </a:solidFill>
+                      <a:prstDash val="solid"/>
+                      <a:round/>
+                      <a:headEnd type="none" w="med" len="med"/>
+                      <a:tailEnd type="none" w="med" len="med"/>
+                    </a:lnR>
+                    <a:lnT w="6350" cap="flat" cmpd="sng" algn="ctr">
+                      <a:solidFill>
+                        <a:srgbClr val="000000"/>
+                      </a:solidFill>
+                      <a:prstDash val="solid"/>
+                      <a:round/>
+                      <a:headEnd type="none" w="med" len="med"/>
+                      <a:tailEnd type="none" w="med" len="med"/>
+                    </a:lnT>
+                    <a:lnB w="6350" cap="flat" cmpd="sng" algn="ctr">
+                      <a:solidFill>
+                        <a:srgbClr val="000000"/>
+                      </a:solidFill>
+                      <a:prstDash val="solid"/>
+                      <a:round/>
+                      <a:headEnd type="none" w="med" len="med"/>
+                      <a:tailEnd type="none" w="med" len="med"/>
+                    </a:lnB>
+                    <a:solidFill>
+                      <a:srgbClr val="DDEBF7"/>
+                    </a:solidFill>
+                  </a:tcPr>
+                </a:tc>
+                <a:tc>
+                  <a:txBody>
+                    <a:bodyPr/>
+                    <a:lstStyle/>
+                    <a:p>
+                      <a:pPr algn="l" fontAlgn="b"/>
+                      <a:r>
+                        <a:rPr lang="en-US" sz="1000" b="0" i="0" u="none" strike="noStrike">
+                          <a:solidFill>
+                            <a:srgbClr val="000000"/>
+                          </a:solidFill>
+                          <a:effectLst/>
+                          <a:latin typeface="Calibri" panose="020F0502020204030204" pitchFamily="34" charset="0"/>
+                        </a:rPr>
+                        <a:t>Invoice</a:t>
+                      </a:r>
+                    </a:p>
+                  </a:txBody>
+                  <a:tcPr marL="8814" marR="8814" marT="8814" marB="0" anchor="b">
+                    <a:lnL w="6350" cap="flat" cmpd="sng" algn="ctr">
+                      <a:solidFill>
+                        <a:srgbClr val="000000"/>
+                      </a:solidFill>
+                      <a:prstDash val="solid"/>
+                      <a:round/>
+                      <a:headEnd type="none" w="med" len="med"/>
+                      <a:tailEnd type="none" w="med" len="med"/>
+                    </a:lnL>
+                    <a:lnR w="6350" cap="flat" cmpd="sng" algn="ctr">
+                      <a:solidFill>
+                        <a:srgbClr val="000000"/>
+                      </a:solidFill>
+                      <a:prstDash val="solid"/>
+                      <a:round/>
+                      <a:headEnd type="none" w="med" len="med"/>
+                      <a:tailEnd type="none" w="med" len="med"/>
+                    </a:lnR>
+                    <a:lnT w="6350" cap="flat" cmpd="sng" algn="ctr">
+                      <a:solidFill>
+                        <a:srgbClr val="000000"/>
+                      </a:solidFill>
+                      <a:prstDash val="solid"/>
+                      <a:round/>
+                      <a:headEnd type="none" w="med" len="med"/>
+                      <a:tailEnd type="none" w="med" len="med"/>
+                    </a:lnT>
+                    <a:lnB w="6350" cap="flat" cmpd="sng" algn="ctr">
+                      <a:solidFill>
+                        <a:srgbClr val="000000"/>
+                      </a:solidFill>
+                      <a:prstDash val="solid"/>
+                      <a:round/>
+                      <a:headEnd type="none" w="med" len="med"/>
+                      <a:tailEnd type="none" w="med" len="med"/>
+                    </a:lnB>
+                    <a:solidFill>
+                      <a:srgbClr val="DDEBF7"/>
+                    </a:solidFill>
+                  </a:tcPr>
+                </a:tc>
+                <a:tc>
+                  <a:txBody>
+                    <a:bodyPr/>
+                    <a:lstStyle/>
+                    <a:p>
+                      <a:pPr algn="l" fontAlgn="b"/>
+                      <a:r>
+                        <a:rPr lang="en-US" sz="1000" b="0" i="0" u="none" strike="noStrike">
+                          <a:solidFill>
+                            <a:srgbClr val="000000"/>
+                          </a:solidFill>
+                          <a:effectLst/>
+                          <a:latin typeface="Calibri" panose="020F0502020204030204" pitchFamily="34" charset="0"/>
+                        </a:rPr>
+                        <a:t>Invoice due</a:t>
+                      </a:r>
+                    </a:p>
+                  </a:txBody>
+                  <a:tcPr marL="8814" marR="8814" marT="8814" marB="0" anchor="b">
+                    <a:lnL w="6350" cap="flat" cmpd="sng" algn="ctr">
+                      <a:solidFill>
+                        <a:srgbClr val="000000"/>
+                      </a:solidFill>
+                      <a:prstDash val="solid"/>
+                      <a:round/>
+                      <a:headEnd type="none" w="med" len="med"/>
+                      <a:tailEnd type="none" w="med" len="med"/>
+                    </a:lnL>
+                    <a:lnR w="6350" cap="flat" cmpd="sng" algn="ctr">
+                      <a:solidFill>
+                        <a:srgbClr val="000000"/>
+                      </a:solidFill>
+                      <a:prstDash val="solid"/>
+                      <a:round/>
+                      <a:headEnd type="none" w="med" len="med"/>
+                      <a:tailEnd type="none" w="med" len="med"/>
+                    </a:lnR>
+                    <a:lnT w="6350" cap="flat" cmpd="sng" algn="ctr">
+                      <a:solidFill>
+                        <a:srgbClr val="000000"/>
+                      </a:solidFill>
+                      <a:prstDash val="solid"/>
+                      <a:round/>
+                      <a:headEnd type="none" w="med" len="med"/>
+                      <a:tailEnd type="none" w="med" len="med"/>
+                    </a:lnT>
+                    <a:lnB w="6350" cap="flat" cmpd="sng" algn="ctr">
+                      <a:solidFill>
+                        <a:srgbClr val="000000"/>
+                      </a:solidFill>
+                      <a:prstDash val="solid"/>
+                      <a:round/>
+                      <a:headEnd type="none" w="med" len="med"/>
+                      <a:tailEnd type="none" w="med" len="med"/>
+                    </a:lnB>
+                    <a:solidFill>
+                      <a:srgbClr val="DDEBF7"/>
+                    </a:solidFill>
+                  </a:tcPr>
+                </a:tc>
+                <a:tc>
+                  <a:txBody>
+                    <a:bodyPr/>
+                    <a:lstStyle/>
+                    <a:p>
+                      <a:pPr algn="l" fontAlgn="b"/>
+                      <a:r>
+                        <a:rPr lang="en-US" sz="1000" b="0" i="0" u="none" strike="noStrike">
+                          <a:solidFill>
+                            <a:srgbClr val="000000"/>
+                          </a:solidFill>
+                          <a:effectLst/>
+                          <a:latin typeface="Calibri" panose="020F0502020204030204" pitchFamily="34" charset="0"/>
+                        </a:rPr>
+                        <a:t>Receivable</a:t>
+                      </a:r>
+                    </a:p>
+                  </a:txBody>
+                  <a:tcPr marL="8814" marR="8814" marT="8814" marB="0" anchor="b">
+                    <a:lnL w="6350" cap="flat" cmpd="sng" algn="ctr">
+                      <a:solidFill>
+                        <a:srgbClr val="000000"/>
+                      </a:solidFill>
+                      <a:prstDash val="solid"/>
+                      <a:round/>
+                      <a:headEnd type="none" w="med" len="med"/>
+                      <a:tailEnd type="none" w="med" len="med"/>
+                    </a:lnL>
+                    <a:lnR w="6350" cap="flat" cmpd="sng" algn="ctr">
+                      <a:solidFill>
+                        <a:srgbClr val="000000"/>
+                      </a:solidFill>
+                      <a:prstDash val="solid"/>
+                      <a:round/>
+                      <a:headEnd type="none" w="med" len="med"/>
+                      <a:tailEnd type="none" w="med" len="med"/>
+                    </a:lnR>
+                    <a:lnT w="6350" cap="flat" cmpd="sng" algn="ctr">
+                      <a:solidFill>
+                        <a:srgbClr val="000000"/>
+                      </a:solidFill>
+                      <a:prstDash val="solid"/>
+                      <a:round/>
+                      <a:headEnd type="none" w="med" len="med"/>
+                      <a:tailEnd type="none" w="med" len="med"/>
+                    </a:lnT>
+                    <a:lnB w="6350" cap="flat" cmpd="sng" algn="ctr">
+                      <a:solidFill>
+                        <a:srgbClr val="000000"/>
+                      </a:solidFill>
+                      <a:prstDash val="solid"/>
+                      <a:round/>
+                      <a:headEnd type="none" w="med" len="med"/>
+                      <a:tailEnd type="none" w="med" len="med"/>
+                    </a:lnB>
+                    <a:solidFill>
+                      <a:srgbClr val="DDEBF7"/>
+                    </a:solidFill>
+                  </a:tcPr>
+                </a:tc>
+                <a:tc>
+                  <a:txBody>
+                    <a:bodyPr/>
+                    <a:lstStyle/>
+                    <a:p>
+                      <a:pPr algn="l" fontAlgn="b"/>
+                      <a:r>
+                        <a:rPr lang="en-US" sz="1000" b="0" i="0" u="none" strike="noStrike">
+                          <a:solidFill>
+                            <a:srgbClr val="000000"/>
+                          </a:solidFill>
+                          <a:effectLst/>
+                          <a:latin typeface="Calibri" panose="020F0502020204030204" pitchFamily="34" charset="0"/>
+                        </a:rPr>
+                        <a:t>Contract Asset</a:t>
+                      </a:r>
+                    </a:p>
+                  </a:txBody>
+                  <a:tcPr marL="8814" marR="8814" marT="8814" marB="0" anchor="b">
+                    <a:lnL w="6350" cap="flat" cmpd="sng" algn="ctr">
+                      <a:solidFill>
+                        <a:srgbClr val="000000"/>
+                      </a:solidFill>
+                      <a:prstDash val="solid"/>
+                      <a:round/>
+                      <a:headEnd type="none" w="med" len="med"/>
+                      <a:tailEnd type="none" w="med" len="med"/>
+                    </a:lnL>
+                    <a:lnR w="6350" cap="flat" cmpd="sng" algn="ctr">
+                      <a:solidFill>
+                        <a:srgbClr val="000000"/>
+                      </a:solidFill>
+                      <a:prstDash val="solid"/>
+                      <a:round/>
+                      <a:headEnd type="none" w="med" len="med"/>
+                      <a:tailEnd type="none" w="med" len="med"/>
+                    </a:lnR>
+                    <a:lnT w="6350" cap="flat" cmpd="sng" algn="ctr">
+                      <a:solidFill>
+                        <a:srgbClr val="000000"/>
+                      </a:solidFill>
+                      <a:prstDash val="solid"/>
+                      <a:round/>
+                      <a:headEnd type="none" w="med" len="med"/>
+                      <a:tailEnd type="none" w="med" len="med"/>
+                    </a:lnT>
+                    <a:lnB w="6350" cap="flat" cmpd="sng" algn="ctr">
+                      <a:solidFill>
+                        <a:srgbClr val="000000"/>
+                      </a:solidFill>
+                      <a:prstDash val="solid"/>
+                      <a:round/>
+                      <a:headEnd type="none" w="med" len="med"/>
+                      <a:tailEnd type="none" w="med" len="med"/>
+                    </a:lnB>
+                    <a:solidFill>
+                      <a:srgbClr val="DDEBF7"/>
+                    </a:solidFill>
+                  </a:tcPr>
+                </a:tc>
+              </a:tr>
+              <a:tr h="319052">
+                <a:tc>
+                  <a:txBody>
+                    <a:bodyPr/>
+                    <a:lstStyle/>
+                    <a:p>
+                      <a:pPr algn="l" fontAlgn="b"/>
+                      <a:r>
+                        <a:rPr lang="en-US" sz="1000" b="0" i="0" u="none" strike="noStrike">
+                          <a:solidFill>
+                            <a:srgbClr val="000000"/>
+                          </a:solidFill>
+                          <a:effectLst/>
+                          <a:latin typeface="Calibri" panose="020F0502020204030204" pitchFamily="34" charset="0"/>
+                        </a:rPr>
+                        <a:t>POB1</a:t>
+                      </a:r>
+                    </a:p>
+                  </a:txBody>
+                  <a:tcPr marL="8814" marR="8814" marT="8814" marB="0" anchor="b">
+                    <a:lnL w="6350" cap="flat" cmpd="sng" algn="ctr">
+                      <a:solidFill>
+                        <a:srgbClr val="000000"/>
+                      </a:solidFill>
+                      <a:prstDash val="solid"/>
+                      <a:round/>
+                      <a:headEnd type="none" w="med" len="med"/>
+                      <a:tailEnd type="none" w="med" len="med"/>
+                    </a:lnL>
+                    <a:lnR w="6350" cap="flat" cmpd="sng" algn="ctr">
+                      <a:solidFill>
+                        <a:srgbClr val="000000"/>
+                      </a:solidFill>
+                      <a:prstDash val="solid"/>
+                      <a:round/>
+                      <a:headEnd type="none" w="med" len="med"/>
+                      <a:tailEnd type="none" w="med" len="med"/>
+                    </a:lnR>
+                    <a:lnT w="6350" cap="flat" cmpd="sng" algn="ctr">
+                      <a:solidFill>
+                        <a:srgbClr val="000000"/>
+                      </a:solidFill>
+                      <a:prstDash val="solid"/>
+                      <a:round/>
+                      <a:headEnd type="none" w="med" len="med"/>
+                      <a:tailEnd type="none" w="med" len="med"/>
+                    </a:lnT>
+                    <a:lnB w="6350" cap="flat" cmpd="sng" algn="ctr">
+                      <a:solidFill>
+                        <a:srgbClr val="000000"/>
+                      </a:solidFill>
+                      <a:prstDash val="solid"/>
+                      <a:round/>
+                      <a:headEnd type="none" w="med" len="med"/>
+                      <a:tailEnd type="none" w="med" len="med"/>
+                    </a:lnB>
+                  </a:tcPr>
+                </a:tc>
+                <a:tc>
+                  <a:txBody>
+                    <a:bodyPr/>
+                    <a:lstStyle/>
+                    <a:p>
+                      <a:pPr algn="l" fontAlgn="b"/>
+                      <a:r>
+                        <a:rPr lang="en-US" sz="1000" b="0" i="0" u="none" strike="noStrike">
+                          <a:solidFill>
+                            <a:srgbClr val="000000"/>
+                          </a:solidFill>
+                          <a:effectLst/>
+                          <a:latin typeface="Calibri" panose="020F0502020204030204" pitchFamily="34" charset="0"/>
+                        </a:rPr>
+                        <a:t> $          178.00 </a:t>
+                      </a:r>
+                    </a:p>
+                  </a:txBody>
+                  <a:tcPr marL="8814" marR="8814" marT="8814" marB="0" anchor="b">
+                    <a:lnL w="6350" cap="flat" cmpd="sng" algn="ctr">
+                      <a:solidFill>
+                        <a:srgbClr val="000000"/>
+                      </a:solidFill>
+                      <a:prstDash val="solid"/>
+                      <a:round/>
+                      <a:headEnd type="none" w="med" len="med"/>
+                      <a:tailEnd type="none" w="med" len="med"/>
+                    </a:lnL>
+                    <a:lnR w="6350" cap="flat" cmpd="sng" algn="ctr">
+                      <a:solidFill>
+                        <a:srgbClr val="000000"/>
+                      </a:solidFill>
+                      <a:prstDash val="solid"/>
+                      <a:round/>
+                      <a:headEnd type="none" w="med" len="med"/>
+                      <a:tailEnd type="none" w="med" len="med"/>
+                    </a:lnR>
+                    <a:lnT w="6350" cap="flat" cmpd="sng" algn="ctr">
+                      <a:solidFill>
+                        <a:srgbClr val="000000"/>
+                      </a:solidFill>
+                      <a:prstDash val="solid"/>
+                      <a:round/>
+                      <a:headEnd type="none" w="med" len="med"/>
+                      <a:tailEnd type="none" w="med" len="med"/>
+                    </a:lnT>
+                    <a:lnB w="6350" cap="flat" cmpd="sng" algn="ctr">
+                      <a:solidFill>
+                        <a:srgbClr val="000000"/>
+                      </a:solidFill>
+                      <a:prstDash val="solid"/>
+                      <a:round/>
+                      <a:headEnd type="none" w="med" len="med"/>
+                      <a:tailEnd type="none" w="med" len="med"/>
+                    </a:lnB>
+                  </a:tcPr>
+                </a:tc>
+                <a:tc>
+                  <a:txBody>
+                    <a:bodyPr/>
+                    <a:lstStyle/>
+                    <a:p>
+                      <a:pPr algn="l" fontAlgn="b"/>
+                      <a:r>
+                        <a:rPr lang="en-US" sz="1000" b="0" i="0" u="none" strike="noStrike">
+                          <a:solidFill>
+                            <a:srgbClr val="000000"/>
+                          </a:solidFill>
+                          <a:effectLst/>
+                          <a:latin typeface="Calibri" panose="020F0502020204030204" pitchFamily="34" charset="0"/>
+                        </a:rPr>
+                        <a:t> $           293.27 </a:t>
+                      </a:r>
+                    </a:p>
+                  </a:txBody>
+                  <a:tcPr marL="8814" marR="8814" marT="8814" marB="0" anchor="b">
+                    <a:lnL w="6350" cap="flat" cmpd="sng" algn="ctr">
+                      <a:solidFill>
+                        <a:srgbClr val="000000"/>
+                      </a:solidFill>
+                      <a:prstDash val="solid"/>
+                      <a:round/>
+                      <a:headEnd type="none" w="med" len="med"/>
+                      <a:tailEnd type="none" w="med" len="med"/>
+                    </a:lnL>
+                    <a:lnR w="6350" cap="flat" cmpd="sng" algn="ctr">
+                      <a:solidFill>
+                        <a:srgbClr val="000000"/>
+                      </a:solidFill>
+                      <a:prstDash val="solid"/>
+                      <a:round/>
+                      <a:headEnd type="none" w="med" len="med"/>
+                      <a:tailEnd type="none" w="med" len="med"/>
+                    </a:lnR>
+                    <a:lnT w="6350" cap="flat" cmpd="sng" algn="ctr">
+                      <a:solidFill>
+                        <a:srgbClr val="000000"/>
+                      </a:solidFill>
+                      <a:prstDash val="solid"/>
+                      <a:round/>
+                      <a:headEnd type="none" w="med" len="med"/>
+                      <a:tailEnd type="none" w="med" len="med"/>
+                    </a:lnT>
+                    <a:lnB w="6350" cap="flat" cmpd="sng" algn="ctr">
+                      <a:solidFill>
+                        <a:srgbClr val="000000"/>
+                      </a:solidFill>
+                      <a:prstDash val="solid"/>
+                      <a:round/>
+                      <a:headEnd type="none" w="med" len="med"/>
+                      <a:tailEnd type="none" w="med" len="med"/>
+                    </a:lnB>
+                  </a:tcPr>
+                </a:tc>
+                <a:tc>
+                  <a:txBody>
+                    <a:bodyPr/>
+                    <a:lstStyle/>
+                    <a:p>
+                      <a:pPr algn="l" fontAlgn="b"/>
+                      <a:r>
+                        <a:rPr lang="en-US" sz="1000" b="0" i="0" u="none" strike="noStrike">
+                          <a:solidFill>
+                            <a:srgbClr val="000000"/>
+                          </a:solidFill>
+                          <a:effectLst/>
+                          <a:latin typeface="Calibri" panose="020F0502020204030204" pitchFamily="34" charset="0"/>
+                        </a:rPr>
+                        <a:t> $     175.37 </a:t>
+                      </a:r>
+                    </a:p>
+                  </a:txBody>
+                  <a:tcPr marL="8814" marR="8814" marT="8814" marB="0" anchor="b">
+                    <a:lnL w="6350" cap="flat" cmpd="sng" algn="ctr">
+                      <a:solidFill>
+                        <a:srgbClr val="000000"/>
+                      </a:solidFill>
+                      <a:prstDash val="solid"/>
+                      <a:round/>
+                      <a:headEnd type="none" w="med" len="med"/>
+                      <a:tailEnd type="none" w="med" len="med"/>
+                    </a:lnL>
+                    <a:lnR w="6350" cap="flat" cmpd="sng" algn="ctr">
+                      <a:solidFill>
+                        <a:srgbClr val="000000"/>
+                      </a:solidFill>
+                      <a:prstDash val="solid"/>
+                      <a:round/>
+                      <a:headEnd type="none" w="med" len="med"/>
+                      <a:tailEnd type="none" w="med" len="med"/>
+                    </a:lnR>
+                    <a:lnT w="6350" cap="flat" cmpd="sng" algn="ctr">
+                      <a:solidFill>
+                        <a:srgbClr val="000000"/>
+                      </a:solidFill>
+                      <a:prstDash val="solid"/>
+                      <a:round/>
+                      <a:headEnd type="none" w="med" len="med"/>
+                      <a:tailEnd type="none" w="med" len="med"/>
+                    </a:lnT>
+                    <a:lnB w="6350" cap="flat" cmpd="sng" algn="ctr">
+                      <a:solidFill>
+                        <a:srgbClr val="000000"/>
+                      </a:solidFill>
+                      <a:prstDash val="solid"/>
+                      <a:round/>
+                      <a:headEnd type="none" w="med" len="med"/>
+                      <a:tailEnd type="none" w="med" len="med"/>
+                    </a:lnB>
+                  </a:tcPr>
+                </a:tc>
+                <a:tc>
+                  <a:txBody>
+                    <a:bodyPr/>
+                    <a:lstStyle/>
+                    <a:p>
+                      <a:pPr algn="l" fontAlgn="b"/>
+                      <a:r>
+                        <a:rPr lang="en-US" sz="1000" b="0" i="0" u="none" strike="noStrike">
+                          <a:solidFill>
+                            <a:srgbClr val="000000"/>
+                          </a:solidFill>
+                          <a:effectLst/>
+                          <a:latin typeface="Calibri" panose="020F0502020204030204" pitchFamily="34" charset="0"/>
+                        </a:rPr>
+                        <a:t> $                2.63 </a:t>
+                      </a:r>
+                    </a:p>
+                  </a:txBody>
+                  <a:tcPr marL="8814" marR="8814" marT="8814" marB="0" anchor="b">
+                    <a:lnL w="6350" cap="flat" cmpd="sng" algn="ctr">
+                      <a:solidFill>
+                        <a:srgbClr val="000000"/>
+                      </a:solidFill>
+                      <a:prstDash val="solid"/>
+                      <a:round/>
+                      <a:headEnd type="none" w="med" len="med"/>
+                      <a:tailEnd type="none" w="med" len="med"/>
+                    </a:lnL>
+                    <a:lnR w="6350" cap="flat" cmpd="sng" algn="ctr">
+                      <a:solidFill>
+                        <a:srgbClr val="000000"/>
+                      </a:solidFill>
+                      <a:prstDash val="solid"/>
+                      <a:round/>
+                      <a:headEnd type="none" w="med" len="med"/>
+                      <a:tailEnd type="none" w="med" len="med"/>
+                    </a:lnR>
+                    <a:lnT w="6350" cap="flat" cmpd="sng" algn="ctr">
+                      <a:solidFill>
+                        <a:srgbClr val="000000"/>
+                      </a:solidFill>
+                      <a:prstDash val="solid"/>
+                      <a:round/>
+                      <a:headEnd type="none" w="med" len="med"/>
+                      <a:tailEnd type="none" w="med" len="med"/>
+                    </a:lnT>
+                    <a:lnB w="6350" cap="flat" cmpd="sng" algn="ctr">
+                      <a:solidFill>
+                        <a:srgbClr val="000000"/>
+                      </a:solidFill>
+                      <a:prstDash val="solid"/>
+                      <a:round/>
+                      <a:headEnd type="none" w="med" len="med"/>
+                      <a:tailEnd type="none" w="med" len="med"/>
+                    </a:lnB>
+                  </a:tcPr>
+                </a:tc>
+                <a:tc>
+                  <a:txBody>
+                    <a:bodyPr/>
+                    <a:lstStyle/>
+                    <a:p>
+                      <a:pPr algn="r" fontAlgn="b"/>
+                      <a:r>
+                        <a:rPr lang="en-US" sz="1000" b="0" i="0" u="none" strike="noStrike">
+                          <a:solidFill>
+                            <a:srgbClr val="000000"/>
+                          </a:solidFill>
+                          <a:effectLst/>
+                          <a:latin typeface="Calibri" panose="020F0502020204030204" pitchFamily="34" charset="0"/>
+                        </a:rPr>
+                        <a:t>100%</a:t>
+                      </a:r>
+                    </a:p>
+                  </a:txBody>
+                  <a:tcPr marL="8814" marR="8814" marT="8814" marB="0" anchor="b">
+                    <a:lnL w="6350" cap="flat" cmpd="sng" algn="ctr">
+                      <a:solidFill>
+                        <a:srgbClr val="000000"/>
+                      </a:solidFill>
+                      <a:prstDash val="solid"/>
+                      <a:round/>
+                      <a:headEnd type="none" w="med" len="med"/>
+                      <a:tailEnd type="none" w="med" len="med"/>
+                    </a:lnL>
+                    <a:lnR w="6350" cap="flat" cmpd="sng" algn="ctr">
+                      <a:solidFill>
+                        <a:srgbClr val="000000"/>
+                      </a:solidFill>
+                      <a:prstDash val="solid"/>
+                      <a:round/>
+                      <a:headEnd type="none" w="med" len="med"/>
+                      <a:tailEnd type="none" w="med" len="med"/>
+                    </a:lnR>
+                    <a:lnT w="6350" cap="flat" cmpd="sng" algn="ctr">
+                      <a:solidFill>
+                        <a:srgbClr val="000000"/>
+                      </a:solidFill>
+                      <a:prstDash val="solid"/>
+                      <a:round/>
+                      <a:headEnd type="none" w="med" len="med"/>
+                      <a:tailEnd type="none" w="med" len="med"/>
+                    </a:lnT>
+                    <a:lnB w="6350" cap="flat" cmpd="sng" algn="ctr">
+                      <a:solidFill>
+                        <a:srgbClr val="000000"/>
+                      </a:solidFill>
+                      <a:prstDash val="solid"/>
+                      <a:round/>
+                      <a:headEnd type="none" w="med" len="med"/>
+                      <a:tailEnd type="none" w="med" len="med"/>
+                    </a:lnB>
+                  </a:tcPr>
+                </a:tc>
+                <a:tc>
+                  <a:txBody>
+                    <a:bodyPr/>
+                    <a:lstStyle/>
+                    <a:p>
+                      <a:pPr algn="l" fontAlgn="b"/>
+                      <a:r>
+                        <a:rPr lang="en-US" sz="1000" b="0" i="0" u="none" strike="noStrike">
+                          <a:solidFill>
+                            <a:srgbClr val="000000"/>
+                          </a:solidFill>
+                          <a:effectLst/>
+                          <a:latin typeface="Calibri" panose="020F0502020204030204" pitchFamily="34" charset="0"/>
+                        </a:rPr>
+                        <a:t> $             175.37 </a:t>
+                      </a:r>
+                    </a:p>
+                  </a:txBody>
+                  <a:tcPr marL="8814" marR="8814" marT="8814" marB="0" anchor="b">
+                    <a:lnL w="6350" cap="flat" cmpd="sng" algn="ctr">
+                      <a:solidFill>
+                        <a:srgbClr val="000000"/>
+                      </a:solidFill>
+                      <a:prstDash val="solid"/>
+                      <a:round/>
+                      <a:headEnd type="none" w="med" len="med"/>
+                      <a:tailEnd type="none" w="med" len="med"/>
+                    </a:lnL>
+                    <a:lnR w="6350" cap="flat" cmpd="sng" algn="ctr">
+                      <a:solidFill>
+                        <a:srgbClr val="000000"/>
+                      </a:solidFill>
+                      <a:prstDash val="solid"/>
+                      <a:round/>
+                      <a:headEnd type="none" w="med" len="med"/>
+                      <a:tailEnd type="none" w="med" len="med"/>
+                    </a:lnR>
+                    <a:lnT w="6350" cap="flat" cmpd="sng" algn="ctr">
+                      <a:solidFill>
+                        <a:srgbClr val="000000"/>
+                      </a:solidFill>
+                      <a:prstDash val="solid"/>
+                      <a:round/>
+                      <a:headEnd type="none" w="med" len="med"/>
+                      <a:tailEnd type="none" w="med" len="med"/>
+                    </a:lnT>
+                    <a:lnB w="6350" cap="flat" cmpd="sng" algn="ctr">
+                      <a:solidFill>
+                        <a:srgbClr val="000000"/>
+                      </a:solidFill>
+                      <a:prstDash val="solid"/>
+                      <a:round/>
+                      <a:headEnd type="none" w="med" len="med"/>
+                      <a:tailEnd type="none" w="med" len="med"/>
+                    </a:lnB>
+                  </a:tcPr>
+                </a:tc>
+                <a:tc>
+                  <a:txBody>
+                    <a:bodyPr/>
+                    <a:lstStyle/>
+                    <a:p>
+                      <a:pPr algn="l" fontAlgn="b"/>
+                      <a:r>
+                        <a:rPr lang="en-US" sz="1000" b="0" i="0" u="none" strike="noStrike">
+                          <a:solidFill>
+                            <a:srgbClr val="000000"/>
+                          </a:solidFill>
+                          <a:effectLst/>
+                          <a:latin typeface="Calibri" panose="020F0502020204030204" pitchFamily="34" charset="0"/>
+                        </a:rPr>
+                        <a:t> $       178.00 </a:t>
+                      </a:r>
+                    </a:p>
+                  </a:txBody>
+                  <a:tcPr marL="8814" marR="8814" marT="8814" marB="0" anchor="b">
+                    <a:lnL w="6350" cap="flat" cmpd="sng" algn="ctr">
+                      <a:solidFill>
+                        <a:srgbClr val="000000"/>
+                      </a:solidFill>
+                      <a:prstDash val="solid"/>
+                      <a:round/>
+                      <a:headEnd type="none" w="med" len="med"/>
+                      <a:tailEnd type="none" w="med" len="med"/>
+                    </a:lnL>
+                    <a:lnR w="6350" cap="flat" cmpd="sng" algn="ctr">
+                      <a:solidFill>
+                        <a:srgbClr val="000000"/>
+                      </a:solidFill>
+                      <a:prstDash val="solid"/>
+                      <a:round/>
+                      <a:headEnd type="none" w="med" len="med"/>
+                      <a:tailEnd type="none" w="med" len="med"/>
+                    </a:lnR>
+                    <a:lnT w="6350" cap="flat" cmpd="sng" algn="ctr">
+                      <a:solidFill>
+                        <a:srgbClr val="000000"/>
+                      </a:solidFill>
+                      <a:prstDash val="solid"/>
+                      <a:round/>
+                      <a:headEnd type="none" w="med" len="med"/>
+                      <a:tailEnd type="none" w="med" len="med"/>
+                    </a:lnT>
+                    <a:lnB w="6350" cap="flat" cmpd="sng" algn="ctr">
+                      <a:solidFill>
+                        <a:srgbClr val="000000"/>
+                      </a:solidFill>
+                      <a:prstDash val="solid"/>
+                      <a:round/>
+                      <a:headEnd type="none" w="med" len="med"/>
+                      <a:tailEnd type="none" w="med" len="med"/>
+                    </a:lnB>
+                  </a:tcPr>
+                </a:tc>
+                <a:tc>
+                  <a:txBody>
+                    <a:bodyPr/>
+                    <a:lstStyle/>
+                    <a:p>
+                      <a:pPr algn="l" fontAlgn="b"/>
+                      <a:r>
+                        <a:rPr lang="en-US" sz="1000" b="0" i="0" u="none" strike="noStrike">
+                          <a:solidFill>
+                            <a:srgbClr val="000000"/>
+                          </a:solidFill>
+                          <a:effectLst/>
+                          <a:latin typeface="Calibri" panose="020F0502020204030204" pitchFamily="34" charset="0"/>
+                        </a:rPr>
+                        <a:t> $                     -   </a:t>
+                      </a:r>
+                    </a:p>
+                  </a:txBody>
+                  <a:tcPr marL="8814" marR="8814" marT="8814" marB="0" anchor="b">
+                    <a:lnL w="6350" cap="flat" cmpd="sng" algn="ctr">
+                      <a:solidFill>
+                        <a:srgbClr val="000000"/>
+                      </a:solidFill>
+                      <a:prstDash val="solid"/>
+                      <a:round/>
+                      <a:headEnd type="none" w="med" len="med"/>
+                      <a:tailEnd type="none" w="med" len="med"/>
+                    </a:lnL>
+                    <a:lnR w="6350" cap="flat" cmpd="sng" algn="ctr">
+                      <a:solidFill>
+                        <a:srgbClr val="000000"/>
+                      </a:solidFill>
+                      <a:prstDash val="solid"/>
+                      <a:round/>
+                      <a:headEnd type="none" w="med" len="med"/>
+                      <a:tailEnd type="none" w="med" len="med"/>
+                    </a:lnR>
+                    <a:lnT w="6350" cap="flat" cmpd="sng" algn="ctr">
+                      <a:solidFill>
+                        <a:srgbClr val="000000"/>
+                      </a:solidFill>
+                      <a:prstDash val="solid"/>
+                      <a:round/>
+                      <a:headEnd type="none" w="med" len="med"/>
+                      <a:tailEnd type="none" w="med" len="med"/>
+                    </a:lnT>
+                    <a:lnB w="6350" cap="flat" cmpd="sng" algn="ctr">
+                      <a:solidFill>
+                        <a:srgbClr val="000000"/>
+                      </a:solidFill>
+                      <a:prstDash val="solid"/>
+                      <a:round/>
+                      <a:headEnd type="none" w="med" len="med"/>
+                      <a:tailEnd type="none" w="med" len="med"/>
+                    </a:lnB>
+                  </a:tcPr>
+                </a:tc>
+                <a:tc>
+                  <a:txBody>
+                    <a:bodyPr/>
+                    <a:lstStyle/>
+                    <a:p>
+                      <a:pPr algn="l" fontAlgn="b"/>
+                      <a:r>
+                        <a:rPr lang="en-US" sz="1000" b="0" i="0" u="none" strike="noStrike">
+                          <a:solidFill>
+                            <a:srgbClr val="000000"/>
+                          </a:solidFill>
+                          <a:effectLst/>
+                          <a:latin typeface="Calibri" panose="020F0502020204030204" pitchFamily="34" charset="0"/>
+                        </a:rPr>
+                        <a:t> $       175.37 </a:t>
+                      </a:r>
+                    </a:p>
+                  </a:txBody>
+                  <a:tcPr marL="8814" marR="8814" marT="8814" marB="0" anchor="b">
+                    <a:lnL w="6350" cap="flat" cmpd="sng" algn="ctr">
+                      <a:solidFill>
+                        <a:srgbClr val="000000"/>
+                      </a:solidFill>
+                      <a:prstDash val="solid"/>
+                      <a:round/>
+                      <a:headEnd type="none" w="med" len="med"/>
+                      <a:tailEnd type="none" w="med" len="med"/>
+                    </a:lnL>
+                    <a:lnR w="6350" cap="flat" cmpd="sng" algn="ctr">
+                      <a:solidFill>
+                        <a:srgbClr val="000000"/>
+                      </a:solidFill>
+                      <a:prstDash val="solid"/>
+                      <a:round/>
+                      <a:headEnd type="none" w="med" len="med"/>
+                      <a:tailEnd type="none" w="med" len="med"/>
+                    </a:lnR>
+                    <a:lnT w="6350" cap="flat" cmpd="sng" algn="ctr">
+                      <a:solidFill>
+                        <a:srgbClr val="000000"/>
+                      </a:solidFill>
+                      <a:prstDash val="solid"/>
+                      <a:round/>
+                      <a:headEnd type="none" w="med" len="med"/>
+                      <a:tailEnd type="none" w="med" len="med"/>
+                    </a:lnT>
+                    <a:lnB w="6350" cap="flat" cmpd="sng" algn="ctr">
+                      <a:solidFill>
+                        <a:srgbClr val="000000"/>
+                      </a:solidFill>
+                      <a:prstDash val="solid"/>
+                      <a:round/>
+                      <a:headEnd type="none" w="med" len="med"/>
+                      <a:tailEnd type="none" w="med" len="med"/>
+                    </a:lnB>
+                  </a:tcPr>
+                </a:tc>
+                <a:tc>
+                  <a:txBody>
+                    <a:bodyPr/>
+                    <a:lstStyle/>
+                    <a:p>
+                      <a:pPr algn="l" fontAlgn="b"/>
+                      <a:r>
+                        <a:rPr lang="en-US" sz="1000" b="0" i="0" u="none" strike="noStrike">
+                          <a:solidFill>
+                            <a:srgbClr val="000000"/>
+                          </a:solidFill>
+                          <a:effectLst/>
+                          <a:latin typeface="Calibri" panose="020F0502020204030204" pitchFamily="34" charset="0"/>
+                        </a:rPr>
+                        <a:t> </a:t>
+                      </a:r>
+                    </a:p>
+                  </a:txBody>
+                  <a:tcPr marL="8814" marR="8814" marT="8814" marB="0" anchor="b">
+                    <a:lnL w="6350" cap="flat" cmpd="sng" algn="ctr">
+                      <a:solidFill>
+                        <a:srgbClr val="000000"/>
+                      </a:solidFill>
+                      <a:prstDash val="solid"/>
+                      <a:round/>
+                      <a:headEnd type="none" w="med" len="med"/>
+                      <a:tailEnd type="none" w="med" len="med"/>
+                    </a:lnL>
+                    <a:lnR w="6350" cap="flat" cmpd="sng" algn="ctr">
+                      <a:solidFill>
+                        <a:srgbClr val="000000"/>
+                      </a:solidFill>
+                      <a:prstDash val="solid"/>
+                      <a:round/>
+                      <a:headEnd type="none" w="med" len="med"/>
+                      <a:tailEnd type="none" w="med" len="med"/>
+                    </a:lnR>
+                    <a:lnT w="6350" cap="flat" cmpd="sng" algn="ctr">
+                      <a:solidFill>
+                        <a:srgbClr val="000000"/>
+                      </a:solidFill>
+                      <a:prstDash val="solid"/>
+                      <a:round/>
+                      <a:headEnd type="none" w="med" len="med"/>
+                      <a:tailEnd type="none" w="med" len="med"/>
+                    </a:lnT>
+                    <a:lnB w="6350" cap="flat" cmpd="sng" algn="ctr">
+                      <a:solidFill>
+                        <a:srgbClr val="000000"/>
+                      </a:solidFill>
+                      <a:prstDash val="solid"/>
+                      <a:round/>
+                      <a:headEnd type="none" w="med" len="med"/>
+                      <a:tailEnd type="none" w="med" len="med"/>
+                    </a:lnB>
+                  </a:tcPr>
+                </a:tc>
+              </a:tr>
+              <a:tr h="319052">
+                <a:tc>
+                  <a:txBody>
+                    <a:bodyPr/>
+                    <a:lstStyle/>
+                    <a:p>
+                      <a:pPr algn="l" fontAlgn="b"/>
+                      <a:r>
+                        <a:rPr lang="en-US" sz="1000" b="0" i="0" u="none" strike="noStrike">
+                          <a:solidFill>
+                            <a:srgbClr val="000000"/>
+                          </a:solidFill>
+                          <a:effectLst/>
+                          <a:latin typeface="Calibri" panose="020F0502020204030204" pitchFamily="34" charset="0"/>
+                        </a:rPr>
+                        <a:t>POB2</a:t>
+                      </a:r>
+                    </a:p>
+                  </a:txBody>
+                  <a:tcPr marL="8814" marR="8814" marT="8814" marB="0" anchor="b">
+                    <a:lnL w="6350" cap="flat" cmpd="sng" algn="ctr">
+                      <a:solidFill>
+                        <a:srgbClr val="000000"/>
+                      </a:solidFill>
+                      <a:prstDash val="solid"/>
+                      <a:round/>
+                      <a:headEnd type="none" w="med" len="med"/>
+                      <a:tailEnd type="none" w="med" len="med"/>
+                    </a:lnL>
+                    <a:lnR w="6350" cap="flat" cmpd="sng" algn="ctr">
+                      <a:solidFill>
+                        <a:srgbClr val="000000"/>
+                      </a:solidFill>
+                      <a:prstDash val="solid"/>
+                      <a:round/>
+                      <a:headEnd type="none" w="med" len="med"/>
+                      <a:tailEnd type="none" w="med" len="med"/>
+                    </a:lnR>
+                    <a:lnT w="6350" cap="flat" cmpd="sng" algn="ctr">
+                      <a:solidFill>
+                        <a:srgbClr val="000000"/>
+                      </a:solidFill>
+                      <a:prstDash val="solid"/>
+                      <a:round/>
+                      <a:headEnd type="none" w="med" len="med"/>
+                      <a:tailEnd type="none" w="med" len="med"/>
+                    </a:lnT>
+                    <a:lnB w="6350" cap="flat" cmpd="sng" algn="ctr">
+                      <a:solidFill>
+                        <a:srgbClr val="000000"/>
+                      </a:solidFill>
+                      <a:prstDash val="solid"/>
+                      <a:round/>
+                      <a:headEnd type="none" w="med" len="med"/>
+                      <a:tailEnd type="none" w="med" len="med"/>
+                    </a:lnB>
+                  </a:tcPr>
+                </a:tc>
+                <a:tc>
+                  <a:txBody>
+                    <a:bodyPr/>
+                    <a:lstStyle/>
+                    <a:p>
+                      <a:pPr algn="l" fontAlgn="b"/>
+                      <a:r>
+                        <a:rPr lang="en-US" sz="1000" b="0" i="0" u="none" strike="noStrike">
+                          <a:solidFill>
+                            <a:srgbClr val="000000"/>
+                          </a:solidFill>
+                          <a:effectLst/>
+                          <a:latin typeface="Calibri" panose="020F0502020204030204" pitchFamily="34" charset="0"/>
+                        </a:rPr>
+                        <a:t> $          269.00 </a:t>
+                      </a:r>
+                    </a:p>
+                  </a:txBody>
+                  <a:tcPr marL="8814" marR="8814" marT="8814" marB="0" anchor="b">
+                    <a:lnL w="6350" cap="flat" cmpd="sng" algn="ctr">
+                      <a:solidFill>
+                        <a:srgbClr val="000000"/>
+                      </a:solidFill>
+                      <a:prstDash val="solid"/>
+                      <a:round/>
+                      <a:headEnd type="none" w="med" len="med"/>
+                      <a:tailEnd type="none" w="med" len="med"/>
+                    </a:lnL>
+                    <a:lnR w="6350" cap="flat" cmpd="sng" algn="ctr">
+                      <a:solidFill>
+                        <a:srgbClr val="000000"/>
+                      </a:solidFill>
+                      <a:prstDash val="solid"/>
+                      <a:round/>
+                      <a:headEnd type="none" w="med" len="med"/>
+                      <a:tailEnd type="none" w="med" len="med"/>
+                    </a:lnR>
+                    <a:lnT w="6350" cap="flat" cmpd="sng" algn="ctr">
+                      <a:solidFill>
+                        <a:srgbClr val="000000"/>
+                      </a:solidFill>
+                      <a:prstDash val="solid"/>
+                      <a:round/>
+                      <a:headEnd type="none" w="med" len="med"/>
+                      <a:tailEnd type="none" w="med" len="med"/>
+                    </a:lnT>
+                    <a:lnB w="6350" cap="flat" cmpd="sng" algn="ctr">
+                      <a:solidFill>
+                        <a:srgbClr val="000000"/>
+                      </a:solidFill>
+                      <a:prstDash val="solid"/>
+                      <a:round/>
+                      <a:headEnd type="none" w="med" len="med"/>
+                      <a:tailEnd type="none" w="med" len="med"/>
+                    </a:lnB>
+                  </a:tcPr>
+                </a:tc>
+                <a:tc>
+                  <a:txBody>
+                    <a:bodyPr/>
+                    <a:lstStyle/>
+                    <a:p>
+                      <a:pPr algn="l" fontAlgn="b"/>
+                      <a:r>
+                        <a:rPr lang="en-US" sz="1000" b="0" i="0" u="none" strike="noStrike">
+                          <a:solidFill>
+                            <a:srgbClr val="000000"/>
+                          </a:solidFill>
+                          <a:effectLst/>
+                          <a:latin typeface="Calibri" panose="020F0502020204030204" pitchFamily="34" charset="0"/>
+                        </a:rPr>
+                        <a:t> $           454.23 </a:t>
+                      </a:r>
+                    </a:p>
+                  </a:txBody>
+                  <a:tcPr marL="8814" marR="8814" marT="8814" marB="0" anchor="b">
+                    <a:lnL w="6350" cap="flat" cmpd="sng" algn="ctr">
+                      <a:solidFill>
+                        <a:srgbClr val="000000"/>
+                      </a:solidFill>
+                      <a:prstDash val="solid"/>
+                      <a:round/>
+                      <a:headEnd type="none" w="med" len="med"/>
+                      <a:tailEnd type="none" w="med" len="med"/>
+                    </a:lnL>
+                    <a:lnR w="6350" cap="flat" cmpd="sng" algn="ctr">
+                      <a:solidFill>
+                        <a:srgbClr val="000000"/>
+                      </a:solidFill>
+                      <a:prstDash val="solid"/>
+                      <a:round/>
+                      <a:headEnd type="none" w="med" len="med"/>
+                      <a:tailEnd type="none" w="med" len="med"/>
+                    </a:lnR>
+                    <a:lnT w="6350" cap="flat" cmpd="sng" algn="ctr">
+                      <a:solidFill>
+                        <a:srgbClr val="000000"/>
+                      </a:solidFill>
+                      <a:prstDash val="solid"/>
+                      <a:round/>
+                      <a:headEnd type="none" w="med" len="med"/>
+                      <a:tailEnd type="none" w="med" len="med"/>
+                    </a:lnT>
+                    <a:lnB w="6350" cap="flat" cmpd="sng" algn="ctr">
+                      <a:solidFill>
+                        <a:srgbClr val="000000"/>
+                      </a:solidFill>
+                      <a:prstDash val="solid"/>
+                      <a:round/>
+                      <a:headEnd type="none" w="med" len="med"/>
+                      <a:tailEnd type="none" w="med" len="med"/>
+                    </a:lnB>
+                  </a:tcPr>
+                </a:tc>
+                <a:tc>
+                  <a:txBody>
+                    <a:bodyPr/>
+                    <a:lstStyle/>
+                    <a:p>
+                      <a:pPr algn="l" fontAlgn="b"/>
+                      <a:r>
+                        <a:rPr lang="en-US" sz="1000" b="0" i="0" u="none" strike="noStrike">
+                          <a:solidFill>
+                            <a:srgbClr val="000000"/>
+                          </a:solidFill>
+                          <a:effectLst/>
+                          <a:latin typeface="Calibri" panose="020F0502020204030204" pitchFamily="34" charset="0"/>
+                        </a:rPr>
+                        <a:t> $     271.63 </a:t>
+                      </a:r>
+                    </a:p>
+                  </a:txBody>
+                  <a:tcPr marL="8814" marR="8814" marT="8814" marB="0" anchor="b">
+                    <a:lnL w="6350" cap="flat" cmpd="sng" algn="ctr">
+                      <a:solidFill>
+                        <a:srgbClr val="000000"/>
+                      </a:solidFill>
+                      <a:prstDash val="solid"/>
+                      <a:round/>
+                      <a:headEnd type="none" w="med" len="med"/>
+                      <a:tailEnd type="none" w="med" len="med"/>
+                    </a:lnL>
+                    <a:lnR w="6350" cap="flat" cmpd="sng" algn="ctr">
+                      <a:solidFill>
+                        <a:srgbClr val="000000"/>
+                      </a:solidFill>
+                      <a:prstDash val="solid"/>
+                      <a:round/>
+                      <a:headEnd type="none" w="med" len="med"/>
+                      <a:tailEnd type="none" w="med" len="med"/>
+                    </a:lnR>
+                    <a:lnT w="6350" cap="flat" cmpd="sng" algn="ctr">
+                      <a:solidFill>
+                        <a:srgbClr val="000000"/>
+                      </a:solidFill>
+                      <a:prstDash val="solid"/>
+                      <a:round/>
+                      <a:headEnd type="none" w="med" len="med"/>
+                      <a:tailEnd type="none" w="med" len="med"/>
+                    </a:lnT>
+                    <a:lnB w="6350" cap="flat" cmpd="sng" algn="ctr">
+                      <a:solidFill>
+                        <a:srgbClr val="000000"/>
+                      </a:solidFill>
+                      <a:prstDash val="solid"/>
+                      <a:round/>
+                      <a:headEnd type="none" w="med" len="med"/>
+                      <a:tailEnd type="none" w="med" len="med"/>
+                    </a:lnB>
+                  </a:tcPr>
+                </a:tc>
+                <a:tc>
+                  <a:txBody>
+                    <a:bodyPr/>
+                    <a:lstStyle/>
+                    <a:p>
+                      <a:pPr algn="l" fontAlgn="b"/>
+                      <a:r>
+                        <a:rPr lang="en-US" sz="1000" b="0" i="0" u="none" strike="noStrike">
+                          <a:solidFill>
+                            <a:srgbClr val="000000"/>
+                          </a:solidFill>
+                          <a:effectLst/>
+                          <a:latin typeface="Calibri" panose="020F0502020204030204" pitchFamily="34" charset="0"/>
+                        </a:rPr>
+                        <a:t> $              (2.63)</a:t>
+                      </a:r>
+                    </a:p>
+                  </a:txBody>
+                  <a:tcPr marL="8814" marR="8814" marT="8814" marB="0" anchor="b">
+                    <a:lnL w="6350" cap="flat" cmpd="sng" algn="ctr">
+                      <a:solidFill>
+                        <a:srgbClr val="000000"/>
+                      </a:solidFill>
+                      <a:prstDash val="solid"/>
+                      <a:round/>
+                      <a:headEnd type="none" w="med" len="med"/>
+                      <a:tailEnd type="none" w="med" len="med"/>
+                    </a:lnL>
+                    <a:lnR w="6350" cap="flat" cmpd="sng" algn="ctr">
+                      <a:solidFill>
+                        <a:srgbClr val="000000"/>
+                      </a:solidFill>
+                      <a:prstDash val="solid"/>
+                      <a:round/>
+                      <a:headEnd type="none" w="med" len="med"/>
+                      <a:tailEnd type="none" w="med" len="med"/>
+                    </a:lnR>
+                    <a:lnT w="6350" cap="flat" cmpd="sng" algn="ctr">
+                      <a:solidFill>
+                        <a:srgbClr val="000000"/>
+                      </a:solidFill>
+                      <a:prstDash val="solid"/>
+                      <a:round/>
+                      <a:headEnd type="none" w="med" len="med"/>
+                      <a:tailEnd type="none" w="med" len="med"/>
+                    </a:lnT>
+                    <a:lnB w="6350" cap="flat" cmpd="sng" algn="ctr">
+                      <a:solidFill>
+                        <a:srgbClr val="000000"/>
+                      </a:solidFill>
+                      <a:prstDash val="solid"/>
+                      <a:round/>
+                      <a:headEnd type="none" w="med" len="med"/>
+                      <a:tailEnd type="none" w="med" len="med"/>
+                    </a:lnB>
+                  </a:tcPr>
+                </a:tc>
+                <a:tc>
+                  <a:txBody>
+                    <a:bodyPr/>
+                    <a:lstStyle/>
+                    <a:p>
+                      <a:pPr algn="r" fontAlgn="b"/>
+                      <a:r>
+                        <a:rPr lang="en-US" sz="1000" b="0" i="0" u="none" strike="noStrike">
+                          <a:solidFill>
+                            <a:srgbClr val="000000"/>
+                          </a:solidFill>
+                          <a:effectLst/>
+                          <a:latin typeface="Calibri" panose="020F0502020204030204" pitchFamily="34" charset="0"/>
+                        </a:rPr>
+                        <a:t>100%</a:t>
+                      </a:r>
+                    </a:p>
+                  </a:txBody>
+                  <a:tcPr marL="8814" marR="8814" marT="8814" marB="0" anchor="b">
+                    <a:lnL w="6350" cap="flat" cmpd="sng" algn="ctr">
+                      <a:solidFill>
+                        <a:srgbClr val="000000"/>
+                      </a:solidFill>
+                      <a:prstDash val="solid"/>
+                      <a:round/>
+                      <a:headEnd type="none" w="med" len="med"/>
+                      <a:tailEnd type="none" w="med" len="med"/>
+                    </a:lnL>
+                    <a:lnR w="6350" cap="flat" cmpd="sng" algn="ctr">
+                      <a:solidFill>
+                        <a:srgbClr val="000000"/>
+                      </a:solidFill>
+                      <a:prstDash val="solid"/>
+                      <a:round/>
+                      <a:headEnd type="none" w="med" len="med"/>
+                      <a:tailEnd type="none" w="med" len="med"/>
+                    </a:lnR>
+                    <a:lnT w="6350" cap="flat" cmpd="sng" algn="ctr">
+                      <a:solidFill>
+                        <a:srgbClr val="000000"/>
+                      </a:solidFill>
+                      <a:prstDash val="solid"/>
+                      <a:round/>
+                      <a:headEnd type="none" w="med" len="med"/>
+                      <a:tailEnd type="none" w="med" len="med"/>
+                    </a:lnT>
+                    <a:lnB w="6350" cap="flat" cmpd="sng" algn="ctr">
+                      <a:solidFill>
+                        <a:srgbClr val="000000"/>
+                      </a:solidFill>
+                      <a:prstDash val="solid"/>
+                      <a:round/>
+                      <a:headEnd type="none" w="med" len="med"/>
+                      <a:tailEnd type="none" w="med" len="med"/>
+                    </a:lnB>
+                  </a:tcPr>
+                </a:tc>
+                <a:tc>
+                  <a:txBody>
+                    <a:bodyPr/>
+                    <a:lstStyle/>
+                    <a:p>
+                      <a:pPr algn="l" fontAlgn="b"/>
+                      <a:r>
+                        <a:rPr lang="en-US" sz="1000" b="0" i="0" u="none" strike="noStrike">
+                          <a:solidFill>
+                            <a:srgbClr val="000000"/>
+                          </a:solidFill>
+                          <a:effectLst/>
+                          <a:latin typeface="Calibri" panose="020F0502020204030204" pitchFamily="34" charset="0"/>
+                        </a:rPr>
+                        <a:t> $             271.63 </a:t>
+                      </a:r>
+                    </a:p>
+                  </a:txBody>
+                  <a:tcPr marL="8814" marR="8814" marT="8814" marB="0" anchor="b">
+                    <a:lnL w="6350" cap="flat" cmpd="sng" algn="ctr">
+                      <a:solidFill>
+                        <a:srgbClr val="000000"/>
+                      </a:solidFill>
+                      <a:prstDash val="solid"/>
+                      <a:round/>
+                      <a:headEnd type="none" w="med" len="med"/>
+                      <a:tailEnd type="none" w="med" len="med"/>
+                    </a:lnL>
+                    <a:lnR w="6350" cap="flat" cmpd="sng" algn="ctr">
+                      <a:solidFill>
+                        <a:srgbClr val="000000"/>
+                      </a:solidFill>
+                      <a:prstDash val="solid"/>
+                      <a:round/>
+                      <a:headEnd type="none" w="med" len="med"/>
+                      <a:tailEnd type="none" w="med" len="med"/>
+                    </a:lnR>
+                    <a:lnT w="6350" cap="flat" cmpd="sng" algn="ctr">
+                      <a:solidFill>
+                        <a:srgbClr val="000000"/>
+                      </a:solidFill>
+                      <a:prstDash val="solid"/>
+                      <a:round/>
+                      <a:headEnd type="none" w="med" len="med"/>
+                      <a:tailEnd type="none" w="med" len="med"/>
+                    </a:lnT>
+                    <a:lnB w="6350" cap="flat" cmpd="sng" algn="ctr">
+                      <a:solidFill>
+                        <a:srgbClr val="000000"/>
+                      </a:solidFill>
+                      <a:prstDash val="solid"/>
+                      <a:round/>
+                      <a:headEnd type="none" w="med" len="med"/>
+                      <a:tailEnd type="none" w="med" len="med"/>
+                    </a:lnB>
+                  </a:tcPr>
+                </a:tc>
+                <a:tc>
+                  <a:txBody>
+                    <a:bodyPr/>
+                    <a:lstStyle/>
+                    <a:p>
+                      <a:pPr algn="l" fontAlgn="b"/>
+                      <a:r>
+                        <a:rPr lang="en-US" sz="1000" b="0" i="0" u="none" strike="noStrike">
+                          <a:solidFill>
+                            <a:srgbClr val="000000"/>
+                          </a:solidFill>
+                          <a:effectLst/>
+                          <a:latin typeface="Calibri" panose="020F0502020204030204" pitchFamily="34" charset="0"/>
+                        </a:rPr>
+                        <a:t> $       269.00 </a:t>
+                      </a:r>
+                    </a:p>
+                  </a:txBody>
+                  <a:tcPr marL="8814" marR="8814" marT="8814" marB="0" anchor="b">
+                    <a:lnL w="6350" cap="flat" cmpd="sng" algn="ctr">
+                      <a:solidFill>
+                        <a:srgbClr val="000000"/>
+                      </a:solidFill>
+                      <a:prstDash val="solid"/>
+                      <a:round/>
+                      <a:headEnd type="none" w="med" len="med"/>
+                      <a:tailEnd type="none" w="med" len="med"/>
+                    </a:lnL>
+                    <a:lnR w="6350" cap="flat" cmpd="sng" algn="ctr">
+                      <a:solidFill>
+                        <a:srgbClr val="000000"/>
+                      </a:solidFill>
+                      <a:prstDash val="solid"/>
+                      <a:round/>
+                      <a:headEnd type="none" w="med" len="med"/>
+                      <a:tailEnd type="none" w="med" len="med"/>
+                    </a:lnR>
+                    <a:lnT w="6350" cap="flat" cmpd="sng" algn="ctr">
+                      <a:solidFill>
+                        <a:srgbClr val="000000"/>
+                      </a:solidFill>
+                      <a:prstDash val="solid"/>
+                      <a:round/>
+                      <a:headEnd type="none" w="med" len="med"/>
+                      <a:tailEnd type="none" w="med" len="med"/>
+                    </a:lnT>
+                    <a:lnB w="6350" cap="flat" cmpd="sng" algn="ctr">
+                      <a:solidFill>
+                        <a:srgbClr val="000000"/>
+                      </a:solidFill>
+                      <a:prstDash val="solid"/>
+                      <a:round/>
+                      <a:headEnd type="none" w="med" len="med"/>
+                      <a:tailEnd type="none" w="med" len="med"/>
+                    </a:lnB>
+                  </a:tcPr>
+                </a:tc>
+                <a:tc>
+                  <a:txBody>
+                    <a:bodyPr/>
+                    <a:lstStyle/>
+                    <a:p>
+                      <a:pPr algn="l" fontAlgn="b"/>
+                      <a:r>
+                        <a:rPr lang="en-US" sz="1000" b="0" i="0" u="none" strike="noStrike">
+                          <a:solidFill>
+                            <a:srgbClr val="000000"/>
+                          </a:solidFill>
+                          <a:effectLst/>
+                          <a:latin typeface="Calibri" panose="020F0502020204030204" pitchFamily="34" charset="0"/>
+                        </a:rPr>
+                        <a:t> $                     -   </a:t>
+                      </a:r>
+                    </a:p>
+                  </a:txBody>
+                  <a:tcPr marL="8814" marR="8814" marT="8814" marB="0" anchor="b">
+                    <a:lnL w="6350" cap="flat" cmpd="sng" algn="ctr">
+                      <a:solidFill>
+                        <a:srgbClr val="000000"/>
+                      </a:solidFill>
+                      <a:prstDash val="solid"/>
+                      <a:round/>
+                      <a:headEnd type="none" w="med" len="med"/>
+                      <a:tailEnd type="none" w="med" len="med"/>
+                    </a:lnL>
+                    <a:lnR w="6350" cap="flat" cmpd="sng" algn="ctr">
+                      <a:solidFill>
+                        <a:srgbClr val="000000"/>
+                      </a:solidFill>
+                      <a:prstDash val="solid"/>
+                      <a:round/>
+                      <a:headEnd type="none" w="med" len="med"/>
+                      <a:tailEnd type="none" w="med" len="med"/>
+                    </a:lnR>
+                    <a:lnT w="6350" cap="flat" cmpd="sng" algn="ctr">
+                      <a:solidFill>
+                        <a:srgbClr val="000000"/>
+                      </a:solidFill>
+                      <a:prstDash val="solid"/>
+                      <a:round/>
+                      <a:headEnd type="none" w="med" len="med"/>
+                      <a:tailEnd type="none" w="med" len="med"/>
+                    </a:lnT>
+                    <a:lnB w="6350" cap="flat" cmpd="sng" algn="ctr">
+                      <a:solidFill>
+                        <a:srgbClr val="000000"/>
+                      </a:solidFill>
+                      <a:prstDash val="solid"/>
+                      <a:round/>
+                      <a:headEnd type="none" w="med" len="med"/>
+                      <a:tailEnd type="none" w="med" len="med"/>
+                    </a:lnB>
+                  </a:tcPr>
+                </a:tc>
+                <a:tc>
+                  <a:txBody>
+                    <a:bodyPr/>
+                    <a:lstStyle/>
+                    <a:p>
+                      <a:pPr algn="l" fontAlgn="b"/>
+                      <a:r>
+                        <a:rPr lang="en-US" sz="1000" b="0" i="0" u="none" strike="noStrike">
+                          <a:solidFill>
+                            <a:srgbClr val="000000"/>
+                          </a:solidFill>
+                          <a:effectLst/>
+                          <a:latin typeface="Calibri" panose="020F0502020204030204" pitchFamily="34" charset="0"/>
+                        </a:rPr>
+                        <a:t> $       269.00 </a:t>
+                      </a:r>
+                    </a:p>
+                  </a:txBody>
+                  <a:tcPr marL="8814" marR="8814" marT="8814" marB="0" anchor="b">
+                    <a:lnL w="6350" cap="flat" cmpd="sng" algn="ctr">
+                      <a:solidFill>
+                        <a:srgbClr val="000000"/>
+                      </a:solidFill>
+                      <a:prstDash val="solid"/>
+                      <a:round/>
+                      <a:headEnd type="none" w="med" len="med"/>
+                      <a:tailEnd type="none" w="med" len="med"/>
+                    </a:lnL>
+                    <a:lnR w="6350" cap="flat" cmpd="sng" algn="ctr">
+                      <a:solidFill>
+                        <a:srgbClr val="000000"/>
+                      </a:solidFill>
+                      <a:prstDash val="solid"/>
+                      <a:round/>
+                      <a:headEnd type="none" w="med" len="med"/>
+                      <a:tailEnd type="none" w="med" len="med"/>
+                    </a:lnR>
+                    <a:lnT w="6350" cap="flat" cmpd="sng" algn="ctr">
+                      <a:solidFill>
+                        <a:srgbClr val="000000"/>
+                      </a:solidFill>
+                      <a:prstDash val="solid"/>
+                      <a:round/>
+                      <a:headEnd type="none" w="med" len="med"/>
+                      <a:tailEnd type="none" w="med" len="med"/>
+                    </a:lnT>
+                    <a:lnB w="6350" cap="flat" cmpd="sng" algn="ctr">
+                      <a:solidFill>
+                        <a:srgbClr val="000000"/>
+                      </a:solidFill>
+                      <a:prstDash val="solid"/>
+                      <a:round/>
+                      <a:headEnd type="none" w="med" len="med"/>
+                      <a:tailEnd type="none" w="med" len="med"/>
+                    </a:lnB>
+                  </a:tcPr>
+                </a:tc>
+                <a:tc>
+                  <a:txBody>
+                    <a:bodyPr/>
+                    <a:lstStyle/>
+                    <a:p>
+                      <a:pPr algn="l" fontAlgn="b"/>
+                      <a:r>
+                        <a:rPr lang="en-US" sz="1000" b="0" i="0" u="none" strike="noStrike">
+                          <a:solidFill>
+                            <a:srgbClr val="000000"/>
+                          </a:solidFill>
+                          <a:effectLst/>
+                          <a:latin typeface="Calibri" panose="020F0502020204030204" pitchFamily="34" charset="0"/>
+                        </a:rPr>
+                        <a:t> $                        2.63 </a:t>
+                      </a:r>
+                    </a:p>
+                  </a:txBody>
+                  <a:tcPr marL="8814" marR="8814" marT="8814" marB="0" anchor="b">
+                    <a:lnL w="6350" cap="flat" cmpd="sng" algn="ctr">
+                      <a:solidFill>
+                        <a:srgbClr val="000000"/>
+                      </a:solidFill>
+                      <a:prstDash val="solid"/>
+                      <a:round/>
+                      <a:headEnd type="none" w="med" len="med"/>
+                      <a:tailEnd type="none" w="med" len="med"/>
+                    </a:lnL>
+                    <a:lnR w="6350" cap="flat" cmpd="sng" algn="ctr">
+                      <a:solidFill>
+                        <a:srgbClr val="000000"/>
+                      </a:solidFill>
+                      <a:prstDash val="solid"/>
+                      <a:round/>
+                      <a:headEnd type="none" w="med" len="med"/>
+                      <a:tailEnd type="none" w="med" len="med"/>
+                    </a:lnR>
+                    <a:lnT w="6350" cap="flat" cmpd="sng" algn="ctr">
+                      <a:solidFill>
+                        <a:srgbClr val="000000"/>
+                      </a:solidFill>
+                      <a:prstDash val="solid"/>
+                      <a:round/>
+                      <a:headEnd type="none" w="med" len="med"/>
+                      <a:tailEnd type="none" w="med" len="med"/>
+                    </a:lnT>
+                    <a:lnB w="6350" cap="flat" cmpd="sng" algn="ctr">
+                      <a:solidFill>
+                        <a:srgbClr val="000000"/>
+                      </a:solidFill>
+                      <a:prstDash val="solid"/>
+                      <a:round/>
+                      <a:headEnd type="none" w="med" len="med"/>
+                      <a:tailEnd type="none" w="med" len="med"/>
+                    </a:lnB>
+                  </a:tcPr>
+                </a:tc>
+              </a:tr>
+              <a:tr h="319052">
+                <a:tc>
+                  <a:txBody>
+                    <a:bodyPr/>
+                    <a:lstStyle/>
+                    <a:p>
+                      <a:pPr algn="l" fontAlgn="b"/>
+                      <a:r>
+                        <a:rPr lang="en-US" sz="1000" b="0" i="0" u="none" strike="noStrike">
+                          <a:solidFill>
+                            <a:srgbClr val="000000"/>
+                          </a:solidFill>
+                          <a:effectLst/>
+                          <a:latin typeface="Calibri" panose="020F0502020204030204" pitchFamily="34" charset="0"/>
+                        </a:rPr>
+                        <a:t>SUM</a:t>
+                      </a:r>
+                    </a:p>
+                  </a:txBody>
+                  <a:tcPr marL="8814" marR="8814" marT="8814" marB="0" anchor="b">
+                    <a:lnL w="6350" cap="flat" cmpd="sng" algn="ctr">
+                      <a:solidFill>
+                        <a:srgbClr val="000000"/>
+                      </a:solidFill>
+                      <a:prstDash val="solid"/>
+                      <a:round/>
+                      <a:headEnd type="none" w="med" len="med"/>
+                      <a:tailEnd type="none" w="med" len="med"/>
+                    </a:lnL>
+                    <a:lnR w="6350" cap="flat" cmpd="sng" algn="ctr">
+                      <a:solidFill>
+                        <a:srgbClr val="000000"/>
+                      </a:solidFill>
+                      <a:prstDash val="solid"/>
+                      <a:round/>
+                      <a:headEnd type="none" w="med" len="med"/>
+                      <a:tailEnd type="none" w="med" len="med"/>
+                    </a:lnR>
+                    <a:lnT w="6350" cap="flat" cmpd="sng" algn="ctr">
+                      <a:solidFill>
+                        <a:srgbClr val="000000"/>
+                      </a:solidFill>
+                      <a:prstDash val="solid"/>
+                      <a:round/>
+                      <a:headEnd type="none" w="med" len="med"/>
+                      <a:tailEnd type="none" w="med" len="med"/>
+                    </a:lnT>
+                    <a:lnB w="6350" cap="flat" cmpd="sng" algn="ctr">
+                      <a:solidFill>
+                        <a:srgbClr val="000000"/>
+                      </a:solidFill>
+                      <a:prstDash val="solid"/>
+                      <a:round/>
+                      <a:headEnd type="none" w="med" len="med"/>
+                      <a:tailEnd type="none" w="med" len="med"/>
+                    </a:lnB>
+                  </a:tcPr>
+                </a:tc>
+                <a:tc>
+                  <a:txBody>
+                    <a:bodyPr/>
+                    <a:lstStyle/>
+                    <a:p>
+                      <a:pPr algn="l" fontAlgn="b"/>
+                      <a:r>
+                        <a:rPr lang="en-US" sz="1000" b="0" i="0" u="none" strike="noStrike">
+                          <a:solidFill>
+                            <a:srgbClr val="000000"/>
+                          </a:solidFill>
+                          <a:effectLst/>
+                          <a:latin typeface="Calibri" panose="020F0502020204030204" pitchFamily="34" charset="0"/>
+                        </a:rPr>
+                        <a:t> $          447.00 </a:t>
+                      </a:r>
+                    </a:p>
+                  </a:txBody>
+                  <a:tcPr marL="8814" marR="8814" marT="8814" marB="0" anchor="b">
+                    <a:lnL w="6350" cap="flat" cmpd="sng" algn="ctr">
+                      <a:solidFill>
+                        <a:srgbClr val="000000"/>
+                      </a:solidFill>
+                      <a:prstDash val="solid"/>
+                      <a:round/>
+                      <a:headEnd type="none" w="med" len="med"/>
+                      <a:tailEnd type="none" w="med" len="med"/>
+                    </a:lnL>
+                    <a:lnR w="6350" cap="flat" cmpd="sng" algn="ctr">
+                      <a:solidFill>
+                        <a:srgbClr val="000000"/>
+                      </a:solidFill>
+                      <a:prstDash val="solid"/>
+                      <a:round/>
+                      <a:headEnd type="none" w="med" len="med"/>
+                      <a:tailEnd type="none" w="med" len="med"/>
+                    </a:lnR>
+                    <a:lnT w="6350" cap="flat" cmpd="sng" algn="ctr">
+                      <a:solidFill>
+                        <a:srgbClr val="000000"/>
+                      </a:solidFill>
+                      <a:prstDash val="solid"/>
+                      <a:round/>
+                      <a:headEnd type="none" w="med" len="med"/>
+                      <a:tailEnd type="none" w="med" len="med"/>
+                    </a:lnT>
+                    <a:lnB w="6350" cap="flat" cmpd="sng" algn="ctr">
+                      <a:solidFill>
+                        <a:srgbClr val="000000"/>
+                      </a:solidFill>
+                      <a:prstDash val="solid"/>
+                      <a:round/>
+                      <a:headEnd type="none" w="med" len="med"/>
+                      <a:tailEnd type="none" w="med" len="med"/>
+                    </a:lnB>
+                  </a:tcPr>
+                </a:tc>
+                <a:tc>
+                  <a:txBody>
+                    <a:bodyPr/>
+                    <a:lstStyle/>
+                    <a:p>
+                      <a:pPr algn="l" fontAlgn="b"/>
+                      <a:r>
+                        <a:rPr lang="en-US" sz="1000" b="0" i="0" u="none" strike="noStrike">
+                          <a:solidFill>
+                            <a:srgbClr val="000000"/>
+                          </a:solidFill>
+                          <a:effectLst/>
+                          <a:latin typeface="Calibri" panose="020F0502020204030204" pitchFamily="34" charset="0"/>
+                        </a:rPr>
+                        <a:t> $           747.50 </a:t>
+                      </a:r>
+                    </a:p>
+                  </a:txBody>
+                  <a:tcPr marL="8814" marR="8814" marT="8814" marB="0" anchor="b">
+                    <a:lnL w="6350" cap="flat" cmpd="sng" algn="ctr">
+                      <a:solidFill>
+                        <a:srgbClr val="000000"/>
+                      </a:solidFill>
+                      <a:prstDash val="solid"/>
+                      <a:round/>
+                      <a:headEnd type="none" w="med" len="med"/>
+                      <a:tailEnd type="none" w="med" len="med"/>
+                    </a:lnL>
+                    <a:lnR w="6350" cap="flat" cmpd="sng" algn="ctr">
+                      <a:solidFill>
+                        <a:srgbClr val="000000"/>
+                      </a:solidFill>
+                      <a:prstDash val="solid"/>
+                      <a:round/>
+                      <a:headEnd type="none" w="med" len="med"/>
+                      <a:tailEnd type="none" w="med" len="med"/>
+                    </a:lnR>
+                    <a:lnT w="6350" cap="flat" cmpd="sng" algn="ctr">
+                      <a:solidFill>
+                        <a:srgbClr val="000000"/>
+                      </a:solidFill>
+                      <a:prstDash val="solid"/>
+                      <a:round/>
+                      <a:headEnd type="none" w="med" len="med"/>
+                      <a:tailEnd type="none" w="med" len="med"/>
+                    </a:lnT>
+                    <a:lnB w="6350" cap="flat" cmpd="sng" algn="ctr">
+                      <a:solidFill>
+                        <a:srgbClr val="000000"/>
+                      </a:solidFill>
+                      <a:prstDash val="solid"/>
+                      <a:round/>
+                      <a:headEnd type="none" w="med" len="med"/>
+                      <a:tailEnd type="none" w="med" len="med"/>
+                    </a:lnB>
+                  </a:tcPr>
+                </a:tc>
+                <a:tc>
+                  <a:txBody>
+                    <a:bodyPr/>
+                    <a:lstStyle/>
+                    <a:p>
+                      <a:pPr algn="l" fontAlgn="b"/>
+                      <a:r>
+                        <a:rPr lang="en-US" sz="1000" b="0" i="0" u="none" strike="noStrike">
+                          <a:solidFill>
+                            <a:srgbClr val="000000"/>
+                          </a:solidFill>
+                          <a:effectLst/>
+                          <a:latin typeface="Calibri" panose="020F0502020204030204" pitchFamily="34" charset="0"/>
+                        </a:rPr>
+                        <a:t> $     447.00 </a:t>
+                      </a:r>
+                    </a:p>
+                  </a:txBody>
+                  <a:tcPr marL="8814" marR="8814" marT="8814" marB="0" anchor="b">
+                    <a:lnL w="6350" cap="flat" cmpd="sng" algn="ctr">
+                      <a:solidFill>
+                        <a:srgbClr val="000000"/>
+                      </a:solidFill>
+                      <a:prstDash val="solid"/>
+                      <a:round/>
+                      <a:headEnd type="none" w="med" len="med"/>
+                      <a:tailEnd type="none" w="med" len="med"/>
+                    </a:lnL>
+                    <a:lnR w="6350" cap="flat" cmpd="sng" algn="ctr">
+                      <a:solidFill>
+                        <a:srgbClr val="000000"/>
+                      </a:solidFill>
+                      <a:prstDash val="solid"/>
+                      <a:round/>
+                      <a:headEnd type="none" w="med" len="med"/>
+                      <a:tailEnd type="none" w="med" len="med"/>
+                    </a:lnR>
+                    <a:lnT w="6350" cap="flat" cmpd="sng" algn="ctr">
+                      <a:solidFill>
+                        <a:srgbClr val="000000"/>
+                      </a:solidFill>
+                      <a:prstDash val="solid"/>
+                      <a:round/>
+                      <a:headEnd type="none" w="med" len="med"/>
+                      <a:tailEnd type="none" w="med" len="med"/>
+                    </a:lnT>
+                    <a:lnB w="6350" cap="flat" cmpd="sng" algn="ctr">
+                      <a:solidFill>
+                        <a:srgbClr val="000000"/>
+                      </a:solidFill>
+                      <a:prstDash val="solid"/>
+                      <a:round/>
+                      <a:headEnd type="none" w="med" len="med"/>
+                      <a:tailEnd type="none" w="med" len="med"/>
+                    </a:lnB>
+                  </a:tcPr>
+                </a:tc>
+                <a:tc>
+                  <a:txBody>
+                    <a:bodyPr/>
+                    <a:lstStyle/>
+                    <a:p>
+                      <a:pPr algn="l" fontAlgn="b"/>
+                      <a:r>
+                        <a:rPr lang="en-US" sz="1000" b="0" i="0" u="none" strike="noStrike">
+                          <a:solidFill>
+                            <a:srgbClr val="000000"/>
+                          </a:solidFill>
+                          <a:effectLst/>
+                          <a:latin typeface="Calibri" panose="020F0502020204030204" pitchFamily="34" charset="0"/>
+                        </a:rPr>
+                        <a:t> $                     -   </a:t>
+                      </a:r>
+                    </a:p>
+                  </a:txBody>
+                  <a:tcPr marL="8814" marR="8814" marT="8814" marB="0" anchor="b">
+                    <a:lnL w="6350" cap="flat" cmpd="sng" algn="ctr">
+                      <a:solidFill>
+                        <a:srgbClr val="000000"/>
+                      </a:solidFill>
+                      <a:prstDash val="solid"/>
+                      <a:round/>
+                      <a:headEnd type="none" w="med" len="med"/>
+                      <a:tailEnd type="none" w="med" len="med"/>
+                    </a:lnL>
+                    <a:lnR w="6350" cap="flat" cmpd="sng" algn="ctr">
+                      <a:solidFill>
+                        <a:srgbClr val="000000"/>
+                      </a:solidFill>
+                      <a:prstDash val="solid"/>
+                      <a:round/>
+                      <a:headEnd type="none" w="med" len="med"/>
+                      <a:tailEnd type="none" w="med" len="med"/>
+                    </a:lnR>
+                    <a:lnT w="6350" cap="flat" cmpd="sng" algn="ctr">
+                      <a:solidFill>
+                        <a:srgbClr val="000000"/>
+                      </a:solidFill>
+                      <a:prstDash val="solid"/>
+                      <a:round/>
+                      <a:headEnd type="none" w="med" len="med"/>
+                      <a:tailEnd type="none" w="med" len="med"/>
+                    </a:lnT>
+                    <a:lnB w="6350" cap="flat" cmpd="sng" algn="ctr">
+                      <a:solidFill>
+                        <a:srgbClr val="000000"/>
+                      </a:solidFill>
+                      <a:prstDash val="solid"/>
+                      <a:round/>
+                      <a:headEnd type="none" w="med" len="med"/>
+                      <a:tailEnd type="none" w="med" len="med"/>
+                    </a:lnB>
+                  </a:tcPr>
+                </a:tc>
+                <a:tc>
+                  <a:txBody>
+                    <a:bodyPr/>
+                    <a:lstStyle/>
+                    <a:p>
+                      <a:pPr algn="l" fontAlgn="b"/>
+                      <a:r>
+                        <a:rPr lang="en-US" sz="1000" b="0" i="0" u="none" strike="noStrike">
+                          <a:solidFill>
+                            <a:srgbClr val="000000"/>
+                          </a:solidFill>
+                          <a:effectLst/>
+                          <a:latin typeface="Calibri" panose="020F0502020204030204" pitchFamily="34" charset="0"/>
+                        </a:rPr>
+                        <a:t> </a:t>
+                      </a:r>
+                    </a:p>
+                  </a:txBody>
+                  <a:tcPr marL="8814" marR="8814" marT="8814" marB="0" anchor="b">
+                    <a:lnL w="6350" cap="flat" cmpd="sng" algn="ctr">
+                      <a:solidFill>
+                        <a:srgbClr val="000000"/>
+                      </a:solidFill>
+                      <a:prstDash val="solid"/>
+                      <a:round/>
+                      <a:headEnd type="none" w="med" len="med"/>
+                      <a:tailEnd type="none" w="med" len="med"/>
+                    </a:lnL>
+                    <a:lnR w="6350" cap="flat" cmpd="sng" algn="ctr">
+                      <a:solidFill>
+                        <a:srgbClr val="000000"/>
+                      </a:solidFill>
+                      <a:prstDash val="solid"/>
+                      <a:round/>
+                      <a:headEnd type="none" w="med" len="med"/>
+                      <a:tailEnd type="none" w="med" len="med"/>
+                    </a:lnR>
+                    <a:lnT w="6350" cap="flat" cmpd="sng" algn="ctr">
+                      <a:solidFill>
+                        <a:srgbClr val="000000"/>
+                      </a:solidFill>
+                      <a:prstDash val="solid"/>
+                      <a:round/>
+                      <a:headEnd type="none" w="med" len="med"/>
+                      <a:tailEnd type="none" w="med" len="med"/>
+                    </a:lnT>
+                    <a:lnB w="6350" cap="flat" cmpd="sng" algn="ctr">
+                      <a:solidFill>
+                        <a:srgbClr val="000000"/>
+                      </a:solidFill>
+                      <a:prstDash val="solid"/>
+                      <a:round/>
+                      <a:headEnd type="none" w="med" len="med"/>
+                      <a:tailEnd type="none" w="med" len="med"/>
+                    </a:lnB>
+                  </a:tcPr>
+                </a:tc>
+                <a:tc>
+                  <a:txBody>
+                    <a:bodyPr/>
+                    <a:lstStyle/>
+                    <a:p>
+                      <a:pPr algn="l" fontAlgn="b"/>
+                      <a:r>
+                        <a:rPr lang="en-US" sz="1000" b="0" i="0" u="none" strike="noStrike">
+                          <a:solidFill>
+                            <a:srgbClr val="000000"/>
+                          </a:solidFill>
+                          <a:effectLst/>
+                          <a:latin typeface="Calibri" panose="020F0502020204030204" pitchFamily="34" charset="0"/>
+                        </a:rPr>
+                        <a:t> $             447.00 </a:t>
+                      </a:r>
+                    </a:p>
+                  </a:txBody>
+                  <a:tcPr marL="8814" marR="8814" marT="8814" marB="0" anchor="b">
+                    <a:lnL w="6350" cap="flat" cmpd="sng" algn="ctr">
+                      <a:solidFill>
+                        <a:srgbClr val="000000"/>
+                      </a:solidFill>
+                      <a:prstDash val="solid"/>
+                      <a:round/>
+                      <a:headEnd type="none" w="med" len="med"/>
+                      <a:tailEnd type="none" w="med" len="med"/>
+                    </a:lnL>
+                    <a:lnR w="6350" cap="flat" cmpd="sng" algn="ctr">
+                      <a:solidFill>
+                        <a:srgbClr val="000000"/>
+                      </a:solidFill>
+                      <a:prstDash val="solid"/>
+                      <a:round/>
+                      <a:headEnd type="none" w="med" len="med"/>
+                      <a:tailEnd type="none" w="med" len="med"/>
+                    </a:lnR>
+                    <a:lnT w="6350" cap="flat" cmpd="sng" algn="ctr">
+                      <a:solidFill>
+                        <a:srgbClr val="000000"/>
+                      </a:solidFill>
+                      <a:prstDash val="solid"/>
+                      <a:round/>
+                      <a:headEnd type="none" w="med" len="med"/>
+                      <a:tailEnd type="none" w="med" len="med"/>
+                    </a:lnT>
+                    <a:lnB w="6350" cap="flat" cmpd="sng" algn="ctr">
+                      <a:solidFill>
+                        <a:srgbClr val="000000"/>
+                      </a:solidFill>
+                      <a:prstDash val="solid"/>
+                      <a:round/>
+                      <a:headEnd type="none" w="med" len="med"/>
+                      <a:tailEnd type="none" w="med" len="med"/>
+                    </a:lnB>
+                  </a:tcPr>
+                </a:tc>
+                <a:tc>
+                  <a:txBody>
+                    <a:bodyPr/>
+                    <a:lstStyle/>
+                    <a:p>
+                      <a:pPr algn="l" fontAlgn="b"/>
+                      <a:r>
+                        <a:rPr lang="en-US" sz="1000" b="0" i="0" u="none" strike="noStrike">
+                          <a:solidFill>
+                            <a:srgbClr val="000000"/>
+                          </a:solidFill>
+                          <a:effectLst/>
+                          <a:latin typeface="Calibri" panose="020F0502020204030204" pitchFamily="34" charset="0"/>
+                        </a:rPr>
+                        <a:t> </a:t>
+                      </a:r>
+                    </a:p>
+                  </a:txBody>
+                  <a:tcPr marL="8814" marR="8814" marT="8814" marB="0" anchor="b">
+                    <a:lnL w="6350" cap="flat" cmpd="sng" algn="ctr">
+                      <a:solidFill>
+                        <a:srgbClr val="000000"/>
+                      </a:solidFill>
+                      <a:prstDash val="solid"/>
+                      <a:round/>
+                      <a:headEnd type="none" w="med" len="med"/>
+                      <a:tailEnd type="none" w="med" len="med"/>
+                    </a:lnL>
+                    <a:lnR w="6350" cap="flat" cmpd="sng" algn="ctr">
+                      <a:solidFill>
+                        <a:srgbClr val="000000"/>
+                      </a:solidFill>
+                      <a:prstDash val="solid"/>
+                      <a:round/>
+                      <a:headEnd type="none" w="med" len="med"/>
+                      <a:tailEnd type="none" w="med" len="med"/>
+                    </a:lnR>
+                    <a:lnT w="6350" cap="flat" cmpd="sng" algn="ctr">
+                      <a:solidFill>
+                        <a:srgbClr val="000000"/>
+                      </a:solidFill>
+                      <a:prstDash val="solid"/>
+                      <a:round/>
+                      <a:headEnd type="none" w="med" len="med"/>
+                      <a:tailEnd type="none" w="med" len="med"/>
+                    </a:lnT>
+                    <a:lnB w="6350" cap="flat" cmpd="sng" algn="ctr">
+                      <a:solidFill>
+                        <a:srgbClr val="000000"/>
+                      </a:solidFill>
+                      <a:prstDash val="solid"/>
+                      <a:round/>
+                      <a:headEnd type="none" w="med" len="med"/>
+                      <a:tailEnd type="none" w="med" len="med"/>
+                    </a:lnB>
+                  </a:tcPr>
+                </a:tc>
+                <a:tc>
+                  <a:txBody>
+                    <a:bodyPr/>
+                    <a:lstStyle/>
+                    <a:p>
+                      <a:pPr algn="l" fontAlgn="b"/>
+                      <a:r>
+                        <a:rPr lang="en-US" sz="1000" b="0" i="0" u="none" strike="noStrike">
+                          <a:solidFill>
+                            <a:srgbClr val="000000"/>
+                          </a:solidFill>
+                          <a:effectLst/>
+                          <a:latin typeface="Calibri" panose="020F0502020204030204" pitchFamily="34" charset="0"/>
+                        </a:rPr>
+                        <a:t> </a:t>
+                      </a:r>
+                    </a:p>
+                  </a:txBody>
+                  <a:tcPr marL="8814" marR="8814" marT="8814" marB="0" anchor="b">
+                    <a:lnL w="6350" cap="flat" cmpd="sng" algn="ctr">
+                      <a:solidFill>
+                        <a:srgbClr val="000000"/>
+                      </a:solidFill>
+                      <a:prstDash val="solid"/>
+                      <a:round/>
+                      <a:headEnd type="none" w="med" len="med"/>
+                      <a:tailEnd type="none" w="med" len="med"/>
+                    </a:lnL>
+                    <a:lnR w="6350" cap="flat" cmpd="sng" algn="ctr">
+                      <a:solidFill>
+                        <a:srgbClr val="000000"/>
+                      </a:solidFill>
+                      <a:prstDash val="solid"/>
+                      <a:round/>
+                      <a:headEnd type="none" w="med" len="med"/>
+                      <a:tailEnd type="none" w="med" len="med"/>
+                    </a:lnR>
+                    <a:lnT w="6350" cap="flat" cmpd="sng" algn="ctr">
+                      <a:solidFill>
+                        <a:srgbClr val="000000"/>
+                      </a:solidFill>
+                      <a:prstDash val="solid"/>
+                      <a:round/>
+                      <a:headEnd type="none" w="med" len="med"/>
+                      <a:tailEnd type="none" w="med" len="med"/>
+                    </a:lnT>
+                    <a:lnB w="6350" cap="flat" cmpd="sng" algn="ctr">
+                      <a:solidFill>
+                        <a:srgbClr val="000000"/>
+                      </a:solidFill>
+                      <a:prstDash val="solid"/>
+                      <a:round/>
+                      <a:headEnd type="none" w="med" len="med"/>
+                      <a:tailEnd type="none" w="med" len="med"/>
+                    </a:lnB>
+                  </a:tcPr>
+                </a:tc>
+                <a:tc>
+                  <a:txBody>
+                    <a:bodyPr/>
+                    <a:lstStyle/>
+                    <a:p>
+                      <a:pPr algn="l" fontAlgn="b"/>
+                      <a:r>
+                        <a:rPr lang="en-US" sz="1000" b="0" i="0" u="none" strike="noStrike">
+                          <a:solidFill>
+                            <a:srgbClr val="000000"/>
+                          </a:solidFill>
+                          <a:effectLst/>
+                          <a:latin typeface="Calibri" panose="020F0502020204030204" pitchFamily="34" charset="0"/>
+                        </a:rPr>
+                        <a:t> $       444.37 </a:t>
+                      </a:r>
+                    </a:p>
+                  </a:txBody>
+                  <a:tcPr marL="8814" marR="8814" marT="8814" marB="0" anchor="b">
+                    <a:lnL w="6350" cap="flat" cmpd="sng" algn="ctr">
+                      <a:solidFill>
+                        <a:srgbClr val="000000"/>
+                      </a:solidFill>
+                      <a:prstDash val="solid"/>
+                      <a:round/>
+                      <a:headEnd type="none" w="med" len="med"/>
+                      <a:tailEnd type="none" w="med" len="med"/>
+                    </a:lnL>
+                    <a:lnR w="6350" cap="flat" cmpd="sng" algn="ctr">
+                      <a:solidFill>
+                        <a:srgbClr val="000000"/>
+                      </a:solidFill>
+                      <a:prstDash val="solid"/>
+                      <a:round/>
+                      <a:headEnd type="none" w="med" len="med"/>
+                      <a:tailEnd type="none" w="med" len="med"/>
+                    </a:lnR>
+                    <a:lnT w="6350" cap="flat" cmpd="sng" algn="ctr">
+                      <a:solidFill>
+                        <a:srgbClr val="000000"/>
+                      </a:solidFill>
+                      <a:prstDash val="solid"/>
+                      <a:round/>
+                      <a:headEnd type="none" w="med" len="med"/>
+                      <a:tailEnd type="none" w="med" len="med"/>
+                    </a:lnT>
+                    <a:lnB w="6350" cap="flat" cmpd="sng" algn="ctr">
+                      <a:solidFill>
+                        <a:srgbClr val="000000"/>
+                      </a:solidFill>
+                      <a:prstDash val="solid"/>
+                      <a:round/>
+                      <a:headEnd type="none" w="med" len="med"/>
+                      <a:tailEnd type="none" w="med" len="med"/>
+                    </a:lnB>
+                  </a:tcPr>
+                </a:tc>
+                <a:tc>
+                  <a:txBody>
+                    <a:bodyPr/>
+                    <a:lstStyle/>
+                    <a:p>
+                      <a:pPr algn="l" fontAlgn="b"/>
+                      <a:r>
+                        <a:rPr lang="en-US" sz="1000" b="0" i="0" u="none" strike="noStrike" dirty="0">
+                          <a:solidFill>
+                            <a:srgbClr val="000000"/>
+                          </a:solidFill>
+                          <a:effectLst/>
+                          <a:latin typeface="Calibri" panose="020F0502020204030204" pitchFamily="34" charset="0"/>
+                        </a:rPr>
+                        <a:t> $                        2.63 </a:t>
+                      </a:r>
+                    </a:p>
+                  </a:txBody>
+                  <a:tcPr marL="8814" marR="8814" marT="8814" marB="0" anchor="b">
+                    <a:lnL w="6350" cap="flat" cmpd="sng" algn="ctr">
+                      <a:solidFill>
+                        <a:srgbClr val="000000"/>
+                      </a:solidFill>
+                      <a:prstDash val="solid"/>
+                      <a:round/>
+                      <a:headEnd type="none" w="med" len="med"/>
+                      <a:tailEnd type="none" w="med" len="med"/>
+                    </a:lnL>
+                    <a:lnR w="6350" cap="flat" cmpd="sng" algn="ctr">
+                      <a:solidFill>
+                        <a:srgbClr val="000000"/>
+                      </a:solidFill>
+                      <a:prstDash val="solid"/>
+                      <a:round/>
+                      <a:headEnd type="none" w="med" len="med"/>
+                      <a:tailEnd type="none" w="med" len="med"/>
+                    </a:lnR>
+                    <a:lnT w="6350" cap="flat" cmpd="sng" algn="ctr">
+                      <a:solidFill>
+                        <a:srgbClr val="000000"/>
+                      </a:solidFill>
+                      <a:prstDash val="solid"/>
+                      <a:round/>
+                      <a:headEnd type="none" w="med" len="med"/>
+                      <a:tailEnd type="none" w="med" len="med"/>
+                    </a:lnT>
+                    <a:lnB w="6350" cap="flat" cmpd="sng" algn="ctr">
+                      <a:solidFill>
+                        <a:srgbClr val="000000"/>
+                      </a:solidFill>
+                      <a:prstDash val="solid"/>
+                      <a:round/>
+                      <a:headEnd type="none" w="med" len="med"/>
+                      <a:tailEnd type="none" w="med" len="med"/>
+                    </a:lnB>
+                  </a:tcPr>
+                </a:tc>
+              </a:tr>
+            </a:tbl>
+          </a:graphicData>
+        </a:graphic>
+      </p:graphicFrame>
+      <p:sp>
+        <p:nvSpPr>
+          <p:cNvPr id="8" name="TextBox 7"/>
+          <p:cNvSpPr txBox="1"/>
+          <p:nvPr/>
+        </p:nvSpPr>
+        <p:spPr>
+          <a:xfrm>
+            <a:off x="323851" y="2960639"/>
+            <a:ext cx="8496150" cy="2323713"/>
+          </a:xfrm>
+          <a:prstGeom prst="rect">
+            <a:avLst/>
+          </a:prstGeom>
+          <a:noFill/>
+        </p:spPr>
+        <p:txBody>
+          <a:bodyPr wrap="square" lIns="0" tIns="0" rIns="0" bIns="0" rtlCol="0">
+            <a:spAutoFit/>
+          </a:bodyPr>
+          <a:lstStyle/>
+          <a:p>
+            <a:pPr marL="285750" indent="-285750" fontAlgn="base">
+              <a:spcBef>
+                <a:spcPts val="600"/>
+              </a:spcBef>
+              <a:spcAft>
+                <a:spcPct val="0"/>
+              </a:spcAft>
+              <a:buClr>
+                <a:srgbClr val="F0AB00"/>
+              </a:buClr>
+              <a:buSzPct val="80000"/>
+              <a:buFont typeface="Arial" panose="020B0604020202020204" pitchFamily="34" charset="0"/>
+              <a:buChar char="•"/>
+            </a:pPr>
+            <a:r>
+              <a:rPr lang="en-US" sz="1400" kern="0" dirty="0" smtClean="0">
+                <a:ea typeface="Arial Unicode MS" pitchFamily="34" charset="-128"/>
+                <a:cs typeface="Arial Unicode MS" pitchFamily="34" charset="-128"/>
+              </a:rPr>
+              <a:t>Contract Asset and </a:t>
+            </a:r>
+            <a:r>
+              <a:rPr lang="en-US" altLang="zh-CN" sz="1400" kern="0" dirty="0" smtClean="0">
+                <a:ea typeface="Arial Unicode MS" pitchFamily="34" charset="-128"/>
+                <a:cs typeface="Arial Unicode MS" pitchFamily="34" charset="-128"/>
+              </a:rPr>
+              <a:t>Liability shall be presented by netting on contract level per Standard</a:t>
+            </a:r>
+          </a:p>
+          <a:p>
+            <a:pPr fontAlgn="base">
+              <a:spcBef>
+                <a:spcPts val="600"/>
+              </a:spcBef>
+              <a:spcAft>
+                <a:spcPct val="0"/>
+              </a:spcAft>
+              <a:buClr>
+                <a:srgbClr val="F0AB00"/>
+              </a:buClr>
+              <a:buSzPct val="80000"/>
+            </a:pPr>
+            <a:r>
+              <a:rPr lang="en-US" sz="1400" b="1" dirty="0" smtClean="0"/>
+              <a:t>IFRS 15 </a:t>
+            </a:r>
+            <a:r>
+              <a:rPr lang="en-US" altLang="zh-CN" sz="1400" b="1" dirty="0" smtClean="0"/>
+              <a:t>paragraph 105</a:t>
+            </a:r>
+            <a:r>
+              <a:rPr lang="zh-CN" altLang="en-US" sz="1400" b="1" dirty="0" smtClean="0"/>
+              <a:t>： </a:t>
+            </a:r>
+            <a:r>
+              <a:rPr lang="en-US" sz="1400" b="1" dirty="0" smtClean="0"/>
+              <a:t>When </a:t>
+            </a:r>
+            <a:r>
+              <a:rPr lang="en-US" sz="1400" b="1" dirty="0"/>
+              <a:t>either party to a contract has performed, an entity shall present the</a:t>
+            </a:r>
+            <a:br>
+              <a:rPr lang="en-US" sz="1400" b="1" dirty="0"/>
+            </a:br>
+            <a:r>
+              <a:rPr lang="en-US" sz="1400" b="1" dirty="0"/>
+              <a:t>contract in the statement of financial position as a contract asset or </a:t>
+            </a:r>
+            <a:r>
+              <a:rPr lang="en-US" sz="1400" b="1" dirty="0" smtClean="0"/>
+              <a:t>a contract </a:t>
+            </a:r>
+            <a:r>
+              <a:rPr lang="en-US" sz="1400" b="1" dirty="0"/>
+              <a:t>liability</a:t>
+            </a:r>
+            <a:r>
+              <a:rPr lang="en-US" sz="1400" dirty="0"/>
+              <a:t> </a:t>
+            </a:r>
+            <a:br>
+              <a:rPr lang="en-US" sz="1400" dirty="0"/>
+            </a:br>
+            <a:r>
+              <a:rPr lang="en-US" altLang="zh-CN" sz="1400" kern="0" dirty="0" smtClean="0">
+                <a:ea typeface="Arial Unicode MS" pitchFamily="34" charset="-128"/>
+                <a:cs typeface="Arial Unicode MS" pitchFamily="34" charset="-128"/>
+              </a:rPr>
+              <a:t> </a:t>
+            </a:r>
+          </a:p>
+          <a:p>
+            <a:pPr marL="285750" indent="-285750" fontAlgn="base">
+              <a:spcBef>
+                <a:spcPts val="600"/>
+              </a:spcBef>
+              <a:spcAft>
+                <a:spcPct val="0"/>
+              </a:spcAft>
+              <a:buClr>
+                <a:srgbClr val="F0AB00"/>
+              </a:buClr>
+              <a:buSzPct val="80000"/>
+              <a:buFont typeface="Arial" panose="020B0604020202020204" pitchFamily="34" charset="0"/>
+              <a:buChar char="•"/>
+            </a:pPr>
+            <a:r>
+              <a:rPr lang="en-US" altLang="zh-CN" sz="1400" kern="0" dirty="0" smtClean="0">
+                <a:ea typeface="Arial Unicode MS" pitchFamily="34" charset="-128"/>
+                <a:cs typeface="Arial Unicode MS" pitchFamily="34" charset="-128"/>
+              </a:rPr>
+              <a:t>RAR provide customer feasibility to present on POB level by active the BADI and provide default implementation</a:t>
+            </a:r>
+          </a:p>
+          <a:p>
+            <a:pPr marL="742950" lvl="1" indent="-285750" fontAlgn="base">
+              <a:spcBef>
+                <a:spcPts val="600"/>
+              </a:spcBef>
+              <a:spcAft>
+                <a:spcPct val="0"/>
+              </a:spcAft>
+              <a:buClr>
+                <a:srgbClr val="F0AB00"/>
+              </a:buClr>
+              <a:buSzPct val="80000"/>
+              <a:buFont typeface="Arial" panose="020B0604020202020204" pitchFamily="34" charset="0"/>
+              <a:buChar char="•"/>
+            </a:pPr>
+            <a:r>
+              <a:rPr lang="en-US" altLang="zh-CN" sz="1400" kern="0" dirty="0" smtClean="0">
+                <a:ea typeface="Arial Unicode MS" pitchFamily="34" charset="-128"/>
+                <a:cs typeface="Arial Unicode MS" pitchFamily="34" charset="-128"/>
+              </a:rPr>
+              <a:t>RAR calculate the netting value on Contract level</a:t>
+            </a:r>
+          </a:p>
+          <a:p>
+            <a:pPr marL="742950" lvl="1" indent="-285750" fontAlgn="base">
+              <a:spcBef>
+                <a:spcPts val="600"/>
+              </a:spcBef>
+              <a:spcAft>
+                <a:spcPct val="0"/>
+              </a:spcAft>
+              <a:buClr>
+                <a:srgbClr val="F0AB00"/>
+              </a:buClr>
+              <a:buSzPct val="80000"/>
+              <a:buFont typeface="Arial" panose="020B0604020202020204" pitchFamily="34" charset="0"/>
+              <a:buChar char="•"/>
+            </a:pPr>
+            <a:r>
+              <a:rPr lang="en-US" altLang="zh-CN" sz="1400" kern="0" dirty="0" smtClean="0">
+                <a:ea typeface="Arial Unicode MS" pitchFamily="34" charset="-128"/>
+                <a:cs typeface="Arial Unicode MS" pitchFamily="34" charset="-128"/>
+              </a:rPr>
+              <a:t>Default implementation is to distribute by SSP.</a:t>
+            </a:r>
+          </a:p>
+          <a:p>
+            <a:pPr marL="742950" lvl="1" indent="-285750" fontAlgn="base">
+              <a:spcBef>
+                <a:spcPts val="600"/>
+              </a:spcBef>
+              <a:spcAft>
+                <a:spcPct val="0"/>
+              </a:spcAft>
+              <a:buClr>
+                <a:srgbClr val="F0AB00"/>
+              </a:buClr>
+              <a:buSzPct val="80000"/>
+              <a:buFont typeface="Arial" panose="020B0604020202020204" pitchFamily="34" charset="0"/>
+              <a:buChar char="•"/>
+            </a:pPr>
+            <a:r>
+              <a:rPr lang="en-US" altLang="zh-CN" sz="1400" kern="0" dirty="0" smtClean="0">
+                <a:ea typeface="Arial Unicode MS" pitchFamily="34" charset="-128"/>
+                <a:cs typeface="Arial Unicode MS" pitchFamily="34" charset="-128"/>
+              </a:rPr>
+              <a:t>Can be overwritten</a:t>
+            </a:r>
+          </a:p>
+        </p:txBody>
+      </p:sp>
+    </p:spTree>
+    <p:extLst>
+      <p:ext uri="{BB962C8B-B14F-4D97-AF65-F5344CB8AC3E}">
+        <p14:creationId xmlns:p14="http://schemas.microsoft.com/office/powerpoint/2010/main" val="2281470788"/>
+      </p:ext>
+    </p:extLst>
+  </p:cSld>
+  <p:clrMapOvr>
+    <a:masterClrMapping/>
+  </p:clrMapOvr>
+  <p:timing>
+    <p:tnLst>
+      <p:par>
+        <p:cTn id="1" dur="indefinite" restart="never" nodeType="tmRoot"/>
+      </p:par>
+    </p:tnLst>
+  </p:timing>
+</p:sld>
+</file>
+
+<file path=ppt/slides/slide14.xml><?xml version="1.0" encoding="utf-8"?>
 <p:sld xmlns:a="http://schemas.openxmlformats.org/drawingml/2006/main" xmlns:r="http://schemas.openxmlformats.org/officeDocument/2006/relationships" xmlns:p="http://schemas.openxmlformats.org/presentationml/2006/main">
   <p:cSld>
     <p:spTree>
@@ -13685,7 +13371,7 @@
 </p:sld>
 </file>
 
-<file path=ppt/slides/slide8.xml><?xml version="1.0" encoding="utf-8"?>
+<file path=ppt/slides/slide15.xml><?xml version="1.0" encoding="utf-8"?>
 <p:sld xmlns:a="http://schemas.openxmlformats.org/drawingml/2006/main" xmlns:r="http://schemas.openxmlformats.org/officeDocument/2006/relationships" xmlns:p="http://schemas.openxmlformats.org/presentationml/2006/main">
   <p:cSld>
     <p:spTree>
@@ -13708,6 +13394,2163 @@
     <a:masterClrMapping/>
   </p:clrMapOvr>
   <p:transition/>
+  <p:timing>
+    <p:tnLst>
+      <p:par>
+        <p:cTn id="1" dur="indefinite" restart="never" nodeType="tmRoot"/>
+      </p:par>
+    </p:tnLst>
+  </p:timing>
+</p:sld>
+</file>
+
+<file path=ppt/slides/slide2.xml><?xml version="1.0" encoding="utf-8"?>
+<p:sld xmlns:a="http://schemas.openxmlformats.org/drawingml/2006/main" xmlns:r="http://schemas.openxmlformats.org/officeDocument/2006/relationships" xmlns:p="http://schemas.openxmlformats.org/presentationml/2006/main">
+  <p:cSld>
+    <p:spTree>
+      <p:nvGrpSpPr>
+        <p:cNvPr id="1" name=""/>
+        <p:cNvGrpSpPr/>
+        <p:nvPr/>
+      </p:nvGrpSpPr>
+      <p:grpSpPr>
+        <a:xfrm>
+          <a:off x="0" y="0"/>
+          <a:ext cx="0" cy="0"/>
+          <a:chOff x="0" y="0"/>
+          <a:chExt cx="0" cy="0"/>
+        </a:xfrm>
+      </p:grpSpPr>
+      <p:sp>
+        <p:nvSpPr>
+          <p:cNvPr id="2" name="Title 1"/>
+          <p:cNvSpPr>
+            <a:spLocks noGrp="1"/>
+          </p:cNvSpPr>
+          <p:nvPr>
+            <p:ph type="title"/>
+          </p:nvPr>
+        </p:nvSpPr>
+        <p:spPr/>
+        <p:txBody>
+          <a:bodyPr/>
+          <a:lstStyle/>
+          <a:p>
+            <a:r>
+              <a:rPr lang="en-US" altLang="zh-CN" dirty="0" smtClean="0"/>
+              <a:t>Agenda</a:t>
+            </a:r>
+            <a:endParaRPr lang="en-US" dirty="0"/>
+          </a:p>
+        </p:txBody>
+      </p:sp>
+      <p:sp>
+        <p:nvSpPr>
+          <p:cNvPr id="3" name="Text Placeholder 2"/>
+          <p:cNvSpPr>
+            <a:spLocks noGrp="1"/>
+          </p:cNvSpPr>
+          <p:nvPr>
+            <p:ph type="body" sz="quarter" idx="10"/>
+          </p:nvPr>
+        </p:nvSpPr>
+        <p:spPr/>
+        <p:txBody>
+          <a:bodyPr/>
+          <a:lstStyle/>
+          <a:p>
+            <a:r>
+              <a:rPr lang="en-US" dirty="0" smtClean="0"/>
+              <a:t>Contract Liability/Contract Asset/Receivable in IFRS 15</a:t>
+            </a:r>
+          </a:p>
+          <a:p>
+            <a:pPr marL="285750" indent="-285750">
+              <a:buFont typeface="Arial" panose="020B0604020202020204" pitchFamily="34" charset="0"/>
+              <a:buChar char="•"/>
+            </a:pPr>
+            <a:r>
+              <a:rPr lang="en-US" dirty="0" smtClean="0"/>
+              <a:t>Definition and Example of IFRS 15.</a:t>
+            </a:r>
+          </a:p>
+          <a:p>
+            <a:pPr marL="285750" indent="-285750">
+              <a:buFont typeface="Arial" panose="020B0604020202020204" pitchFamily="34" charset="0"/>
+              <a:buChar char="•"/>
+            </a:pPr>
+            <a:r>
+              <a:rPr lang="en-US" altLang="zh-CN" dirty="0" smtClean="0"/>
+              <a:t>Impact </a:t>
+            </a:r>
+            <a:r>
+              <a:rPr lang="en-US" dirty="0" smtClean="0"/>
+              <a:t>Multi-Element</a:t>
+            </a:r>
+            <a:r>
+              <a:rPr lang="en-US" altLang="zh-CN" dirty="0" smtClean="0"/>
+              <a:t>-Arrangement </a:t>
+            </a:r>
+          </a:p>
+          <a:p>
+            <a:pPr marL="285750" indent="-285750">
+              <a:buFont typeface="Arial" panose="020B0604020202020204" pitchFamily="34" charset="0"/>
+              <a:buChar char="•"/>
+            </a:pPr>
+            <a:r>
+              <a:rPr lang="en-US" altLang="zh-CN" dirty="0" smtClean="0"/>
+              <a:t>Impact on Foreign Currency Handling</a:t>
+            </a:r>
+          </a:p>
+          <a:p>
+            <a:r>
+              <a:rPr lang="en-US" dirty="0" smtClean="0"/>
+              <a:t>Contract Liability/Contract Asset/Receivable in RAR</a:t>
+            </a:r>
+          </a:p>
+          <a:p>
+            <a:pPr marL="285750" indent="-285750">
+              <a:buFont typeface="Arial" panose="020B0604020202020204" pitchFamily="34" charset="0"/>
+              <a:buChar char="•"/>
+            </a:pPr>
+            <a:r>
+              <a:rPr lang="en-US" altLang="zh-CN" dirty="0" smtClean="0"/>
+              <a:t> </a:t>
+            </a:r>
+            <a:endParaRPr lang="en-US" dirty="0" smtClean="0"/>
+          </a:p>
+        </p:txBody>
+      </p:sp>
+    </p:spTree>
+    <p:extLst>
+      <p:ext uri="{BB962C8B-B14F-4D97-AF65-F5344CB8AC3E}">
+        <p14:creationId xmlns:p14="http://schemas.microsoft.com/office/powerpoint/2010/main" val="4240825526"/>
+      </p:ext>
+    </p:extLst>
+  </p:cSld>
+  <p:clrMapOvr>
+    <a:masterClrMapping/>
+  </p:clrMapOvr>
+</p:sld>
+</file>
+
+<file path=ppt/slides/slide3.xml><?xml version="1.0" encoding="utf-8"?>
+<p:sld xmlns:a="http://schemas.openxmlformats.org/drawingml/2006/main" xmlns:r="http://schemas.openxmlformats.org/officeDocument/2006/relationships" xmlns:p="http://schemas.openxmlformats.org/presentationml/2006/main">
+  <p:cSld>
+    <p:spTree>
+      <p:nvGrpSpPr>
+        <p:cNvPr id="1" name=""/>
+        <p:cNvGrpSpPr/>
+        <p:nvPr/>
+      </p:nvGrpSpPr>
+      <p:grpSpPr>
+        <a:xfrm>
+          <a:off x="0" y="0"/>
+          <a:ext cx="0" cy="0"/>
+          <a:chOff x="0" y="0"/>
+          <a:chExt cx="0" cy="0"/>
+        </a:xfrm>
+      </p:grpSpPr>
+      <p:sp>
+        <p:nvSpPr>
+          <p:cNvPr id="2" name="Title 1"/>
+          <p:cNvSpPr>
+            <a:spLocks noGrp="1"/>
+          </p:cNvSpPr>
+          <p:nvPr>
+            <p:ph type="title"/>
+          </p:nvPr>
+        </p:nvSpPr>
+        <p:spPr/>
+        <p:txBody>
+          <a:bodyPr/>
+          <a:lstStyle/>
+          <a:p>
+            <a:r>
+              <a:rPr lang="en-US" altLang="zh-CN" dirty="0" smtClean="0"/>
+              <a:t>Contract </a:t>
+            </a:r>
+            <a:r>
+              <a:rPr lang="en-US" altLang="zh-CN" dirty="0" smtClean="0"/>
+              <a:t>Liability - Definition</a:t>
+            </a:r>
+            <a:endParaRPr lang="en-US" dirty="0"/>
+          </a:p>
+        </p:txBody>
+      </p:sp>
+      <p:sp>
+        <p:nvSpPr>
+          <p:cNvPr id="3" name="Text Placeholder 2"/>
+          <p:cNvSpPr>
+            <a:spLocks noGrp="1"/>
+          </p:cNvSpPr>
+          <p:nvPr>
+            <p:ph type="body" sz="quarter" idx="10"/>
+          </p:nvPr>
+        </p:nvSpPr>
+        <p:spPr>
+          <a:xfrm>
+            <a:off x="324000" y="1466243"/>
+            <a:ext cx="8494713" cy="4391026"/>
+          </a:xfrm>
+        </p:spPr>
+        <p:txBody>
+          <a:bodyPr/>
+          <a:lstStyle/>
+          <a:p>
+            <a:r>
+              <a:rPr lang="en-US" dirty="0" smtClean="0"/>
+              <a:t>Contract </a:t>
+            </a:r>
+            <a:r>
+              <a:rPr lang="en-US" dirty="0"/>
+              <a:t>Liability ( Definition in para </a:t>
+            </a:r>
+            <a:r>
+              <a:rPr lang="en-US" dirty="0" smtClean="0"/>
+              <a:t>106 </a:t>
+            </a:r>
+            <a:r>
+              <a:rPr lang="en-US" dirty="0"/>
+              <a:t>)</a:t>
+            </a:r>
+            <a:r>
+              <a:rPr lang="en-US" b="0" dirty="0"/>
+              <a:t>:</a:t>
+            </a:r>
+          </a:p>
+          <a:p>
+            <a:pPr lvl="0"/>
+            <a:r>
+              <a:rPr lang="en-US" b="0" i="1" dirty="0" smtClean="0"/>
+              <a:t>“If </a:t>
+            </a:r>
+            <a:r>
+              <a:rPr lang="en-US" b="0" i="1" dirty="0"/>
+              <a:t>an entity performs by transferring goods or services to a customer before the</a:t>
+            </a:r>
+            <a:br>
+              <a:rPr lang="en-US" b="0" i="1" dirty="0"/>
+            </a:br>
+            <a:r>
+              <a:rPr lang="en-US" b="0" i="1" dirty="0"/>
+              <a:t>customer </a:t>
+            </a:r>
+            <a:r>
+              <a:rPr lang="en-US" i="1" dirty="0"/>
+              <a:t>pays</a:t>
+            </a:r>
+            <a:r>
+              <a:rPr lang="en-US" b="0" i="1" dirty="0"/>
+              <a:t> consideration or before </a:t>
+            </a:r>
+            <a:r>
+              <a:rPr lang="en-US" i="1" dirty="0"/>
+              <a:t>payment is </a:t>
+            </a:r>
+            <a:r>
+              <a:rPr lang="en-US" i="1" dirty="0" smtClean="0"/>
+              <a:t>due</a:t>
+            </a:r>
+            <a:r>
+              <a:rPr lang="en-US" b="0" i="1" dirty="0" smtClean="0"/>
+              <a:t>, the </a:t>
+            </a:r>
+            <a:r>
+              <a:rPr lang="en-US" b="0" i="1" dirty="0"/>
+              <a:t>entity shall present</a:t>
+            </a:r>
+            <a:br>
+              <a:rPr lang="en-US" b="0" i="1" dirty="0"/>
+            </a:br>
+            <a:r>
+              <a:rPr lang="en-US" b="0" i="1" dirty="0"/>
+              <a:t>the contract as a contract </a:t>
+            </a:r>
+            <a:r>
+              <a:rPr lang="en-US" b="0" i="1" dirty="0" smtClean="0"/>
+              <a:t>asset excluding </a:t>
+            </a:r>
+            <a:r>
+              <a:rPr lang="en-US" i="1" dirty="0" smtClean="0"/>
+              <a:t>receivable</a:t>
+            </a:r>
+            <a:r>
+              <a:rPr lang="en-US" b="0" i="1" dirty="0" smtClean="0"/>
+              <a:t>.</a:t>
+            </a:r>
+          </a:p>
+          <a:p>
+            <a:pPr lvl="0"/>
+            <a:r>
+              <a:rPr lang="en-US" b="0" i="1" dirty="0" smtClean="0"/>
+              <a:t>A </a:t>
+            </a:r>
+            <a:r>
+              <a:rPr lang="en-US" b="0" i="1" dirty="0"/>
+              <a:t>contract liability is an entity’s obligation to transfer goods or </a:t>
+            </a:r>
+            <a:r>
+              <a:rPr lang="en-US" b="0" i="1" dirty="0" smtClean="0"/>
+              <a:t>services</a:t>
+            </a:r>
+            <a:br>
+              <a:rPr lang="en-US" b="0" i="1" dirty="0" smtClean="0"/>
+            </a:br>
+            <a:r>
+              <a:rPr lang="en-US" b="0" i="1" dirty="0" smtClean="0"/>
+              <a:t>to </a:t>
+            </a:r>
+            <a:r>
+              <a:rPr lang="en-US" b="0" i="1" dirty="0"/>
+              <a:t>a customer for which the entity has received consideration (or an amount of</a:t>
+            </a:r>
+            <a:br>
+              <a:rPr lang="en-US" b="0" i="1" dirty="0"/>
+            </a:br>
+            <a:r>
+              <a:rPr lang="en-US" b="0" i="1" dirty="0"/>
+              <a:t>consideration is due) from the </a:t>
+            </a:r>
+            <a:r>
+              <a:rPr lang="en-US" b="0" i="1" dirty="0" smtClean="0"/>
+              <a:t>customer</a:t>
+            </a:r>
+            <a:r>
+              <a:rPr lang="en-US" i="1" dirty="0" smtClean="0"/>
+              <a:t>”</a:t>
+            </a:r>
+            <a:r>
+              <a:rPr lang="en-US" i="1" dirty="0"/>
+              <a:t/>
+            </a:r>
+            <a:br>
+              <a:rPr lang="en-US" i="1" dirty="0"/>
+            </a:br>
+            <a:endParaRPr lang="en-US" b="0" i="1" dirty="0" smtClean="0"/>
+          </a:p>
+          <a:p>
+            <a:pPr lvl="0"/>
+            <a:r>
+              <a:rPr lang="en-US" b="0" dirty="0" smtClean="0"/>
+              <a:t>RAR calculation:</a:t>
+            </a:r>
+          </a:p>
+          <a:p>
+            <a:r>
+              <a:rPr lang="en-US" dirty="0">
+                <a:solidFill>
+                  <a:srgbClr val="000000"/>
+                </a:solidFill>
+              </a:rPr>
+              <a:t>Contact </a:t>
+            </a:r>
+            <a:r>
+              <a:rPr lang="en-US" dirty="0" smtClean="0">
+                <a:solidFill>
+                  <a:srgbClr val="000000"/>
+                </a:solidFill>
+              </a:rPr>
+              <a:t>Liability</a:t>
+            </a:r>
+            <a:r>
+              <a:rPr lang="en-US" dirty="0" smtClean="0">
+                <a:solidFill>
+                  <a:srgbClr val="000000"/>
+                </a:solidFill>
+              </a:rPr>
+              <a:t> </a:t>
+            </a:r>
+            <a:r>
+              <a:rPr lang="en-US" dirty="0">
+                <a:solidFill>
+                  <a:srgbClr val="000000"/>
+                </a:solidFill>
+              </a:rPr>
+              <a:t>= Max{(fulfilled revenue – </a:t>
+            </a:r>
+            <a:r>
+              <a:rPr lang="en-US" dirty="0" smtClean="0">
+                <a:solidFill>
+                  <a:srgbClr val="000000"/>
+                </a:solidFill>
+              </a:rPr>
+              <a:t>Max(Receivable, </a:t>
+            </a:r>
+            <a:r>
+              <a:rPr lang="en-US" dirty="0">
+                <a:solidFill>
+                  <a:srgbClr val="000000"/>
+                </a:solidFill>
+              </a:rPr>
+              <a:t>invoice due amount), 0}</a:t>
+            </a:r>
+            <a:endParaRPr lang="en-US" sz="2800" dirty="0">
+              <a:solidFill>
+                <a:srgbClr val="000000"/>
+              </a:solidFill>
+            </a:endParaRPr>
+          </a:p>
+          <a:p>
+            <a:pPr lvl="0"/>
+            <a:endParaRPr lang="en-US" b="0" dirty="0" smtClean="0"/>
+          </a:p>
+          <a:p>
+            <a:pPr lvl="0"/>
+            <a:r>
+              <a:rPr lang="en-US" dirty="0" smtClean="0"/>
+              <a:t> </a:t>
+            </a:r>
+            <a:r>
+              <a:rPr lang="en-US" dirty="0"/>
+              <a:t/>
+            </a:r>
+            <a:br>
+              <a:rPr lang="en-US" dirty="0"/>
+            </a:br>
+            <a:r>
+              <a:rPr lang="en-US" dirty="0"/>
+              <a:t/>
+            </a:r>
+            <a:br>
+              <a:rPr lang="en-US" dirty="0"/>
+            </a:br>
+            <a:r>
+              <a:rPr lang="en-US" dirty="0"/>
+              <a:t> </a:t>
+            </a:r>
+            <a:br>
+              <a:rPr lang="en-US" dirty="0"/>
+            </a:br>
+            <a:endParaRPr lang="en-US" dirty="0" smtClean="0"/>
+          </a:p>
+        </p:txBody>
+      </p:sp>
+    </p:spTree>
+    <p:extLst>
+      <p:ext uri="{BB962C8B-B14F-4D97-AF65-F5344CB8AC3E}">
+        <p14:creationId xmlns:p14="http://schemas.microsoft.com/office/powerpoint/2010/main" val="1270595607"/>
+      </p:ext>
+    </p:extLst>
+  </p:cSld>
+  <p:clrMapOvr>
+    <a:masterClrMapping/>
+  </p:clrMapOvr>
+  <p:transition spd="med"/>
+  <p:timing>
+    <p:tnLst>
+      <p:par>
+        <p:cTn id="1" dur="indefinite" restart="never" nodeType="tmRoot"/>
+      </p:par>
+    </p:tnLst>
+  </p:timing>
+</p:sld>
+</file>
+
+<file path=ppt/slides/slide4.xml><?xml version="1.0" encoding="utf-8"?>
+<p:sld xmlns:a="http://schemas.openxmlformats.org/drawingml/2006/main" xmlns:r="http://schemas.openxmlformats.org/officeDocument/2006/relationships" xmlns:p="http://schemas.openxmlformats.org/presentationml/2006/main">
+  <p:cSld>
+    <p:spTree>
+      <p:nvGrpSpPr>
+        <p:cNvPr id="1" name=""/>
+        <p:cNvGrpSpPr/>
+        <p:nvPr/>
+      </p:nvGrpSpPr>
+      <p:grpSpPr>
+        <a:xfrm>
+          <a:off x="0" y="0"/>
+          <a:ext cx="0" cy="0"/>
+          <a:chOff x="0" y="0"/>
+          <a:chExt cx="0" cy="0"/>
+        </a:xfrm>
+      </p:grpSpPr>
+      <p:sp>
+        <p:nvSpPr>
+          <p:cNvPr id="2" name="Title 1"/>
+          <p:cNvSpPr>
+            <a:spLocks noGrp="1"/>
+          </p:cNvSpPr>
+          <p:nvPr>
+            <p:ph type="title"/>
+          </p:nvPr>
+        </p:nvSpPr>
+        <p:spPr/>
+        <p:txBody>
+          <a:bodyPr/>
+          <a:lstStyle/>
+          <a:p>
+            <a:r>
+              <a:rPr lang="en-US" dirty="0" smtClean="0"/>
+              <a:t>Contract Liability - Example</a:t>
+            </a:r>
+            <a:endParaRPr lang="en-US" sz="2000" b="0" dirty="0"/>
+          </a:p>
+        </p:txBody>
+      </p:sp>
+      <p:sp>
+        <p:nvSpPr>
+          <p:cNvPr id="3" name="Text Placeholder 2"/>
+          <p:cNvSpPr>
+            <a:spLocks noGrp="1"/>
+          </p:cNvSpPr>
+          <p:nvPr>
+            <p:ph type="body" sz="quarter" idx="10"/>
+          </p:nvPr>
+        </p:nvSpPr>
+        <p:spPr>
+          <a:xfrm>
+            <a:off x="324000" y="1349865"/>
+            <a:ext cx="8494713" cy="4391026"/>
+          </a:xfrm>
+        </p:spPr>
+        <p:txBody>
+          <a:bodyPr/>
+          <a:lstStyle/>
+          <a:p>
+            <a:pPr lvl="0">
+              <a:spcBef>
+                <a:spcPts val="600"/>
+              </a:spcBef>
+            </a:pPr>
+            <a:r>
+              <a:rPr lang="en-US" sz="1600" dirty="0" smtClean="0"/>
+              <a:t>IFRS </a:t>
+            </a:r>
+            <a:r>
+              <a:rPr lang="en-US" sz="1600" dirty="0" smtClean="0"/>
+              <a:t>15 Illustrative Example 38 C</a:t>
+            </a:r>
+            <a:r>
+              <a:rPr lang="en-US" altLang="zh-CN" sz="1600" dirty="0" smtClean="0"/>
+              <a:t>ase B:</a:t>
+            </a:r>
+          </a:p>
+          <a:p>
+            <a:pPr lvl="0">
+              <a:spcBef>
+                <a:spcPts val="600"/>
+              </a:spcBef>
+            </a:pPr>
+            <a:r>
+              <a:rPr lang="en-US" sz="1400" b="0" dirty="0" smtClean="0"/>
+              <a:t>On </a:t>
+            </a:r>
+            <a:r>
+              <a:rPr lang="en-US" sz="1400" b="0" dirty="0"/>
+              <a:t>1 January 20X9, an entity enters into a </a:t>
+            </a:r>
+            <a:r>
+              <a:rPr lang="en-US" sz="1400" b="0" dirty="0" smtClean="0"/>
+              <a:t>non-cancellable </a:t>
+            </a:r>
+            <a:r>
+              <a:rPr lang="en-US" sz="1400" b="0" dirty="0"/>
+              <a:t>contract to transfer </a:t>
+            </a:r>
+            <a:r>
+              <a:rPr lang="en-US" sz="1400" b="0" dirty="0" smtClean="0"/>
+              <a:t>a product </a:t>
+            </a:r>
+            <a:r>
+              <a:rPr lang="en-US" sz="1400" b="0" dirty="0"/>
+              <a:t>to a customer on 31 March 20X9. The contract requires the customer </a:t>
+            </a:r>
+            <a:r>
+              <a:rPr lang="en-US" sz="1400" b="0" dirty="0" smtClean="0"/>
+              <a:t>to pay </a:t>
+            </a:r>
+            <a:r>
+              <a:rPr lang="en-US" sz="1400" b="0" dirty="0"/>
+              <a:t>consideration of CU1,000 in advance </a:t>
+            </a:r>
+            <a:r>
+              <a:rPr lang="en-US" sz="1400" dirty="0"/>
+              <a:t>on 31 </a:t>
+            </a:r>
+            <a:r>
+              <a:rPr lang="en-US" sz="1400" dirty="0" smtClean="0"/>
+              <a:t>January </a:t>
+            </a:r>
+            <a:r>
+              <a:rPr lang="en-US" sz="1400" dirty="0"/>
+              <a:t>20X9</a:t>
+            </a:r>
+            <a:r>
+              <a:rPr lang="en-US" sz="1400" b="0" dirty="0"/>
+              <a:t>. The </a:t>
+            </a:r>
+            <a:r>
+              <a:rPr lang="en-US" sz="1400" b="0" dirty="0" smtClean="0"/>
+              <a:t>customer pays </a:t>
+            </a:r>
+            <a:r>
+              <a:rPr lang="en-US" sz="1400" b="0" dirty="0"/>
+              <a:t>the consideration on 1 March 20X9. </a:t>
+            </a:r>
+            <a:endParaRPr lang="en-US" sz="1400" b="0" dirty="0" smtClean="0"/>
+          </a:p>
+          <a:p>
+            <a:pPr marL="342900" lvl="0" indent="-342900">
+              <a:spcBef>
+                <a:spcPts val="600"/>
+              </a:spcBef>
+              <a:buAutoNum type="alphaLcParenBoth"/>
+            </a:pPr>
+            <a:r>
+              <a:rPr lang="en-US" sz="1400" b="0" dirty="0" smtClean="0"/>
+              <a:t>The </a:t>
+            </a:r>
+            <a:r>
+              <a:rPr lang="en-US" sz="1400" b="0" dirty="0"/>
+              <a:t>amount of consideration is </a:t>
+            </a:r>
+            <a:r>
+              <a:rPr lang="en-US" sz="1400" dirty="0"/>
+              <a:t>due on 31 January 20X9 </a:t>
+            </a:r>
+            <a:r>
+              <a:rPr lang="en-US" sz="1400" b="0" dirty="0"/>
+              <a:t>(which is </a:t>
+            </a:r>
+            <a:r>
+              <a:rPr lang="en-US" sz="1400" b="0" dirty="0" smtClean="0"/>
+              <a:t>when the </a:t>
+            </a:r>
+            <a:r>
+              <a:rPr lang="en-US" sz="1400" b="0" dirty="0"/>
+              <a:t>entity </a:t>
+            </a:r>
+            <a:r>
+              <a:rPr lang="en-US" sz="1400" dirty="0" smtClean="0"/>
+              <a:t>recognizes a receivable</a:t>
+            </a:r>
+            <a:r>
+              <a:rPr lang="en-US" sz="1400" b="0" dirty="0" smtClean="0"/>
+              <a:t> </a:t>
+            </a:r>
+            <a:r>
+              <a:rPr lang="en-US" sz="1400" b="0" dirty="0"/>
+              <a:t>because it has an unconditional </a:t>
+            </a:r>
+            <a:r>
+              <a:rPr lang="en-US" sz="1400" b="0" dirty="0" smtClean="0"/>
+              <a:t>right to </a:t>
+            </a:r>
+            <a:r>
+              <a:rPr lang="en-US" sz="1400" b="0" dirty="0"/>
+              <a:t>consideration):</a:t>
+            </a:r>
+            <a:br>
+              <a:rPr lang="en-US" sz="1400" b="0" dirty="0"/>
+            </a:br>
+            <a:r>
+              <a:rPr lang="en-US" sz="1400" b="0" dirty="0" smtClean="0"/>
+              <a:t>    Receivable 	 CU1,000</a:t>
+            </a:r>
+            <a:r>
+              <a:rPr lang="en-US" sz="1400" b="0" dirty="0"/>
+              <a:t/>
+            </a:r>
+            <a:br>
+              <a:rPr lang="en-US" sz="1400" b="0" dirty="0"/>
+            </a:br>
+            <a:r>
+              <a:rPr lang="en-US" sz="1400" b="0" dirty="0"/>
+              <a:t>	</a:t>
+            </a:r>
+            <a:r>
+              <a:rPr lang="en-US" sz="1400" b="0" dirty="0" smtClean="0"/>
+              <a:t>Contract </a:t>
+            </a:r>
+            <a:r>
+              <a:rPr lang="en-US" sz="1400" b="0" dirty="0"/>
+              <a:t>liability </a:t>
+            </a:r>
+            <a:r>
+              <a:rPr lang="en-US" sz="1400" b="0" dirty="0" smtClean="0"/>
+              <a:t>CU1,000</a:t>
+            </a:r>
+          </a:p>
+          <a:p>
+            <a:pPr marL="342900" lvl="0" indent="-342900">
+              <a:spcBef>
+                <a:spcPts val="600"/>
+              </a:spcBef>
+              <a:buAutoNum type="alphaLcParenBoth"/>
+            </a:pPr>
+            <a:r>
+              <a:rPr lang="en-US" sz="1400" b="0" dirty="0" smtClean="0"/>
+              <a:t>The </a:t>
+            </a:r>
+            <a:r>
+              <a:rPr lang="en-US" sz="1400" b="0" dirty="0"/>
+              <a:t>entity receives the cash on 1 March 20X9:</a:t>
+            </a:r>
+            <a:br>
+              <a:rPr lang="en-US" sz="1400" b="0" dirty="0"/>
+            </a:br>
+            <a:r>
+              <a:rPr lang="en-US" sz="1400" b="0" dirty="0" smtClean="0"/>
+              <a:t>    Cash                        CU1,000</a:t>
+            </a:r>
+            <a:r>
+              <a:rPr lang="en-US" sz="1400" b="0" dirty="0"/>
+              <a:t/>
+            </a:r>
+            <a:br>
+              <a:rPr lang="en-US" sz="1400" b="0" dirty="0"/>
+            </a:br>
+            <a:r>
+              <a:rPr lang="en-US" sz="1400" b="0" dirty="0" smtClean="0"/>
+              <a:t>           Receivable           CU1,000</a:t>
+            </a:r>
+          </a:p>
+          <a:p>
+            <a:pPr marL="342900" lvl="0" indent="-342900">
+              <a:spcBef>
+                <a:spcPts val="600"/>
+              </a:spcBef>
+              <a:buAutoNum type="alphaLcParenBoth"/>
+            </a:pPr>
+            <a:r>
+              <a:rPr lang="en-US" sz="1400" b="0" dirty="0" smtClean="0"/>
+              <a:t>The </a:t>
+            </a:r>
+            <a:r>
+              <a:rPr lang="en-US" sz="1400" b="0" dirty="0"/>
+              <a:t>entity satisfies the performance obligation on 31 March 20X9:</a:t>
+            </a:r>
+            <a:br>
+              <a:rPr lang="en-US" sz="1400" b="0" dirty="0"/>
+            </a:br>
+            <a:r>
+              <a:rPr lang="en-US" sz="1400" b="0" dirty="0" smtClean="0"/>
+              <a:t>    Contract </a:t>
+            </a:r>
+            <a:r>
+              <a:rPr lang="en-US" sz="1400" b="0" dirty="0"/>
+              <a:t>liability </a:t>
+            </a:r>
+            <a:r>
+              <a:rPr lang="en-US" sz="1400" b="0" dirty="0" smtClean="0"/>
+              <a:t>       CU1,000</a:t>
+            </a:r>
+            <a:r>
+              <a:rPr lang="en-US" sz="1400" b="0" dirty="0"/>
+              <a:t/>
+            </a:r>
+            <a:br>
+              <a:rPr lang="en-US" sz="1400" b="0" dirty="0"/>
+            </a:br>
+            <a:r>
+              <a:rPr lang="en-US" sz="1400" b="0" dirty="0" smtClean="0"/>
+              <a:t>          Revenue                 CU1,000</a:t>
+            </a:r>
+            <a:r>
+              <a:rPr lang="en-US" sz="1400" dirty="0" smtClean="0"/>
+              <a:t> </a:t>
+            </a:r>
+          </a:p>
+          <a:p>
+            <a:pPr lvl="0">
+              <a:spcBef>
+                <a:spcPts val="600"/>
+              </a:spcBef>
+            </a:pPr>
+            <a:r>
+              <a:rPr lang="en-US" dirty="0" smtClean="0"/>
+              <a:t>IE 200: </a:t>
+            </a:r>
+            <a:r>
+              <a:rPr lang="en-US" sz="1400" dirty="0" smtClean="0"/>
+              <a:t>If </a:t>
+            </a:r>
+            <a:r>
+              <a:rPr lang="en-US" sz="1400" dirty="0"/>
+              <a:t>the entity issued the invoice before 31 January 20X9</a:t>
+            </a:r>
+            <a:r>
+              <a:rPr lang="en-US" sz="1400" b="0" dirty="0"/>
+              <a:t> (the due date of </a:t>
+            </a:r>
+            <a:r>
+              <a:rPr lang="en-US" sz="1400" b="0" dirty="0" smtClean="0"/>
+              <a:t>the consideration</a:t>
+            </a:r>
+            <a:r>
+              <a:rPr lang="en-US" sz="1400" dirty="0"/>
+              <a:t>), the </a:t>
+            </a:r>
+            <a:r>
+              <a:rPr lang="en-US" sz="1400" dirty="0" smtClean="0"/>
+              <a:t>entity </a:t>
+            </a:r>
+            <a:r>
+              <a:rPr lang="en-US" sz="1400" dirty="0"/>
+              <a:t>would not present the receivable and the </a:t>
+            </a:r>
+            <a:r>
+              <a:rPr lang="en-US" sz="1400" dirty="0" smtClean="0"/>
+              <a:t>contract liability </a:t>
+            </a:r>
+            <a:r>
+              <a:rPr lang="en-US" sz="1400" dirty="0"/>
+              <a:t>on a gross basis</a:t>
+            </a:r>
+            <a:r>
+              <a:rPr lang="en-US" sz="1400" b="0" dirty="0"/>
+              <a:t> in the statement of financial position because the </a:t>
+            </a:r>
+            <a:r>
+              <a:rPr lang="en-US" sz="1400" b="0" dirty="0" smtClean="0"/>
+              <a:t>entity does </a:t>
+            </a:r>
+            <a:r>
+              <a:rPr lang="en-US" sz="1400" b="0" dirty="0"/>
+              <a:t>not yet have a right to consideration that is unconditional.</a:t>
+            </a:r>
+            <a:r>
+              <a:rPr lang="en-US" sz="1400" dirty="0"/>
+              <a:t> </a:t>
+            </a:r>
+            <a:br>
+              <a:rPr lang="en-US" sz="1400" dirty="0"/>
+            </a:br>
+            <a:endParaRPr lang="en-US" sz="1400" dirty="0" smtClean="0"/>
+          </a:p>
+          <a:p>
+            <a:pPr lvl="0">
+              <a:spcBef>
+                <a:spcPts val="600"/>
+              </a:spcBef>
+            </a:pPr>
+            <a:endParaRPr lang="en-US" dirty="0"/>
+          </a:p>
+        </p:txBody>
+      </p:sp>
+    </p:spTree>
+  </p:cSld>
+  <p:clrMapOvr>
+    <a:masterClrMapping/>
+  </p:clrMapOvr>
+  <p:transition spd="med"/>
+  <p:timing>
+    <p:tnLst>
+      <p:par>
+        <p:cTn id="1" dur="indefinite" restart="never" nodeType="tmRoot"/>
+      </p:par>
+    </p:tnLst>
+  </p:timing>
+</p:sld>
+</file>
+
+<file path=ppt/slides/slide5.xml><?xml version="1.0" encoding="utf-8"?>
+<p:sld xmlns:a="http://schemas.openxmlformats.org/drawingml/2006/main" xmlns:r="http://schemas.openxmlformats.org/officeDocument/2006/relationships" xmlns:p="http://schemas.openxmlformats.org/presentationml/2006/main">
+  <p:cSld>
+    <p:spTree>
+      <p:nvGrpSpPr>
+        <p:cNvPr id="1" name=""/>
+        <p:cNvGrpSpPr/>
+        <p:nvPr/>
+      </p:nvGrpSpPr>
+      <p:grpSpPr>
+        <a:xfrm>
+          <a:off x="0" y="0"/>
+          <a:ext cx="0" cy="0"/>
+          <a:chOff x="0" y="0"/>
+          <a:chExt cx="0" cy="0"/>
+        </a:xfrm>
+      </p:grpSpPr>
+      <p:sp>
+        <p:nvSpPr>
+          <p:cNvPr id="2" name="Title 1"/>
+          <p:cNvSpPr>
+            <a:spLocks noGrp="1"/>
+          </p:cNvSpPr>
+          <p:nvPr>
+            <p:ph type="title"/>
+          </p:nvPr>
+        </p:nvSpPr>
+        <p:spPr/>
+        <p:txBody>
+          <a:bodyPr/>
+          <a:lstStyle/>
+          <a:p>
+            <a:r>
+              <a:rPr lang="en-US" altLang="zh-CN" dirty="0" smtClean="0"/>
+              <a:t>Contract </a:t>
+            </a:r>
+            <a:r>
+              <a:rPr lang="en-US" altLang="zh-CN" dirty="0" smtClean="0"/>
+              <a:t>Asset &amp; Receivable</a:t>
+            </a:r>
+            <a:endParaRPr lang="en-US" dirty="0"/>
+          </a:p>
+        </p:txBody>
+      </p:sp>
+      <p:sp>
+        <p:nvSpPr>
+          <p:cNvPr id="3" name="Text Placeholder 2"/>
+          <p:cNvSpPr>
+            <a:spLocks noGrp="1"/>
+          </p:cNvSpPr>
+          <p:nvPr>
+            <p:ph type="body" sz="quarter" idx="10"/>
+          </p:nvPr>
+        </p:nvSpPr>
+        <p:spPr>
+          <a:xfrm>
+            <a:off x="324000" y="1408055"/>
+            <a:ext cx="8494713" cy="4391026"/>
+          </a:xfrm>
+        </p:spPr>
+        <p:txBody>
+          <a:bodyPr/>
+          <a:lstStyle/>
+          <a:p>
+            <a:pPr lvl="0"/>
+            <a:r>
+              <a:rPr lang="en-US" dirty="0" smtClean="0"/>
+              <a:t>Contract Asset ( D</a:t>
+            </a:r>
+            <a:r>
+              <a:rPr lang="en-US" dirty="0" smtClean="0"/>
+              <a:t>efinition in para 107 )</a:t>
+            </a:r>
+            <a:r>
+              <a:rPr lang="en-US" b="0" dirty="0" smtClean="0"/>
+              <a:t>:</a:t>
+            </a:r>
+            <a:endParaRPr lang="en-US" b="0" dirty="0" smtClean="0"/>
+          </a:p>
+          <a:p>
+            <a:pPr lvl="0"/>
+            <a:r>
+              <a:rPr lang="en-US" b="0" i="1" dirty="0" smtClean="0"/>
+              <a:t>“If </a:t>
+            </a:r>
+            <a:r>
+              <a:rPr lang="en-US" b="0" i="1" dirty="0"/>
+              <a:t>an entity performs by transferring goods or services to a customer before the</a:t>
+            </a:r>
+            <a:br>
+              <a:rPr lang="en-US" b="0" i="1" dirty="0"/>
+            </a:br>
+            <a:r>
+              <a:rPr lang="en-US" b="0" i="1" dirty="0"/>
+              <a:t>customer </a:t>
+            </a:r>
+            <a:r>
+              <a:rPr lang="en-US" i="1" dirty="0"/>
+              <a:t>pays</a:t>
+            </a:r>
+            <a:r>
+              <a:rPr lang="en-US" b="0" i="1" dirty="0"/>
+              <a:t> consideration or before </a:t>
+            </a:r>
+            <a:r>
+              <a:rPr lang="en-US" i="1" dirty="0"/>
+              <a:t>payment is </a:t>
+            </a:r>
+            <a:r>
+              <a:rPr lang="en-US" i="1" dirty="0" smtClean="0"/>
+              <a:t>due</a:t>
+            </a:r>
+            <a:r>
+              <a:rPr lang="en-US" b="0" i="1" dirty="0" smtClean="0"/>
+              <a:t>, the </a:t>
+            </a:r>
+            <a:r>
+              <a:rPr lang="en-US" b="0" i="1" dirty="0"/>
+              <a:t>entity shall present</a:t>
+            </a:r>
+            <a:br>
+              <a:rPr lang="en-US" b="0" i="1" dirty="0"/>
+            </a:br>
+            <a:r>
+              <a:rPr lang="en-US" b="0" i="1" dirty="0"/>
+              <a:t>the contract as a contract </a:t>
+            </a:r>
+            <a:r>
+              <a:rPr lang="en-US" b="0" i="1" dirty="0" smtClean="0"/>
+              <a:t>asset excluding </a:t>
+            </a:r>
+            <a:r>
+              <a:rPr lang="en-US" i="1" dirty="0"/>
+              <a:t>r</a:t>
+            </a:r>
+            <a:r>
+              <a:rPr lang="en-US" i="1" dirty="0" smtClean="0"/>
+              <a:t>eceivable</a:t>
+            </a:r>
+            <a:r>
+              <a:rPr lang="en-US" b="0" i="1" dirty="0" smtClean="0"/>
+              <a:t>.”</a:t>
+            </a:r>
+            <a:endParaRPr lang="en-US" b="0" i="1" dirty="0" smtClean="0"/>
+          </a:p>
+          <a:p>
+            <a:pPr lvl="0"/>
+            <a:r>
+              <a:rPr lang="en-US" altLang="zh-CN" dirty="0" smtClean="0"/>
+              <a:t>Receivable ( </a:t>
+            </a:r>
+            <a:r>
+              <a:rPr lang="en-US" dirty="0" smtClean="0"/>
+              <a:t>Definition </a:t>
+            </a:r>
+            <a:r>
+              <a:rPr lang="en-US" dirty="0"/>
+              <a:t>in para </a:t>
+            </a:r>
+            <a:r>
+              <a:rPr lang="en-US" dirty="0" smtClean="0"/>
+              <a:t>108 )</a:t>
+            </a:r>
+            <a:r>
+              <a:rPr lang="en-US" b="0" dirty="0" smtClean="0"/>
+              <a:t>:</a:t>
+            </a:r>
+            <a:endParaRPr lang="en-US" b="0" dirty="0"/>
+          </a:p>
+          <a:p>
+            <a:r>
+              <a:rPr lang="en-US" b="0" i="1" dirty="0" smtClean="0"/>
+              <a:t>“A </a:t>
+            </a:r>
+            <a:r>
+              <a:rPr lang="en-US" b="0" i="1" dirty="0"/>
+              <a:t>receivable is an entity’s right to consideration that is unconditional. A right to</a:t>
+            </a:r>
+            <a:br>
+              <a:rPr lang="en-US" b="0" i="1" dirty="0"/>
+            </a:br>
+            <a:r>
+              <a:rPr lang="en-US" b="0" i="1" dirty="0"/>
+              <a:t>consideration is unconditional if only the passage of time is required before</a:t>
+            </a:r>
+            <a:br>
+              <a:rPr lang="en-US" b="0" i="1" dirty="0"/>
+            </a:br>
+            <a:r>
+              <a:rPr lang="en-US" b="0" i="1" dirty="0"/>
+              <a:t>payment of that consideration is </a:t>
+            </a:r>
+            <a:r>
+              <a:rPr lang="en-US" b="0" i="1" dirty="0" smtClean="0"/>
+              <a:t>due.”</a:t>
+            </a:r>
+            <a:endParaRPr lang="en-US" b="0" i="1" dirty="0"/>
+          </a:p>
+          <a:p>
+            <a:pPr lvl="0"/>
+            <a:r>
+              <a:rPr lang="en-US" dirty="0"/>
+              <a:t/>
+            </a:r>
+            <a:br>
+              <a:rPr lang="en-US" dirty="0"/>
+            </a:br>
+            <a:r>
+              <a:rPr lang="en-US" dirty="0"/>
+              <a:t/>
+            </a:r>
+            <a:br>
+              <a:rPr lang="en-US" dirty="0"/>
+            </a:br>
+            <a:r>
+              <a:rPr lang="en-US" dirty="0"/>
+              <a:t> </a:t>
+            </a:r>
+            <a:br>
+              <a:rPr lang="en-US" dirty="0"/>
+            </a:br>
+            <a:endParaRPr lang="en-US" dirty="0" smtClean="0"/>
+          </a:p>
+        </p:txBody>
+      </p:sp>
+    </p:spTree>
+  </p:cSld>
+  <p:clrMapOvr>
+    <a:masterClrMapping/>
+  </p:clrMapOvr>
+  <p:transition spd="med"/>
+  <p:timing>
+    <p:tnLst>
+      <p:par>
+        <p:cTn id="1" dur="indefinite" restart="never" nodeType="tmRoot"/>
+      </p:par>
+    </p:tnLst>
+  </p:timing>
+</p:sld>
+</file>
+
+<file path=ppt/slides/slide6.xml><?xml version="1.0" encoding="utf-8"?>
+<p:sld xmlns:a="http://schemas.openxmlformats.org/drawingml/2006/main" xmlns:r="http://schemas.openxmlformats.org/officeDocument/2006/relationships" xmlns:p="http://schemas.openxmlformats.org/presentationml/2006/main">
+  <p:cSld>
+    <p:spTree>
+      <p:nvGrpSpPr>
+        <p:cNvPr id="1" name=""/>
+        <p:cNvGrpSpPr/>
+        <p:nvPr/>
+      </p:nvGrpSpPr>
+      <p:grpSpPr>
+        <a:xfrm>
+          <a:off x="0" y="0"/>
+          <a:ext cx="0" cy="0"/>
+          <a:chOff x="0" y="0"/>
+          <a:chExt cx="0" cy="0"/>
+        </a:xfrm>
+      </p:grpSpPr>
+      <p:sp>
+        <p:nvSpPr>
+          <p:cNvPr id="2" name="Title 1"/>
+          <p:cNvSpPr>
+            <a:spLocks noGrp="1"/>
+          </p:cNvSpPr>
+          <p:nvPr>
+            <p:ph type="title"/>
+          </p:nvPr>
+        </p:nvSpPr>
+        <p:spPr/>
+        <p:txBody>
+          <a:bodyPr/>
+          <a:lstStyle/>
+          <a:p>
+            <a:r>
+              <a:rPr lang="en-US" altLang="zh-CN" dirty="0" smtClean="0"/>
+              <a:t>Contract Asset - Example</a:t>
+            </a:r>
+            <a:endParaRPr lang="en-US" dirty="0"/>
+          </a:p>
+        </p:txBody>
+      </p:sp>
+      <p:sp>
+        <p:nvSpPr>
+          <p:cNvPr id="4" name="Text Placeholder 3"/>
+          <p:cNvSpPr>
+            <a:spLocks noGrp="1"/>
+          </p:cNvSpPr>
+          <p:nvPr>
+            <p:ph type="body" sz="quarter" idx="10"/>
+          </p:nvPr>
+        </p:nvSpPr>
+        <p:spPr/>
+        <p:txBody>
+          <a:bodyPr/>
+          <a:lstStyle/>
+          <a:p>
+            <a:endParaRPr lang="en-US" dirty="0"/>
+          </a:p>
+        </p:txBody>
+      </p:sp>
+    </p:spTree>
+    <p:extLst>
+      <p:ext uri="{BB962C8B-B14F-4D97-AF65-F5344CB8AC3E}">
+        <p14:creationId xmlns:p14="http://schemas.microsoft.com/office/powerpoint/2010/main" val="683307850"/>
+      </p:ext>
+    </p:extLst>
+  </p:cSld>
+  <p:clrMapOvr>
+    <a:masterClrMapping/>
+  </p:clrMapOvr>
+  <p:transition spd="med"/>
+  <p:timing>
+    <p:tnLst>
+      <p:par>
+        <p:cTn id="1" dur="indefinite" restart="never" nodeType="tmRoot"/>
+      </p:par>
+    </p:tnLst>
+  </p:timing>
+</p:sld>
+</file>
+
+<file path=ppt/slides/slide7.xml><?xml version="1.0" encoding="utf-8"?>
+<p:sld xmlns:a="http://schemas.openxmlformats.org/drawingml/2006/main" xmlns:r="http://schemas.openxmlformats.org/officeDocument/2006/relationships" xmlns:p="http://schemas.openxmlformats.org/presentationml/2006/main">
+  <p:cSld>
+    <p:spTree>
+      <p:nvGrpSpPr>
+        <p:cNvPr id="1" name=""/>
+        <p:cNvGrpSpPr/>
+        <p:nvPr/>
+      </p:nvGrpSpPr>
+      <p:grpSpPr>
+        <a:xfrm>
+          <a:off x="0" y="0"/>
+          <a:ext cx="0" cy="0"/>
+          <a:chOff x="0" y="0"/>
+          <a:chExt cx="0" cy="0"/>
+        </a:xfrm>
+      </p:grpSpPr>
+      <p:sp>
+        <p:nvSpPr>
+          <p:cNvPr id="2" name="Title 1"/>
+          <p:cNvSpPr>
+            <a:spLocks noGrp="1"/>
+          </p:cNvSpPr>
+          <p:nvPr>
+            <p:ph type="title"/>
+          </p:nvPr>
+        </p:nvSpPr>
+        <p:spPr/>
+        <p:txBody>
+          <a:bodyPr/>
+          <a:lstStyle/>
+          <a:p>
+            <a:r>
+              <a:rPr lang="en-US" altLang="zh-CN" dirty="0" smtClean="0"/>
+              <a:t>Receivable - Example</a:t>
+            </a:r>
+            <a:endParaRPr lang="en-US" dirty="0"/>
+          </a:p>
+        </p:txBody>
+      </p:sp>
+      <p:sp>
+        <p:nvSpPr>
+          <p:cNvPr id="4" name="Text Placeholder 3"/>
+          <p:cNvSpPr>
+            <a:spLocks noGrp="1"/>
+          </p:cNvSpPr>
+          <p:nvPr>
+            <p:ph type="body" sz="quarter" idx="10"/>
+          </p:nvPr>
+        </p:nvSpPr>
+        <p:spPr>
+          <a:xfrm>
+            <a:off x="324000" y="1466243"/>
+            <a:ext cx="8494713" cy="4391026"/>
+          </a:xfrm>
+        </p:spPr>
+        <p:txBody>
+          <a:bodyPr/>
+          <a:lstStyle/>
+          <a:p>
+            <a:r>
+              <a:rPr lang="en-US" b="0" i="1" dirty="0" smtClean="0"/>
+              <a:t>On </a:t>
+            </a:r>
+            <a:r>
+              <a:rPr lang="en-US" b="0" i="1" dirty="0"/>
+              <a:t>March 1, 20X1, Entity A enters into a contract with one performance obligation (</a:t>
+            </a:r>
+            <a:r>
+              <a:rPr lang="en-US" b="0" i="1" dirty="0" smtClean="0"/>
+              <a:t>software license </a:t>
+            </a:r>
+            <a:r>
+              <a:rPr lang="en-US" b="0" i="1" dirty="0"/>
+              <a:t>that is determined to be </a:t>
+            </a:r>
+            <a:r>
+              <a:rPr lang="en-US" b="0" i="1" dirty="0" smtClean="0"/>
+              <a:t>satisfied </a:t>
+            </a:r>
+            <a:r>
+              <a:rPr lang="en-US" b="0" i="1" dirty="0"/>
+              <a:t>at a point in time) for $3,600. Entity A delivers </a:t>
+            </a:r>
+            <a:r>
+              <a:rPr lang="en-US" b="0" i="1" dirty="0" smtClean="0"/>
+              <a:t>the software </a:t>
+            </a:r>
+            <a:r>
+              <a:rPr lang="en-US" b="0" i="1" dirty="0"/>
+              <a:t>license on March 1, 20X1, and will invoice the customer in three equal and </a:t>
+            </a:r>
+            <a:r>
+              <a:rPr lang="en-US" b="0" i="1" dirty="0" smtClean="0"/>
+              <a:t>annual installments </a:t>
+            </a:r>
+            <a:r>
+              <a:rPr lang="en-US" b="0" i="1" dirty="0"/>
+              <a:t>of $1,200 on March 1 of 20X1, 20X2, and 20X3. Payment is due by April 1 of </a:t>
+            </a:r>
+            <a:r>
+              <a:rPr lang="en-US" b="0" i="1" dirty="0" smtClean="0"/>
+              <a:t>each year</a:t>
+            </a:r>
+            <a:r>
+              <a:rPr lang="en-US" b="0" i="1" dirty="0"/>
+              <a:t>.</a:t>
+            </a:r>
+            <a:r>
+              <a:rPr lang="en-US" i="1" dirty="0"/>
+              <a:t> </a:t>
+            </a:r>
+            <a:endParaRPr lang="en-US" i="1" dirty="0" smtClean="0"/>
+          </a:p>
+          <a:p>
+            <a:r>
+              <a:rPr lang="en-US" b="0" i="1" dirty="0"/>
+              <a:t>Entity A should record a receivable for the full contract amount ($3,600) when it </a:t>
+            </a:r>
+            <a:r>
+              <a:rPr lang="en-US" b="0" i="1" dirty="0" smtClean="0"/>
+              <a:t>satisfies the </a:t>
+            </a:r>
+            <a:r>
+              <a:rPr lang="en-US" b="0" i="1" dirty="0"/>
+              <a:t>performance obligation on March 1, 20X1. That is, the $3,600 should be recorded as </a:t>
+            </a:r>
+            <a:r>
+              <a:rPr lang="en-US" b="0" i="1" dirty="0" smtClean="0"/>
+              <a:t>a receivable.</a:t>
+            </a:r>
+            <a:r>
+              <a:rPr lang="en-US" i="1" dirty="0" smtClean="0"/>
+              <a:t> </a:t>
+            </a:r>
+            <a:r>
+              <a:rPr lang="en-US" dirty="0"/>
+              <a:t/>
+            </a:r>
+            <a:br>
+              <a:rPr lang="en-US" dirty="0"/>
+            </a:br>
+            <a:r>
+              <a:rPr lang="en-US" dirty="0"/>
+              <a:t/>
+            </a:r>
+            <a:br>
+              <a:rPr lang="en-US" dirty="0"/>
+            </a:br>
+            <a:endParaRPr lang="en-US" dirty="0"/>
+          </a:p>
+        </p:txBody>
+      </p:sp>
+    </p:spTree>
+    <p:extLst>
+      <p:ext uri="{BB962C8B-B14F-4D97-AF65-F5344CB8AC3E}">
+        <p14:creationId xmlns:p14="http://schemas.microsoft.com/office/powerpoint/2010/main" val="731481636"/>
+      </p:ext>
+    </p:extLst>
+  </p:cSld>
+  <p:clrMapOvr>
+    <a:masterClrMapping/>
+  </p:clrMapOvr>
+  <p:transition spd="med"/>
+  <p:timing>
+    <p:tnLst>
+      <p:par>
+        <p:cTn id="1" dur="indefinite" restart="never" nodeType="tmRoot"/>
+      </p:par>
+    </p:tnLst>
+  </p:timing>
+</p:sld>
+</file>
+
+<file path=ppt/slides/slide8.xml><?xml version="1.0" encoding="utf-8"?>
+<p:sld xmlns:a="http://schemas.openxmlformats.org/drawingml/2006/main" xmlns:r="http://schemas.openxmlformats.org/officeDocument/2006/relationships" xmlns:p="http://schemas.openxmlformats.org/presentationml/2006/main">
+  <p:cSld>
+    <p:spTree>
+      <p:nvGrpSpPr>
+        <p:cNvPr id="1" name=""/>
+        <p:cNvGrpSpPr/>
+        <p:nvPr/>
+      </p:nvGrpSpPr>
+      <p:grpSpPr>
+        <a:xfrm>
+          <a:off x="0" y="0"/>
+          <a:ext cx="0" cy="0"/>
+          <a:chOff x="0" y="0"/>
+          <a:chExt cx="0" cy="0"/>
+        </a:xfrm>
+      </p:grpSpPr>
+      <p:sp>
+        <p:nvSpPr>
+          <p:cNvPr id="2" name="Title 1"/>
+          <p:cNvSpPr>
+            <a:spLocks noGrp="1"/>
+          </p:cNvSpPr>
+          <p:nvPr>
+            <p:ph type="title"/>
+          </p:nvPr>
+        </p:nvSpPr>
+        <p:spPr/>
+        <p:txBody>
+          <a:bodyPr/>
+          <a:lstStyle/>
+          <a:p>
+            <a:r>
+              <a:rPr lang="en-US" altLang="zh-CN" dirty="0" smtClean="0"/>
+              <a:t>Receivable – RAR presentation</a:t>
+            </a:r>
+            <a:endParaRPr lang="en-US" dirty="0"/>
+          </a:p>
+        </p:txBody>
+      </p:sp>
+      <p:sp>
+        <p:nvSpPr>
+          <p:cNvPr id="4" name="Text Placeholder 3"/>
+          <p:cNvSpPr>
+            <a:spLocks noGrp="1"/>
+          </p:cNvSpPr>
+          <p:nvPr>
+            <p:ph type="body" sz="quarter" idx="10"/>
+          </p:nvPr>
+        </p:nvSpPr>
+        <p:spPr>
+          <a:xfrm>
+            <a:off x="324000" y="1466243"/>
+            <a:ext cx="8494713" cy="4391026"/>
+          </a:xfrm>
+        </p:spPr>
+        <p:txBody>
+          <a:bodyPr/>
+          <a:lstStyle/>
+          <a:p>
+            <a:r>
+              <a:rPr lang="en-US" b="0" i="1" dirty="0" smtClean="0"/>
+              <a:t>On </a:t>
+            </a:r>
+            <a:r>
+              <a:rPr lang="en-US" b="0" i="1" dirty="0"/>
+              <a:t>March 1, 20X1, Entity A enters into a contract with one performance obligation (</a:t>
+            </a:r>
+            <a:r>
+              <a:rPr lang="en-US" b="0" i="1" dirty="0" smtClean="0"/>
+              <a:t>software license </a:t>
+            </a:r>
+            <a:r>
+              <a:rPr lang="en-US" b="0" i="1" dirty="0"/>
+              <a:t>that is determined to be </a:t>
+            </a:r>
+            <a:r>
+              <a:rPr lang="en-US" b="0" i="1" dirty="0" smtClean="0"/>
+              <a:t>satisfied </a:t>
+            </a:r>
+            <a:r>
+              <a:rPr lang="en-US" b="0" i="1" dirty="0"/>
+              <a:t>at a point in time) for $3,600. Entity A delivers </a:t>
+            </a:r>
+            <a:r>
+              <a:rPr lang="en-US" b="0" i="1" dirty="0" smtClean="0"/>
+              <a:t>the software </a:t>
+            </a:r>
+            <a:r>
+              <a:rPr lang="en-US" b="0" i="1" dirty="0"/>
+              <a:t>license on March 1, 20X1, and will invoice the customer in three equal and </a:t>
+            </a:r>
+            <a:r>
+              <a:rPr lang="en-US" b="0" i="1" dirty="0" smtClean="0"/>
+              <a:t>annual installments </a:t>
+            </a:r>
+            <a:r>
+              <a:rPr lang="en-US" b="0" i="1" dirty="0"/>
+              <a:t>of $1,200 on March 1 of 20X1, 20X2, and 20X3. Payment is due by April 1 of </a:t>
+            </a:r>
+            <a:r>
+              <a:rPr lang="en-US" b="0" i="1" dirty="0" smtClean="0"/>
+              <a:t>each year</a:t>
+            </a:r>
+            <a:r>
+              <a:rPr lang="en-US" b="0" i="1" dirty="0"/>
+              <a:t>.</a:t>
+            </a:r>
+            <a:r>
+              <a:rPr lang="en-US" i="1" dirty="0"/>
+              <a:t> </a:t>
+            </a:r>
+            <a:endParaRPr lang="en-US" i="1" dirty="0" smtClean="0"/>
+          </a:p>
+          <a:p>
+            <a:r>
+              <a:rPr lang="en-US" b="0" i="1" dirty="0"/>
+              <a:t>Entity A should record a receivable for the full contract amount ($3,600) when it </a:t>
+            </a:r>
+            <a:r>
+              <a:rPr lang="en-US" b="0" i="1" dirty="0" smtClean="0"/>
+              <a:t>satisfies the </a:t>
+            </a:r>
+            <a:r>
+              <a:rPr lang="en-US" b="0" i="1" dirty="0"/>
+              <a:t>performance obligation on March 1, 20X1. That is, the $3,600 should be recorded as </a:t>
+            </a:r>
+            <a:r>
+              <a:rPr lang="en-US" b="0" i="1" dirty="0" smtClean="0"/>
+              <a:t>a receivable.</a:t>
+            </a:r>
+            <a:r>
+              <a:rPr lang="en-US" i="1" dirty="0" smtClean="0"/>
+              <a:t> </a:t>
+            </a:r>
+            <a:r>
+              <a:rPr lang="en-US" dirty="0"/>
+              <a:t/>
+            </a:r>
+            <a:br>
+              <a:rPr lang="en-US" dirty="0"/>
+            </a:br>
+            <a:r>
+              <a:rPr lang="en-US" dirty="0"/>
+              <a:t/>
+            </a:r>
+            <a:br>
+              <a:rPr lang="en-US" dirty="0"/>
+            </a:br>
+            <a:endParaRPr lang="en-US" dirty="0"/>
+          </a:p>
+        </p:txBody>
+      </p:sp>
+    </p:spTree>
+    <p:extLst>
+      <p:ext uri="{BB962C8B-B14F-4D97-AF65-F5344CB8AC3E}">
+        <p14:creationId xmlns:p14="http://schemas.microsoft.com/office/powerpoint/2010/main" val="3114043337"/>
+      </p:ext>
+    </p:extLst>
+  </p:cSld>
+  <p:clrMapOvr>
+    <a:masterClrMapping/>
+  </p:clrMapOvr>
+  <p:transition spd="med"/>
+  <p:timing>
+    <p:tnLst>
+      <p:par>
+        <p:cTn id="1" dur="indefinite" restart="never" nodeType="tmRoot"/>
+      </p:par>
+    </p:tnLst>
+  </p:timing>
+</p:sld>
+</file>
+
+<file path=ppt/slides/slide9.xml><?xml version="1.0" encoding="utf-8"?>
+<p:sld xmlns:a="http://schemas.openxmlformats.org/drawingml/2006/main" xmlns:r="http://schemas.openxmlformats.org/officeDocument/2006/relationships" xmlns:p="http://schemas.openxmlformats.org/presentationml/2006/main">
+  <p:cSld>
+    <p:spTree>
+      <p:nvGrpSpPr>
+        <p:cNvPr id="1" name=""/>
+        <p:cNvGrpSpPr/>
+        <p:nvPr/>
+      </p:nvGrpSpPr>
+      <p:grpSpPr>
+        <a:xfrm>
+          <a:off x="0" y="0"/>
+          <a:ext cx="0" cy="0"/>
+          <a:chOff x="0" y="0"/>
+          <a:chExt cx="0" cy="0"/>
+        </a:xfrm>
+      </p:grpSpPr>
+      <p:sp>
+        <p:nvSpPr>
+          <p:cNvPr id="2" name="Title 1"/>
+          <p:cNvSpPr>
+            <a:spLocks noGrp="1"/>
+          </p:cNvSpPr>
+          <p:nvPr>
+            <p:ph type="title"/>
+          </p:nvPr>
+        </p:nvSpPr>
+        <p:spPr/>
+        <p:txBody>
+          <a:bodyPr/>
+          <a:lstStyle/>
+          <a:p>
+            <a:r>
+              <a:rPr lang="en-US" dirty="0" smtClean="0"/>
+              <a:t>Contract Asset and Receivable</a:t>
+            </a:r>
+            <a:br>
+              <a:rPr lang="en-US" dirty="0" smtClean="0"/>
+            </a:br>
+            <a:r>
+              <a:rPr lang="en-US" dirty="0" smtClean="0"/>
+              <a:t>- Assets resulted from revenue recognition</a:t>
+            </a:r>
+            <a:endParaRPr lang="en-US" dirty="0"/>
+          </a:p>
+        </p:txBody>
+      </p:sp>
+      <p:sp>
+        <p:nvSpPr>
+          <p:cNvPr id="3" name="Rectangle 2"/>
+          <p:cNvSpPr/>
+          <p:nvPr/>
+        </p:nvSpPr>
+        <p:spPr bwMode="gray">
+          <a:xfrm>
+            <a:off x="5286895" y="2069644"/>
+            <a:ext cx="2502130" cy="1488204"/>
+          </a:xfrm>
+          <a:prstGeom prst="rect">
+            <a:avLst/>
+          </a:prstGeom>
+          <a:solidFill>
+            <a:srgbClr val="FFFF00"/>
+          </a:solidFill>
+          <a:ln w="6350" algn="ctr">
+            <a:solidFill>
+              <a:schemeClr val="tx1"/>
+            </a:solidFill>
+            <a:miter lim="800000"/>
+            <a:headEnd/>
+            <a:tailEnd/>
+          </a:ln>
+        </p:spPr>
+        <p:txBody>
+          <a:bodyPr lIns="90000" tIns="72000" rIns="90000" bIns="72000" rtlCol="0" anchor="ctr"/>
+          <a:lstStyle/>
+          <a:p>
+            <a:pPr marR="0" algn="ctr" defTabSz="914400" eaLnBrk="1" fontAlgn="base" latinLnBrk="0" hangingPunct="1">
+              <a:lnSpc>
+                <a:spcPct val="100000"/>
+              </a:lnSpc>
+              <a:spcBef>
+                <a:spcPct val="50000"/>
+              </a:spcBef>
+              <a:spcAft>
+                <a:spcPct val="0"/>
+              </a:spcAft>
+              <a:buClr>
+                <a:srgbClr val="F0AB00"/>
+              </a:buClr>
+              <a:buSzPct val="80000"/>
+              <a:tabLst/>
+            </a:pPr>
+            <a:r>
+              <a:rPr kumimoji="0" lang="en-US" b="0" i="0" u="none" strike="noStrike" kern="0" cap="none" spc="0" normalizeH="0" baseline="0" noProof="0" dirty="0" smtClean="0">
+                <a:ln>
+                  <a:noFill/>
+                </a:ln>
+                <a:effectLst/>
+                <a:uLnTx/>
+                <a:uFillTx/>
+                <a:ea typeface="Arial Unicode MS" pitchFamily="34" charset="-128"/>
+                <a:cs typeface="Arial Unicode MS" pitchFamily="34" charset="-128"/>
+              </a:rPr>
+              <a:t>Contract Asset</a:t>
+            </a:r>
+            <a:endParaRPr kumimoji="0" lang="en-US" b="0" i="0" u="none" strike="noStrike" kern="0" cap="none" spc="0" normalizeH="0" baseline="0" noProof="0" dirty="0" smtClean="0">
+              <a:ln>
+                <a:noFill/>
+              </a:ln>
+              <a:effectLst/>
+              <a:uLnTx/>
+              <a:uFillTx/>
+              <a:ea typeface="Arial Unicode MS" pitchFamily="34" charset="-128"/>
+              <a:cs typeface="Arial Unicode MS" pitchFamily="34" charset="-128"/>
+            </a:endParaRPr>
+          </a:p>
+        </p:txBody>
+      </p:sp>
+      <p:sp>
+        <p:nvSpPr>
+          <p:cNvPr id="4" name="Rectangle 3"/>
+          <p:cNvSpPr/>
+          <p:nvPr/>
+        </p:nvSpPr>
+        <p:spPr bwMode="gray">
+          <a:xfrm>
+            <a:off x="5286895" y="3557848"/>
+            <a:ext cx="2502130" cy="1666597"/>
+          </a:xfrm>
+          <a:prstGeom prst="rect">
+            <a:avLst/>
+          </a:prstGeom>
+          <a:solidFill>
+            <a:schemeClr val="accent4"/>
+          </a:solidFill>
+          <a:ln w="6350" algn="ctr">
+            <a:solidFill>
+              <a:schemeClr val="tx1"/>
+            </a:solidFill>
+            <a:miter lim="800000"/>
+            <a:headEnd/>
+            <a:tailEnd/>
+          </a:ln>
+        </p:spPr>
+        <p:txBody>
+          <a:bodyPr lIns="90000" tIns="72000" rIns="90000" bIns="72000" rtlCol="0" anchor="ctr"/>
+          <a:lstStyle/>
+          <a:p>
+            <a:pPr marR="0" algn="ctr" defTabSz="914400" eaLnBrk="1" fontAlgn="base" latinLnBrk="0" hangingPunct="1">
+              <a:lnSpc>
+                <a:spcPct val="100000"/>
+              </a:lnSpc>
+              <a:spcBef>
+                <a:spcPct val="50000"/>
+              </a:spcBef>
+              <a:spcAft>
+                <a:spcPct val="0"/>
+              </a:spcAft>
+              <a:buClr>
+                <a:srgbClr val="F0AB00"/>
+              </a:buClr>
+              <a:buSzPct val="80000"/>
+              <a:tabLst/>
+            </a:pPr>
+            <a:r>
+              <a:rPr kumimoji="0" lang="en-US" altLang="zh-CN" b="0" i="0" u="none" strike="noStrike" kern="0" cap="none" spc="0" normalizeH="0" baseline="0" noProof="0" dirty="0" smtClean="0">
+                <a:ln>
+                  <a:noFill/>
+                </a:ln>
+                <a:effectLst/>
+                <a:uLnTx/>
+                <a:uFillTx/>
+                <a:ea typeface="Arial Unicode MS" pitchFamily="34" charset="-128"/>
+                <a:cs typeface="Arial Unicode MS" pitchFamily="34" charset="-128"/>
+              </a:rPr>
+              <a:t>Receivable</a:t>
+            </a:r>
+            <a:endParaRPr kumimoji="0" lang="en-US" b="0" i="0" u="none" strike="noStrike" kern="0" cap="none" spc="0" normalizeH="0" baseline="0" noProof="0" dirty="0" smtClean="0">
+              <a:ln>
+                <a:noFill/>
+              </a:ln>
+              <a:effectLst/>
+              <a:uLnTx/>
+              <a:uFillTx/>
+              <a:ea typeface="Arial Unicode MS" pitchFamily="34" charset="-128"/>
+              <a:cs typeface="Arial Unicode MS" pitchFamily="34" charset="-128"/>
+            </a:endParaRPr>
+          </a:p>
+        </p:txBody>
+      </p:sp>
+      <p:sp>
+        <p:nvSpPr>
+          <p:cNvPr id="8" name="TextBox 7"/>
+          <p:cNvSpPr txBox="1"/>
+          <p:nvPr/>
+        </p:nvSpPr>
+        <p:spPr>
+          <a:xfrm>
+            <a:off x="1529541" y="1458779"/>
+            <a:ext cx="706581" cy="461665"/>
+          </a:xfrm>
+          <a:prstGeom prst="rect">
+            <a:avLst/>
+          </a:prstGeom>
+          <a:noFill/>
+        </p:spPr>
+        <p:txBody>
+          <a:bodyPr wrap="square" lIns="0" tIns="0" rIns="0" bIns="0" rtlCol="0">
+            <a:spAutoFit/>
+          </a:bodyPr>
+          <a:lstStyle/>
+          <a:p>
+            <a:pPr fontAlgn="base">
+              <a:spcBef>
+                <a:spcPts val="600"/>
+              </a:spcBef>
+              <a:spcAft>
+                <a:spcPct val="0"/>
+              </a:spcAft>
+              <a:buClr>
+                <a:srgbClr val="F0AB00"/>
+              </a:buClr>
+              <a:buSzPct val="80000"/>
+            </a:pPr>
+            <a:r>
+              <a:rPr lang="en-US" sz="1000" b="1" kern="0" dirty="0" smtClean="0">
+                <a:ea typeface="Arial Unicode MS" pitchFamily="34" charset="-128"/>
+                <a:cs typeface="Arial Unicode MS" pitchFamily="34" charset="-128"/>
+              </a:rPr>
+              <a:t>Timing </a:t>
+            </a:r>
+            <a:r>
+              <a:rPr lang="en-US" sz="1000" b="1" kern="0" dirty="0" smtClean="0">
+                <a:ea typeface="Arial Unicode MS" pitchFamily="34" charset="-128"/>
+                <a:cs typeface="Arial Unicode MS" pitchFamily="34" charset="-128"/>
+              </a:rPr>
+              <a:t>to Recognize Revenue</a:t>
+            </a:r>
+            <a:endParaRPr lang="en-US" sz="1000" b="1" kern="0" dirty="0" smtClean="0">
+              <a:ea typeface="Arial Unicode MS" pitchFamily="34" charset="-128"/>
+              <a:cs typeface="Arial Unicode MS" pitchFamily="34" charset="-128"/>
+            </a:endParaRPr>
+          </a:p>
+        </p:txBody>
+      </p:sp>
+      <p:sp>
+        <p:nvSpPr>
+          <p:cNvPr id="9" name="TextBox 8"/>
+          <p:cNvSpPr txBox="1"/>
+          <p:nvPr/>
+        </p:nvSpPr>
+        <p:spPr>
+          <a:xfrm>
+            <a:off x="3715788" y="1458779"/>
+            <a:ext cx="856212" cy="307777"/>
+          </a:xfrm>
+          <a:prstGeom prst="rect">
+            <a:avLst/>
+          </a:prstGeom>
+          <a:noFill/>
+        </p:spPr>
+        <p:txBody>
+          <a:bodyPr wrap="square" lIns="0" tIns="0" rIns="0" bIns="0" rtlCol="0">
+            <a:spAutoFit/>
+          </a:bodyPr>
+          <a:lstStyle/>
+          <a:p>
+            <a:pPr fontAlgn="base">
+              <a:spcBef>
+                <a:spcPts val="600"/>
+              </a:spcBef>
+              <a:spcAft>
+                <a:spcPct val="0"/>
+              </a:spcAft>
+              <a:buClr>
+                <a:srgbClr val="F0AB00"/>
+              </a:buClr>
+              <a:buSzPct val="80000"/>
+            </a:pPr>
+            <a:r>
+              <a:rPr lang="en-US" sz="1000" b="1" kern="0" dirty="0" smtClean="0">
+                <a:ea typeface="Arial Unicode MS" pitchFamily="34" charset="-128"/>
+                <a:cs typeface="Arial Unicode MS" pitchFamily="34" charset="-128"/>
+              </a:rPr>
+              <a:t>Risk on Collectability</a:t>
+            </a:r>
+            <a:endParaRPr lang="en-US" sz="1000" b="1" kern="0" dirty="0" smtClean="0">
+              <a:ea typeface="Arial Unicode MS" pitchFamily="34" charset="-128"/>
+              <a:cs typeface="Arial Unicode MS" pitchFamily="34" charset="-128"/>
+            </a:endParaRPr>
+          </a:p>
+        </p:txBody>
+      </p:sp>
+      <p:sp>
+        <p:nvSpPr>
+          <p:cNvPr id="10" name="TextBox 9"/>
+          <p:cNvSpPr txBox="1"/>
+          <p:nvPr/>
+        </p:nvSpPr>
+        <p:spPr>
+          <a:xfrm>
+            <a:off x="869203" y="5083129"/>
+            <a:ext cx="706581" cy="153888"/>
+          </a:xfrm>
+          <a:prstGeom prst="rect">
+            <a:avLst/>
+          </a:prstGeom>
+          <a:noFill/>
+        </p:spPr>
+        <p:txBody>
+          <a:bodyPr wrap="square" lIns="0" tIns="0" rIns="0" bIns="0" rtlCol="0">
+            <a:spAutoFit/>
+          </a:bodyPr>
+          <a:lstStyle/>
+          <a:p>
+            <a:pPr fontAlgn="base">
+              <a:spcBef>
+                <a:spcPts val="600"/>
+              </a:spcBef>
+              <a:spcAft>
+                <a:spcPct val="0"/>
+              </a:spcAft>
+              <a:buClr>
+                <a:srgbClr val="F0AB00"/>
+              </a:buClr>
+              <a:buSzPct val="80000"/>
+            </a:pPr>
+            <a:r>
+              <a:rPr lang="en-US" sz="1000" kern="0" dirty="0" smtClean="0">
+                <a:ea typeface="Arial Unicode MS" pitchFamily="34" charset="-128"/>
+                <a:cs typeface="Arial Unicode MS" pitchFamily="34" charset="-128"/>
+              </a:rPr>
+              <a:t>Late</a:t>
+            </a:r>
+            <a:endParaRPr lang="en-US" sz="1000" kern="0" dirty="0" smtClean="0">
+              <a:ea typeface="Arial Unicode MS" pitchFamily="34" charset="-128"/>
+              <a:cs typeface="Arial Unicode MS" pitchFamily="34" charset="-128"/>
+            </a:endParaRPr>
+          </a:p>
+        </p:txBody>
+      </p:sp>
+      <p:sp>
+        <p:nvSpPr>
+          <p:cNvPr id="13" name="TextBox 12"/>
+          <p:cNvSpPr txBox="1"/>
+          <p:nvPr/>
+        </p:nvSpPr>
+        <p:spPr>
+          <a:xfrm>
+            <a:off x="3144291" y="5070557"/>
+            <a:ext cx="463433" cy="153888"/>
+          </a:xfrm>
+          <a:prstGeom prst="rect">
+            <a:avLst/>
+          </a:prstGeom>
+          <a:noFill/>
+        </p:spPr>
+        <p:txBody>
+          <a:bodyPr wrap="square" lIns="0" tIns="0" rIns="0" bIns="0" rtlCol="0">
+            <a:spAutoFit/>
+          </a:bodyPr>
+          <a:lstStyle/>
+          <a:p>
+            <a:pPr fontAlgn="base">
+              <a:spcBef>
+                <a:spcPts val="600"/>
+              </a:spcBef>
+              <a:spcAft>
+                <a:spcPct val="0"/>
+              </a:spcAft>
+              <a:buClr>
+                <a:srgbClr val="F0AB00"/>
+              </a:buClr>
+              <a:buSzPct val="80000"/>
+            </a:pPr>
+            <a:r>
+              <a:rPr lang="en-US" altLang="zh-CN" sz="1000" kern="0" dirty="0" smtClean="0">
+                <a:ea typeface="Arial Unicode MS" pitchFamily="34" charset="-128"/>
+                <a:cs typeface="Arial Unicode MS" pitchFamily="34" charset="-128"/>
+              </a:rPr>
+              <a:t>Low</a:t>
+            </a:r>
+            <a:endParaRPr lang="en-US" sz="1000" kern="0" dirty="0" smtClean="0">
+              <a:ea typeface="Arial Unicode MS" pitchFamily="34" charset="-128"/>
+              <a:cs typeface="Arial Unicode MS" pitchFamily="34" charset="-128"/>
+            </a:endParaRPr>
+          </a:p>
+        </p:txBody>
+      </p:sp>
+      <p:sp>
+        <p:nvSpPr>
+          <p:cNvPr id="14" name="TextBox 13"/>
+          <p:cNvSpPr txBox="1"/>
+          <p:nvPr/>
+        </p:nvSpPr>
+        <p:spPr>
+          <a:xfrm>
+            <a:off x="3144291" y="2069643"/>
+            <a:ext cx="396932" cy="153888"/>
+          </a:xfrm>
+          <a:prstGeom prst="rect">
+            <a:avLst/>
+          </a:prstGeom>
+          <a:noFill/>
+        </p:spPr>
+        <p:txBody>
+          <a:bodyPr wrap="square" lIns="0" tIns="0" rIns="0" bIns="0" rtlCol="0">
+            <a:spAutoFit/>
+          </a:bodyPr>
+          <a:lstStyle/>
+          <a:p>
+            <a:pPr fontAlgn="base">
+              <a:spcBef>
+                <a:spcPts val="600"/>
+              </a:spcBef>
+              <a:spcAft>
+                <a:spcPct val="0"/>
+              </a:spcAft>
+              <a:buClr>
+                <a:srgbClr val="F0AB00"/>
+              </a:buClr>
+              <a:buSzPct val="80000"/>
+            </a:pPr>
+            <a:r>
+              <a:rPr lang="en-US" sz="1000" kern="0" dirty="0" smtClean="0">
+                <a:ea typeface="Arial Unicode MS" pitchFamily="34" charset="-128"/>
+                <a:cs typeface="Arial Unicode MS" pitchFamily="34" charset="-128"/>
+              </a:rPr>
+              <a:t>High</a:t>
+            </a:r>
+            <a:endParaRPr lang="en-US" sz="1000" kern="0" dirty="0" smtClean="0">
+              <a:ea typeface="Arial Unicode MS" pitchFamily="34" charset="-128"/>
+              <a:cs typeface="Arial Unicode MS" pitchFamily="34" charset="-128"/>
+            </a:endParaRPr>
+          </a:p>
+        </p:txBody>
+      </p:sp>
+      <p:sp>
+        <p:nvSpPr>
+          <p:cNvPr id="15" name="TextBox 14"/>
+          <p:cNvSpPr txBox="1"/>
+          <p:nvPr/>
+        </p:nvSpPr>
+        <p:spPr>
+          <a:xfrm>
+            <a:off x="869202" y="2096179"/>
+            <a:ext cx="706581" cy="153888"/>
+          </a:xfrm>
+          <a:prstGeom prst="rect">
+            <a:avLst/>
+          </a:prstGeom>
+          <a:noFill/>
+        </p:spPr>
+        <p:txBody>
+          <a:bodyPr wrap="square" lIns="0" tIns="0" rIns="0" bIns="0" rtlCol="0">
+            <a:spAutoFit/>
+          </a:bodyPr>
+          <a:lstStyle/>
+          <a:p>
+            <a:pPr fontAlgn="base">
+              <a:spcBef>
+                <a:spcPts val="600"/>
+              </a:spcBef>
+              <a:spcAft>
+                <a:spcPct val="0"/>
+              </a:spcAft>
+              <a:buClr>
+                <a:srgbClr val="F0AB00"/>
+              </a:buClr>
+              <a:buSzPct val="80000"/>
+            </a:pPr>
+            <a:r>
+              <a:rPr lang="en-US" sz="1000" kern="0" dirty="0" smtClean="0">
+                <a:ea typeface="Arial Unicode MS" pitchFamily="34" charset="-128"/>
+                <a:cs typeface="Arial Unicode MS" pitchFamily="34" charset="-128"/>
+              </a:rPr>
+              <a:t>Early</a:t>
+            </a:r>
+            <a:endParaRPr lang="en-US" sz="1000" kern="0" dirty="0" smtClean="0">
+              <a:ea typeface="Arial Unicode MS" pitchFamily="34" charset="-128"/>
+              <a:cs typeface="Arial Unicode MS" pitchFamily="34" charset="-128"/>
+            </a:endParaRPr>
+          </a:p>
+        </p:txBody>
+      </p:sp>
+      <p:sp>
+        <p:nvSpPr>
+          <p:cNvPr id="16" name="Up Arrow 15"/>
+          <p:cNvSpPr/>
+          <p:nvPr/>
+        </p:nvSpPr>
+        <p:spPr bwMode="gray">
+          <a:xfrm rot="10800000">
+            <a:off x="3704361" y="2069643"/>
+            <a:ext cx="742948" cy="3167374"/>
+          </a:xfrm>
+          <a:prstGeom prst="upArrow">
+            <a:avLst/>
+          </a:prstGeom>
+          <a:gradFill>
+            <a:gsLst>
+              <a:gs pos="55000">
+                <a:srgbClr val="FFFF00"/>
+              </a:gs>
+              <a:gs pos="0">
+                <a:schemeClr val="accent4"/>
+              </a:gs>
+              <a:gs pos="30000">
+                <a:schemeClr val="accent4"/>
+              </a:gs>
+              <a:gs pos="100000">
+                <a:srgbClr val="FF0000"/>
+              </a:gs>
+            </a:gsLst>
+            <a:lin ang="5400000" scaled="1"/>
+          </a:gradFill>
+          <a:ln w="6350" algn="ctr">
+            <a:noFill/>
+            <a:miter lim="800000"/>
+            <a:headEnd/>
+            <a:tailEnd/>
+          </a:ln>
+        </p:spPr>
+        <p:txBody>
+          <a:bodyPr lIns="90000" tIns="72000" rIns="90000" bIns="72000" rtlCol="0" anchor="ctr"/>
+          <a:lstStyle/>
+          <a:p>
+            <a:pPr marR="0" algn="ctr" defTabSz="914400" eaLnBrk="1" fontAlgn="base" latinLnBrk="0" hangingPunct="1">
+              <a:lnSpc>
+                <a:spcPct val="100000"/>
+              </a:lnSpc>
+              <a:spcBef>
+                <a:spcPct val="50000"/>
+              </a:spcBef>
+              <a:spcAft>
+                <a:spcPct val="0"/>
+              </a:spcAft>
+              <a:buClr>
+                <a:srgbClr val="F0AB00"/>
+              </a:buClr>
+              <a:buSzPct val="80000"/>
+              <a:tabLst/>
+            </a:pPr>
+            <a:endParaRPr kumimoji="0" lang="en-US" b="0" i="0" u="none" strike="noStrike" kern="0" cap="none" spc="0" normalizeH="0" baseline="0" noProof="0" dirty="0" smtClean="0">
+              <a:ln>
+                <a:noFill/>
+              </a:ln>
+              <a:effectLst/>
+              <a:uLnTx/>
+              <a:uFillTx/>
+              <a:ea typeface="Arial Unicode MS" pitchFamily="34" charset="-128"/>
+              <a:cs typeface="Arial Unicode MS" pitchFamily="34" charset="-128"/>
+            </a:endParaRPr>
+          </a:p>
+        </p:txBody>
+      </p:sp>
+      <p:sp>
+        <p:nvSpPr>
+          <p:cNvPr id="19" name="Up Arrow 18"/>
+          <p:cNvSpPr/>
+          <p:nvPr/>
+        </p:nvSpPr>
+        <p:spPr bwMode="gray">
+          <a:xfrm rot="10800000">
+            <a:off x="1575784" y="2069643"/>
+            <a:ext cx="742948" cy="3167374"/>
+          </a:xfrm>
+          <a:prstGeom prst="upArrow">
+            <a:avLst/>
+          </a:prstGeom>
+          <a:gradFill>
+            <a:gsLst>
+              <a:gs pos="55000">
+                <a:srgbClr val="FFFF00"/>
+              </a:gs>
+              <a:gs pos="0">
+                <a:schemeClr val="accent4"/>
+              </a:gs>
+              <a:gs pos="30000">
+                <a:schemeClr val="accent4"/>
+              </a:gs>
+              <a:gs pos="100000">
+                <a:srgbClr val="FF0000"/>
+              </a:gs>
+            </a:gsLst>
+            <a:lin ang="5400000" scaled="1"/>
+          </a:gradFill>
+          <a:ln w="6350" algn="ctr">
+            <a:noFill/>
+            <a:miter lim="800000"/>
+            <a:headEnd/>
+            <a:tailEnd/>
+          </a:ln>
+        </p:spPr>
+        <p:txBody>
+          <a:bodyPr lIns="90000" tIns="72000" rIns="90000" bIns="72000" rtlCol="0" anchor="ctr"/>
+          <a:lstStyle/>
+          <a:p>
+            <a:pPr marR="0" algn="ctr" defTabSz="914400" eaLnBrk="1" fontAlgn="base" latinLnBrk="0" hangingPunct="1">
+              <a:lnSpc>
+                <a:spcPct val="100000"/>
+              </a:lnSpc>
+              <a:spcBef>
+                <a:spcPct val="50000"/>
+              </a:spcBef>
+              <a:spcAft>
+                <a:spcPct val="0"/>
+              </a:spcAft>
+              <a:buClr>
+                <a:srgbClr val="F0AB00"/>
+              </a:buClr>
+              <a:buSzPct val="80000"/>
+              <a:tabLst/>
+            </a:pPr>
+            <a:endParaRPr kumimoji="0" lang="en-US" b="0" i="0" u="none" strike="noStrike" kern="0" cap="none" spc="0" normalizeH="0" baseline="0" noProof="0" dirty="0" smtClean="0">
+              <a:ln>
+                <a:noFill/>
+              </a:ln>
+              <a:effectLst/>
+              <a:uLnTx/>
+              <a:uFillTx/>
+              <a:ea typeface="Arial Unicode MS" pitchFamily="34" charset="-128"/>
+              <a:cs typeface="Arial Unicode MS" pitchFamily="34" charset="-128"/>
+            </a:endParaRPr>
+          </a:p>
+        </p:txBody>
+      </p:sp>
+    </p:spTree>
+    <p:extLst>
+      <p:ext uri="{BB962C8B-B14F-4D97-AF65-F5344CB8AC3E}">
+        <p14:creationId xmlns:p14="http://schemas.microsoft.com/office/powerpoint/2010/main" val="664212292"/>
+      </p:ext>
+    </p:extLst>
+  </p:cSld>
+  <p:clrMapOvr>
+    <a:masterClrMapping/>
+  </p:clrMapOvr>
   <p:timing>
     <p:tnLst>
       <p:par>
